--- a/src/main/resources/mq.pptx
+++ b/src/main/resources/mq.pptx
@@ -6,6 +6,8 @@
   </p:sldMasterIdLst>
   <p:sldIdLst>
     <p:sldId id="256" r:id="rId2"/>
+    <p:sldId id="257" r:id="rId3"/>
+    <p:sldId id="258" r:id="rId4"/>
   </p:sldIdLst>
   <p:sldSz cx="9144000" cy="6858000" type="screen4x3"/>
   <p:notesSz cx="6858000" cy="9144000"/>
@@ -104,6 +106,22 @@
       </a:defRPr>
     </a:lvl9pPr>
   </p:defaultTextStyle>
+  <p:extLst>
+    <p:ext uri="{EFAFB233-063F-42B5-8137-9DF3F51BA10A}">
+      <p15:sldGuideLst xmlns:p15="http://schemas.microsoft.com/office/powerpoint/2012/main">
+        <p15:guide id="1" orient="horz" pos="2160">
+          <p15:clr>
+            <a:srgbClr val="A4A3A4"/>
+          </p15:clr>
+        </p15:guide>
+        <p15:guide id="2" pos="2880">
+          <p15:clr>
+            <a:srgbClr val="A4A3A4"/>
+          </p15:clr>
+        </p15:guide>
+      </p15:sldGuideLst>
+    </p:ext>
+  </p:extLst>
 </p:presentation>
 </file>
 
@@ -145,10 +163,9 @@
           <a:lstStyle/>
           <a:p>
             <a:r>
-              <a:rPr lang="fr-FR" smtClean="0"/>
+              <a:rPr lang="fr-FR"/>
               <a:t>Modifiez le style du titre</a:t>
             </a:r>
-            <a:endParaRPr lang="fr-FR"/>
           </a:p>
         </p:txBody>
       </p:sp>
@@ -264,10 +281,9 @@
           </a:lstStyle>
           <a:p>
             <a:r>
-              <a:rPr lang="fr-FR" smtClean="0"/>
+              <a:rPr lang="fr-FR"/>
               <a:t>Modifiez le style des sous-titres du masque</a:t>
             </a:r>
-            <a:endParaRPr lang="fr-FR"/>
           </a:p>
         </p:txBody>
       </p:sp>
@@ -288,7 +304,7 @@
           <a:p>
             <a:fld id="{1DDB72BE-B427-4A6F-AFFD-AFAC62060F46}" type="datetimeFigureOut">
               <a:rPr lang="fr-FR" smtClean="0"/>
-              <a:t>14/02/2020</a:t>
+              <a:t>17/02/2020</a:t>
             </a:fld>
             <a:endParaRPr lang="fr-FR"/>
           </a:p>
@@ -382,10 +398,9 @@
           <a:lstStyle/>
           <a:p>
             <a:r>
-              <a:rPr lang="fr-FR" smtClean="0"/>
+              <a:rPr lang="fr-FR"/>
               <a:t>Modifiez le style du titre</a:t>
             </a:r>
-            <a:endParaRPr lang="fr-FR"/>
           </a:p>
         </p:txBody>
       </p:sp>
@@ -406,38 +421,37 @@
           <a:p>
             <a:pPr lvl="0"/>
             <a:r>
-              <a:rPr lang="fr-FR" smtClean="0"/>
+              <a:rPr lang="fr-FR"/>
               <a:t>Modifiez les styles du texte du masque</a:t>
             </a:r>
           </a:p>
           <a:p>
             <a:pPr lvl="1"/>
             <a:r>
-              <a:rPr lang="fr-FR" smtClean="0"/>
+              <a:rPr lang="fr-FR"/>
               <a:t>Deuxième niveau</a:t>
             </a:r>
           </a:p>
           <a:p>
             <a:pPr lvl="2"/>
             <a:r>
-              <a:rPr lang="fr-FR" smtClean="0"/>
+              <a:rPr lang="fr-FR"/>
               <a:t>Troisième niveau</a:t>
             </a:r>
           </a:p>
           <a:p>
             <a:pPr lvl="3"/>
             <a:r>
-              <a:rPr lang="fr-FR" smtClean="0"/>
+              <a:rPr lang="fr-FR"/>
               <a:t>Quatrième niveau</a:t>
             </a:r>
           </a:p>
           <a:p>
             <a:pPr lvl="4"/>
             <a:r>
-              <a:rPr lang="fr-FR" smtClean="0"/>
+              <a:rPr lang="fr-FR"/>
               <a:t>Cinquième niveau</a:t>
             </a:r>
-            <a:endParaRPr lang="fr-FR"/>
           </a:p>
         </p:txBody>
       </p:sp>
@@ -458,7 +472,7 @@
           <a:p>
             <a:fld id="{1DDB72BE-B427-4A6F-AFFD-AFAC62060F46}" type="datetimeFigureOut">
               <a:rPr lang="fr-FR" smtClean="0"/>
-              <a:t>14/02/2020</a:t>
+              <a:t>17/02/2020</a:t>
             </a:fld>
             <a:endParaRPr lang="fr-FR"/>
           </a:p>
@@ -557,10 +571,9 @@
           <a:lstStyle/>
           <a:p>
             <a:r>
-              <a:rPr lang="fr-FR" smtClean="0"/>
+              <a:rPr lang="fr-FR"/>
               <a:t>Modifiez le style du titre</a:t>
             </a:r>
-            <a:endParaRPr lang="fr-FR"/>
           </a:p>
         </p:txBody>
       </p:sp>
@@ -586,38 +599,37 @@
           <a:p>
             <a:pPr lvl="0"/>
             <a:r>
-              <a:rPr lang="fr-FR" smtClean="0"/>
+              <a:rPr lang="fr-FR"/>
               <a:t>Modifiez les styles du texte du masque</a:t>
             </a:r>
           </a:p>
           <a:p>
             <a:pPr lvl="1"/>
             <a:r>
-              <a:rPr lang="fr-FR" smtClean="0"/>
+              <a:rPr lang="fr-FR"/>
               <a:t>Deuxième niveau</a:t>
             </a:r>
           </a:p>
           <a:p>
             <a:pPr lvl="2"/>
             <a:r>
-              <a:rPr lang="fr-FR" smtClean="0"/>
+              <a:rPr lang="fr-FR"/>
               <a:t>Troisième niveau</a:t>
             </a:r>
           </a:p>
           <a:p>
             <a:pPr lvl="3"/>
             <a:r>
-              <a:rPr lang="fr-FR" smtClean="0"/>
+              <a:rPr lang="fr-FR"/>
               <a:t>Quatrième niveau</a:t>
             </a:r>
           </a:p>
           <a:p>
             <a:pPr lvl="4"/>
             <a:r>
-              <a:rPr lang="fr-FR" smtClean="0"/>
+              <a:rPr lang="fr-FR"/>
               <a:t>Cinquième niveau</a:t>
             </a:r>
-            <a:endParaRPr lang="fr-FR"/>
           </a:p>
         </p:txBody>
       </p:sp>
@@ -638,7 +650,7 @@
           <a:p>
             <a:fld id="{1DDB72BE-B427-4A6F-AFFD-AFAC62060F46}" type="datetimeFigureOut">
               <a:rPr lang="fr-FR" smtClean="0"/>
-              <a:t>14/02/2020</a:t>
+              <a:t>17/02/2020</a:t>
             </a:fld>
             <a:endParaRPr lang="fr-FR"/>
           </a:p>
@@ -732,10 +744,9 @@
           <a:lstStyle/>
           <a:p>
             <a:r>
-              <a:rPr lang="fr-FR" smtClean="0"/>
+              <a:rPr lang="fr-FR"/>
               <a:t>Modifiez le style du titre</a:t>
             </a:r>
-            <a:endParaRPr lang="fr-FR"/>
           </a:p>
         </p:txBody>
       </p:sp>
@@ -756,38 +767,37 @@
           <a:p>
             <a:pPr lvl="0"/>
             <a:r>
-              <a:rPr lang="fr-FR" smtClean="0"/>
+              <a:rPr lang="fr-FR"/>
               <a:t>Modifiez les styles du texte du masque</a:t>
             </a:r>
           </a:p>
           <a:p>
             <a:pPr lvl="1"/>
             <a:r>
-              <a:rPr lang="fr-FR" smtClean="0"/>
+              <a:rPr lang="fr-FR"/>
               <a:t>Deuxième niveau</a:t>
             </a:r>
           </a:p>
           <a:p>
             <a:pPr lvl="2"/>
             <a:r>
-              <a:rPr lang="fr-FR" smtClean="0"/>
+              <a:rPr lang="fr-FR"/>
               <a:t>Troisième niveau</a:t>
             </a:r>
           </a:p>
           <a:p>
             <a:pPr lvl="3"/>
             <a:r>
-              <a:rPr lang="fr-FR" smtClean="0"/>
+              <a:rPr lang="fr-FR"/>
               <a:t>Quatrième niveau</a:t>
             </a:r>
           </a:p>
           <a:p>
             <a:pPr lvl="4"/>
             <a:r>
-              <a:rPr lang="fr-FR" smtClean="0"/>
+              <a:rPr lang="fr-FR"/>
               <a:t>Cinquième niveau</a:t>
             </a:r>
-            <a:endParaRPr lang="fr-FR"/>
           </a:p>
         </p:txBody>
       </p:sp>
@@ -808,7 +818,7 @@
           <a:p>
             <a:fld id="{1DDB72BE-B427-4A6F-AFFD-AFAC62060F46}" type="datetimeFigureOut">
               <a:rPr lang="fr-FR" smtClean="0"/>
-              <a:t>14/02/2020</a:t>
+              <a:t>17/02/2020</a:t>
             </a:fld>
             <a:endParaRPr lang="fr-FR"/>
           </a:p>
@@ -911,10 +921,9 @@
           </a:lstStyle>
           <a:p>
             <a:r>
-              <a:rPr lang="fr-FR" smtClean="0"/>
+              <a:rPr lang="fr-FR"/>
               <a:t>Modifiez le style du titre</a:t>
             </a:r>
-            <a:endParaRPr lang="fr-FR"/>
           </a:p>
         </p:txBody>
       </p:sp>
@@ -1031,7 +1040,7 @@
           <a:p>
             <a:pPr lvl="0"/>
             <a:r>
-              <a:rPr lang="fr-FR" smtClean="0"/>
+              <a:rPr lang="fr-FR"/>
               <a:t>Modifiez les styles du texte du masque</a:t>
             </a:r>
           </a:p>
@@ -1054,7 +1063,7 @@
           <a:p>
             <a:fld id="{1DDB72BE-B427-4A6F-AFFD-AFAC62060F46}" type="datetimeFigureOut">
               <a:rPr lang="fr-FR" smtClean="0"/>
-              <a:t>14/02/2020</a:t>
+              <a:t>17/02/2020</a:t>
             </a:fld>
             <a:endParaRPr lang="fr-FR"/>
           </a:p>
@@ -1148,10 +1157,9 @@
           <a:lstStyle/>
           <a:p>
             <a:r>
-              <a:rPr lang="fr-FR" smtClean="0"/>
+              <a:rPr lang="fr-FR"/>
               <a:t>Modifiez le style du titre</a:t>
             </a:r>
-            <a:endParaRPr lang="fr-FR"/>
           </a:p>
         </p:txBody>
       </p:sp>
@@ -1205,38 +1213,37 @@
           <a:p>
             <a:pPr lvl="0"/>
             <a:r>
-              <a:rPr lang="fr-FR" smtClean="0"/>
+              <a:rPr lang="fr-FR"/>
               <a:t>Modifiez les styles du texte du masque</a:t>
             </a:r>
           </a:p>
           <a:p>
             <a:pPr lvl="1"/>
             <a:r>
-              <a:rPr lang="fr-FR" smtClean="0"/>
+              <a:rPr lang="fr-FR"/>
               <a:t>Deuxième niveau</a:t>
             </a:r>
           </a:p>
           <a:p>
             <a:pPr lvl="2"/>
             <a:r>
-              <a:rPr lang="fr-FR" smtClean="0"/>
+              <a:rPr lang="fr-FR"/>
               <a:t>Troisième niveau</a:t>
             </a:r>
           </a:p>
           <a:p>
             <a:pPr lvl="3"/>
             <a:r>
-              <a:rPr lang="fr-FR" smtClean="0"/>
+              <a:rPr lang="fr-FR"/>
               <a:t>Quatrième niveau</a:t>
             </a:r>
           </a:p>
           <a:p>
             <a:pPr lvl="4"/>
             <a:r>
-              <a:rPr lang="fr-FR" smtClean="0"/>
+              <a:rPr lang="fr-FR"/>
               <a:t>Cinquième niveau</a:t>
             </a:r>
-            <a:endParaRPr lang="fr-FR"/>
           </a:p>
         </p:txBody>
       </p:sp>
@@ -1290,38 +1297,37 @@
           <a:p>
             <a:pPr lvl="0"/>
             <a:r>
-              <a:rPr lang="fr-FR" smtClean="0"/>
+              <a:rPr lang="fr-FR"/>
               <a:t>Modifiez les styles du texte du masque</a:t>
             </a:r>
           </a:p>
           <a:p>
             <a:pPr lvl="1"/>
             <a:r>
-              <a:rPr lang="fr-FR" smtClean="0"/>
+              <a:rPr lang="fr-FR"/>
               <a:t>Deuxième niveau</a:t>
             </a:r>
           </a:p>
           <a:p>
             <a:pPr lvl="2"/>
             <a:r>
-              <a:rPr lang="fr-FR" smtClean="0"/>
+              <a:rPr lang="fr-FR"/>
               <a:t>Troisième niveau</a:t>
             </a:r>
           </a:p>
           <a:p>
             <a:pPr lvl="3"/>
             <a:r>
-              <a:rPr lang="fr-FR" smtClean="0"/>
+              <a:rPr lang="fr-FR"/>
               <a:t>Quatrième niveau</a:t>
             </a:r>
           </a:p>
           <a:p>
             <a:pPr lvl="4"/>
             <a:r>
-              <a:rPr lang="fr-FR" smtClean="0"/>
+              <a:rPr lang="fr-FR"/>
               <a:t>Cinquième niveau</a:t>
             </a:r>
-            <a:endParaRPr lang="fr-FR"/>
           </a:p>
         </p:txBody>
       </p:sp>
@@ -1342,7 +1348,7 @@
           <a:p>
             <a:fld id="{1DDB72BE-B427-4A6F-AFFD-AFAC62060F46}" type="datetimeFigureOut">
               <a:rPr lang="fr-FR" smtClean="0"/>
-              <a:t>14/02/2020</a:t>
+              <a:t>17/02/2020</a:t>
             </a:fld>
             <a:endParaRPr lang="fr-FR"/>
           </a:p>
@@ -1440,10 +1446,9 @@
           </a:lstStyle>
           <a:p>
             <a:r>
-              <a:rPr lang="fr-FR" smtClean="0"/>
+              <a:rPr lang="fr-FR"/>
               <a:t>Modifiez le style du titre</a:t>
             </a:r>
-            <a:endParaRPr lang="fr-FR"/>
           </a:p>
         </p:txBody>
       </p:sp>
@@ -1506,7 +1511,7 @@
           <a:p>
             <a:pPr lvl="0"/>
             <a:r>
-              <a:rPr lang="fr-FR" smtClean="0"/>
+              <a:rPr lang="fr-FR"/>
               <a:t>Modifiez les styles du texte du masque</a:t>
             </a:r>
           </a:p>
@@ -1562,38 +1567,37 @@
           <a:p>
             <a:pPr lvl="0"/>
             <a:r>
-              <a:rPr lang="fr-FR" smtClean="0"/>
+              <a:rPr lang="fr-FR"/>
               <a:t>Modifiez les styles du texte du masque</a:t>
             </a:r>
           </a:p>
           <a:p>
             <a:pPr lvl="1"/>
             <a:r>
-              <a:rPr lang="fr-FR" smtClean="0"/>
+              <a:rPr lang="fr-FR"/>
               <a:t>Deuxième niveau</a:t>
             </a:r>
           </a:p>
           <a:p>
             <a:pPr lvl="2"/>
             <a:r>
-              <a:rPr lang="fr-FR" smtClean="0"/>
+              <a:rPr lang="fr-FR"/>
               <a:t>Troisième niveau</a:t>
             </a:r>
           </a:p>
           <a:p>
             <a:pPr lvl="3"/>
             <a:r>
-              <a:rPr lang="fr-FR" smtClean="0"/>
+              <a:rPr lang="fr-FR"/>
               <a:t>Quatrième niveau</a:t>
             </a:r>
           </a:p>
           <a:p>
             <a:pPr lvl="4"/>
             <a:r>
-              <a:rPr lang="fr-FR" smtClean="0"/>
+              <a:rPr lang="fr-FR"/>
               <a:t>Cinquième niveau</a:t>
             </a:r>
-            <a:endParaRPr lang="fr-FR"/>
           </a:p>
         </p:txBody>
       </p:sp>
@@ -1656,7 +1660,7 @@
           <a:p>
             <a:pPr lvl="0"/>
             <a:r>
-              <a:rPr lang="fr-FR" smtClean="0"/>
+              <a:rPr lang="fr-FR"/>
               <a:t>Modifiez les styles du texte du masque</a:t>
             </a:r>
           </a:p>
@@ -1712,38 +1716,37 @@
           <a:p>
             <a:pPr lvl="0"/>
             <a:r>
-              <a:rPr lang="fr-FR" smtClean="0"/>
+              <a:rPr lang="fr-FR"/>
               <a:t>Modifiez les styles du texte du masque</a:t>
             </a:r>
           </a:p>
           <a:p>
             <a:pPr lvl="1"/>
             <a:r>
-              <a:rPr lang="fr-FR" smtClean="0"/>
+              <a:rPr lang="fr-FR"/>
               <a:t>Deuxième niveau</a:t>
             </a:r>
           </a:p>
           <a:p>
             <a:pPr lvl="2"/>
             <a:r>
-              <a:rPr lang="fr-FR" smtClean="0"/>
+              <a:rPr lang="fr-FR"/>
               <a:t>Troisième niveau</a:t>
             </a:r>
           </a:p>
           <a:p>
             <a:pPr lvl="3"/>
             <a:r>
-              <a:rPr lang="fr-FR" smtClean="0"/>
+              <a:rPr lang="fr-FR"/>
               <a:t>Quatrième niveau</a:t>
             </a:r>
           </a:p>
           <a:p>
             <a:pPr lvl="4"/>
             <a:r>
-              <a:rPr lang="fr-FR" smtClean="0"/>
+              <a:rPr lang="fr-FR"/>
               <a:t>Cinquième niveau</a:t>
             </a:r>
-            <a:endParaRPr lang="fr-FR"/>
           </a:p>
         </p:txBody>
       </p:sp>
@@ -1764,7 +1767,7 @@
           <a:p>
             <a:fld id="{1DDB72BE-B427-4A6F-AFFD-AFAC62060F46}" type="datetimeFigureOut">
               <a:rPr lang="fr-FR" smtClean="0"/>
-              <a:t>14/02/2020</a:t>
+              <a:t>17/02/2020</a:t>
             </a:fld>
             <a:endParaRPr lang="fr-FR"/>
           </a:p>
@@ -1858,10 +1861,9 @@
           <a:lstStyle/>
           <a:p>
             <a:r>
-              <a:rPr lang="fr-FR" smtClean="0"/>
+              <a:rPr lang="fr-FR"/>
               <a:t>Modifiez le style du titre</a:t>
             </a:r>
-            <a:endParaRPr lang="fr-FR"/>
           </a:p>
         </p:txBody>
       </p:sp>
@@ -1882,7 +1884,7 @@
           <a:p>
             <a:fld id="{1DDB72BE-B427-4A6F-AFFD-AFAC62060F46}" type="datetimeFigureOut">
               <a:rPr lang="fr-FR" smtClean="0"/>
-              <a:t>14/02/2020</a:t>
+              <a:t>17/02/2020</a:t>
             </a:fld>
             <a:endParaRPr lang="fr-FR"/>
           </a:p>
@@ -1977,7 +1979,7 @@
           <a:p>
             <a:fld id="{1DDB72BE-B427-4A6F-AFFD-AFAC62060F46}" type="datetimeFigureOut">
               <a:rPr lang="fr-FR" smtClean="0"/>
-              <a:t>14/02/2020</a:t>
+              <a:t>17/02/2020</a:t>
             </a:fld>
             <a:endParaRPr lang="fr-FR"/>
           </a:p>
@@ -2080,10 +2082,9 @@
           </a:lstStyle>
           <a:p>
             <a:r>
-              <a:rPr lang="fr-FR" smtClean="0"/>
+              <a:rPr lang="fr-FR"/>
               <a:t>Modifiez le style du titre</a:t>
             </a:r>
-            <a:endParaRPr lang="fr-FR"/>
           </a:p>
         </p:txBody>
       </p:sp>
@@ -2137,38 +2138,37 @@
           <a:p>
             <a:pPr lvl="0"/>
             <a:r>
-              <a:rPr lang="fr-FR" smtClean="0"/>
+              <a:rPr lang="fr-FR"/>
               <a:t>Modifiez les styles du texte du masque</a:t>
             </a:r>
           </a:p>
           <a:p>
             <a:pPr lvl="1"/>
             <a:r>
-              <a:rPr lang="fr-FR" smtClean="0"/>
+              <a:rPr lang="fr-FR"/>
               <a:t>Deuxième niveau</a:t>
             </a:r>
           </a:p>
           <a:p>
             <a:pPr lvl="2"/>
             <a:r>
-              <a:rPr lang="fr-FR" smtClean="0"/>
+              <a:rPr lang="fr-FR"/>
               <a:t>Troisième niveau</a:t>
             </a:r>
           </a:p>
           <a:p>
             <a:pPr lvl="3"/>
             <a:r>
-              <a:rPr lang="fr-FR" smtClean="0"/>
+              <a:rPr lang="fr-FR"/>
               <a:t>Quatrième niveau</a:t>
             </a:r>
           </a:p>
           <a:p>
             <a:pPr lvl="4"/>
             <a:r>
-              <a:rPr lang="fr-FR" smtClean="0"/>
+              <a:rPr lang="fr-FR"/>
               <a:t>Cinquième niveau</a:t>
             </a:r>
-            <a:endParaRPr lang="fr-FR"/>
           </a:p>
         </p:txBody>
       </p:sp>
@@ -2231,7 +2231,7 @@
           <a:p>
             <a:pPr lvl="0"/>
             <a:r>
-              <a:rPr lang="fr-FR" smtClean="0"/>
+              <a:rPr lang="fr-FR"/>
               <a:t>Modifiez les styles du texte du masque</a:t>
             </a:r>
           </a:p>
@@ -2254,7 +2254,7 @@
           <a:p>
             <a:fld id="{1DDB72BE-B427-4A6F-AFFD-AFAC62060F46}" type="datetimeFigureOut">
               <a:rPr lang="fr-FR" smtClean="0"/>
-              <a:t>14/02/2020</a:t>
+              <a:t>17/02/2020</a:t>
             </a:fld>
             <a:endParaRPr lang="fr-FR"/>
           </a:p>
@@ -2357,10 +2357,9 @@
           </a:lstStyle>
           <a:p>
             <a:r>
-              <a:rPr lang="fr-FR" smtClean="0"/>
+              <a:rPr lang="fr-FR"/>
               <a:t>Modifiez le style du titre</a:t>
             </a:r>
-            <a:endParaRPr lang="fr-FR"/>
           </a:p>
         </p:txBody>
       </p:sp>
@@ -2484,7 +2483,7 @@
           <a:p>
             <a:pPr lvl="0"/>
             <a:r>
-              <a:rPr lang="fr-FR" smtClean="0"/>
+              <a:rPr lang="fr-FR"/>
               <a:t>Modifiez les styles du texte du masque</a:t>
             </a:r>
           </a:p>
@@ -2507,7 +2506,7 @@
           <a:p>
             <a:fld id="{1DDB72BE-B427-4A6F-AFFD-AFAC62060F46}" type="datetimeFigureOut">
               <a:rPr lang="fr-FR" smtClean="0"/>
-              <a:t>14/02/2020</a:t>
+              <a:t>17/02/2020</a:t>
             </a:fld>
             <a:endParaRPr lang="fr-FR"/>
           </a:p>
@@ -2616,10 +2615,9 @@
           <a:lstStyle/>
           <a:p>
             <a:r>
-              <a:rPr lang="fr-FR" smtClean="0"/>
+              <a:rPr lang="fr-FR"/>
               <a:t>Modifiez le style du titre</a:t>
             </a:r>
-            <a:endParaRPr lang="fr-FR"/>
           </a:p>
         </p:txBody>
       </p:sp>
@@ -2650,38 +2648,37 @@
           <a:p>
             <a:pPr lvl="0"/>
             <a:r>
-              <a:rPr lang="fr-FR" smtClean="0"/>
+              <a:rPr lang="fr-FR"/>
               <a:t>Modifiez les styles du texte du masque</a:t>
             </a:r>
           </a:p>
           <a:p>
             <a:pPr lvl="1"/>
             <a:r>
-              <a:rPr lang="fr-FR" smtClean="0"/>
+              <a:rPr lang="fr-FR"/>
               <a:t>Deuxième niveau</a:t>
             </a:r>
           </a:p>
           <a:p>
             <a:pPr lvl="2"/>
             <a:r>
-              <a:rPr lang="fr-FR" smtClean="0"/>
+              <a:rPr lang="fr-FR"/>
               <a:t>Troisième niveau</a:t>
             </a:r>
           </a:p>
           <a:p>
             <a:pPr lvl="3"/>
             <a:r>
-              <a:rPr lang="fr-FR" smtClean="0"/>
+              <a:rPr lang="fr-FR"/>
               <a:t>Quatrième niveau</a:t>
             </a:r>
           </a:p>
           <a:p>
             <a:pPr lvl="4"/>
             <a:r>
-              <a:rPr lang="fr-FR" smtClean="0"/>
+              <a:rPr lang="fr-FR"/>
               <a:t>Cinquième niveau</a:t>
             </a:r>
-            <a:endParaRPr lang="fr-FR"/>
           </a:p>
         </p:txBody>
       </p:sp>
@@ -2720,7 +2717,7 @@
           <a:p>
             <a:fld id="{1DDB72BE-B427-4A6F-AFFD-AFAC62060F46}" type="datetimeFigureOut">
               <a:rPr lang="fr-FR" smtClean="0"/>
-              <a:t>14/02/2020</a:t>
+              <a:t>17/02/2020</a:t>
             </a:fld>
             <a:endParaRPr lang="fr-FR"/>
           </a:p>
@@ -3120,8 +3117,20 @@
                 <a:tableStyleId>{5940675A-B579-460E-94D1-54222C63F5DA}</a:tableStyleId>
               </a:tblPr>
               <a:tblGrid>
-                <a:gridCol w="720080"/>
-                <a:gridCol w="3240360"/>
+                <a:gridCol w="720080">
+                  <a:extLst>
+                    <a:ext uri="{9D8B030D-6E8A-4147-A177-3AD203B41FA5}">
+                      <a16:colId xmlns:a16="http://schemas.microsoft.com/office/drawing/2014/main" val="20000"/>
+                    </a:ext>
+                  </a:extLst>
+                </a:gridCol>
+                <a:gridCol w="3240360">
+                  <a:extLst>
+                    <a:ext uri="{9D8B030D-6E8A-4147-A177-3AD203B41FA5}">
+                      <a16:colId xmlns:a16="http://schemas.microsoft.com/office/drawing/2014/main" val="20001"/>
+                    </a:ext>
+                  </a:extLst>
+                </a:gridCol>
               </a:tblGrid>
               <a:tr h="370840">
                 <a:tc>
@@ -3130,10 +3139,9 @@
                     <a:lstStyle/>
                     <a:p>
                       <a:r>
-                        <a:rPr lang="fr-FR" sz="1200" dirty="0" smtClean="0"/>
+                        <a:rPr lang="fr-FR" sz="1200" dirty="0"/>
                         <a:t>V1.0</a:t>
                       </a:r>
-                      <a:endParaRPr lang="fr-FR" sz="1200" dirty="0"/>
                     </a:p>
                   </a:txBody>
                   <a:tcPr/>
@@ -3161,7 +3169,7 @@
                         <a:defRPr/>
                       </a:pPr>
                       <a:r>
-                        <a:rPr lang="fr-FR" sz="1200" dirty="0" smtClean="0"/>
+                        <a:rPr lang="fr-FR" sz="1200" dirty="0"/>
                         <a:t>T001 – Création de la barre de navigation</a:t>
                       </a:r>
                     </a:p>
@@ -3171,6 +3179,11 @@
                   </a:txBody>
                   <a:tcPr/>
                 </a:tc>
+                <a:extLst>
+                  <a:ext uri="{0D108BD9-81ED-4DB2-BD59-A6C34878D82A}">
+                    <a16:rowId xmlns:a16="http://schemas.microsoft.com/office/drawing/2014/main" val="10000"/>
+                  </a:ext>
+                </a:extLst>
               </a:tr>
               <a:tr h="370840">
                 <a:tc>
@@ -3193,6 +3206,11 @@
                   </a:txBody>
                   <a:tcPr/>
                 </a:tc>
+                <a:extLst>
+                  <a:ext uri="{0D108BD9-81ED-4DB2-BD59-A6C34878D82A}">
+                    <a16:rowId xmlns:a16="http://schemas.microsoft.com/office/drawing/2014/main" val="10001"/>
+                  </a:ext>
+                </a:extLst>
               </a:tr>
               <a:tr h="370840">
                 <a:tc>
@@ -3215,6 +3233,11 @@
                   </a:txBody>
                   <a:tcPr/>
                 </a:tc>
+                <a:extLst>
+                  <a:ext uri="{0D108BD9-81ED-4DB2-BD59-A6C34878D82A}">
+                    <a16:rowId xmlns:a16="http://schemas.microsoft.com/office/drawing/2014/main" val="10002"/>
+                  </a:ext>
+                </a:extLst>
               </a:tr>
               <a:tr h="370840">
                 <a:tc>
@@ -3237,6 +3260,11 @@
                   </a:txBody>
                   <a:tcPr/>
                 </a:tc>
+                <a:extLst>
+                  <a:ext uri="{0D108BD9-81ED-4DB2-BD59-A6C34878D82A}">
+                    <a16:rowId xmlns:a16="http://schemas.microsoft.com/office/drawing/2014/main" val="10003"/>
+                  </a:ext>
+                </a:extLst>
               </a:tr>
               <a:tr h="370840">
                 <a:tc>
@@ -3259,6 +3287,11 @@
                   </a:txBody>
                   <a:tcPr/>
                 </a:tc>
+                <a:extLst>
+                  <a:ext uri="{0D108BD9-81ED-4DB2-BD59-A6C34878D82A}">
+                    <a16:rowId xmlns:a16="http://schemas.microsoft.com/office/drawing/2014/main" val="10004"/>
+                  </a:ext>
+                </a:extLst>
               </a:tr>
               <a:tr h="370840">
                 <a:tc>
@@ -3281,6 +3314,11 @@
                   </a:txBody>
                   <a:tcPr/>
                 </a:tc>
+                <a:extLst>
+                  <a:ext uri="{0D108BD9-81ED-4DB2-BD59-A6C34878D82A}">
+                    <a16:rowId xmlns:a16="http://schemas.microsoft.com/office/drawing/2014/main" val="10005"/>
+                  </a:ext>
+                </a:extLst>
               </a:tr>
               <a:tr h="370840">
                 <a:tc>
@@ -3303,6 +3341,11 @@
                   </a:txBody>
                   <a:tcPr/>
                 </a:tc>
+                <a:extLst>
+                  <a:ext uri="{0D108BD9-81ED-4DB2-BD59-A6C34878D82A}">
+                    <a16:rowId xmlns:a16="http://schemas.microsoft.com/office/drawing/2014/main" val="10006"/>
+                  </a:ext>
+                </a:extLst>
               </a:tr>
               <a:tr h="370840">
                 <a:tc>
@@ -3325,6 +3368,11 @@
                   </a:txBody>
                   <a:tcPr/>
                 </a:tc>
+                <a:extLst>
+                  <a:ext uri="{0D108BD9-81ED-4DB2-BD59-A6C34878D82A}">
+                    <a16:rowId xmlns:a16="http://schemas.microsoft.com/office/drawing/2014/main" val="10007"/>
+                  </a:ext>
+                </a:extLst>
               </a:tr>
             </a:tbl>
           </a:graphicData>
@@ -3461,10 +3509,1466 @@
             <a:p>
               <a:pPr algn="ctr"/>
               <a:r>
-                <a:rPr lang="fr-FR" sz="1200" dirty="0" smtClean="0"/>
+                <a:rPr lang="fr-FR" sz="1200" dirty="0"/>
                 <a:t>Accueil</a:t>
               </a:r>
-              <a:endParaRPr lang="fr-FR" sz="1200" dirty="0"/>
+            </a:p>
+          </p:txBody>
+        </p:sp>
+      </p:grpSp>
+      <p:sp>
+        <p:nvSpPr>
+          <p:cNvPr id="2" name="ZoneTexte 1">
+            <a:extLst>
+              <a:ext uri="{FF2B5EF4-FFF2-40B4-BE49-F238E27FC236}">
+                <a16:creationId xmlns:a16="http://schemas.microsoft.com/office/drawing/2014/main" id="{A0009DC1-2467-4DBC-A7FC-558412E78A9F}"/>
+              </a:ext>
+            </a:extLst>
+          </p:cNvPr>
+          <p:cNvSpPr txBox="1"/>
+          <p:nvPr/>
+        </p:nvSpPr>
+        <p:spPr>
+          <a:xfrm>
+            <a:off x="5220072" y="260648"/>
+            <a:ext cx="2808312" cy="369332"/>
+          </a:xfrm>
+          <a:prstGeom prst="rect">
+            <a:avLst/>
+          </a:prstGeom>
+          <a:noFill/>
+        </p:spPr>
+        <p:txBody>
+          <a:bodyPr wrap="square" rtlCol="0">
+            <a:spAutoFit/>
+          </a:bodyPr>
+          <a:lstStyle/>
+          <a:p>
+            <a:r>
+              <a:rPr lang="fr-FR" dirty="0"/>
+              <a:t>Barre de navigation</a:t>
+            </a:r>
+          </a:p>
+        </p:txBody>
+      </p:sp>
+    </p:spTree>
+    <p:extLst>
+      <p:ext uri="{BB962C8B-B14F-4D97-AF65-F5344CB8AC3E}">
+        <p14:creationId xmlns:p14="http://schemas.microsoft.com/office/powerpoint/2010/main" val="3849101405"/>
+      </p:ext>
+    </p:extLst>
+  </p:cSld>
+  <p:clrMapOvr>
+    <a:masterClrMapping/>
+  </p:clrMapOvr>
+</p:sld>
+</file>
+
+<file path=ppt/slides/slide2.xml><?xml version="1.0" encoding="utf-8"?>
+<p:sld xmlns:a="http://schemas.openxmlformats.org/drawingml/2006/main" xmlns:r="http://schemas.openxmlformats.org/officeDocument/2006/relationships" xmlns:p="http://schemas.openxmlformats.org/presentationml/2006/main">
+  <p:cSld>
+    <p:spTree>
+      <p:nvGrpSpPr>
+        <p:cNvPr id="1" name=""/>
+        <p:cNvGrpSpPr/>
+        <p:nvPr/>
+      </p:nvGrpSpPr>
+      <p:grpSpPr>
+        <a:xfrm>
+          <a:off x="0" y="0"/>
+          <a:ext cx="0" cy="0"/>
+          <a:chOff x="0" y="0"/>
+          <a:chExt cx="0" cy="0"/>
+        </a:xfrm>
+      </p:grpSpPr>
+      <p:graphicFrame>
+        <p:nvGraphicFramePr>
+          <p:cNvPr id="6" name="Tableau 5"/>
+          <p:cNvGraphicFramePr>
+            <a:graphicFrameLocks noGrp="1"/>
+          </p:cNvGraphicFramePr>
+          <p:nvPr>
+            <p:extLst>
+              <p:ext uri="{D42A27DB-BD31-4B8C-83A1-F6EECF244321}">
+                <p14:modId xmlns:p14="http://schemas.microsoft.com/office/powerpoint/2010/main" val="934199817"/>
+              </p:ext>
+            </p:extLst>
+          </p:nvPr>
+        </p:nvGraphicFramePr>
+        <p:xfrm>
+          <a:off x="4932040" y="1397000"/>
+          <a:ext cx="3960440" cy="2966720"/>
+        </p:xfrm>
+        <a:graphic>
+          <a:graphicData uri="http://schemas.openxmlformats.org/drawingml/2006/table">
+            <a:tbl>
+              <a:tblPr firstRow="1" bandRow="1">
+                <a:tableStyleId>{5940675A-B579-460E-94D1-54222C63F5DA}</a:tableStyleId>
+              </a:tblPr>
+              <a:tblGrid>
+                <a:gridCol w="720080">
+                  <a:extLst>
+                    <a:ext uri="{9D8B030D-6E8A-4147-A177-3AD203B41FA5}">
+                      <a16:colId xmlns:a16="http://schemas.microsoft.com/office/drawing/2014/main" val="20000"/>
+                    </a:ext>
+                  </a:extLst>
+                </a:gridCol>
+                <a:gridCol w="3240360">
+                  <a:extLst>
+                    <a:ext uri="{9D8B030D-6E8A-4147-A177-3AD203B41FA5}">
+                      <a16:colId xmlns:a16="http://schemas.microsoft.com/office/drawing/2014/main" val="20001"/>
+                    </a:ext>
+                  </a:extLst>
+                </a:gridCol>
+              </a:tblGrid>
+              <a:tr h="370840">
+                <a:tc>
+                  <a:txBody>
+                    <a:bodyPr/>
+                    <a:lstStyle/>
+                    <a:p>
+                      <a:r>
+                        <a:rPr lang="fr-FR" sz="1200" dirty="0"/>
+                        <a:t>V1.0</a:t>
+                      </a:r>
+                    </a:p>
+                  </a:txBody>
+                  <a:tcPr/>
+                </a:tc>
+                <a:tc>
+                  <a:txBody>
+                    <a:bodyPr/>
+                    <a:lstStyle/>
+                    <a:p>
+                      <a:pPr marL="0" marR="0" indent="0" algn="l" defTabSz="914400" rtl="0" eaLnBrk="1" fontAlgn="auto" latinLnBrk="0" hangingPunct="1">
+                        <a:lnSpc>
+                          <a:spcPct val="100000"/>
+                        </a:lnSpc>
+                        <a:spcBef>
+                          <a:spcPts val="0"/>
+                        </a:spcBef>
+                        <a:spcAft>
+                          <a:spcPts val="0"/>
+                        </a:spcAft>
+                        <a:buClrTx/>
+                        <a:buSzTx/>
+                        <a:buFontTx/>
+                        <a:buNone/>
+                        <a:tabLst/>
+                        <a:defRPr/>
+                      </a:pPr>
+                      <a:r>
+                        <a:rPr lang="fr-FR" sz="1200" dirty="0"/>
+                        <a:t>T002 – Création </a:t>
+                      </a:r>
+                      <a:r>
+                        <a:rPr lang="fr-FR" sz="1200" dirty="0" err="1"/>
+                        <a:t>template</a:t>
+                      </a:r>
+                      <a:r>
+                        <a:rPr lang="fr-FR" sz="1200" dirty="0"/>
+                        <a:t> page et titre</a:t>
+                      </a:r>
+                    </a:p>
+                  </a:txBody>
+                  <a:tcPr/>
+                </a:tc>
+                <a:extLst>
+                  <a:ext uri="{0D108BD9-81ED-4DB2-BD59-A6C34878D82A}">
+                    <a16:rowId xmlns:a16="http://schemas.microsoft.com/office/drawing/2014/main" val="10000"/>
+                  </a:ext>
+                </a:extLst>
+              </a:tr>
+              <a:tr h="370840">
+                <a:tc>
+                  <a:txBody>
+                    <a:bodyPr/>
+                    <a:lstStyle/>
+                    <a:p>
+                      <a:endParaRPr lang="fr-FR" sz="1200"/>
+                    </a:p>
+                  </a:txBody>
+                  <a:tcPr/>
+                </a:tc>
+                <a:tc>
+                  <a:txBody>
+                    <a:bodyPr/>
+                    <a:lstStyle/>
+                    <a:p>
+                      <a:endParaRPr lang="fr-FR" sz="1200"/>
+                    </a:p>
+                  </a:txBody>
+                  <a:tcPr/>
+                </a:tc>
+                <a:extLst>
+                  <a:ext uri="{0D108BD9-81ED-4DB2-BD59-A6C34878D82A}">
+                    <a16:rowId xmlns:a16="http://schemas.microsoft.com/office/drawing/2014/main" val="10001"/>
+                  </a:ext>
+                </a:extLst>
+              </a:tr>
+              <a:tr h="370840">
+                <a:tc>
+                  <a:txBody>
+                    <a:bodyPr/>
+                    <a:lstStyle/>
+                    <a:p>
+                      <a:endParaRPr lang="fr-FR" sz="1200"/>
+                    </a:p>
+                  </a:txBody>
+                  <a:tcPr/>
+                </a:tc>
+                <a:tc>
+                  <a:txBody>
+                    <a:bodyPr/>
+                    <a:lstStyle/>
+                    <a:p>
+                      <a:endParaRPr lang="fr-FR" sz="1200"/>
+                    </a:p>
+                  </a:txBody>
+                  <a:tcPr/>
+                </a:tc>
+                <a:extLst>
+                  <a:ext uri="{0D108BD9-81ED-4DB2-BD59-A6C34878D82A}">
+                    <a16:rowId xmlns:a16="http://schemas.microsoft.com/office/drawing/2014/main" val="10002"/>
+                  </a:ext>
+                </a:extLst>
+              </a:tr>
+              <a:tr h="370840">
+                <a:tc>
+                  <a:txBody>
+                    <a:bodyPr/>
+                    <a:lstStyle/>
+                    <a:p>
+                      <a:endParaRPr lang="fr-FR" sz="1200"/>
+                    </a:p>
+                  </a:txBody>
+                  <a:tcPr/>
+                </a:tc>
+                <a:tc>
+                  <a:txBody>
+                    <a:bodyPr/>
+                    <a:lstStyle/>
+                    <a:p>
+                      <a:endParaRPr lang="fr-FR" sz="1200"/>
+                    </a:p>
+                  </a:txBody>
+                  <a:tcPr/>
+                </a:tc>
+                <a:extLst>
+                  <a:ext uri="{0D108BD9-81ED-4DB2-BD59-A6C34878D82A}">
+                    <a16:rowId xmlns:a16="http://schemas.microsoft.com/office/drawing/2014/main" val="10003"/>
+                  </a:ext>
+                </a:extLst>
+              </a:tr>
+              <a:tr h="370840">
+                <a:tc>
+                  <a:txBody>
+                    <a:bodyPr/>
+                    <a:lstStyle/>
+                    <a:p>
+                      <a:endParaRPr lang="fr-FR" sz="1200"/>
+                    </a:p>
+                  </a:txBody>
+                  <a:tcPr/>
+                </a:tc>
+                <a:tc>
+                  <a:txBody>
+                    <a:bodyPr/>
+                    <a:lstStyle/>
+                    <a:p>
+                      <a:endParaRPr lang="fr-FR" sz="1200"/>
+                    </a:p>
+                  </a:txBody>
+                  <a:tcPr/>
+                </a:tc>
+                <a:extLst>
+                  <a:ext uri="{0D108BD9-81ED-4DB2-BD59-A6C34878D82A}">
+                    <a16:rowId xmlns:a16="http://schemas.microsoft.com/office/drawing/2014/main" val="10004"/>
+                  </a:ext>
+                </a:extLst>
+              </a:tr>
+              <a:tr h="370840">
+                <a:tc>
+                  <a:txBody>
+                    <a:bodyPr/>
+                    <a:lstStyle/>
+                    <a:p>
+                      <a:endParaRPr lang="fr-FR" sz="1200"/>
+                    </a:p>
+                  </a:txBody>
+                  <a:tcPr/>
+                </a:tc>
+                <a:tc>
+                  <a:txBody>
+                    <a:bodyPr/>
+                    <a:lstStyle/>
+                    <a:p>
+                      <a:endParaRPr lang="fr-FR" sz="1200"/>
+                    </a:p>
+                  </a:txBody>
+                  <a:tcPr/>
+                </a:tc>
+                <a:extLst>
+                  <a:ext uri="{0D108BD9-81ED-4DB2-BD59-A6C34878D82A}">
+                    <a16:rowId xmlns:a16="http://schemas.microsoft.com/office/drawing/2014/main" val="10005"/>
+                  </a:ext>
+                </a:extLst>
+              </a:tr>
+              <a:tr h="370840">
+                <a:tc>
+                  <a:txBody>
+                    <a:bodyPr/>
+                    <a:lstStyle/>
+                    <a:p>
+                      <a:endParaRPr lang="fr-FR" sz="1200"/>
+                    </a:p>
+                  </a:txBody>
+                  <a:tcPr/>
+                </a:tc>
+                <a:tc>
+                  <a:txBody>
+                    <a:bodyPr/>
+                    <a:lstStyle/>
+                    <a:p>
+                      <a:endParaRPr lang="fr-FR" sz="1200"/>
+                    </a:p>
+                  </a:txBody>
+                  <a:tcPr/>
+                </a:tc>
+                <a:extLst>
+                  <a:ext uri="{0D108BD9-81ED-4DB2-BD59-A6C34878D82A}">
+                    <a16:rowId xmlns:a16="http://schemas.microsoft.com/office/drawing/2014/main" val="10006"/>
+                  </a:ext>
+                </a:extLst>
+              </a:tr>
+              <a:tr h="370840">
+                <a:tc>
+                  <a:txBody>
+                    <a:bodyPr/>
+                    <a:lstStyle/>
+                    <a:p>
+                      <a:endParaRPr lang="fr-FR" sz="1200"/>
+                    </a:p>
+                  </a:txBody>
+                  <a:tcPr/>
+                </a:tc>
+                <a:tc>
+                  <a:txBody>
+                    <a:bodyPr/>
+                    <a:lstStyle/>
+                    <a:p>
+                      <a:endParaRPr lang="fr-FR" sz="1200" dirty="0"/>
+                    </a:p>
+                  </a:txBody>
+                  <a:tcPr/>
+                </a:tc>
+                <a:extLst>
+                  <a:ext uri="{0D108BD9-81ED-4DB2-BD59-A6C34878D82A}">
+                    <a16:rowId xmlns:a16="http://schemas.microsoft.com/office/drawing/2014/main" val="10007"/>
+                  </a:ext>
+                </a:extLst>
+              </a:tr>
+            </a:tbl>
+          </a:graphicData>
+        </a:graphic>
+      </p:graphicFrame>
+      <p:sp>
+        <p:nvSpPr>
+          <p:cNvPr id="10" name="ZoneTexte 9">
+            <a:extLst>
+              <a:ext uri="{FF2B5EF4-FFF2-40B4-BE49-F238E27FC236}">
+                <a16:creationId xmlns:a16="http://schemas.microsoft.com/office/drawing/2014/main" id="{B08D4C3C-8EAE-49D8-A58A-BE3C4E499318}"/>
+              </a:ext>
+            </a:extLst>
+          </p:cNvPr>
+          <p:cNvSpPr txBox="1"/>
+          <p:nvPr/>
+        </p:nvSpPr>
+        <p:spPr>
+          <a:xfrm>
+            <a:off x="5220072" y="260648"/>
+            <a:ext cx="2808312" cy="369332"/>
+          </a:xfrm>
+          <a:prstGeom prst="rect">
+            <a:avLst/>
+          </a:prstGeom>
+          <a:noFill/>
+        </p:spPr>
+        <p:txBody>
+          <a:bodyPr wrap="square" rtlCol="0">
+            <a:spAutoFit/>
+          </a:bodyPr>
+          <a:lstStyle/>
+          <a:p>
+            <a:r>
+              <a:rPr lang="fr-FR" dirty="0"/>
+              <a:t>Template page et titre</a:t>
+            </a:r>
+          </a:p>
+        </p:txBody>
+      </p:sp>
+      <p:grpSp>
+        <p:nvGrpSpPr>
+          <p:cNvPr id="15" name="Groupe 14">
+            <a:extLst>
+              <a:ext uri="{FF2B5EF4-FFF2-40B4-BE49-F238E27FC236}">
+                <a16:creationId xmlns:a16="http://schemas.microsoft.com/office/drawing/2014/main" id="{15A1D63F-91A1-4315-8507-C4DAC1650766}"/>
+              </a:ext>
+            </a:extLst>
+          </p:cNvPr>
+          <p:cNvGrpSpPr/>
+          <p:nvPr/>
+        </p:nvGrpSpPr>
+        <p:grpSpPr>
+          <a:xfrm>
+            <a:off x="755576" y="728700"/>
+            <a:ext cx="3960440" cy="5400600"/>
+            <a:chOff x="755576" y="728700"/>
+            <a:chExt cx="3960440" cy="5400600"/>
+          </a:xfrm>
+        </p:grpSpPr>
+        <p:grpSp>
+          <p:nvGrpSpPr>
+            <p:cNvPr id="12" name="Groupe 11">
+              <a:extLst>
+                <a:ext uri="{FF2B5EF4-FFF2-40B4-BE49-F238E27FC236}">
+                  <a16:creationId xmlns:a16="http://schemas.microsoft.com/office/drawing/2014/main" id="{AA5B99BA-D25A-4D53-AA21-E4F03BE63919}"/>
+                </a:ext>
+              </a:extLst>
+            </p:cNvPr>
+            <p:cNvGrpSpPr/>
+            <p:nvPr/>
+          </p:nvGrpSpPr>
+          <p:grpSpPr>
+            <a:xfrm>
+              <a:off x="755576" y="728700"/>
+              <a:ext cx="3960440" cy="5400600"/>
+              <a:chOff x="755576" y="728700"/>
+              <a:chExt cx="3960440" cy="5400600"/>
+            </a:xfrm>
+          </p:grpSpPr>
+          <p:grpSp>
+            <p:nvGrpSpPr>
+              <p:cNvPr id="5" name="Groupe 4">
+                <a:extLst>
+                  <a:ext uri="{FF2B5EF4-FFF2-40B4-BE49-F238E27FC236}">
+                    <a16:creationId xmlns:a16="http://schemas.microsoft.com/office/drawing/2014/main" id="{52E4449B-6918-45D2-9AA4-7C3B1B5DFE50}"/>
+                  </a:ext>
+                </a:extLst>
+              </p:cNvPr>
+              <p:cNvGrpSpPr/>
+              <p:nvPr/>
+            </p:nvGrpSpPr>
+            <p:grpSpPr>
+              <a:xfrm>
+                <a:off x="755576" y="728700"/>
+                <a:ext cx="3960440" cy="5400600"/>
+                <a:chOff x="755576" y="728700"/>
+                <a:chExt cx="3960440" cy="5400600"/>
+              </a:xfrm>
+            </p:grpSpPr>
+            <p:grpSp>
+              <p:nvGrpSpPr>
+                <p:cNvPr id="9" name="Groupe 8"/>
+                <p:cNvGrpSpPr/>
+                <p:nvPr/>
+              </p:nvGrpSpPr>
+              <p:grpSpPr>
+                <a:xfrm>
+                  <a:off x="755576" y="728700"/>
+                  <a:ext cx="3960440" cy="5400600"/>
+                  <a:chOff x="755576" y="728700"/>
+                  <a:chExt cx="3960440" cy="5400600"/>
+                </a:xfrm>
+              </p:grpSpPr>
+              <p:sp>
+                <p:nvSpPr>
+                  <p:cNvPr id="4" name="Rectangle 3"/>
+                  <p:cNvSpPr/>
+                  <p:nvPr/>
+                </p:nvSpPr>
+                <p:spPr>
+                  <a:xfrm>
+                    <a:off x="755576" y="728700"/>
+                    <a:ext cx="3960440" cy="5400600"/>
+                  </a:xfrm>
+                  <a:prstGeom prst="rect">
+                    <a:avLst/>
+                  </a:prstGeom>
+                  <a:ln>
+                    <a:solidFill>
+                      <a:schemeClr val="tx1"/>
+                    </a:solidFill>
+                  </a:ln>
+                </p:spPr>
+                <p:style>
+                  <a:lnRef idx="2">
+                    <a:schemeClr val="accent1">
+                      <a:shade val="50000"/>
+                    </a:schemeClr>
+                  </a:lnRef>
+                  <a:fillRef idx="1">
+                    <a:schemeClr val="accent1"/>
+                  </a:fillRef>
+                  <a:effectRef idx="0">
+                    <a:schemeClr val="accent1"/>
+                  </a:effectRef>
+                  <a:fontRef idx="minor">
+                    <a:schemeClr val="lt1"/>
+                  </a:fontRef>
+                </p:style>
+                <p:txBody>
+                  <a:bodyPr rtlCol="0" anchor="ctr"/>
+                  <a:lstStyle/>
+                  <a:p>
+                    <a:pPr algn="ctr"/>
+                    <a:endParaRPr lang="fr-FR"/>
+                  </a:p>
+                </p:txBody>
+              </p:sp>
+              <p:sp>
+                <p:nvSpPr>
+                  <p:cNvPr id="7" name="Rectangle 6"/>
+                  <p:cNvSpPr/>
+                  <p:nvPr/>
+                </p:nvSpPr>
+                <p:spPr>
+                  <a:xfrm>
+                    <a:off x="755576" y="728700"/>
+                    <a:ext cx="3960440" cy="468052"/>
+                  </a:xfrm>
+                  <a:prstGeom prst="rect">
+                    <a:avLst/>
+                  </a:prstGeom>
+                  <a:solidFill>
+                    <a:schemeClr val="bg1"/>
+                  </a:solidFill>
+                  <a:ln>
+                    <a:solidFill>
+                      <a:schemeClr val="tx1"/>
+                    </a:solidFill>
+                  </a:ln>
+                </p:spPr>
+                <p:style>
+                  <a:lnRef idx="2">
+                    <a:schemeClr val="accent1">
+                      <a:shade val="50000"/>
+                    </a:schemeClr>
+                  </a:lnRef>
+                  <a:fillRef idx="1">
+                    <a:schemeClr val="accent1"/>
+                  </a:fillRef>
+                  <a:effectRef idx="0">
+                    <a:schemeClr val="accent1"/>
+                  </a:effectRef>
+                  <a:fontRef idx="minor">
+                    <a:schemeClr val="lt1"/>
+                  </a:fontRef>
+                </p:style>
+                <p:txBody>
+                  <a:bodyPr rtlCol="0" anchor="ctr"/>
+                  <a:lstStyle/>
+                  <a:p>
+                    <a:pPr algn="ctr"/>
+                    <a:endParaRPr lang="fr-FR"/>
+                  </a:p>
+                </p:txBody>
+              </p:sp>
+              <p:sp>
+                <p:nvSpPr>
+                  <p:cNvPr id="8" name="ZoneTexte 7"/>
+                  <p:cNvSpPr txBox="1"/>
+                  <p:nvPr/>
+                </p:nvSpPr>
+                <p:spPr>
+                  <a:xfrm>
+                    <a:off x="755576" y="824226"/>
+                    <a:ext cx="936104" cy="276999"/>
+                  </a:xfrm>
+                  <a:prstGeom prst="rect">
+                    <a:avLst/>
+                  </a:prstGeom>
+                  <a:noFill/>
+                </p:spPr>
+                <p:txBody>
+                  <a:bodyPr wrap="square" rtlCol="0">
+                    <a:spAutoFit/>
+                  </a:bodyPr>
+                  <a:lstStyle/>
+                  <a:p>
+                    <a:pPr algn="ctr"/>
+                    <a:r>
+                      <a:rPr lang="fr-FR" sz="1200" dirty="0"/>
+                      <a:t>Accueil</a:t>
+                    </a:r>
+                  </a:p>
+                </p:txBody>
+              </p:sp>
+            </p:grpSp>
+            <p:sp>
+              <p:nvSpPr>
+                <p:cNvPr id="2" name="Rectangle 1">
+                  <a:extLst>
+                    <a:ext uri="{FF2B5EF4-FFF2-40B4-BE49-F238E27FC236}">
+                      <a16:creationId xmlns:a16="http://schemas.microsoft.com/office/drawing/2014/main" id="{8D0CE8A9-91AE-41BA-8A79-CAD11D04711F}"/>
+                    </a:ext>
+                  </a:extLst>
+                </p:cNvPr>
+                <p:cNvSpPr/>
+                <p:nvPr/>
+              </p:nvSpPr>
+              <p:spPr>
+                <a:xfrm>
+                  <a:off x="899592" y="1397000"/>
+                  <a:ext cx="3672408" cy="4480272"/>
+                </a:xfrm>
+                <a:prstGeom prst="rect">
+                  <a:avLst/>
+                </a:prstGeom>
+                <a:solidFill>
+                  <a:schemeClr val="bg1"/>
+                </a:solidFill>
+                <a:ln>
+                  <a:solidFill>
+                    <a:schemeClr val="tx1">
+                      <a:lumMod val="95000"/>
+                      <a:lumOff val="5000"/>
+                    </a:schemeClr>
+                  </a:solidFill>
+                </a:ln>
+              </p:spPr>
+              <p:style>
+                <a:lnRef idx="2">
+                  <a:schemeClr val="accent1">
+                    <a:shade val="50000"/>
+                  </a:schemeClr>
+                </a:lnRef>
+                <a:fillRef idx="1">
+                  <a:schemeClr val="accent1"/>
+                </a:fillRef>
+                <a:effectRef idx="0">
+                  <a:schemeClr val="accent1"/>
+                </a:effectRef>
+                <a:fontRef idx="minor">
+                  <a:schemeClr val="lt1"/>
+                </a:fontRef>
+              </p:style>
+              <p:txBody>
+                <a:bodyPr rtlCol="0" anchor="ctr"/>
+                <a:lstStyle/>
+                <a:p>
+                  <a:pPr algn="ctr"/>
+                  <a:endParaRPr lang="fr-FR"/>
+                </a:p>
+              </p:txBody>
+            </p:sp>
+          </p:grpSp>
+          <p:sp>
+            <p:nvSpPr>
+              <p:cNvPr id="11" name="Rectangle : coins arrondis 10">
+                <a:extLst>
+                  <a:ext uri="{FF2B5EF4-FFF2-40B4-BE49-F238E27FC236}">
+                    <a16:creationId xmlns:a16="http://schemas.microsoft.com/office/drawing/2014/main" id="{C5E09D82-7C59-435F-973D-E3CF32378819}"/>
+                  </a:ext>
+                </a:extLst>
+              </p:cNvPr>
+              <p:cNvSpPr/>
+              <p:nvPr/>
+            </p:nvSpPr>
+            <p:spPr>
+              <a:xfrm>
+                <a:off x="1619672" y="1484784"/>
+                <a:ext cx="2232248" cy="441340"/>
+              </a:xfrm>
+              <a:prstGeom prst="roundRect">
+                <a:avLst/>
+              </a:prstGeom>
+              <a:solidFill>
+                <a:schemeClr val="bg1">
+                  <a:lumMod val="85000"/>
+                </a:schemeClr>
+              </a:solidFill>
+              <a:ln>
+                <a:noFill/>
+              </a:ln>
+              <a:effectLst/>
+            </p:spPr>
+            <p:style>
+              <a:lnRef idx="1">
+                <a:schemeClr val="dk1"/>
+              </a:lnRef>
+              <a:fillRef idx="2">
+                <a:schemeClr val="dk1"/>
+              </a:fillRef>
+              <a:effectRef idx="1">
+                <a:schemeClr val="dk1"/>
+              </a:effectRef>
+              <a:fontRef idx="minor">
+                <a:schemeClr val="dk1"/>
+              </a:fontRef>
+            </p:style>
+            <p:txBody>
+              <a:bodyPr rtlCol="0" anchor="ctr"/>
+              <a:lstStyle/>
+              <a:p>
+                <a:pPr algn="ctr"/>
+                <a:r>
+                  <a:rPr lang="fr-FR" dirty="0"/>
+                  <a:t>TITRE</a:t>
+                </a:r>
+              </a:p>
+            </p:txBody>
+          </p:sp>
+        </p:grpSp>
+        <p:cxnSp>
+          <p:nvCxnSpPr>
+            <p:cNvPr id="14" name="Connecteur droit 13">
+              <a:extLst>
+                <a:ext uri="{FF2B5EF4-FFF2-40B4-BE49-F238E27FC236}">
+                  <a16:creationId xmlns:a16="http://schemas.microsoft.com/office/drawing/2014/main" id="{6975CD86-5159-4D40-B1E5-9B2E678818A9}"/>
+                </a:ext>
+              </a:extLst>
+            </p:cNvPr>
+            <p:cNvCxnSpPr/>
+            <p:nvPr/>
+          </p:nvCxnSpPr>
+          <p:spPr>
+            <a:xfrm>
+              <a:off x="1115616" y="1988840"/>
+              <a:ext cx="3312368" cy="0"/>
+            </a:xfrm>
+            <a:prstGeom prst="line">
+              <a:avLst/>
+            </a:prstGeom>
+          </p:spPr>
+          <p:style>
+            <a:lnRef idx="1">
+              <a:schemeClr val="dk1"/>
+            </a:lnRef>
+            <a:fillRef idx="0">
+              <a:schemeClr val="dk1"/>
+            </a:fillRef>
+            <a:effectRef idx="0">
+              <a:schemeClr val="dk1"/>
+            </a:effectRef>
+            <a:fontRef idx="minor">
+              <a:schemeClr val="tx1"/>
+            </a:fontRef>
+          </p:style>
+        </p:cxnSp>
+      </p:grpSp>
+    </p:spTree>
+    <p:extLst>
+      <p:ext uri="{BB962C8B-B14F-4D97-AF65-F5344CB8AC3E}">
+        <p14:creationId xmlns:p14="http://schemas.microsoft.com/office/powerpoint/2010/main" val="3604366897"/>
+      </p:ext>
+    </p:extLst>
+  </p:cSld>
+  <p:clrMapOvr>
+    <a:masterClrMapping/>
+  </p:clrMapOvr>
+</p:sld>
+</file>
+
+<file path=ppt/slides/slide3.xml><?xml version="1.0" encoding="utf-8"?>
+<p:sld xmlns:a="http://schemas.openxmlformats.org/drawingml/2006/main" xmlns:r="http://schemas.openxmlformats.org/officeDocument/2006/relationships" xmlns:p="http://schemas.openxmlformats.org/presentationml/2006/main">
+  <p:cSld>
+    <p:spTree>
+      <p:nvGrpSpPr>
+        <p:cNvPr id="1" name=""/>
+        <p:cNvGrpSpPr/>
+        <p:nvPr/>
+      </p:nvGrpSpPr>
+      <p:grpSpPr>
+        <a:xfrm>
+          <a:off x="0" y="0"/>
+          <a:ext cx="0" cy="0"/>
+          <a:chOff x="0" y="0"/>
+          <a:chExt cx="0" cy="0"/>
+        </a:xfrm>
+      </p:grpSpPr>
+      <p:graphicFrame>
+        <p:nvGraphicFramePr>
+          <p:cNvPr id="6" name="Tableau 5"/>
+          <p:cNvGraphicFramePr>
+            <a:graphicFrameLocks noGrp="1"/>
+          </p:cNvGraphicFramePr>
+          <p:nvPr>
+            <p:extLst>
+              <p:ext uri="{D42A27DB-BD31-4B8C-83A1-F6EECF244321}">
+                <p14:modId xmlns:p14="http://schemas.microsoft.com/office/powerpoint/2010/main" val="3610559173"/>
+              </p:ext>
+            </p:extLst>
+          </p:nvPr>
+        </p:nvGraphicFramePr>
+        <p:xfrm>
+          <a:off x="4932040" y="1397000"/>
+          <a:ext cx="3960440" cy="3053080"/>
+        </p:xfrm>
+        <a:graphic>
+          <a:graphicData uri="http://schemas.openxmlformats.org/drawingml/2006/table">
+            <a:tbl>
+              <a:tblPr firstRow="1" bandRow="1">
+                <a:tableStyleId>{5940675A-B579-460E-94D1-54222C63F5DA}</a:tableStyleId>
+              </a:tblPr>
+              <a:tblGrid>
+                <a:gridCol w="720080">
+                  <a:extLst>
+                    <a:ext uri="{9D8B030D-6E8A-4147-A177-3AD203B41FA5}">
+                      <a16:colId xmlns:a16="http://schemas.microsoft.com/office/drawing/2014/main" val="20000"/>
+                    </a:ext>
+                  </a:extLst>
+                </a:gridCol>
+                <a:gridCol w="3240360">
+                  <a:extLst>
+                    <a:ext uri="{9D8B030D-6E8A-4147-A177-3AD203B41FA5}">
+                      <a16:colId xmlns:a16="http://schemas.microsoft.com/office/drawing/2014/main" val="20001"/>
+                    </a:ext>
+                  </a:extLst>
+                </a:gridCol>
+              </a:tblGrid>
+              <a:tr h="370840">
+                <a:tc>
+                  <a:txBody>
+                    <a:bodyPr/>
+                    <a:lstStyle/>
+                    <a:p>
+                      <a:r>
+                        <a:rPr lang="fr-FR" sz="1200" dirty="0"/>
+                        <a:t>V1.0</a:t>
+                      </a:r>
+                    </a:p>
+                  </a:txBody>
+                  <a:tcPr/>
+                </a:tc>
+                <a:tc>
+                  <a:txBody>
+                    <a:bodyPr/>
+                    <a:lstStyle/>
+                    <a:p>
+                      <a:pPr marL="0" marR="0" indent="0" algn="l" defTabSz="914400" rtl="0" eaLnBrk="1" fontAlgn="auto" latinLnBrk="0" hangingPunct="1">
+                        <a:lnSpc>
+                          <a:spcPct val="100000"/>
+                        </a:lnSpc>
+                        <a:spcBef>
+                          <a:spcPts val="0"/>
+                        </a:spcBef>
+                        <a:spcAft>
+                          <a:spcPts val="0"/>
+                        </a:spcAft>
+                        <a:buClrTx/>
+                        <a:buSzTx/>
+                        <a:buFontTx/>
+                        <a:buNone/>
+                        <a:tabLst/>
+                        <a:defRPr/>
+                      </a:pPr>
+                      <a:r>
+                        <a:rPr lang="fr-FR" sz="1200" dirty="0"/>
+                        <a:t>T003 – Création de l’écran d’erreur</a:t>
+                      </a:r>
+                    </a:p>
+                    <a:p>
+                      <a:endParaRPr lang="fr-FR" sz="1200" dirty="0"/>
+                    </a:p>
+                  </a:txBody>
+                  <a:tcPr/>
+                </a:tc>
+                <a:extLst>
+                  <a:ext uri="{0D108BD9-81ED-4DB2-BD59-A6C34878D82A}">
+                    <a16:rowId xmlns:a16="http://schemas.microsoft.com/office/drawing/2014/main" val="10000"/>
+                  </a:ext>
+                </a:extLst>
+              </a:tr>
+              <a:tr h="370840">
+                <a:tc>
+                  <a:txBody>
+                    <a:bodyPr/>
+                    <a:lstStyle/>
+                    <a:p>
+                      <a:endParaRPr lang="fr-FR" sz="1200"/>
+                    </a:p>
+                  </a:txBody>
+                  <a:tcPr/>
+                </a:tc>
+                <a:tc>
+                  <a:txBody>
+                    <a:bodyPr/>
+                    <a:lstStyle/>
+                    <a:p>
+                      <a:endParaRPr lang="fr-FR" sz="1200"/>
+                    </a:p>
+                  </a:txBody>
+                  <a:tcPr/>
+                </a:tc>
+                <a:extLst>
+                  <a:ext uri="{0D108BD9-81ED-4DB2-BD59-A6C34878D82A}">
+                    <a16:rowId xmlns:a16="http://schemas.microsoft.com/office/drawing/2014/main" val="10001"/>
+                  </a:ext>
+                </a:extLst>
+              </a:tr>
+              <a:tr h="370840">
+                <a:tc>
+                  <a:txBody>
+                    <a:bodyPr/>
+                    <a:lstStyle/>
+                    <a:p>
+                      <a:endParaRPr lang="fr-FR" sz="1200"/>
+                    </a:p>
+                  </a:txBody>
+                  <a:tcPr/>
+                </a:tc>
+                <a:tc>
+                  <a:txBody>
+                    <a:bodyPr/>
+                    <a:lstStyle/>
+                    <a:p>
+                      <a:endParaRPr lang="fr-FR" sz="1200"/>
+                    </a:p>
+                  </a:txBody>
+                  <a:tcPr/>
+                </a:tc>
+                <a:extLst>
+                  <a:ext uri="{0D108BD9-81ED-4DB2-BD59-A6C34878D82A}">
+                    <a16:rowId xmlns:a16="http://schemas.microsoft.com/office/drawing/2014/main" val="10002"/>
+                  </a:ext>
+                </a:extLst>
+              </a:tr>
+              <a:tr h="370840">
+                <a:tc>
+                  <a:txBody>
+                    <a:bodyPr/>
+                    <a:lstStyle/>
+                    <a:p>
+                      <a:endParaRPr lang="fr-FR" sz="1200"/>
+                    </a:p>
+                  </a:txBody>
+                  <a:tcPr/>
+                </a:tc>
+                <a:tc>
+                  <a:txBody>
+                    <a:bodyPr/>
+                    <a:lstStyle/>
+                    <a:p>
+                      <a:endParaRPr lang="fr-FR" sz="1200"/>
+                    </a:p>
+                  </a:txBody>
+                  <a:tcPr/>
+                </a:tc>
+                <a:extLst>
+                  <a:ext uri="{0D108BD9-81ED-4DB2-BD59-A6C34878D82A}">
+                    <a16:rowId xmlns:a16="http://schemas.microsoft.com/office/drawing/2014/main" val="10003"/>
+                  </a:ext>
+                </a:extLst>
+              </a:tr>
+              <a:tr h="370840">
+                <a:tc>
+                  <a:txBody>
+                    <a:bodyPr/>
+                    <a:lstStyle/>
+                    <a:p>
+                      <a:endParaRPr lang="fr-FR" sz="1200"/>
+                    </a:p>
+                  </a:txBody>
+                  <a:tcPr/>
+                </a:tc>
+                <a:tc>
+                  <a:txBody>
+                    <a:bodyPr/>
+                    <a:lstStyle/>
+                    <a:p>
+                      <a:endParaRPr lang="fr-FR" sz="1200"/>
+                    </a:p>
+                  </a:txBody>
+                  <a:tcPr/>
+                </a:tc>
+                <a:extLst>
+                  <a:ext uri="{0D108BD9-81ED-4DB2-BD59-A6C34878D82A}">
+                    <a16:rowId xmlns:a16="http://schemas.microsoft.com/office/drawing/2014/main" val="10004"/>
+                  </a:ext>
+                </a:extLst>
+              </a:tr>
+              <a:tr h="370840">
+                <a:tc>
+                  <a:txBody>
+                    <a:bodyPr/>
+                    <a:lstStyle/>
+                    <a:p>
+                      <a:endParaRPr lang="fr-FR" sz="1200"/>
+                    </a:p>
+                  </a:txBody>
+                  <a:tcPr/>
+                </a:tc>
+                <a:tc>
+                  <a:txBody>
+                    <a:bodyPr/>
+                    <a:lstStyle/>
+                    <a:p>
+                      <a:endParaRPr lang="fr-FR" sz="1200"/>
+                    </a:p>
+                  </a:txBody>
+                  <a:tcPr/>
+                </a:tc>
+                <a:extLst>
+                  <a:ext uri="{0D108BD9-81ED-4DB2-BD59-A6C34878D82A}">
+                    <a16:rowId xmlns:a16="http://schemas.microsoft.com/office/drawing/2014/main" val="10005"/>
+                  </a:ext>
+                </a:extLst>
+              </a:tr>
+              <a:tr h="370840">
+                <a:tc>
+                  <a:txBody>
+                    <a:bodyPr/>
+                    <a:lstStyle/>
+                    <a:p>
+                      <a:endParaRPr lang="fr-FR" sz="1200"/>
+                    </a:p>
+                  </a:txBody>
+                  <a:tcPr/>
+                </a:tc>
+                <a:tc>
+                  <a:txBody>
+                    <a:bodyPr/>
+                    <a:lstStyle/>
+                    <a:p>
+                      <a:endParaRPr lang="fr-FR" sz="1200"/>
+                    </a:p>
+                  </a:txBody>
+                  <a:tcPr/>
+                </a:tc>
+                <a:extLst>
+                  <a:ext uri="{0D108BD9-81ED-4DB2-BD59-A6C34878D82A}">
+                    <a16:rowId xmlns:a16="http://schemas.microsoft.com/office/drawing/2014/main" val="10006"/>
+                  </a:ext>
+                </a:extLst>
+              </a:tr>
+              <a:tr h="370840">
+                <a:tc>
+                  <a:txBody>
+                    <a:bodyPr/>
+                    <a:lstStyle/>
+                    <a:p>
+                      <a:endParaRPr lang="fr-FR" sz="1200"/>
+                    </a:p>
+                  </a:txBody>
+                  <a:tcPr/>
+                </a:tc>
+                <a:tc>
+                  <a:txBody>
+                    <a:bodyPr/>
+                    <a:lstStyle/>
+                    <a:p>
+                      <a:endParaRPr lang="fr-FR" sz="1200" dirty="0"/>
+                    </a:p>
+                  </a:txBody>
+                  <a:tcPr/>
+                </a:tc>
+                <a:extLst>
+                  <a:ext uri="{0D108BD9-81ED-4DB2-BD59-A6C34878D82A}">
+                    <a16:rowId xmlns:a16="http://schemas.microsoft.com/office/drawing/2014/main" val="10007"/>
+                  </a:ext>
+                </a:extLst>
+              </a:tr>
+            </a:tbl>
+          </a:graphicData>
+        </a:graphic>
+      </p:graphicFrame>
+      <p:sp>
+        <p:nvSpPr>
+          <p:cNvPr id="10" name="ZoneTexte 9">
+            <a:extLst>
+              <a:ext uri="{FF2B5EF4-FFF2-40B4-BE49-F238E27FC236}">
+                <a16:creationId xmlns:a16="http://schemas.microsoft.com/office/drawing/2014/main" id="{B08D4C3C-8EAE-49D8-A58A-BE3C4E499318}"/>
+              </a:ext>
+            </a:extLst>
+          </p:cNvPr>
+          <p:cNvSpPr txBox="1"/>
+          <p:nvPr/>
+        </p:nvSpPr>
+        <p:spPr>
+          <a:xfrm>
+            <a:off x="5220072" y="260648"/>
+            <a:ext cx="2808312" cy="369332"/>
+          </a:xfrm>
+          <a:prstGeom prst="rect">
+            <a:avLst/>
+          </a:prstGeom>
+          <a:noFill/>
+        </p:spPr>
+        <p:txBody>
+          <a:bodyPr wrap="square" rtlCol="0">
+            <a:spAutoFit/>
+          </a:bodyPr>
+          <a:lstStyle/>
+          <a:p>
+            <a:r>
+              <a:rPr lang="fr-FR" dirty="0"/>
+              <a:t>Ecran erreur</a:t>
+            </a:r>
+          </a:p>
+        </p:txBody>
+      </p:sp>
+      <p:grpSp>
+        <p:nvGrpSpPr>
+          <p:cNvPr id="15" name="Groupe 14">
+            <a:extLst>
+              <a:ext uri="{FF2B5EF4-FFF2-40B4-BE49-F238E27FC236}">
+                <a16:creationId xmlns:a16="http://schemas.microsoft.com/office/drawing/2014/main" id="{26E7E0ED-5C3B-480A-BCA1-CF7DEC163F59}"/>
+              </a:ext>
+            </a:extLst>
+          </p:cNvPr>
+          <p:cNvGrpSpPr/>
+          <p:nvPr/>
+        </p:nvGrpSpPr>
+        <p:grpSpPr>
+          <a:xfrm>
+            <a:off x="755576" y="728700"/>
+            <a:ext cx="3960440" cy="5400600"/>
+            <a:chOff x="755576" y="728700"/>
+            <a:chExt cx="3960440" cy="5400600"/>
+          </a:xfrm>
+        </p:grpSpPr>
+        <p:grpSp>
+          <p:nvGrpSpPr>
+            <p:cNvPr id="5" name="Groupe 4">
+              <a:extLst>
+                <a:ext uri="{FF2B5EF4-FFF2-40B4-BE49-F238E27FC236}">
+                  <a16:creationId xmlns:a16="http://schemas.microsoft.com/office/drawing/2014/main" id="{52E4449B-6918-45D2-9AA4-7C3B1B5DFE50}"/>
+                </a:ext>
+              </a:extLst>
+            </p:cNvPr>
+            <p:cNvGrpSpPr/>
+            <p:nvPr/>
+          </p:nvGrpSpPr>
+          <p:grpSpPr>
+            <a:xfrm>
+              <a:off x="755576" y="728700"/>
+              <a:ext cx="3960440" cy="5400600"/>
+              <a:chOff x="755576" y="728700"/>
+              <a:chExt cx="3960440" cy="5400600"/>
+            </a:xfrm>
+          </p:grpSpPr>
+          <p:grpSp>
+            <p:nvGrpSpPr>
+              <p:cNvPr id="9" name="Groupe 8"/>
+              <p:cNvGrpSpPr/>
+              <p:nvPr/>
+            </p:nvGrpSpPr>
+            <p:grpSpPr>
+              <a:xfrm>
+                <a:off x="755576" y="728700"/>
+                <a:ext cx="3960440" cy="5400600"/>
+                <a:chOff x="755576" y="728700"/>
+                <a:chExt cx="3960440" cy="5400600"/>
+              </a:xfrm>
+            </p:grpSpPr>
+            <p:sp>
+              <p:nvSpPr>
+                <p:cNvPr id="4" name="Rectangle 3"/>
+                <p:cNvSpPr/>
+                <p:nvPr/>
+              </p:nvSpPr>
+              <p:spPr>
+                <a:xfrm>
+                  <a:off x="755576" y="728700"/>
+                  <a:ext cx="3960440" cy="5400600"/>
+                </a:xfrm>
+                <a:prstGeom prst="rect">
+                  <a:avLst/>
+                </a:prstGeom>
+                <a:ln>
+                  <a:solidFill>
+                    <a:schemeClr val="tx1"/>
+                  </a:solidFill>
+                </a:ln>
+              </p:spPr>
+              <p:style>
+                <a:lnRef idx="2">
+                  <a:schemeClr val="accent1">
+                    <a:shade val="50000"/>
+                  </a:schemeClr>
+                </a:lnRef>
+                <a:fillRef idx="1">
+                  <a:schemeClr val="accent1"/>
+                </a:fillRef>
+                <a:effectRef idx="0">
+                  <a:schemeClr val="accent1"/>
+                </a:effectRef>
+                <a:fontRef idx="minor">
+                  <a:schemeClr val="lt1"/>
+                </a:fontRef>
+              </p:style>
+              <p:txBody>
+                <a:bodyPr rtlCol="0" anchor="ctr"/>
+                <a:lstStyle/>
+                <a:p>
+                  <a:pPr algn="ctr"/>
+                  <a:endParaRPr lang="fr-FR"/>
+                </a:p>
+              </p:txBody>
+            </p:sp>
+            <p:sp>
+              <p:nvSpPr>
+                <p:cNvPr id="7" name="Rectangle 6"/>
+                <p:cNvSpPr/>
+                <p:nvPr/>
+              </p:nvSpPr>
+              <p:spPr>
+                <a:xfrm>
+                  <a:off x="755576" y="728700"/>
+                  <a:ext cx="3960440" cy="468052"/>
+                </a:xfrm>
+                <a:prstGeom prst="rect">
+                  <a:avLst/>
+                </a:prstGeom>
+                <a:solidFill>
+                  <a:schemeClr val="bg1"/>
+                </a:solidFill>
+                <a:ln>
+                  <a:solidFill>
+                    <a:schemeClr val="tx1"/>
+                  </a:solidFill>
+                </a:ln>
+              </p:spPr>
+              <p:style>
+                <a:lnRef idx="2">
+                  <a:schemeClr val="accent1">
+                    <a:shade val="50000"/>
+                  </a:schemeClr>
+                </a:lnRef>
+                <a:fillRef idx="1">
+                  <a:schemeClr val="accent1"/>
+                </a:fillRef>
+                <a:effectRef idx="0">
+                  <a:schemeClr val="accent1"/>
+                </a:effectRef>
+                <a:fontRef idx="minor">
+                  <a:schemeClr val="lt1"/>
+                </a:fontRef>
+              </p:style>
+              <p:txBody>
+                <a:bodyPr rtlCol="0" anchor="ctr"/>
+                <a:lstStyle/>
+                <a:p>
+                  <a:pPr algn="ctr"/>
+                  <a:endParaRPr lang="fr-FR"/>
+                </a:p>
+              </p:txBody>
+            </p:sp>
+            <p:sp>
+              <p:nvSpPr>
+                <p:cNvPr id="8" name="ZoneTexte 7"/>
+                <p:cNvSpPr txBox="1"/>
+                <p:nvPr/>
+              </p:nvSpPr>
+              <p:spPr>
+                <a:xfrm>
+                  <a:off x="755576" y="824226"/>
+                  <a:ext cx="936104" cy="276999"/>
+                </a:xfrm>
+                <a:prstGeom prst="rect">
+                  <a:avLst/>
+                </a:prstGeom>
+                <a:noFill/>
+              </p:spPr>
+              <p:txBody>
+                <a:bodyPr wrap="square" rtlCol="0">
+                  <a:spAutoFit/>
+                </a:bodyPr>
+                <a:lstStyle/>
+                <a:p>
+                  <a:pPr algn="ctr"/>
+                  <a:r>
+                    <a:rPr lang="fr-FR" sz="1200" dirty="0"/>
+                    <a:t>Accueil</a:t>
+                  </a:r>
+                </a:p>
+              </p:txBody>
+            </p:sp>
+          </p:grpSp>
+          <p:sp>
+            <p:nvSpPr>
+              <p:cNvPr id="2" name="Rectangle 1">
+                <a:extLst>
+                  <a:ext uri="{FF2B5EF4-FFF2-40B4-BE49-F238E27FC236}">
+                    <a16:creationId xmlns:a16="http://schemas.microsoft.com/office/drawing/2014/main" id="{8D0CE8A9-91AE-41BA-8A79-CAD11D04711F}"/>
+                  </a:ext>
+                </a:extLst>
+              </p:cNvPr>
+              <p:cNvSpPr/>
+              <p:nvPr/>
+            </p:nvSpPr>
+            <p:spPr>
+              <a:xfrm>
+                <a:off x="899592" y="1397000"/>
+                <a:ext cx="3672408" cy="4480272"/>
+              </a:xfrm>
+              <a:prstGeom prst="rect">
+                <a:avLst/>
+              </a:prstGeom>
+              <a:solidFill>
+                <a:schemeClr val="bg1"/>
+              </a:solidFill>
+              <a:ln>
+                <a:solidFill>
+                  <a:schemeClr val="tx1">
+                    <a:lumMod val="95000"/>
+                    <a:lumOff val="5000"/>
+                  </a:schemeClr>
+                </a:solidFill>
+              </a:ln>
+            </p:spPr>
+            <p:style>
+              <a:lnRef idx="2">
+                <a:schemeClr val="accent1">
+                  <a:shade val="50000"/>
+                </a:schemeClr>
+              </a:lnRef>
+              <a:fillRef idx="1">
+                <a:schemeClr val="accent1"/>
+              </a:fillRef>
+              <a:effectRef idx="0">
+                <a:schemeClr val="accent1"/>
+              </a:effectRef>
+              <a:fontRef idx="minor">
+                <a:schemeClr val="lt1"/>
+              </a:fontRef>
+            </p:style>
+            <p:txBody>
+              <a:bodyPr rtlCol="0" anchor="ctr"/>
+              <a:lstStyle/>
+              <a:p>
+                <a:pPr algn="ctr"/>
+                <a:endParaRPr lang="fr-FR"/>
+              </a:p>
+            </p:txBody>
+          </p:sp>
+          <p:sp>
+            <p:nvSpPr>
+              <p:cNvPr id="3" name="ZoneTexte 2">
+                <a:extLst>
+                  <a:ext uri="{FF2B5EF4-FFF2-40B4-BE49-F238E27FC236}">
+                    <a16:creationId xmlns:a16="http://schemas.microsoft.com/office/drawing/2014/main" id="{4BF9D852-A74C-448B-B927-A15B97881A76}"/>
+                  </a:ext>
+                </a:extLst>
+              </p:cNvPr>
+              <p:cNvSpPr txBox="1"/>
+              <p:nvPr/>
+            </p:nvSpPr>
+            <p:spPr>
+              <a:xfrm>
+                <a:off x="1115616" y="2450793"/>
+                <a:ext cx="3240360" cy="369332"/>
+              </a:xfrm>
+              <a:prstGeom prst="rect">
+                <a:avLst/>
+              </a:prstGeom>
+              <a:noFill/>
+            </p:spPr>
+            <p:txBody>
+              <a:bodyPr wrap="square" rtlCol="0">
+                <a:spAutoFit/>
+              </a:bodyPr>
+              <a:lstStyle/>
+              <a:p>
+                <a:pPr algn="ctr"/>
+                <a:r>
+                  <a:rPr lang="fr-FR" dirty="0"/>
+                  <a:t>Page inconnue oO !!</a:t>
+                </a:r>
+              </a:p>
+            </p:txBody>
+          </p:sp>
+        </p:grpSp>
+        <p:cxnSp>
+          <p:nvCxnSpPr>
+            <p:cNvPr id="13" name="Connecteur droit 12">
+              <a:extLst>
+                <a:ext uri="{FF2B5EF4-FFF2-40B4-BE49-F238E27FC236}">
+                  <a16:creationId xmlns:a16="http://schemas.microsoft.com/office/drawing/2014/main" id="{21394F91-921A-4BBF-B4EC-B63598DE040A}"/>
+                </a:ext>
+              </a:extLst>
+            </p:cNvPr>
+            <p:cNvCxnSpPr/>
+            <p:nvPr/>
+          </p:nvCxnSpPr>
+          <p:spPr>
+            <a:xfrm>
+              <a:off x="1115616" y="1988840"/>
+              <a:ext cx="3312368" cy="0"/>
+            </a:xfrm>
+            <a:prstGeom prst="line">
+              <a:avLst/>
+            </a:prstGeom>
+          </p:spPr>
+          <p:style>
+            <a:lnRef idx="1">
+              <a:schemeClr val="dk1"/>
+            </a:lnRef>
+            <a:fillRef idx="0">
+              <a:schemeClr val="dk1"/>
+            </a:fillRef>
+            <a:effectRef idx="0">
+              <a:schemeClr val="dk1"/>
+            </a:effectRef>
+            <a:fontRef idx="minor">
+              <a:schemeClr val="tx1"/>
+            </a:fontRef>
+          </p:style>
+        </p:cxnSp>
+        <p:sp>
+          <p:nvSpPr>
+            <p:cNvPr id="14" name="Rectangle : coins arrondis 13">
+              <a:extLst>
+                <a:ext uri="{FF2B5EF4-FFF2-40B4-BE49-F238E27FC236}">
+                  <a16:creationId xmlns:a16="http://schemas.microsoft.com/office/drawing/2014/main" id="{29329E08-603A-4562-9B04-3404D634631F}"/>
+                </a:ext>
+              </a:extLst>
+            </p:cNvPr>
+            <p:cNvSpPr/>
+            <p:nvPr/>
+          </p:nvSpPr>
+          <p:spPr>
+            <a:xfrm>
+              <a:off x="1619672" y="1484784"/>
+              <a:ext cx="2232248" cy="441340"/>
+            </a:xfrm>
+            <a:prstGeom prst="roundRect">
+              <a:avLst/>
+            </a:prstGeom>
+            <a:solidFill>
+              <a:schemeClr val="bg1">
+                <a:lumMod val="85000"/>
+              </a:schemeClr>
+            </a:solidFill>
+            <a:ln>
+              <a:noFill/>
+            </a:ln>
+            <a:effectLst/>
+          </p:spPr>
+          <p:style>
+            <a:lnRef idx="1">
+              <a:schemeClr val="dk1"/>
+            </a:lnRef>
+            <a:fillRef idx="2">
+              <a:schemeClr val="dk1"/>
+            </a:fillRef>
+            <a:effectRef idx="1">
+              <a:schemeClr val="dk1"/>
+            </a:effectRef>
+            <a:fontRef idx="minor">
+              <a:schemeClr val="dk1"/>
+            </a:fontRef>
+          </p:style>
+          <p:txBody>
+            <a:bodyPr rtlCol="0" anchor="ctr"/>
+            <a:lstStyle/>
+            <a:p>
+              <a:pPr algn="ctr"/>
+              <a:r>
+                <a:rPr lang="fr-FR" dirty="0"/>
+                <a:t>ERREUR</a:t>
+              </a:r>
             </a:p>
           </p:txBody>
         </p:sp>
@@ -3472,7 +4976,7 @@
     </p:spTree>
     <p:extLst>
       <p:ext uri="{BB962C8B-B14F-4D97-AF65-F5344CB8AC3E}">
-        <p14:creationId xmlns:p14="http://schemas.microsoft.com/office/powerpoint/2010/main" val="3849101405"/>
+        <p14:creationId xmlns:p14="http://schemas.microsoft.com/office/powerpoint/2010/main" val="572378711"/>
       </p:ext>
     </p:extLst>
   </p:cSld>

--- a/src/main/resources/mq.pptx
+++ b/src/main/resources/mq.pptx
@@ -8,6 +8,7 @@
     <p:sldId id="256" r:id="rId2"/>
     <p:sldId id="257" r:id="rId3"/>
     <p:sldId id="258" r:id="rId4"/>
+    <p:sldId id="259" r:id="rId5"/>
   </p:sldIdLst>
   <p:sldSz cx="9144000" cy="6858000" type="screen4x3"/>
   <p:notesSz cx="6858000" cy="9144000"/>
@@ -304,7 +305,7 @@
           <a:p>
             <a:fld id="{1DDB72BE-B427-4A6F-AFFD-AFAC62060F46}" type="datetimeFigureOut">
               <a:rPr lang="fr-FR" smtClean="0"/>
-              <a:t>17/02/2020</a:t>
+              <a:t>29/03/2020</a:t>
             </a:fld>
             <a:endParaRPr lang="fr-FR"/>
           </a:p>
@@ -472,7 +473,7 @@
           <a:p>
             <a:fld id="{1DDB72BE-B427-4A6F-AFFD-AFAC62060F46}" type="datetimeFigureOut">
               <a:rPr lang="fr-FR" smtClean="0"/>
-              <a:t>17/02/2020</a:t>
+              <a:t>29/03/2020</a:t>
             </a:fld>
             <a:endParaRPr lang="fr-FR"/>
           </a:p>
@@ -650,7 +651,7 @@
           <a:p>
             <a:fld id="{1DDB72BE-B427-4A6F-AFFD-AFAC62060F46}" type="datetimeFigureOut">
               <a:rPr lang="fr-FR" smtClean="0"/>
-              <a:t>17/02/2020</a:t>
+              <a:t>29/03/2020</a:t>
             </a:fld>
             <a:endParaRPr lang="fr-FR"/>
           </a:p>
@@ -818,7 +819,7 @@
           <a:p>
             <a:fld id="{1DDB72BE-B427-4A6F-AFFD-AFAC62060F46}" type="datetimeFigureOut">
               <a:rPr lang="fr-FR" smtClean="0"/>
-              <a:t>17/02/2020</a:t>
+              <a:t>29/03/2020</a:t>
             </a:fld>
             <a:endParaRPr lang="fr-FR"/>
           </a:p>
@@ -1063,7 +1064,7 @@
           <a:p>
             <a:fld id="{1DDB72BE-B427-4A6F-AFFD-AFAC62060F46}" type="datetimeFigureOut">
               <a:rPr lang="fr-FR" smtClean="0"/>
-              <a:t>17/02/2020</a:t>
+              <a:t>29/03/2020</a:t>
             </a:fld>
             <a:endParaRPr lang="fr-FR"/>
           </a:p>
@@ -1348,7 +1349,7 @@
           <a:p>
             <a:fld id="{1DDB72BE-B427-4A6F-AFFD-AFAC62060F46}" type="datetimeFigureOut">
               <a:rPr lang="fr-FR" smtClean="0"/>
-              <a:t>17/02/2020</a:t>
+              <a:t>29/03/2020</a:t>
             </a:fld>
             <a:endParaRPr lang="fr-FR"/>
           </a:p>
@@ -1767,7 +1768,7 @@
           <a:p>
             <a:fld id="{1DDB72BE-B427-4A6F-AFFD-AFAC62060F46}" type="datetimeFigureOut">
               <a:rPr lang="fr-FR" smtClean="0"/>
-              <a:t>17/02/2020</a:t>
+              <a:t>29/03/2020</a:t>
             </a:fld>
             <a:endParaRPr lang="fr-FR"/>
           </a:p>
@@ -1884,7 +1885,7 @@
           <a:p>
             <a:fld id="{1DDB72BE-B427-4A6F-AFFD-AFAC62060F46}" type="datetimeFigureOut">
               <a:rPr lang="fr-FR" smtClean="0"/>
-              <a:t>17/02/2020</a:t>
+              <a:t>29/03/2020</a:t>
             </a:fld>
             <a:endParaRPr lang="fr-FR"/>
           </a:p>
@@ -1979,7 +1980,7 @@
           <a:p>
             <a:fld id="{1DDB72BE-B427-4A6F-AFFD-AFAC62060F46}" type="datetimeFigureOut">
               <a:rPr lang="fr-FR" smtClean="0"/>
-              <a:t>17/02/2020</a:t>
+              <a:t>29/03/2020</a:t>
             </a:fld>
             <a:endParaRPr lang="fr-FR"/>
           </a:p>
@@ -2254,7 +2255,7 @@
           <a:p>
             <a:fld id="{1DDB72BE-B427-4A6F-AFFD-AFAC62060F46}" type="datetimeFigureOut">
               <a:rPr lang="fr-FR" smtClean="0"/>
-              <a:t>17/02/2020</a:t>
+              <a:t>29/03/2020</a:t>
             </a:fld>
             <a:endParaRPr lang="fr-FR"/>
           </a:p>
@@ -2506,7 +2507,7 @@
           <a:p>
             <a:fld id="{1DDB72BE-B427-4A6F-AFFD-AFAC62060F46}" type="datetimeFigureOut">
               <a:rPr lang="fr-FR" smtClean="0"/>
-              <a:t>17/02/2020</a:t>
+              <a:t>29/03/2020</a:t>
             </a:fld>
             <a:endParaRPr lang="fr-FR"/>
           </a:p>
@@ -2717,7 +2718,7 @@
           <a:p>
             <a:fld id="{1DDB72BE-B427-4A6F-AFFD-AFAC62060F46}" type="datetimeFigureOut">
               <a:rPr lang="fr-FR" smtClean="0"/>
-              <a:t>17/02/2020</a:t>
+              <a:t>29/03/2020</a:t>
             </a:fld>
             <a:endParaRPr lang="fr-FR"/>
           </a:p>
@@ -4986,6 +4987,1048 @@
 </p:sld>
 </file>
 
+<file path=ppt/slides/slide4.xml><?xml version="1.0" encoding="utf-8"?>
+<p:sld xmlns:a="http://schemas.openxmlformats.org/drawingml/2006/main" xmlns:r="http://schemas.openxmlformats.org/officeDocument/2006/relationships" xmlns:p="http://schemas.openxmlformats.org/presentationml/2006/main">
+  <p:cSld>
+    <p:spTree>
+      <p:nvGrpSpPr>
+        <p:cNvPr id="1" name=""/>
+        <p:cNvGrpSpPr/>
+        <p:nvPr/>
+      </p:nvGrpSpPr>
+      <p:grpSpPr>
+        <a:xfrm>
+          <a:off x="0" y="0"/>
+          <a:ext cx="0" cy="0"/>
+          <a:chOff x="0" y="0"/>
+          <a:chExt cx="0" cy="0"/>
+        </a:xfrm>
+      </p:grpSpPr>
+      <p:graphicFrame>
+        <p:nvGraphicFramePr>
+          <p:cNvPr id="6" name="Tableau 5"/>
+          <p:cNvGraphicFramePr>
+            <a:graphicFrameLocks noGrp="1"/>
+          </p:cNvGraphicFramePr>
+          <p:nvPr>
+            <p:extLst>
+              <p:ext uri="{D42A27DB-BD31-4B8C-83A1-F6EECF244321}">
+                <p14:modId xmlns:p14="http://schemas.microsoft.com/office/powerpoint/2010/main" val="3189300809"/>
+              </p:ext>
+            </p:extLst>
+          </p:nvPr>
+        </p:nvGraphicFramePr>
+        <p:xfrm>
+          <a:off x="4932040" y="1397000"/>
+          <a:ext cx="3960440" cy="3053080"/>
+        </p:xfrm>
+        <a:graphic>
+          <a:graphicData uri="http://schemas.openxmlformats.org/drawingml/2006/table">
+            <a:tbl>
+              <a:tblPr firstRow="1" bandRow="1">
+                <a:tableStyleId>{5940675A-B579-460E-94D1-54222C63F5DA}</a:tableStyleId>
+              </a:tblPr>
+              <a:tblGrid>
+                <a:gridCol w="720080">
+                  <a:extLst>
+                    <a:ext uri="{9D8B030D-6E8A-4147-A177-3AD203B41FA5}">
+                      <a16:colId xmlns:a16="http://schemas.microsoft.com/office/drawing/2014/main" val="20000"/>
+                    </a:ext>
+                  </a:extLst>
+                </a:gridCol>
+                <a:gridCol w="3240360">
+                  <a:extLst>
+                    <a:ext uri="{9D8B030D-6E8A-4147-A177-3AD203B41FA5}">
+                      <a16:colId xmlns:a16="http://schemas.microsoft.com/office/drawing/2014/main" val="20001"/>
+                    </a:ext>
+                  </a:extLst>
+                </a:gridCol>
+              </a:tblGrid>
+              <a:tr h="370840">
+                <a:tc>
+                  <a:txBody>
+                    <a:bodyPr/>
+                    <a:lstStyle/>
+                    <a:p>
+                      <a:r>
+                        <a:rPr lang="fr-FR" sz="1200" dirty="0"/>
+                        <a:t>V1.0</a:t>
+                      </a:r>
+                    </a:p>
+                  </a:txBody>
+                  <a:tcPr/>
+                </a:tc>
+                <a:tc>
+                  <a:txBody>
+                    <a:bodyPr/>
+                    <a:lstStyle/>
+                    <a:p>
+                      <a:pPr marL="0" marR="0" indent="0" algn="l" defTabSz="914400" rtl="0" eaLnBrk="1" fontAlgn="auto" latinLnBrk="0" hangingPunct="1">
+                        <a:lnSpc>
+                          <a:spcPct val="100000"/>
+                        </a:lnSpc>
+                        <a:spcBef>
+                          <a:spcPts val="0"/>
+                        </a:spcBef>
+                        <a:spcAft>
+                          <a:spcPts val="0"/>
+                        </a:spcAft>
+                        <a:buClrTx/>
+                        <a:buSzTx/>
+                        <a:buFontTx/>
+                        <a:buNone/>
+                        <a:tabLst/>
+                        <a:defRPr/>
+                      </a:pPr>
+                      <a:r>
+                        <a:rPr lang="fr-FR" sz="1200" dirty="0"/>
+                        <a:t>T007 – Création de l’écran test</a:t>
+                      </a:r>
+                    </a:p>
+                    <a:p>
+                      <a:endParaRPr lang="fr-FR" sz="1200" dirty="0"/>
+                    </a:p>
+                  </a:txBody>
+                  <a:tcPr/>
+                </a:tc>
+                <a:extLst>
+                  <a:ext uri="{0D108BD9-81ED-4DB2-BD59-A6C34878D82A}">
+                    <a16:rowId xmlns:a16="http://schemas.microsoft.com/office/drawing/2014/main" val="10000"/>
+                  </a:ext>
+                </a:extLst>
+              </a:tr>
+              <a:tr h="370840">
+                <a:tc>
+                  <a:txBody>
+                    <a:bodyPr/>
+                    <a:lstStyle/>
+                    <a:p>
+                      <a:endParaRPr lang="fr-FR" sz="1200"/>
+                    </a:p>
+                  </a:txBody>
+                  <a:tcPr/>
+                </a:tc>
+                <a:tc>
+                  <a:txBody>
+                    <a:bodyPr/>
+                    <a:lstStyle/>
+                    <a:p>
+                      <a:endParaRPr lang="fr-FR" sz="1200"/>
+                    </a:p>
+                  </a:txBody>
+                  <a:tcPr/>
+                </a:tc>
+                <a:extLst>
+                  <a:ext uri="{0D108BD9-81ED-4DB2-BD59-A6C34878D82A}">
+                    <a16:rowId xmlns:a16="http://schemas.microsoft.com/office/drawing/2014/main" val="10001"/>
+                  </a:ext>
+                </a:extLst>
+              </a:tr>
+              <a:tr h="370840">
+                <a:tc>
+                  <a:txBody>
+                    <a:bodyPr/>
+                    <a:lstStyle/>
+                    <a:p>
+                      <a:endParaRPr lang="fr-FR" sz="1200"/>
+                    </a:p>
+                  </a:txBody>
+                  <a:tcPr/>
+                </a:tc>
+                <a:tc>
+                  <a:txBody>
+                    <a:bodyPr/>
+                    <a:lstStyle/>
+                    <a:p>
+                      <a:endParaRPr lang="fr-FR" sz="1200"/>
+                    </a:p>
+                  </a:txBody>
+                  <a:tcPr/>
+                </a:tc>
+                <a:extLst>
+                  <a:ext uri="{0D108BD9-81ED-4DB2-BD59-A6C34878D82A}">
+                    <a16:rowId xmlns:a16="http://schemas.microsoft.com/office/drawing/2014/main" val="10002"/>
+                  </a:ext>
+                </a:extLst>
+              </a:tr>
+              <a:tr h="370840">
+                <a:tc>
+                  <a:txBody>
+                    <a:bodyPr/>
+                    <a:lstStyle/>
+                    <a:p>
+                      <a:endParaRPr lang="fr-FR" sz="1200"/>
+                    </a:p>
+                  </a:txBody>
+                  <a:tcPr/>
+                </a:tc>
+                <a:tc>
+                  <a:txBody>
+                    <a:bodyPr/>
+                    <a:lstStyle/>
+                    <a:p>
+                      <a:endParaRPr lang="fr-FR" sz="1200"/>
+                    </a:p>
+                  </a:txBody>
+                  <a:tcPr/>
+                </a:tc>
+                <a:extLst>
+                  <a:ext uri="{0D108BD9-81ED-4DB2-BD59-A6C34878D82A}">
+                    <a16:rowId xmlns:a16="http://schemas.microsoft.com/office/drawing/2014/main" val="10003"/>
+                  </a:ext>
+                </a:extLst>
+              </a:tr>
+              <a:tr h="370840">
+                <a:tc>
+                  <a:txBody>
+                    <a:bodyPr/>
+                    <a:lstStyle/>
+                    <a:p>
+                      <a:endParaRPr lang="fr-FR" sz="1200"/>
+                    </a:p>
+                  </a:txBody>
+                  <a:tcPr/>
+                </a:tc>
+                <a:tc>
+                  <a:txBody>
+                    <a:bodyPr/>
+                    <a:lstStyle/>
+                    <a:p>
+                      <a:endParaRPr lang="fr-FR" sz="1200"/>
+                    </a:p>
+                  </a:txBody>
+                  <a:tcPr/>
+                </a:tc>
+                <a:extLst>
+                  <a:ext uri="{0D108BD9-81ED-4DB2-BD59-A6C34878D82A}">
+                    <a16:rowId xmlns:a16="http://schemas.microsoft.com/office/drawing/2014/main" val="10004"/>
+                  </a:ext>
+                </a:extLst>
+              </a:tr>
+              <a:tr h="370840">
+                <a:tc>
+                  <a:txBody>
+                    <a:bodyPr/>
+                    <a:lstStyle/>
+                    <a:p>
+                      <a:endParaRPr lang="fr-FR" sz="1200"/>
+                    </a:p>
+                  </a:txBody>
+                  <a:tcPr/>
+                </a:tc>
+                <a:tc>
+                  <a:txBody>
+                    <a:bodyPr/>
+                    <a:lstStyle/>
+                    <a:p>
+                      <a:endParaRPr lang="fr-FR" sz="1200"/>
+                    </a:p>
+                  </a:txBody>
+                  <a:tcPr/>
+                </a:tc>
+                <a:extLst>
+                  <a:ext uri="{0D108BD9-81ED-4DB2-BD59-A6C34878D82A}">
+                    <a16:rowId xmlns:a16="http://schemas.microsoft.com/office/drawing/2014/main" val="10005"/>
+                  </a:ext>
+                </a:extLst>
+              </a:tr>
+              <a:tr h="370840">
+                <a:tc>
+                  <a:txBody>
+                    <a:bodyPr/>
+                    <a:lstStyle/>
+                    <a:p>
+                      <a:endParaRPr lang="fr-FR" sz="1200"/>
+                    </a:p>
+                  </a:txBody>
+                  <a:tcPr/>
+                </a:tc>
+                <a:tc>
+                  <a:txBody>
+                    <a:bodyPr/>
+                    <a:lstStyle/>
+                    <a:p>
+                      <a:endParaRPr lang="fr-FR" sz="1200"/>
+                    </a:p>
+                  </a:txBody>
+                  <a:tcPr/>
+                </a:tc>
+                <a:extLst>
+                  <a:ext uri="{0D108BD9-81ED-4DB2-BD59-A6C34878D82A}">
+                    <a16:rowId xmlns:a16="http://schemas.microsoft.com/office/drawing/2014/main" val="10006"/>
+                  </a:ext>
+                </a:extLst>
+              </a:tr>
+              <a:tr h="370840">
+                <a:tc>
+                  <a:txBody>
+                    <a:bodyPr/>
+                    <a:lstStyle/>
+                    <a:p>
+                      <a:endParaRPr lang="fr-FR" sz="1200"/>
+                    </a:p>
+                  </a:txBody>
+                  <a:tcPr/>
+                </a:tc>
+                <a:tc>
+                  <a:txBody>
+                    <a:bodyPr/>
+                    <a:lstStyle/>
+                    <a:p>
+                      <a:endParaRPr lang="fr-FR" sz="1200" dirty="0"/>
+                    </a:p>
+                  </a:txBody>
+                  <a:tcPr/>
+                </a:tc>
+                <a:extLst>
+                  <a:ext uri="{0D108BD9-81ED-4DB2-BD59-A6C34878D82A}">
+                    <a16:rowId xmlns:a16="http://schemas.microsoft.com/office/drawing/2014/main" val="10007"/>
+                  </a:ext>
+                </a:extLst>
+              </a:tr>
+            </a:tbl>
+          </a:graphicData>
+        </a:graphic>
+      </p:graphicFrame>
+      <p:sp>
+        <p:nvSpPr>
+          <p:cNvPr id="10" name="ZoneTexte 9">
+            <a:extLst>
+              <a:ext uri="{FF2B5EF4-FFF2-40B4-BE49-F238E27FC236}">
+                <a16:creationId xmlns:a16="http://schemas.microsoft.com/office/drawing/2014/main" id="{B08D4C3C-8EAE-49D8-A58A-BE3C4E499318}"/>
+              </a:ext>
+            </a:extLst>
+          </p:cNvPr>
+          <p:cNvSpPr txBox="1"/>
+          <p:nvPr/>
+        </p:nvSpPr>
+        <p:spPr>
+          <a:xfrm>
+            <a:off x="5220072" y="260648"/>
+            <a:ext cx="2808312" cy="369332"/>
+          </a:xfrm>
+          <a:prstGeom prst="rect">
+            <a:avLst/>
+          </a:prstGeom>
+          <a:noFill/>
+        </p:spPr>
+        <p:txBody>
+          <a:bodyPr wrap="square" rtlCol="0">
+            <a:spAutoFit/>
+          </a:bodyPr>
+          <a:lstStyle/>
+          <a:p>
+            <a:r>
+              <a:rPr lang="fr-FR" dirty="0"/>
+              <a:t>Ecran erreur</a:t>
+            </a:r>
+          </a:p>
+        </p:txBody>
+      </p:sp>
+      <p:grpSp>
+        <p:nvGrpSpPr>
+          <p:cNvPr id="19" name="Groupe 18">
+            <a:extLst>
+              <a:ext uri="{FF2B5EF4-FFF2-40B4-BE49-F238E27FC236}">
+                <a16:creationId xmlns:a16="http://schemas.microsoft.com/office/drawing/2014/main" id="{25BF64D1-B1E4-42B9-B7BD-299AE6461F9D}"/>
+              </a:ext>
+            </a:extLst>
+          </p:cNvPr>
+          <p:cNvGrpSpPr/>
+          <p:nvPr/>
+        </p:nvGrpSpPr>
+        <p:grpSpPr>
+          <a:xfrm>
+            <a:off x="755576" y="728700"/>
+            <a:ext cx="3960440" cy="5400600"/>
+            <a:chOff x="755576" y="728700"/>
+            <a:chExt cx="3960440" cy="5400600"/>
+          </a:xfrm>
+        </p:grpSpPr>
+        <p:grpSp>
+          <p:nvGrpSpPr>
+            <p:cNvPr id="5" name="Groupe 4">
+              <a:extLst>
+                <a:ext uri="{FF2B5EF4-FFF2-40B4-BE49-F238E27FC236}">
+                  <a16:creationId xmlns:a16="http://schemas.microsoft.com/office/drawing/2014/main" id="{52E4449B-6918-45D2-9AA4-7C3B1B5DFE50}"/>
+                </a:ext>
+              </a:extLst>
+            </p:cNvPr>
+            <p:cNvGrpSpPr/>
+            <p:nvPr/>
+          </p:nvGrpSpPr>
+          <p:grpSpPr>
+            <a:xfrm>
+              <a:off x="755576" y="728700"/>
+              <a:ext cx="3960440" cy="5400600"/>
+              <a:chOff x="755576" y="728700"/>
+              <a:chExt cx="3960440" cy="5400600"/>
+            </a:xfrm>
+          </p:grpSpPr>
+          <p:grpSp>
+            <p:nvGrpSpPr>
+              <p:cNvPr id="9" name="Groupe 8"/>
+              <p:cNvGrpSpPr/>
+              <p:nvPr/>
+            </p:nvGrpSpPr>
+            <p:grpSpPr>
+              <a:xfrm>
+                <a:off x="755576" y="728700"/>
+                <a:ext cx="3960440" cy="5400600"/>
+                <a:chOff x="755576" y="728700"/>
+                <a:chExt cx="3960440" cy="5400600"/>
+              </a:xfrm>
+            </p:grpSpPr>
+            <p:sp>
+              <p:nvSpPr>
+                <p:cNvPr id="4" name="Rectangle 3"/>
+                <p:cNvSpPr/>
+                <p:nvPr/>
+              </p:nvSpPr>
+              <p:spPr>
+                <a:xfrm>
+                  <a:off x="755576" y="728700"/>
+                  <a:ext cx="3960440" cy="5400600"/>
+                </a:xfrm>
+                <a:prstGeom prst="rect">
+                  <a:avLst/>
+                </a:prstGeom>
+                <a:ln>
+                  <a:solidFill>
+                    <a:schemeClr val="tx1"/>
+                  </a:solidFill>
+                </a:ln>
+              </p:spPr>
+              <p:style>
+                <a:lnRef idx="2">
+                  <a:schemeClr val="accent1">
+                    <a:shade val="50000"/>
+                  </a:schemeClr>
+                </a:lnRef>
+                <a:fillRef idx="1">
+                  <a:schemeClr val="accent1"/>
+                </a:fillRef>
+                <a:effectRef idx="0">
+                  <a:schemeClr val="accent1"/>
+                </a:effectRef>
+                <a:fontRef idx="minor">
+                  <a:schemeClr val="lt1"/>
+                </a:fontRef>
+              </p:style>
+              <p:txBody>
+                <a:bodyPr rtlCol="0" anchor="ctr"/>
+                <a:lstStyle/>
+                <a:p>
+                  <a:pPr algn="ctr"/>
+                  <a:endParaRPr lang="fr-FR"/>
+                </a:p>
+              </p:txBody>
+            </p:sp>
+            <p:sp>
+              <p:nvSpPr>
+                <p:cNvPr id="7" name="Rectangle 6"/>
+                <p:cNvSpPr/>
+                <p:nvPr/>
+              </p:nvSpPr>
+              <p:spPr>
+                <a:xfrm>
+                  <a:off x="755576" y="728700"/>
+                  <a:ext cx="3960440" cy="468052"/>
+                </a:xfrm>
+                <a:prstGeom prst="rect">
+                  <a:avLst/>
+                </a:prstGeom>
+                <a:solidFill>
+                  <a:schemeClr val="bg1"/>
+                </a:solidFill>
+                <a:ln>
+                  <a:solidFill>
+                    <a:schemeClr val="tx1"/>
+                  </a:solidFill>
+                </a:ln>
+              </p:spPr>
+              <p:style>
+                <a:lnRef idx="2">
+                  <a:schemeClr val="accent1">
+                    <a:shade val="50000"/>
+                  </a:schemeClr>
+                </a:lnRef>
+                <a:fillRef idx="1">
+                  <a:schemeClr val="accent1"/>
+                </a:fillRef>
+                <a:effectRef idx="0">
+                  <a:schemeClr val="accent1"/>
+                </a:effectRef>
+                <a:fontRef idx="minor">
+                  <a:schemeClr val="lt1"/>
+                </a:fontRef>
+              </p:style>
+              <p:txBody>
+                <a:bodyPr rtlCol="0" anchor="ctr"/>
+                <a:lstStyle/>
+                <a:p>
+                  <a:pPr algn="ctr"/>
+                  <a:endParaRPr lang="fr-FR"/>
+                </a:p>
+              </p:txBody>
+            </p:sp>
+            <p:sp>
+              <p:nvSpPr>
+                <p:cNvPr id="8" name="ZoneTexte 7"/>
+                <p:cNvSpPr txBox="1"/>
+                <p:nvPr/>
+              </p:nvSpPr>
+              <p:spPr>
+                <a:xfrm>
+                  <a:off x="755576" y="824226"/>
+                  <a:ext cx="936104" cy="276999"/>
+                </a:xfrm>
+                <a:prstGeom prst="rect">
+                  <a:avLst/>
+                </a:prstGeom>
+                <a:noFill/>
+              </p:spPr>
+              <p:txBody>
+                <a:bodyPr wrap="square" rtlCol="0">
+                  <a:spAutoFit/>
+                </a:bodyPr>
+                <a:lstStyle/>
+                <a:p>
+                  <a:pPr algn="ctr"/>
+                  <a:r>
+                    <a:rPr lang="fr-FR" sz="1200" dirty="0"/>
+                    <a:t>Accueil</a:t>
+                  </a:r>
+                </a:p>
+              </p:txBody>
+            </p:sp>
+          </p:grpSp>
+          <p:sp>
+            <p:nvSpPr>
+              <p:cNvPr id="2" name="Rectangle 1">
+                <a:extLst>
+                  <a:ext uri="{FF2B5EF4-FFF2-40B4-BE49-F238E27FC236}">
+                    <a16:creationId xmlns:a16="http://schemas.microsoft.com/office/drawing/2014/main" id="{8D0CE8A9-91AE-41BA-8A79-CAD11D04711F}"/>
+                  </a:ext>
+                </a:extLst>
+              </p:cNvPr>
+              <p:cNvSpPr/>
+              <p:nvPr/>
+            </p:nvSpPr>
+            <p:spPr>
+              <a:xfrm>
+                <a:off x="899592" y="1397000"/>
+                <a:ext cx="3672408" cy="4480272"/>
+              </a:xfrm>
+              <a:prstGeom prst="rect">
+                <a:avLst/>
+              </a:prstGeom>
+              <a:solidFill>
+                <a:schemeClr val="bg1"/>
+              </a:solidFill>
+              <a:ln>
+                <a:solidFill>
+                  <a:schemeClr val="tx1">
+                    <a:lumMod val="95000"/>
+                    <a:lumOff val="5000"/>
+                  </a:schemeClr>
+                </a:solidFill>
+              </a:ln>
+            </p:spPr>
+            <p:style>
+              <a:lnRef idx="2">
+                <a:schemeClr val="accent1">
+                  <a:shade val="50000"/>
+                </a:schemeClr>
+              </a:lnRef>
+              <a:fillRef idx="1">
+                <a:schemeClr val="accent1"/>
+              </a:fillRef>
+              <a:effectRef idx="0">
+                <a:schemeClr val="accent1"/>
+              </a:effectRef>
+              <a:fontRef idx="minor">
+                <a:schemeClr val="lt1"/>
+              </a:fontRef>
+            </p:style>
+            <p:txBody>
+              <a:bodyPr rtlCol="0" anchor="ctr"/>
+              <a:lstStyle/>
+              <a:p>
+                <a:pPr algn="ctr"/>
+                <a:endParaRPr lang="fr-FR"/>
+              </a:p>
+            </p:txBody>
+          </p:sp>
+          <p:sp>
+            <p:nvSpPr>
+              <p:cNvPr id="3" name="ZoneTexte 2">
+                <a:extLst>
+                  <a:ext uri="{FF2B5EF4-FFF2-40B4-BE49-F238E27FC236}">
+                    <a16:creationId xmlns:a16="http://schemas.microsoft.com/office/drawing/2014/main" id="{4BF9D852-A74C-448B-B927-A15B97881A76}"/>
+                  </a:ext>
+                </a:extLst>
+              </p:cNvPr>
+              <p:cNvSpPr txBox="1"/>
+              <p:nvPr/>
+            </p:nvSpPr>
+            <p:spPr>
+              <a:xfrm>
+                <a:off x="881832" y="2176344"/>
+                <a:ext cx="3240360" cy="400110"/>
+              </a:xfrm>
+              <a:prstGeom prst="rect">
+                <a:avLst/>
+              </a:prstGeom>
+              <a:noFill/>
+            </p:spPr>
+            <p:txBody>
+              <a:bodyPr wrap="square" rtlCol="0">
+                <a:spAutoFit/>
+              </a:bodyPr>
+              <a:lstStyle/>
+              <a:p>
+                <a:r>
+                  <a:rPr lang="fr-FR" sz="1000" dirty="0"/>
+                  <a:t>Liste des tests :</a:t>
+                </a:r>
+              </a:p>
+              <a:p>
+                <a:endParaRPr lang="fr-FR" sz="1000" dirty="0"/>
+              </a:p>
+            </p:txBody>
+          </p:sp>
+          <p:sp>
+            <p:nvSpPr>
+              <p:cNvPr id="16" name="ZoneTexte 15">
+                <a:extLst>
+                  <a:ext uri="{FF2B5EF4-FFF2-40B4-BE49-F238E27FC236}">
+                    <a16:creationId xmlns:a16="http://schemas.microsoft.com/office/drawing/2014/main" id="{976E0E53-FD9F-4E05-9772-6403C09432D2}"/>
+                  </a:ext>
+                </a:extLst>
+              </p:cNvPr>
+              <p:cNvSpPr txBox="1"/>
+              <p:nvPr/>
+            </p:nvSpPr>
+            <p:spPr>
+              <a:xfrm>
+                <a:off x="881832" y="2938472"/>
+                <a:ext cx="3240360" cy="400110"/>
+              </a:xfrm>
+              <a:prstGeom prst="rect">
+                <a:avLst/>
+              </a:prstGeom>
+              <a:noFill/>
+            </p:spPr>
+            <p:txBody>
+              <a:bodyPr wrap="square" rtlCol="0">
+                <a:spAutoFit/>
+              </a:bodyPr>
+              <a:lstStyle/>
+              <a:p>
+                <a:r>
+                  <a:rPr lang="fr-FR" sz="1000" dirty="0"/>
+                  <a:t>Liste des tests :</a:t>
+                </a:r>
+              </a:p>
+              <a:p>
+                <a:endParaRPr lang="fr-FR" sz="1000" dirty="0"/>
+              </a:p>
+            </p:txBody>
+          </p:sp>
+        </p:grpSp>
+        <p:cxnSp>
+          <p:nvCxnSpPr>
+            <p:cNvPr id="13" name="Connecteur droit 12">
+              <a:extLst>
+                <a:ext uri="{FF2B5EF4-FFF2-40B4-BE49-F238E27FC236}">
+                  <a16:creationId xmlns:a16="http://schemas.microsoft.com/office/drawing/2014/main" id="{21394F91-921A-4BBF-B4EC-B63598DE040A}"/>
+                </a:ext>
+              </a:extLst>
+            </p:cNvPr>
+            <p:cNvCxnSpPr/>
+            <p:nvPr/>
+          </p:nvCxnSpPr>
+          <p:spPr>
+            <a:xfrm>
+              <a:off x="1115616" y="1988840"/>
+              <a:ext cx="3312368" cy="0"/>
+            </a:xfrm>
+            <a:prstGeom prst="line">
+              <a:avLst/>
+            </a:prstGeom>
+          </p:spPr>
+          <p:style>
+            <a:lnRef idx="1">
+              <a:schemeClr val="dk1"/>
+            </a:lnRef>
+            <a:fillRef idx="0">
+              <a:schemeClr val="dk1"/>
+            </a:fillRef>
+            <a:effectRef idx="0">
+              <a:schemeClr val="dk1"/>
+            </a:effectRef>
+            <a:fontRef idx="minor">
+              <a:schemeClr val="tx1"/>
+            </a:fontRef>
+          </p:style>
+        </p:cxnSp>
+        <p:sp>
+          <p:nvSpPr>
+            <p:cNvPr id="14" name="Rectangle : coins arrondis 13">
+              <a:extLst>
+                <a:ext uri="{FF2B5EF4-FFF2-40B4-BE49-F238E27FC236}">
+                  <a16:creationId xmlns:a16="http://schemas.microsoft.com/office/drawing/2014/main" id="{29329E08-603A-4562-9B04-3404D634631F}"/>
+                </a:ext>
+              </a:extLst>
+            </p:cNvPr>
+            <p:cNvSpPr/>
+            <p:nvPr/>
+          </p:nvSpPr>
+          <p:spPr>
+            <a:xfrm>
+              <a:off x="1619672" y="1484784"/>
+              <a:ext cx="2232248" cy="441340"/>
+            </a:xfrm>
+            <a:prstGeom prst="roundRect">
+              <a:avLst/>
+            </a:prstGeom>
+            <a:solidFill>
+              <a:schemeClr val="bg1">
+                <a:lumMod val="85000"/>
+              </a:schemeClr>
+            </a:solidFill>
+            <a:ln>
+              <a:noFill/>
+            </a:ln>
+            <a:effectLst/>
+          </p:spPr>
+          <p:style>
+            <a:lnRef idx="1">
+              <a:schemeClr val="dk1"/>
+            </a:lnRef>
+            <a:fillRef idx="2">
+              <a:schemeClr val="dk1"/>
+            </a:fillRef>
+            <a:effectRef idx="1">
+              <a:schemeClr val="dk1"/>
+            </a:effectRef>
+            <a:fontRef idx="minor">
+              <a:schemeClr val="dk1"/>
+            </a:fontRef>
+          </p:style>
+          <p:txBody>
+            <a:bodyPr rtlCol="0" anchor="ctr"/>
+            <a:lstStyle/>
+            <a:p>
+              <a:pPr algn="ctr"/>
+              <a:r>
+                <a:rPr lang="fr-FR" dirty="0"/>
+                <a:t>TEST</a:t>
+              </a:r>
+            </a:p>
+          </p:txBody>
+        </p:sp>
+      </p:grpSp>
+      <p:graphicFrame>
+        <p:nvGraphicFramePr>
+          <p:cNvPr id="11" name="Tableau 11">
+            <a:extLst>
+              <a:ext uri="{FF2B5EF4-FFF2-40B4-BE49-F238E27FC236}">
+                <a16:creationId xmlns:a16="http://schemas.microsoft.com/office/drawing/2014/main" id="{A1023824-A02A-4476-99FB-AF43C1B65385}"/>
+              </a:ext>
+            </a:extLst>
+          </p:cNvPr>
+          <p:cNvGraphicFramePr>
+            <a:graphicFrameLocks noGrp="1"/>
+          </p:cNvGraphicFramePr>
+          <p:nvPr>
+            <p:extLst>
+              <p:ext uri="{D42A27DB-BD31-4B8C-83A1-F6EECF244321}">
+                <p14:modId xmlns:p14="http://schemas.microsoft.com/office/powerpoint/2010/main" val="1306249698"/>
+              </p:ext>
+            </p:extLst>
+          </p:nvPr>
+        </p:nvGraphicFramePr>
+        <p:xfrm>
+          <a:off x="971600" y="2396044"/>
+          <a:ext cx="3528390" cy="335280"/>
+        </p:xfrm>
+        <a:graphic>
+          <a:graphicData uri="http://schemas.openxmlformats.org/drawingml/2006/table">
+            <a:tbl>
+              <a:tblPr firstRow="1" bandRow="1">
+                <a:tableStyleId>{5940675A-B579-460E-94D1-54222C63F5DA}</a:tableStyleId>
+              </a:tblPr>
+              <a:tblGrid>
+                <a:gridCol w="588065">
+                  <a:extLst>
+                    <a:ext uri="{9D8B030D-6E8A-4147-A177-3AD203B41FA5}">
+                      <a16:colId xmlns:a16="http://schemas.microsoft.com/office/drawing/2014/main" val="1107729764"/>
+                    </a:ext>
+                  </a:extLst>
+                </a:gridCol>
+                <a:gridCol w="588065">
+                  <a:extLst>
+                    <a:ext uri="{9D8B030D-6E8A-4147-A177-3AD203B41FA5}">
+                      <a16:colId xmlns:a16="http://schemas.microsoft.com/office/drawing/2014/main" val="876737217"/>
+                    </a:ext>
+                  </a:extLst>
+                </a:gridCol>
+                <a:gridCol w="588065">
+                  <a:extLst>
+                    <a:ext uri="{9D8B030D-6E8A-4147-A177-3AD203B41FA5}">
+                      <a16:colId xmlns:a16="http://schemas.microsoft.com/office/drawing/2014/main" val="1601857403"/>
+                    </a:ext>
+                  </a:extLst>
+                </a:gridCol>
+                <a:gridCol w="588065">
+                  <a:extLst>
+                    <a:ext uri="{9D8B030D-6E8A-4147-A177-3AD203B41FA5}">
+                      <a16:colId xmlns:a16="http://schemas.microsoft.com/office/drawing/2014/main" val="1016315755"/>
+                    </a:ext>
+                  </a:extLst>
+                </a:gridCol>
+                <a:gridCol w="588065">
+                  <a:extLst>
+                    <a:ext uri="{9D8B030D-6E8A-4147-A177-3AD203B41FA5}">
+                      <a16:colId xmlns:a16="http://schemas.microsoft.com/office/drawing/2014/main" val="2123422907"/>
+                    </a:ext>
+                  </a:extLst>
+                </a:gridCol>
+                <a:gridCol w="588065">
+                  <a:extLst>
+                    <a:ext uri="{9D8B030D-6E8A-4147-A177-3AD203B41FA5}">
+                      <a16:colId xmlns:a16="http://schemas.microsoft.com/office/drawing/2014/main" val="3886583170"/>
+                    </a:ext>
+                  </a:extLst>
+                </a:gridCol>
+              </a:tblGrid>
+              <a:tr h="193514">
+                <a:tc>
+                  <a:txBody>
+                    <a:bodyPr/>
+                    <a:lstStyle/>
+                    <a:p>
+                      <a:r>
+                        <a:rPr lang="fr-FR" sz="800" dirty="0"/>
+                        <a:t>Id</a:t>
+                      </a:r>
+                    </a:p>
+                  </a:txBody>
+                  <a:tcPr/>
+                </a:tc>
+                <a:tc>
+                  <a:txBody>
+                    <a:bodyPr/>
+                    <a:lstStyle/>
+                    <a:p>
+                      <a:r>
+                        <a:rPr lang="fr-FR" sz="800" dirty="0"/>
+                        <a:t>Label</a:t>
+                      </a:r>
+                    </a:p>
+                  </a:txBody>
+                  <a:tcPr/>
+                </a:tc>
+                <a:tc>
+                  <a:txBody>
+                    <a:bodyPr/>
+                    <a:lstStyle/>
+                    <a:p>
+                      <a:r>
+                        <a:rPr lang="fr-FR" sz="800" dirty="0"/>
+                        <a:t>Re</a:t>
+                      </a:r>
+                    </a:p>
+                  </a:txBody>
+                  <a:tcPr/>
+                </a:tc>
+                <a:tc>
+                  <a:txBody>
+                    <a:bodyPr/>
+                    <a:lstStyle/>
+                    <a:p>
+                      <a:r>
+                        <a:rPr lang="fr-FR" sz="800" dirty="0"/>
+                        <a:t>Onetoonebis.id</a:t>
+                      </a:r>
+                    </a:p>
+                  </a:txBody>
+                  <a:tcPr/>
+                </a:tc>
+                <a:tc>
+                  <a:txBody>
+                    <a:bodyPr/>
+                    <a:lstStyle/>
+                    <a:p>
+                      <a:r>
+                        <a:rPr lang="fr-FR" sz="800" dirty="0"/>
+                        <a:t>[onetomanybis.id]</a:t>
+                      </a:r>
+                    </a:p>
+                  </a:txBody>
+                  <a:tcPr/>
+                </a:tc>
+                <a:tc>
+                  <a:txBody>
+                    <a:bodyPr/>
+                    <a:lstStyle/>
+                    <a:p>
+                      <a:r>
+                        <a:rPr lang="fr-FR" sz="800" dirty="0"/>
+                        <a:t>Manytoonebis.id</a:t>
+                      </a:r>
+                    </a:p>
+                  </a:txBody>
+                  <a:tcPr/>
+                </a:tc>
+                <a:extLst>
+                  <a:ext uri="{0D108BD9-81ED-4DB2-BD59-A6C34878D82A}">
+                    <a16:rowId xmlns:a16="http://schemas.microsoft.com/office/drawing/2014/main" val="1351064631"/>
+                  </a:ext>
+                </a:extLst>
+              </a:tr>
+            </a:tbl>
+          </a:graphicData>
+        </a:graphic>
+      </p:graphicFrame>
+      <p:graphicFrame>
+        <p:nvGraphicFramePr>
+          <p:cNvPr id="17" name="Tableau 11">
+            <a:extLst>
+              <a:ext uri="{FF2B5EF4-FFF2-40B4-BE49-F238E27FC236}">
+                <a16:creationId xmlns:a16="http://schemas.microsoft.com/office/drawing/2014/main" id="{A9D9493C-F037-4480-8E4A-70225C2F5D45}"/>
+              </a:ext>
+            </a:extLst>
+          </p:cNvPr>
+          <p:cNvGraphicFramePr>
+            <a:graphicFrameLocks noGrp="1"/>
+          </p:cNvGraphicFramePr>
+          <p:nvPr>
+            <p:extLst>
+              <p:ext uri="{D42A27DB-BD31-4B8C-83A1-F6EECF244321}">
+                <p14:modId xmlns:p14="http://schemas.microsoft.com/office/powerpoint/2010/main" val="3634573544"/>
+              </p:ext>
+            </p:extLst>
+          </p:nvPr>
+        </p:nvGraphicFramePr>
+        <p:xfrm>
+          <a:off x="1043608" y="3197568"/>
+          <a:ext cx="2256252" cy="335280"/>
+        </p:xfrm>
+        <a:graphic>
+          <a:graphicData uri="http://schemas.openxmlformats.org/drawingml/2006/table">
+            <a:tbl>
+              <a:tblPr firstRow="1" bandRow="1">
+                <a:tableStyleId>{5940675A-B579-460E-94D1-54222C63F5DA}</a:tableStyleId>
+              </a:tblPr>
+              <a:tblGrid>
+                <a:gridCol w="564063">
+                  <a:extLst>
+                    <a:ext uri="{9D8B030D-6E8A-4147-A177-3AD203B41FA5}">
+                      <a16:colId xmlns:a16="http://schemas.microsoft.com/office/drawing/2014/main" val="1107729764"/>
+                    </a:ext>
+                  </a:extLst>
+                </a:gridCol>
+                <a:gridCol w="564063">
+                  <a:extLst>
+                    <a:ext uri="{9D8B030D-6E8A-4147-A177-3AD203B41FA5}">
+                      <a16:colId xmlns:a16="http://schemas.microsoft.com/office/drawing/2014/main" val="1016315755"/>
+                    </a:ext>
+                  </a:extLst>
+                </a:gridCol>
+                <a:gridCol w="564063">
+                  <a:extLst>
+                    <a:ext uri="{9D8B030D-6E8A-4147-A177-3AD203B41FA5}">
+                      <a16:colId xmlns:a16="http://schemas.microsoft.com/office/drawing/2014/main" val="2123422907"/>
+                    </a:ext>
+                  </a:extLst>
+                </a:gridCol>
+                <a:gridCol w="564063">
+                  <a:extLst>
+                    <a:ext uri="{9D8B030D-6E8A-4147-A177-3AD203B41FA5}">
+                      <a16:colId xmlns:a16="http://schemas.microsoft.com/office/drawing/2014/main" val="3886583170"/>
+                    </a:ext>
+                  </a:extLst>
+                </a:gridCol>
+              </a:tblGrid>
+              <a:tr h="193514">
+                <a:tc>
+                  <a:txBody>
+                    <a:bodyPr/>
+                    <a:lstStyle/>
+                    <a:p>
+                      <a:r>
+                        <a:rPr lang="fr-FR" sz="800" dirty="0"/>
+                        <a:t>Id</a:t>
+                      </a:r>
+                    </a:p>
+                  </a:txBody>
+                  <a:tcPr/>
+                </a:tc>
+                <a:tc>
+                  <a:txBody>
+                    <a:bodyPr/>
+                    <a:lstStyle/>
+                    <a:p>
+                      <a:r>
+                        <a:rPr lang="fr-FR" sz="800" dirty="0"/>
+                        <a:t>Onetoone.id</a:t>
+                      </a:r>
+                    </a:p>
+                  </a:txBody>
+                  <a:tcPr/>
+                </a:tc>
+                <a:tc>
+                  <a:txBody>
+                    <a:bodyPr/>
+                    <a:lstStyle/>
+                    <a:p>
+                      <a:r>
+                        <a:rPr lang="fr-FR" sz="800" dirty="0"/>
+                        <a:t>onetomany.id</a:t>
+                      </a:r>
+                    </a:p>
+                  </a:txBody>
+                  <a:tcPr/>
+                </a:tc>
+                <a:tc>
+                  <a:txBody>
+                    <a:bodyPr/>
+                    <a:lstStyle/>
+                    <a:p>
+                      <a:r>
+                        <a:rPr lang="fr-FR" sz="800" dirty="0"/>
+                        <a:t>[Manytoone.id]</a:t>
+                      </a:r>
+                    </a:p>
+                  </a:txBody>
+                  <a:tcPr/>
+                </a:tc>
+                <a:extLst>
+                  <a:ext uri="{0D108BD9-81ED-4DB2-BD59-A6C34878D82A}">
+                    <a16:rowId xmlns:a16="http://schemas.microsoft.com/office/drawing/2014/main" val="1351064631"/>
+                  </a:ext>
+                </a:extLst>
+              </a:tr>
+            </a:tbl>
+          </a:graphicData>
+        </a:graphic>
+      </p:graphicFrame>
+    </p:spTree>
+    <p:extLst>
+      <p:ext uri="{BB962C8B-B14F-4D97-AF65-F5344CB8AC3E}">
+        <p14:creationId xmlns:p14="http://schemas.microsoft.com/office/powerpoint/2010/main" val="3323526696"/>
+      </p:ext>
+    </p:extLst>
+  </p:cSld>
+  <p:clrMapOvr>
+    <a:masterClrMapping/>
+  </p:clrMapOvr>
+</p:sld>
+</file>
+
 <file path=ppt/theme/theme1.xml><?xml version="1.0" encoding="utf-8"?>
 <a:theme xmlns:a="http://schemas.openxmlformats.org/drawingml/2006/main" name="Thème Office">
   <a:themeElements>

--- a/src/main/resources/mq.pptx
+++ b/src/main/resources/mq.pptx
@@ -9,6 +9,7 @@
     <p:sldId id="257" r:id="rId3"/>
     <p:sldId id="258" r:id="rId4"/>
     <p:sldId id="259" r:id="rId5"/>
+    <p:sldId id="260" r:id="rId6"/>
   </p:sldIdLst>
   <p:sldSz cx="9144000" cy="6858000" type="screen4x3"/>
   <p:notesSz cx="6858000" cy="9144000"/>
@@ -305,7 +306,7 @@
           <a:p>
             <a:fld id="{1DDB72BE-B427-4A6F-AFFD-AFAC62060F46}" type="datetimeFigureOut">
               <a:rPr lang="fr-FR" smtClean="0"/>
-              <a:t>29/03/2020</a:t>
+              <a:t>11/04/2020</a:t>
             </a:fld>
             <a:endParaRPr lang="fr-FR"/>
           </a:p>
@@ -473,7 +474,7 @@
           <a:p>
             <a:fld id="{1DDB72BE-B427-4A6F-AFFD-AFAC62060F46}" type="datetimeFigureOut">
               <a:rPr lang="fr-FR" smtClean="0"/>
-              <a:t>29/03/2020</a:t>
+              <a:t>11/04/2020</a:t>
             </a:fld>
             <a:endParaRPr lang="fr-FR"/>
           </a:p>
@@ -651,7 +652,7 @@
           <a:p>
             <a:fld id="{1DDB72BE-B427-4A6F-AFFD-AFAC62060F46}" type="datetimeFigureOut">
               <a:rPr lang="fr-FR" smtClean="0"/>
-              <a:t>29/03/2020</a:t>
+              <a:t>11/04/2020</a:t>
             </a:fld>
             <a:endParaRPr lang="fr-FR"/>
           </a:p>
@@ -819,7 +820,7 @@
           <a:p>
             <a:fld id="{1DDB72BE-B427-4A6F-AFFD-AFAC62060F46}" type="datetimeFigureOut">
               <a:rPr lang="fr-FR" smtClean="0"/>
-              <a:t>29/03/2020</a:t>
+              <a:t>11/04/2020</a:t>
             </a:fld>
             <a:endParaRPr lang="fr-FR"/>
           </a:p>
@@ -1064,7 +1065,7 @@
           <a:p>
             <a:fld id="{1DDB72BE-B427-4A6F-AFFD-AFAC62060F46}" type="datetimeFigureOut">
               <a:rPr lang="fr-FR" smtClean="0"/>
-              <a:t>29/03/2020</a:t>
+              <a:t>11/04/2020</a:t>
             </a:fld>
             <a:endParaRPr lang="fr-FR"/>
           </a:p>
@@ -1349,7 +1350,7 @@
           <a:p>
             <a:fld id="{1DDB72BE-B427-4A6F-AFFD-AFAC62060F46}" type="datetimeFigureOut">
               <a:rPr lang="fr-FR" smtClean="0"/>
-              <a:t>29/03/2020</a:t>
+              <a:t>11/04/2020</a:t>
             </a:fld>
             <a:endParaRPr lang="fr-FR"/>
           </a:p>
@@ -1768,7 +1769,7 @@
           <a:p>
             <a:fld id="{1DDB72BE-B427-4A6F-AFFD-AFAC62060F46}" type="datetimeFigureOut">
               <a:rPr lang="fr-FR" smtClean="0"/>
-              <a:t>29/03/2020</a:t>
+              <a:t>11/04/2020</a:t>
             </a:fld>
             <a:endParaRPr lang="fr-FR"/>
           </a:p>
@@ -1885,7 +1886,7 @@
           <a:p>
             <a:fld id="{1DDB72BE-B427-4A6F-AFFD-AFAC62060F46}" type="datetimeFigureOut">
               <a:rPr lang="fr-FR" smtClean="0"/>
-              <a:t>29/03/2020</a:t>
+              <a:t>11/04/2020</a:t>
             </a:fld>
             <a:endParaRPr lang="fr-FR"/>
           </a:p>
@@ -1980,7 +1981,7 @@
           <a:p>
             <a:fld id="{1DDB72BE-B427-4A6F-AFFD-AFAC62060F46}" type="datetimeFigureOut">
               <a:rPr lang="fr-FR" smtClean="0"/>
-              <a:t>29/03/2020</a:t>
+              <a:t>11/04/2020</a:t>
             </a:fld>
             <a:endParaRPr lang="fr-FR"/>
           </a:p>
@@ -2255,7 +2256,7 @@
           <a:p>
             <a:fld id="{1DDB72BE-B427-4A6F-AFFD-AFAC62060F46}" type="datetimeFigureOut">
               <a:rPr lang="fr-FR" smtClean="0"/>
-              <a:t>29/03/2020</a:t>
+              <a:t>11/04/2020</a:t>
             </a:fld>
             <a:endParaRPr lang="fr-FR"/>
           </a:p>
@@ -2507,7 +2508,7 @@
           <a:p>
             <a:fld id="{1DDB72BE-B427-4A6F-AFFD-AFAC62060F46}" type="datetimeFigureOut">
               <a:rPr lang="fr-FR" smtClean="0"/>
-              <a:t>29/03/2020</a:t>
+              <a:t>11/04/2020</a:t>
             </a:fld>
             <a:endParaRPr lang="fr-FR"/>
           </a:p>
@@ -2718,7 +2719,7 @@
           <a:p>
             <a:fld id="{1DDB72BE-B427-4A6F-AFFD-AFAC62060F46}" type="datetimeFigureOut">
               <a:rPr lang="fr-FR" smtClean="0"/>
-              <a:t>29/03/2020</a:t>
+              <a:t>11/04/2020</a:t>
             </a:fld>
             <a:endParaRPr lang="fr-FR"/>
           </a:p>
@@ -3548,6 +3549,139 @@
             <a:r>
               <a:rPr lang="fr-FR" dirty="0"/>
               <a:t>Barre de navigation</a:t>
+            </a:r>
+          </a:p>
+        </p:txBody>
+      </p:sp>
+      <p:sp>
+        <p:nvSpPr>
+          <p:cNvPr id="10" name="ZoneTexte 9">
+            <a:extLst>
+              <a:ext uri="{FF2B5EF4-FFF2-40B4-BE49-F238E27FC236}">
+                <a16:creationId xmlns:a16="http://schemas.microsoft.com/office/drawing/2014/main" id="{3098B110-6723-41A7-98B0-2FFDEE18242B}"/>
+              </a:ext>
+            </a:extLst>
+          </p:cNvPr>
+          <p:cNvSpPr txBox="1"/>
+          <p:nvPr/>
+        </p:nvSpPr>
+        <p:spPr>
+          <a:xfrm>
+            <a:off x="1344454" y="824225"/>
+            <a:ext cx="936104" cy="276999"/>
+          </a:xfrm>
+          <a:prstGeom prst="rect">
+            <a:avLst/>
+          </a:prstGeom>
+          <a:noFill/>
+        </p:spPr>
+        <p:txBody>
+          <a:bodyPr wrap="square" rtlCol="0">
+            <a:spAutoFit/>
+          </a:bodyPr>
+          <a:lstStyle/>
+          <a:p>
+            <a:pPr algn="ctr"/>
+            <a:r>
+              <a:rPr lang="fr-FR" sz="1200" dirty="0"/>
+              <a:t>Famille</a:t>
+            </a:r>
+          </a:p>
+        </p:txBody>
+      </p:sp>
+      <p:sp>
+        <p:nvSpPr>
+          <p:cNvPr id="11" name="Rectangle 10">
+            <a:extLst>
+              <a:ext uri="{FF2B5EF4-FFF2-40B4-BE49-F238E27FC236}">
+                <a16:creationId xmlns:a16="http://schemas.microsoft.com/office/drawing/2014/main" id="{19C26401-1EAA-4F62-9AB9-0FE12DACC8B5}"/>
+              </a:ext>
+            </a:extLst>
+          </p:cNvPr>
+          <p:cNvSpPr/>
+          <p:nvPr/>
+        </p:nvSpPr>
+        <p:spPr>
+          <a:xfrm>
+            <a:off x="1549623" y="1101224"/>
+            <a:ext cx="646113" cy="887616"/>
+          </a:xfrm>
+          <a:prstGeom prst="rect">
+            <a:avLst/>
+          </a:prstGeom>
+          <a:solidFill>
+            <a:schemeClr val="bg1"/>
+          </a:solidFill>
+          <a:ln>
+            <a:solidFill>
+              <a:schemeClr val="tx1"/>
+            </a:solidFill>
+          </a:ln>
+        </p:spPr>
+        <p:style>
+          <a:lnRef idx="2">
+            <a:schemeClr val="accent1">
+              <a:shade val="50000"/>
+            </a:schemeClr>
+          </a:lnRef>
+          <a:fillRef idx="1">
+            <a:schemeClr val="accent1"/>
+          </a:fillRef>
+          <a:effectRef idx="0">
+            <a:schemeClr val="accent1"/>
+          </a:effectRef>
+          <a:fontRef idx="minor">
+            <a:schemeClr val="lt1"/>
+          </a:fontRef>
+        </p:style>
+        <p:txBody>
+          <a:bodyPr rtlCol="0" anchor="ctr"/>
+          <a:lstStyle/>
+          <a:p>
+            <a:pPr algn="ctr"/>
+            <a:endParaRPr lang="fr-FR"/>
+          </a:p>
+        </p:txBody>
+      </p:sp>
+      <p:sp>
+        <p:nvSpPr>
+          <p:cNvPr id="12" name="ZoneTexte 11">
+            <a:extLst>
+              <a:ext uri="{FF2B5EF4-FFF2-40B4-BE49-F238E27FC236}">
+                <a16:creationId xmlns:a16="http://schemas.microsoft.com/office/drawing/2014/main" id="{34A6C5D9-1AA9-438B-A32B-E9167C1D3EE4}"/>
+              </a:ext>
+            </a:extLst>
+          </p:cNvPr>
+          <p:cNvSpPr txBox="1"/>
+          <p:nvPr/>
+        </p:nvSpPr>
+        <p:spPr>
+          <a:xfrm>
+            <a:off x="1404627" y="1120001"/>
+            <a:ext cx="936104" cy="400110"/>
+          </a:xfrm>
+          <a:prstGeom prst="rect">
+            <a:avLst/>
+          </a:prstGeom>
+          <a:noFill/>
+        </p:spPr>
+        <p:txBody>
+          <a:bodyPr wrap="square" rtlCol="0">
+            <a:spAutoFit/>
+          </a:bodyPr>
+          <a:lstStyle/>
+          <a:p>
+            <a:pPr algn="ctr"/>
+            <a:r>
+              <a:rPr lang="fr-FR" sz="1000" dirty="0"/>
+              <a:t>Liste </a:t>
+            </a:r>
+          </a:p>
+          <a:p>
+            <a:pPr algn="ctr"/>
+            <a:r>
+              <a:rPr lang="fr-FR" sz="1000" dirty="0"/>
+              <a:t>familles</a:t>
             </a:r>
           </a:p>
         </p:txBody>
@@ -4258,6 +4392,42 @@
           </p:style>
         </p:cxnSp>
       </p:grpSp>
+      <p:sp>
+        <p:nvSpPr>
+          <p:cNvPr id="16" name="ZoneTexte 15">
+            <a:extLst>
+              <a:ext uri="{FF2B5EF4-FFF2-40B4-BE49-F238E27FC236}">
+                <a16:creationId xmlns:a16="http://schemas.microsoft.com/office/drawing/2014/main" id="{4F6B3E4C-B397-4CA8-8ACE-6F4427B5DA67}"/>
+              </a:ext>
+            </a:extLst>
+          </p:cNvPr>
+          <p:cNvSpPr txBox="1"/>
+          <p:nvPr/>
+        </p:nvSpPr>
+        <p:spPr>
+          <a:xfrm>
+            <a:off x="1344454" y="824225"/>
+            <a:ext cx="936104" cy="276999"/>
+          </a:xfrm>
+          <a:prstGeom prst="rect">
+            <a:avLst/>
+          </a:prstGeom>
+          <a:noFill/>
+        </p:spPr>
+        <p:txBody>
+          <a:bodyPr wrap="square" rtlCol="0">
+            <a:spAutoFit/>
+          </a:bodyPr>
+          <a:lstStyle/>
+          <a:p>
+            <a:pPr algn="ctr"/>
+            <a:r>
+              <a:rPr lang="fr-FR" sz="1200" dirty="0"/>
+              <a:t>Famille</a:t>
+            </a:r>
+          </a:p>
+        </p:txBody>
+      </p:sp>
     </p:spTree>
     <p:extLst>
       <p:ext uri="{BB962C8B-B14F-4D97-AF65-F5344CB8AC3E}">
@@ -4974,6 +5144,42 @@
           </p:txBody>
         </p:sp>
       </p:grpSp>
+      <p:sp>
+        <p:nvSpPr>
+          <p:cNvPr id="16" name="ZoneTexte 15">
+            <a:extLst>
+              <a:ext uri="{FF2B5EF4-FFF2-40B4-BE49-F238E27FC236}">
+                <a16:creationId xmlns:a16="http://schemas.microsoft.com/office/drawing/2014/main" id="{CFB2A607-CBC0-4AE6-8328-9FBE3031B3EE}"/>
+              </a:ext>
+            </a:extLst>
+          </p:cNvPr>
+          <p:cNvSpPr txBox="1"/>
+          <p:nvPr/>
+        </p:nvSpPr>
+        <p:spPr>
+          <a:xfrm>
+            <a:off x="1344454" y="824225"/>
+            <a:ext cx="936104" cy="276999"/>
+          </a:xfrm>
+          <a:prstGeom prst="rect">
+            <a:avLst/>
+          </a:prstGeom>
+          <a:noFill/>
+        </p:spPr>
+        <p:txBody>
+          <a:bodyPr wrap="square" rtlCol="0">
+            <a:spAutoFit/>
+          </a:bodyPr>
+          <a:lstStyle/>
+          <a:p>
+            <a:pPr algn="ctr"/>
+            <a:r>
+              <a:rPr lang="fr-FR" sz="1200" dirty="0"/>
+              <a:t>Famille</a:t>
+            </a:r>
+          </a:p>
+        </p:txBody>
+      </p:sp>
     </p:spTree>
     <p:extLst>
       <p:ext uri="{BB962C8B-B14F-4D97-AF65-F5344CB8AC3E}">
@@ -5320,7 +5526,7 @@
           <a:p>
             <a:r>
               <a:rPr lang="fr-FR" dirty="0"/>
-              <a:t>Ecran erreur</a:t>
+              <a:t>Ecran test</a:t>
             </a:r>
           </a:p>
         </p:txBody>
@@ -6016,10 +6222,885 @@
           </a:graphicData>
         </a:graphic>
       </p:graphicFrame>
+      <p:sp>
+        <p:nvSpPr>
+          <p:cNvPr id="18" name="ZoneTexte 17">
+            <a:extLst>
+              <a:ext uri="{FF2B5EF4-FFF2-40B4-BE49-F238E27FC236}">
+                <a16:creationId xmlns:a16="http://schemas.microsoft.com/office/drawing/2014/main" id="{DBEF6CCB-532D-4911-9CB1-DF473B72FDB9}"/>
+              </a:ext>
+            </a:extLst>
+          </p:cNvPr>
+          <p:cNvSpPr txBox="1"/>
+          <p:nvPr/>
+        </p:nvSpPr>
+        <p:spPr>
+          <a:xfrm>
+            <a:off x="1344454" y="824225"/>
+            <a:ext cx="936104" cy="276999"/>
+          </a:xfrm>
+          <a:prstGeom prst="rect">
+            <a:avLst/>
+          </a:prstGeom>
+          <a:noFill/>
+        </p:spPr>
+        <p:txBody>
+          <a:bodyPr wrap="square" rtlCol="0">
+            <a:spAutoFit/>
+          </a:bodyPr>
+          <a:lstStyle/>
+          <a:p>
+            <a:pPr algn="ctr"/>
+            <a:r>
+              <a:rPr lang="fr-FR" sz="1200" dirty="0"/>
+              <a:t>Famille</a:t>
+            </a:r>
+          </a:p>
+        </p:txBody>
+      </p:sp>
     </p:spTree>
     <p:extLst>
       <p:ext uri="{BB962C8B-B14F-4D97-AF65-F5344CB8AC3E}">
         <p14:creationId xmlns:p14="http://schemas.microsoft.com/office/powerpoint/2010/main" val="3323526696"/>
+      </p:ext>
+    </p:extLst>
+  </p:cSld>
+  <p:clrMapOvr>
+    <a:masterClrMapping/>
+  </p:clrMapOvr>
+</p:sld>
+</file>
+
+<file path=ppt/slides/slide5.xml><?xml version="1.0" encoding="utf-8"?>
+<p:sld xmlns:a="http://schemas.openxmlformats.org/drawingml/2006/main" xmlns:r="http://schemas.openxmlformats.org/officeDocument/2006/relationships" xmlns:p="http://schemas.openxmlformats.org/presentationml/2006/main">
+  <p:cSld>
+    <p:spTree>
+      <p:nvGrpSpPr>
+        <p:cNvPr id="1" name=""/>
+        <p:cNvGrpSpPr/>
+        <p:nvPr/>
+      </p:nvGrpSpPr>
+      <p:grpSpPr>
+        <a:xfrm>
+          <a:off x="0" y="0"/>
+          <a:ext cx="0" cy="0"/>
+          <a:chOff x="0" y="0"/>
+          <a:chExt cx="0" cy="0"/>
+        </a:xfrm>
+      </p:grpSpPr>
+      <p:graphicFrame>
+        <p:nvGraphicFramePr>
+          <p:cNvPr id="6" name="Tableau 5"/>
+          <p:cNvGraphicFramePr>
+            <a:graphicFrameLocks noGrp="1"/>
+          </p:cNvGraphicFramePr>
+          <p:nvPr>
+            <p:extLst>
+              <p:ext uri="{D42A27DB-BD31-4B8C-83A1-F6EECF244321}">
+                <p14:modId xmlns:p14="http://schemas.microsoft.com/office/powerpoint/2010/main" val="1734683742"/>
+              </p:ext>
+            </p:extLst>
+          </p:nvPr>
+        </p:nvGraphicFramePr>
+        <p:xfrm>
+          <a:off x="4932040" y="1397000"/>
+          <a:ext cx="3960440" cy="3053080"/>
+        </p:xfrm>
+        <a:graphic>
+          <a:graphicData uri="http://schemas.openxmlformats.org/drawingml/2006/table">
+            <a:tbl>
+              <a:tblPr firstRow="1" bandRow="1">
+                <a:tableStyleId>{5940675A-B579-460E-94D1-54222C63F5DA}</a:tableStyleId>
+              </a:tblPr>
+              <a:tblGrid>
+                <a:gridCol w="720080">
+                  <a:extLst>
+                    <a:ext uri="{9D8B030D-6E8A-4147-A177-3AD203B41FA5}">
+                      <a16:colId xmlns:a16="http://schemas.microsoft.com/office/drawing/2014/main" val="20000"/>
+                    </a:ext>
+                  </a:extLst>
+                </a:gridCol>
+                <a:gridCol w="3240360">
+                  <a:extLst>
+                    <a:ext uri="{9D8B030D-6E8A-4147-A177-3AD203B41FA5}">
+                      <a16:colId xmlns:a16="http://schemas.microsoft.com/office/drawing/2014/main" val="20001"/>
+                    </a:ext>
+                  </a:extLst>
+                </a:gridCol>
+              </a:tblGrid>
+              <a:tr h="370840">
+                <a:tc>
+                  <a:txBody>
+                    <a:bodyPr/>
+                    <a:lstStyle/>
+                    <a:p>
+                      <a:r>
+                        <a:rPr lang="fr-FR" sz="1200" dirty="0"/>
+                        <a:t>V1.0</a:t>
+                      </a:r>
+                    </a:p>
+                  </a:txBody>
+                  <a:tcPr/>
+                </a:tc>
+                <a:tc>
+                  <a:txBody>
+                    <a:bodyPr/>
+                    <a:lstStyle/>
+                    <a:p>
+                      <a:pPr marL="0" marR="0" indent="0" algn="l" defTabSz="914400" rtl="0" eaLnBrk="1" fontAlgn="auto" latinLnBrk="0" hangingPunct="1">
+                        <a:lnSpc>
+                          <a:spcPct val="100000"/>
+                        </a:lnSpc>
+                        <a:spcBef>
+                          <a:spcPts val="0"/>
+                        </a:spcBef>
+                        <a:spcAft>
+                          <a:spcPts val="0"/>
+                        </a:spcAft>
+                        <a:buClrTx/>
+                        <a:buSzTx/>
+                        <a:buFontTx/>
+                        <a:buNone/>
+                        <a:tabLst/>
+                        <a:defRPr/>
+                      </a:pPr>
+                      <a:r>
+                        <a:rPr lang="fr-FR" sz="1200" dirty="0"/>
+                        <a:t>T010 – Création de l’écran liste des familles</a:t>
+                      </a:r>
+                    </a:p>
+                    <a:p>
+                      <a:endParaRPr lang="fr-FR" sz="1200" dirty="0"/>
+                    </a:p>
+                  </a:txBody>
+                  <a:tcPr/>
+                </a:tc>
+                <a:extLst>
+                  <a:ext uri="{0D108BD9-81ED-4DB2-BD59-A6C34878D82A}">
+                    <a16:rowId xmlns:a16="http://schemas.microsoft.com/office/drawing/2014/main" val="10000"/>
+                  </a:ext>
+                </a:extLst>
+              </a:tr>
+              <a:tr h="370840">
+                <a:tc>
+                  <a:txBody>
+                    <a:bodyPr/>
+                    <a:lstStyle/>
+                    <a:p>
+                      <a:endParaRPr lang="fr-FR" sz="1200"/>
+                    </a:p>
+                  </a:txBody>
+                  <a:tcPr/>
+                </a:tc>
+                <a:tc>
+                  <a:txBody>
+                    <a:bodyPr/>
+                    <a:lstStyle/>
+                    <a:p>
+                      <a:endParaRPr lang="fr-FR" sz="1200"/>
+                    </a:p>
+                  </a:txBody>
+                  <a:tcPr/>
+                </a:tc>
+                <a:extLst>
+                  <a:ext uri="{0D108BD9-81ED-4DB2-BD59-A6C34878D82A}">
+                    <a16:rowId xmlns:a16="http://schemas.microsoft.com/office/drawing/2014/main" val="10001"/>
+                  </a:ext>
+                </a:extLst>
+              </a:tr>
+              <a:tr h="370840">
+                <a:tc>
+                  <a:txBody>
+                    <a:bodyPr/>
+                    <a:lstStyle/>
+                    <a:p>
+                      <a:endParaRPr lang="fr-FR" sz="1200"/>
+                    </a:p>
+                  </a:txBody>
+                  <a:tcPr/>
+                </a:tc>
+                <a:tc>
+                  <a:txBody>
+                    <a:bodyPr/>
+                    <a:lstStyle/>
+                    <a:p>
+                      <a:endParaRPr lang="fr-FR" sz="1200"/>
+                    </a:p>
+                  </a:txBody>
+                  <a:tcPr/>
+                </a:tc>
+                <a:extLst>
+                  <a:ext uri="{0D108BD9-81ED-4DB2-BD59-A6C34878D82A}">
+                    <a16:rowId xmlns:a16="http://schemas.microsoft.com/office/drawing/2014/main" val="10002"/>
+                  </a:ext>
+                </a:extLst>
+              </a:tr>
+              <a:tr h="370840">
+                <a:tc>
+                  <a:txBody>
+                    <a:bodyPr/>
+                    <a:lstStyle/>
+                    <a:p>
+                      <a:endParaRPr lang="fr-FR" sz="1200"/>
+                    </a:p>
+                  </a:txBody>
+                  <a:tcPr/>
+                </a:tc>
+                <a:tc>
+                  <a:txBody>
+                    <a:bodyPr/>
+                    <a:lstStyle/>
+                    <a:p>
+                      <a:endParaRPr lang="fr-FR" sz="1200"/>
+                    </a:p>
+                  </a:txBody>
+                  <a:tcPr/>
+                </a:tc>
+                <a:extLst>
+                  <a:ext uri="{0D108BD9-81ED-4DB2-BD59-A6C34878D82A}">
+                    <a16:rowId xmlns:a16="http://schemas.microsoft.com/office/drawing/2014/main" val="10003"/>
+                  </a:ext>
+                </a:extLst>
+              </a:tr>
+              <a:tr h="370840">
+                <a:tc>
+                  <a:txBody>
+                    <a:bodyPr/>
+                    <a:lstStyle/>
+                    <a:p>
+                      <a:endParaRPr lang="fr-FR" sz="1200"/>
+                    </a:p>
+                  </a:txBody>
+                  <a:tcPr/>
+                </a:tc>
+                <a:tc>
+                  <a:txBody>
+                    <a:bodyPr/>
+                    <a:lstStyle/>
+                    <a:p>
+                      <a:endParaRPr lang="fr-FR" sz="1200"/>
+                    </a:p>
+                  </a:txBody>
+                  <a:tcPr/>
+                </a:tc>
+                <a:extLst>
+                  <a:ext uri="{0D108BD9-81ED-4DB2-BD59-A6C34878D82A}">
+                    <a16:rowId xmlns:a16="http://schemas.microsoft.com/office/drawing/2014/main" val="10004"/>
+                  </a:ext>
+                </a:extLst>
+              </a:tr>
+              <a:tr h="370840">
+                <a:tc>
+                  <a:txBody>
+                    <a:bodyPr/>
+                    <a:lstStyle/>
+                    <a:p>
+                      <a:endParaRPr lang="fr-FR" sz="1200"/>
+                    </a:p>
+                  </a:txBody>
+                  <a:tcPr/>
+                </a:tc>
+                <a:tc>
+                  <a:txBody>
+                    <a:bodyPr/>
+                    <a:lstStyle/>
+                    <a:p>
+                      <a:endParaRPr lang="fr-FR" sz="1200"/>
+                    </a:p>
+                  </a:txBody>
+                  <a:tcPr/>
+                </a:tc>
+                <a:extLst>
+                  <a:ext uri="{0D108BD9-81ED-4DB2-BD59-A6C34878D82A}">
+                    <a16:rowId xmlns:a16="http://schemas.microsoft.com/office/drawing/2014/main" val="10005"/>
+                  </a:ext>
+                </a:extLst>
+              </a:tr>
+              <a:tr h="370840">
+                <a:tc>
+                  <a:txBody>
+                    <a:bodyPr/>
+                    <a:lstStyle/>
+                    <a:p>
+                      <a:endParaRPr lang="fr-FR" sz="1200"/>
+                    </a:p>
+                  </a:txBody>
+                  <a:tcPr/>
+                </a:tc>
+                <a:tc>
+                  <a:txBody>
+                    <a:bodyPr/>
+                    <a:lstStyle/>
+                    <a:p>
+                      <a:endParaRPr lang="fr-FR" sz="1200"/>
+                    </a:p>
+                  </a:txBody>
+                  <a:tcPr/>
+                </a:tc>
+                <a:extLst>
+                  <a:ext uri="{0D108BD9-81ED-4DB2-BD59-A6C34878D82A}">
+                    <a16:rowId xmlns:a16="http://schemas.microsoft.com/office/drawing/2014/main" val="10006"/>
+                  </a:ext>
+                </a:extLst>
+              </a:tr>
+              <a:tr h="370840">
+                <a:tc>
+                  <a:txBody>
+                    <a:bodyPr/>
+                    <a:lstStyle/>
+                    <a:p>
+                      <a:endParaRPr lang="fr-FR" sz="1200"/>
+                    </a:p>
+                  </a:txBody>
+                  <a:tcPr/>
+                </a:tc>
+                <a:tc>
+                  <a:txBody>
+                    <a:bodyPr/>
+                    <a:lstStyle/>
+                    <a:p>
+                      <a:endParaRPr lang="fr-FR" sz="1200" dirty="0"/>
+                    </a:p>
+                  </a:txBody>
+                  <a:tcPr/>
+                </a:tc>
+                <a:extLst>
+                  <a:ext uri="{0D108BD9-81ED-4DB2-BD59-A6C34878D82A}">
+                    <a16:rowId xmlns:a16="http://schemas.microsoft.com/office/drawing/2014/main" val="10007"/>
+                  </a:ext>
+                </a:extLst>
+              </a:tr>
+            </a:tbl>
+          </a:graphicData>
+        </a:graphic>
+      </p:graphicFrame>
+      <p:sp>
+        <p:nvSpPr>
+          <p:cNvPr id="10" name="ZoneTexte 9">
+            <a:extLst>
+              <a:ext uri="{FF2B5EF4-FFF2-40B4-BE49-F238E27FC236}">
+                <a16:creationId xmlns:a16="http://schemas.microsoft.com/office/drawing/2014/main" id="{B08D4C3C-8EAE-49D8-A58A-BE3C4E499318}"/>
+              </a:ext>
+            </a:extLst>
+          </p:cNvPr>
+          <p:cNvSpPr txBox="1"/>
+          <p:nvPr/>
+        </p:nvSpPr>
+        <p:spPr>
+          <a:xfrm>
+            <a:off x="5220072" y="260648"/>
+            <a:ext cx="2808312" cy="369332"/>
+          </a:xfrm>
+          <a:prstGeom prst="rect">
+            <a:avLst/>
+          </a:prstGeom>
+          <a:noFill/>
+        </p:spPr>
+        <p:txBody>
+          <a:bodyPr wrap="square" rtlCol="0">
+            <a:spAutoFit/>
+          </a:bodyPr>
+          <a:lstStyle/>
+          <a:p>
+            <a:r>
+              <a:rPr lang="fr-FR" dirty="0"/>
+              <a:t>Ecran liste famille</a:t>
+            </a:r>
+          </a:p>
+        </p:txBody>
+      </p:sp>
+      <p:grpSp>
+        <p:nvGrpSpPr>
+          <p:cNvPr id="15" name="Groupe 14">
+            <a:extLst>
+              <a:ext uri="{FF2B5EF4-FFF2-40B4-BE49-F238E27FC236}">
+                <a16:creationId xmlns:a16="http://schemas.microsoft.com/office/drawing/2014/main" id="{9A65AC6B-EE23-4FA4-997F-3CD913CE2FD0}"/>
+              </a:ext>
+            </a:extLst>
+          </p:cNvPr>
+          <p:cNvGrpSpPr/>
+          <p:nvPr/>
+        </p:nvGrpSpPr>
+        <p:grpSpPr>
+          <a:xfrm>
+            <a:off x="755576" y="728700"/>
+            <a:ext cx="3960440" cy="5400600"/>
+            <a:chOff x="755576" y="728700"/>
+            <a:chExt cx="3960440" cy="5400600"/>
+          </a:xfrm>
+        </p:grpSpPr>
+        <p:grpSp>
+          <p:nvGrpSpPr>
+            <p:cNvPr id="5" name="Groupe 4">
+              <a:extLst>
+                <a:ext uri="{FF2B5EF4-FFF2-40B4-BE49-F238E27FC236}">
+                  <a16:creationId xmlns:a16="http://schemas.microsoft.com/office/drawing/2014/main" id="{52E4449B-6918-45D2-9AA4-7C3B1B5DFE50}"/>
+                </a:ext>
+              </a:extLst>
+            </p:cNvPr>
+            <p:cNvGrpSpPr/>
+            <p:nvPr/>
+          </p:nvGrpSpPr>
+          <p:grpSpPr>
+            <a:xfrm>
+              <a:off x="755576" y="728700"/>
+              <a:ext cx="3960440" cy="5400600"/>
+              <a:chOff x="755576" y="728700"/>
+              <a:chExt cx="3960440" cy="5400600"/>
+            </a:xfrm>
+          </p:grpSpPr>
+          <p:grpSp>
+            <p:nvGrpSpPr>
+              <p:cNvPr id="9" name="Groupe 8"/>
+              <p:cNvGrpSpPr/>
+              <p:nvPr/>
+            </p:nvGrpSpPr>
+            <p:grpSpPr>
+              <a:xfrm>
+                <a:off x="755576" y="728700"/>
+                <a:ext cx="3960440" cy="5400600"/>
+                <a:chOff x="755576" y="728700"/>
+                <a:chExt cx="3960440" cy="5400600"/>
+              </a:xfrm>
+            </p:grpSpPr>
+            <p:sp>
+              <p:nvSpPr>
+                <p:cNvPr id="4" name="Rectangle 3"/>
+                <p:cNvSpPr/>
+                <p:nvPr/>
+              </p:nvSpPr>
+              <p:spPr>
+                <a:xfrm>
+                  <a:off x="755576" y="728700"/>
+                  <a:ext cx="3960440" cy="5400600"/>
+                </a:xfrm>
+                <a:prstGeom prst="rect">
+                  <a:avLst/>
+                </a:prstGeom>
+                <a:ln>
+                  <a:solidFill>
+                    <a:schemeClr val="tx1"/>
+                  </a:solidFill>
+                </a:ln>
+              </p:spPr>
+              <p:style>
+                <a:lnRef idx="2">
+                  <a:schemeClr val="accent1">
+                    <a:shade val="50000"/>
+                  </a:schemeClr>
+                </a:lnRef>
+                <a:fillRef idx="1">
+                  <a:schemeClr val="accent1"/>
+                </a:fillRef>
+                <a:effectRef idx="0">
+                  <a:schemeClr val="accent1"/>
+                </a:effectRef>
+                <a:fontRef idx="minor">
+                  <a:schemeClr val="lt1"/>
+                </a:fontRef>
+              </p:style>
+              <p:txBody>
+                <a:bodyPr rtlCol="0" anchor="ctr"/>
+                <a:lstStyle/>
+                <a:p>
+                  <a:pPr algn="ctr"/>
+                  <a:endParaRPr lang="fr-FR"/>
+                </a:p>
+              </p:txBody>
+            </p:sp>
+            <p:sp>
+              <p:nvSpPr>
+                <p:cNvPr id="7" name="Rectangle 6"/>
+                <p:cNvSpPr/>
+                <p:nvPr/>
+              </p:nvSpPr>
+              <p:spPr>
+                <a:xfrm>
+                  <a:off x="755576" y="728700"/>
+                  <a:ext cx="3960440" cy="468052"/>
+                </a:xfrm>
+                <a:prstGeom prst="rect">
+                  <a:avLst/>
+                </a:prstGeom>
+                <a:solidFill>
+                  <a:schemeClr val="bg1"/>
+                </a:solidFill>
+                <a:ln>
+                  <a:solidFill>
+                    <a:schemeClr val="tx1"/>
+                  </a:solidFill>
+                </a:ln>
+              </p:spPr>
+              <p:style>
+                <a:lnRef idx="2">
+                  <a:schemeClr val="accent1">
+                    <a:shade val="50000"/>
+                  </a:schemeClr>
+                </a:lnRef>
+                <a:fillRef idx="1">
+                  <a:schemeClr val="accent1"/>
+                </a:fillRef>
+                <a:effectRef idx="0">
+                  <a:schemeClr val="accent1"/>
+                </a:effectRef>
+                <a:fontRef idx="minor">
+                  <a:schemeClr val="lt1"/>
+                </a:fontRef>
+              </p:style>
+              <p:txBody>
+                <a:bodyPr rtlCol="0" anchor="ctr"/>
+                <a:lstStyle/>
+                <a:p>
+                  <a:pPr algn="ctr"/>
+                  <a:endParaRPr lang="fr-FR"/>
+                </a:p>
+              </p:txBody>
+            </p:sp>
+            <p:sp>
+              <p:nvSpPr>
+                <p:cNvPr id="8" name="ZoneTexte 7"/>
+                <p:cNvSpPr txBox="1"/>
+                <p:nvPr/>
+              </p:nvSpPr>
+              <p:spPr>
+                <a:xfrm>
+                  <a:off x="755576" y="824226"/>
+                  <a:ext cx="936104" cy="276999"/>
+                </a:xfrm>
+                <a:prstGeom prst="rect">
+                  <a:avLst/>
+                </a:prstGeom>
+                <a:noFill/>
+              </p:spPr>
+              <p:txBody>
+                <a:bodyPr wrap="square" rtlCol="0">
+                  <a:spAutoFit/>
+                </a:bodyPr>
+                <a:lstStyle/>
+                <a:p>
+                  <a:pPr algn="ctr"/>
+                  <a:r>
+                    <a:rPr lang="fr-FR" sz="1200" dirty="0"/>
+                    <a:t>Accueil</a:t>
+                  </a:r>
+                </a:p>
+              </p:txBody>
+            </p:sp>
+          </p:grpSp>
+          <p:sp>
+            <p:nvSpPr>
+              <p:cNvPr id="2" name="Rectangle 1">
+                <a:extLst>
+                  <a:ext uri="{FF2B5EF4-FFF2-40B4-BE49-F238E27FC236}">
+                    <a16:creationId xmlns:a16="http://schemas.microsoft.com/office/drawing/2014/main" id="{8D0CE8A9-91AE-41BA-8A79-CAD11D04711F}"/>
+                  </a:ext>
+                </a:extLst>
+              </p:cNvPr>
+              <p:cNvSpPr/>
+              <p:nvPr/>
+            </p:nvSpPr>
+            <p:spPr>
+              <a:xfrm>
+                <a:off x="899592" y="1397000"/>
+                <a:ext cx="3672408" cy="4480272"/>
+              </a:xfrm>
+              <a:prstGeom prst="rect">
+                <a:avLst/>
+              </a:prstGeom>
+              <a:solidFill>
+                <a:schemeClr val="bg1"/>
+              </a:solidFill>
+              <a:ln>
+                <a:solidFill>
+                  <a:schemeClr val="tx1">
+                    <a:lumMod val="95000"/>
+                    <a:lumOff val="5000"/>
+                  </a:schemeClr>
+                </a:solidFill>
+              </a:ln>
+            </p:spPr>
+            <p:style>
+              <a:lnRef idx="2">
+                <a:schemeClr val="accent1">
+                  <a:shade val="50000"/>
+                </a:schemeClr>
+              </a:lnRef>
+              <a:fillRef idx="1">
+                <a:schemeClr val="accent1"/>
+              </a:fillRef>
+              <a:effectRef idx="0">
+                <a:schemeClr val="accent1"/>
+              </a:effectRef>
+              <a:fontRef idx="minor">
+                <a:schemeClr val="lt1"/>
+              </a:fontRef>
+            </p:style>
+            <p:txBody>
+              <a:bodyPr rtlCol="0" anchor="ctr"/>
+              <a:lstStyle/>
+              <a:p>
+                <a:pPr algn="ctr"/>
+                <a:endParaRPr lang="fr-FR"/>
+              </a:p>
+            </p:txBody>
+          </p:sp>
+        </p:grpSp>
+        <p:cxnSp>
+          <p:nvCxnSpPr>
+            <p:cNvPr id="13" name="Connecteur droit 12">
+              <a:extLst>
+                <a:ext uri="{FF2B5EF4-FFF2-40B4-BE49-F238E27FC236}">
+                  <a16:creationId xmlns:a16="http://schemas.microsoft.com/office/drawing/2014/main" id="{21394F91-921A-4BBF-B4EC-B63598DE040A}"/>
+                </a:ext>
+              </a:extLst>
+            </p:cNvPr>
+            <p:cNvCxnSpPr/>
+            <p:nvPr/>
+          </p:nvCxnSpPr>
+          <p:spPr>
+            <a:xfrm>
+              <a:off x="1115616" y="1988840"/>
+              <a:ext cx="3312368" cy="0"/>
+            </a:xfrm>
+            <a:prstGeom prst="line">
+              <a:avLst/>
+            </a:prstGeom>
+          </p:spPr>
+          <p:style>
+            <a:lnRef idx="1">
+              <a:schemeClr val="dk1"/>
+            </a:lnRef>
+            <a:fillRef idx="0">
+              <a:schemeClr val="dk1"/>
+            </a:fillRef>
+            <a:effectRef idx="0">
+              <a:schemeClr val="dk1"/>
+            </a:effectRef>
+            <a:fontRef idx="minor">
+              <a:schemeClr val="tx1"/>
+            </a:fontRef>
+          </p:style>
+        </p:cxnSp>
+        <p:sp>
+          <p:nvSpPr>
+            <p:cNvPr id="14" name="Rectangle : coins arrondis 13">
+              <a:extLst>
+                <a:ext uri="{FF2B5EF4-FFF2-40B4-BE49-F238E27FC236}">
+                  <a16:creationId xmlns:a16="http://schemas.microsoft.com/office/drawing/2014/main" id="{29329E08-603A-4562-9B04-3404D634631F}"/>
+                </a:ext>
+              </a:extLst>
+            </p:cNvPr>
+            <p:cNvSpPr/>
+            <p:nvPr/>
+          </p:nvSpPr>
+          <p:spPr>
+            <a:xfrm>
+              <a:off x="1619672" y="1484784"/>
+              <a:ext cx="2232248" cy="441340"/>
+            </a:xfrm>
+            <a:prstGeom prst="roundRect">
+              <a:avLst/>
+            </a:prstGeom>
+            <a:solidFill>
+              <a:schemeClr val="bg1">
+                <a:lumMod val="85000"/>
+              </a:schemeClr>
+            </a:solidFill>
+            <a:ln>
+              <a:noFill/>
+            </a:ln>
+            <a:effectLst/>
+          </p:spPr>
+          <p:style>
+            <a:lnRef idx="1">
+              <a:schemeClr val="dk1"/>
+            </a:lnRef>
+            <a:fillRef idx="2">
+              <a:schemeClr val="dk1"/>
+            </a:fillRef>
+            <a:effectRef idx="1">
+              <a:schemeClr val="dk1"/>
+            </a:effectRef>
+            <a:fontRef idx="minor">
+              <a:schemeClr val="dk1"/>
+            </a:fontRef>
+          </p:style>
+          <p:txBody>
+            <a:bodyPr rtlCol="0" anchor="ctr"/>
+            <a:lstStyle/>
+            <a:p>
+              <a:pPr algn="ctr"/>
+              <a:r>
+                <a:rPr lang="fr-FR" dirty="0"/>
+                <a:t>Liste des familles</a:t>
+              </a:r>
+            </a:p>
+          </p:txBody>
+        </p:sp>
+      </p:grpSp>
+      <p:graphicFrame>
+        <p:nvGraphicFramePr>
+          <p:cNvPr id="17" name="Tableau 11">
+            <a:extLst>
+              <a:ext uri="{FF2B5EF4-FFF2-40B4-BE49-F238E27FC236}">
+                <a16:creationId xmlns:a16="http://schemas.microsoft.com/office/drawing/2014/main" id="{A9D9493C-F037-4480-8E4A-70225C2F5D45}"/>
+              </a:ext>
+            </a:extLst>
+          </p:cNvPr>
+          <p:cNvGraphicFramePr>
+            <a:graphicFrameLocks noGrp="1"/>
+          </p:cNvGraphicFramePr>
+          <p:nvPr>
+            <p:extLst>
+              <p:ext uri="{D42A27DB-BD31-4B8C-83A1-F6EECF244321}">
+                <p14:modId xmlns:p14="http://schemas.microsoft.com/office/powerpoint/2010/main" val="1629675580"/>
+              </p:ext>
+            </p:extLst>
+          </p:nvPr>
+        </p:nvGraphicFramePr>
+        <p:xfrm>
+          <a:off x="1115616" y="2153335"/>
+          <a:ext cx="3312368" cy="213360"/>
+        </p:xfrm>
+        <a:graphic>
+          <a:graphicData uri="http://schemas.openxmlformats.org/drawingml/2006/table">
+            <a:tbl>
+              <a:tblPr firstRow="1" bandRow="1">
+                <a:tableStyleId>{5940675A-B579-460E-94D1-54222C63F5DA}</a:tableStyleId>
+              </a:tblPr>
+              <a:tblGrid>
+                <a:gridCol w="828092">
+                  <a:extLst>
+                    <a:ext uri="{9D8B030D-6E8A-4147-A177-3AD203B41FA5}">
+                      <a16:colId xmlns:a16="http://schemas.microsoft.com/office/drawing/2014/main" val="1107729764"/>
+                    </a:ext>
+                  </a:extLst>
+                </a:gridCol>
+                <a:gridCol w="828092">
+                  <a:extLst>
+                    <a:ext uri="{9D8B030D-6E8A-4147-A177-3AD203B41FA5}">
+                      <a16:colId xmlns:a16="http://schemas.microsoft.com/office/drawing/2014/main" val="1016315755"/>
+                    </a:ext>
+                  </a:extLst>
+                </a:gridCol>
+                <a:gridCol w="828092">
+                  <a:extLst>
+                    <a:ext uri="{9D8B030D-6E8A-4147-A177-3AD203B41FA5}">
+                      <a16:colId xmlns:a16="http://schemas.microsoft.com/office/drawing/2014/main" val="2123422907"/>
+                    </a:ext>
+                  </a:extLst>
+                </a:gridCol>
+                <a:gridCol w="828092">
+                  <a:extLst>
+                    <a:ext uri="{9D8B030D-6E8A-4147-A177-3AD203B41FA5}">
+                      <a16:colId xmlns:a16="http://schemas.microsoft.com/office/drawing/2014/main" val="3886583170"/>
+                    </a:ext>
+                  </a:extLst>
+                </a:gridCol>
+              </a:tblGrid>
+              <a:tr h="193514">
+                <a:tc>
+                  <a:txBody>
+                    <a:bodyPr/>
+                    <a:lstStyle/>
+                    <a:p>
+                      <a:r>
+                        <a:rPr lang="fr-FR" sz="800" dirty="0"/>
+                        <a:t>Id</a:t>
+                      </a:r>
+                    </a:p>
+                  </a:txBody>
+                  <a:tcPr/>
+                </a:tc>
+                <a:tc>
+                  <a:txBody>
+                    <a:bodyPr/>
+                    <a:lstStyle/>
+                    <a:p>
+                      <a:r>
+                        <a:rPr lang="fr-FR" sz="800" dirty="0"/>
+                        <a:t>Nom</a:t>
+                      </a:r>
+                    </a:p>
+                  </a:txBody>
+                  <a:tcPr/>
+                </a:tc>
+                <a:tc>
+                  <a:txBody>
+                    <a:bodyPr/>
+                    <a:lstStyle/>
+                    <a:p>
+                      <a:r>
+                        <a:rPr lang="fr-FR" sz="800" dirty="0"/>
+                        <a:t>Génération</a:t>
+                      </a:r>
+                    </a:p>
+                  </a:txBody>
+                  <a:tcPr/>
+                </a:tc>
+                <a:tc>
+                  <a:txBody>
+                    <a:bodyPr/>
+                    <a:lstStyle/>
+                    <a:p>
+                      <a:r>
+                        <a:rPr lang="fr-FR" sz="800" dirty="0"/>
+                        <a:t>Chef de famille</a:t>
+                      </a:r>
+                    </a:p>
+                  </a:txBody>
+                  <a:tcPr/>
+                </a:tc>
+                <a:extLst>
+                  <a:ext uri="{0D108BD9-81ED-4DB2-BD59-A6C34878D82A}">
+                    <a16:rowId xmlns:a16="http://schemas.microsoft.com/office/drawing/2014/main" val="1351064631"/>
+                  </a:ext>
+                </a:extLst>
+              </a:tr>
+            </a:tbl>
+          </a:graphicData>
+        </a:graphic>
+      </p:graphicFrame>
+      <p:sp>
+        <p:nvSpPr>
+          <p:cNvPr id="18" name="ZoneTexte 17">
+            <a:extLst>
+              <a:ext uri="{FF2B5EF4-FFF2-40B4-BE49-F238E27FC236}">
+                <a16:creationId xmlns:a16="http://schemas.microsoft.com/office/drawing/2014/main" id="{7C1848A9-9566-4B63-B978-51ED9A95B97F}"/>
+              </a:ext>
+            </a:extLst>
+          </p:cNvPr>
+          <p:cNvSpPr txBox="1"/>
+          <p:nvPr/>
+        </p:nvSpPr>
+        <p:spPr>
+          <a:xfrm>
+            <a:off x="1344454" y="824225"/>
+            <a:ext cx="936104" cy="276999"/>
+          </a:xfrm>
+          <a:prstGeom prst="rect">
+            <a:avLst/>
+          </a:prstGeom>
+          <a:noFill/>
+        </p:spPr>
+        <p:txBody>
+          <a:bodyPr wrap="square" rtlCol="0">
+            <a:spAutoFit/>
+          </a:bodyPr>
+          <a:lstStyle/>
+          <a:p>
+            <a:pPr algn="ctr"/>
+            <a:r>
+              <a:rPr lang="fr-FR" sz="1200" dirty="0"/>
+              <a:t>Famille</a:t>
+            </a:r>
+          </a:p>
+        </p:txBody>
+      </p:sp>
+    </p:spTree>
+    <p:extLst>
+      <p:ext uri="{BB962C8B-B14F-4D97-AF65-F5344CB8AC3E}">
+        <p14:creationId xmlns:p14="http://schemas.microsoft.com/office/powerpoint/2010/main" val="3006996470"/>
       </p:ext>
     </p:extLst>
   </p:cSld>

--- a/src/main/resources/mq.pptx
+++ b/src/main/resources/mq.pptx
@@ -10,6 +10,7 @@
     <p:sldId id="258" r:id="rId4"/>
     <p:sldId id="259" r:id="rId5"/>
     <p:sldId id="260" r:id="rId6"/>
+    <p:sldId id="261" r:id="rId7"/>
   </p:sldIdLst>
   <p:sldSz cx="9144000" cy="6858000" type="screen4x3"/>
   <p:notesSz cx="6858000" cy="9144000"/>
@@ -6297,10 +6298,1304 @@
           <p:nvPr>
             <p:extLst>
               <p:ext uri="{D42A27DB-BD31-4B8C-83A1-F6EECF244321}">
-                <p14:modId xmlns:p14="http://schemas.microsoft.com/office/powerpoint/2010/main" val="1734683742"/>
+                <p14:modId xmlns:p14="http://schemas.microsoft.com/office/powerpoint/2010/main" val="1411172186"/>
               </p:ext>
             </p:extLst>
           </p:nvPr>
+        </p:nvGraphicFramePr>
+        <p:xfrm>
+          <a:off x="4932040" y="1397000"/>
+          <a:ext cx="3960440" cy="3053080"/>
+        </p:xfrm>
+        <a:graphic>
+          <a:graphicData uri="http://schemas.openxmlformats.org/drawingml/2006/table">
+            <a:tbl>
+              <a:tblPr firstRow="1" bandRow="1">
+                <a:tableStyleId>{5940675A-B579-460E-94D1-54222C63F5DA}</a:tableStyleId>
+              </a:tblPr>
+              <a:tblGrid>
+                <a:gridCol w="720080">
+                  <a:extLst>
+                    <a:ext uri="{9D8B030D-6E8A-4147-A177-3AD203B41FA5}">
+                      <a16:colId xmlns:a16="http://schemas.microsoft.com/office/drawing/2014/main" val="20000"/>
+                    </a:ext>
+                  </a:extLst>
+                </a:gridCol>
+                <a:gridCol w="3240360">
+                  <a:extLst>
+                    <a:ext uri="{9D8B030D-6E8A-4147-A177-3AD203B41FA5}">
+                      <a16:colId xmlns:a16="http://schemas.microsoft.com/office/drawing/2014/main" val="20001"/>
+                    </a:ext>
+                  </a:extLst>
+                </a:gridCol>
+              </a:tblGrid>
+              <a:tr h="370840">
+                <a:tc>
+                  <a:txBody>
+                    <a:bodyPr/>
+                    <a:lstStyle/>
+                    <a:p>
+                      <a:r>
+                        <a:rPr lang="fr-FR" sz="1200" dirty="0"/>
+                        <a:t>V1.0</a:t>
+                      </a:r>
+                    </a:p>
+                  </a:txBody>
+                  <a:tcPr/>
+                </a:tc>
+                <a:tc>
+                  <a:txBody>
+                    <a:bodyPr/>
+                    <a:lstStyle/>
+                    <a:p>
+                      <a:pPr marL="0" marR="0" indent="0" algn="l" defTabSz="914400" rtl="0" eaLnBrk="1" fontAlgn="auto" latinLnBrk="0" hangingPunct="1">
+                        <a:lnSpc>
+                          <a:spcPct val="100000"/>
+                        </a:lnSpc>
+                        <a:spcBef>
+                          <a:spcPts val="0"/>
+                        </a:spcBef>
+                        <a:spcAft>
+                          <a:spcPts val="0"/>
+                        </a:spcAft>
+                        <a:buClrTx/>
+                        <a:buSzTx/>
+                        <a:buFontTx/>
+                        <a:buNone/>
+                        <a:tabLst/>
+                        <a:defRPr/>
+                      </a:pPr>
+                      <a:r>
+                        <a:rPr lang="fr-FR" sz="1200" dirty="0"/>
+                        <a:t>T012 – Création de l’écran accueil</a:t>
+                      </a:r>
+                    </a:p>
+                    <a:p>
+                      <a:endParaRPr lang="fr-FR" sz="1200" dirty="0"/>
+                    </a:p>
+                  </a:txBody>
+                  <a:tcPr/>
+                </a:tc>
+                <a:extLst>
+                  <a:ext uri="{0D108BD9-81ED-4DB2-BD59-A6C34878D82A}">
+                    <a16:rowId xmlns:a16="http://schemas.microsoft.com/office/drawing/2014/main" val="10000"/>
+                  </a:ext>
+                </a:extLst>
+              </a:tr>
+              <a:tr h="370840">
+                <a:tc>
+                  <a:txBody>
+                    <a:bodyPr/>
+                    <a:lstStyle/>
+                    <a:p>
+                      <a:endParaRPr lang="fr-FR" sz="1200"/>
+                    </a:p>
+                  </a:txBody>
+                  <a:tcPr/>
+                </a:tc>
+                <a:tc>
+                  <a:txBody>
+                    <a:bodyPr/>
+                    <a:lstStyle/>
+                    <a:p>
+                      <a:endParaRPr lang="fr-FR" sz="1200"/>
+                    </a:p>
+                  </a:txBody>
+                  <a:tcPr/>
+                </a:tc>
+                <a:extLst>
+                  <a:ext uri="{0D108BD9-81ED-4DB2-BD59-A6C34878D82A}">
+                    <a16:rowId xmlns:a16="http://schemas.microsoft.com/office/drawing/2014/main" val="10001"/>
+                  </a:ext>
+                </a:extLst>
+              </a:tr>
+              <a:tr h="370840">
+                <a:tc>
+                  <a:txBody>
+                    <a:bodyPr/>
+                    <a:lstStyle/>
+                    <a:p>
+                      <a:endParaRPr lang="fr-FR" sz="1200"/>
+                    </a:p>
+                  </a:txBody>
+                  <a:tcPr/>
+                </a:tc>
+                <a:tc>
+                  <a:txBody>
+                    <a:bodyPr/>
+                    <a:lstStyle/>
+                    <a:p>
+                      <a:endParaRPr lang="fr-FR" sz="1200" dirty="0"/>
+                    </a:p>
+                  </a:txBody>
+                  <a:tcPr/>
+                </a:tc>
+                <a:extLst>
+                  <a:ext uri="{0D108BD9-81ED-4DB2-BD59-A6C34878D82A}">
+                    <a16:rowId xmlns:a16="http://schemas.microsoft.com/office/drawing/2014/main" val="10002"/>
+                  </a:ext>
+                </a:extLst>
+              </a:tr>
+              <a:tr h="370840">
+                <a:tc>
+                  <a:txBody>
+                    <a:bodyPr/>
+                    <a:lstStyle/>
+                    <a:p>
+                      <a:endParaRPr lang="fr-FR" sz="1200"/>
+                    </a:p>
+                  </a:txBody>
+                  <a:tcPr/>
+                </a:tc>
+                <a:tc>
+                  <a:txBody>
+                    <a:bodyPr/>
+                    <a:lstStyle/>
+                    <a:p>
+                      <a:endParaRPr lang="fr-FR" sz="1200"/>
+                    </a:p>
+                  </a:txBody>
+                  <a:tcPr/>
+                </a:tc>
+                <a:extLst>
+                  <a:ext uri="{0D108BD9-81ED-4DB2-BD59-A6C34878D82A}">
+                    <a16:rowId xmlns:a16="http://schemas.microsoft.com/office/drawing/2014/main" val="10003"/>
+                  </a:ext>
+                </a:extLst>
+              </a:tr>
+              <a:tr h="370840">
+                <a:tc>
+                  <a:txBody>
+                    <a:bodyPr/>
+                    <a:lstStyle/>
+                    <a:p>
+                      <a:endParaRPr lang="fr-FR" sz="1200"/>
+                    </a:p>
+                  </a:txBody>
+                  <a:tcPr/>
+                </a:tc>
+                <a:tc>
+                  <a:txBody>
+                    <a:bodyPr/>
+                    <a:lstStyle/>
+                    <a:p>
+                      <a:endParaRPr lang="fr-FR" sz="1200"/>
+                    </a:p>
+                  </a:txBody>
+                  <a:tcPr/>
+                </a:tc>
+                <a:extLst>
+                  <a:ext uri="{0D108BD9-81ED-4DB2-BD59-A6C34878D82A}">
+                    <a16:rowId xmlns:a16="http://schemas.microsoft.com/office/drawing/2014/main" val="10004"/>
+                  </a:ext>
+                </a:extLst>
+              </a:tr>
+              <a:tr h="370840">
+                <a:tc>
+                  <a:txBody>
+                    <a:bodyPr/>
+                    <a:lstStyle/>
+                    <a:p>
+                      <a:endParaRPr lang="fr-FR" sz="1200"/>
+                    </a:p>
+                  </a:txBody>
+                  <a:tcPr/>
+                </a:tc>
+                <a:tc>
+                  <a:txBody>
+                    <a:bodyPr/>
+                    <a:lstStyle/>
+                    <a:p>
+                      <a:endParaRPr lang="fr-FR" sz="1200"/>
+                    </a:p>
+                  </a:txBody>
+                  <a:tcPr/>
+                </a:tc>
+                <a:extLst>
+                  <a:ext uri="{0D108BD9-81ED-4DB2-BD59-A6C34878D82A}">
+                    <a16:rowId xmlns:a16="http://schemas.microsoft.com/office/drawing/2014/main" val="10005"/>
+                  </a:ext>
+                </a:extLst>
+              </a:tr>
+              <a:tr h="370840">
+                <a:tc>
+                  <a:txBody>
+                    <a:bodyPr/>
+                    <a:lstStyle/>
+                    <a:p>
+                      <a:endParaRPr lang="fr-FR" sz="1200"/>
+                    </a:p>
+                  </a:txBody>
+                  <a:tcPr/>
+                </a:tc>
+                <a:tc>
+                  <a:txBody>
+                    <a:bodyPr/>
+                    <a:lstStyle/>
+                    <a:p>
+                      <a:endParaRPr lang="fr-FR" sz="1200"/>
+                    </a:p>
+                  </a:txBody>
+                  <a:tcPr/>
+                </a:tc>
+                <a:extLst>
+                  <a:ext uri="{0D108BD9-81ED-4DB2-BD59-A6C34878D82A}">
+                    <a16:rowId xmlns:a16="http://schemas.microsoft.com/office/drawing/2014/main" val="10006"/>
+                  </a:ext>
+                </a:extLst>
+              </a:tr>
+              <a:tr h="370840">
+                <a:tc>
+                  <a:txBody>
+                    <a:bodyPr/>
+                    <a:lstStyle/>
+                    <a:p>
+                      <a:endParaRPr lang="fr-FR" sz="1200"/>
+                    </a:p>
+                  </a:txBody>
+                  <a:tcPr/>
+                </a:tc>
+                <a:tc>
+                  <a:txBody>
+                    <a:bodyPr/>
+                    <a:lstStyle/>
+                    <a:p>
+                      <a:endParaRPr lang="fr-FR" sz="1200" dirty="0"/>
+                    </a:p>
+                  </a:txBody>
+                  <a:tcPr/>
+                </a:tc>
+                <a:extLst>
+                  <a:ext uri="{0D108BD9-81ED-4DB2-BD59-A6C34878D82A}">
+                    <a16:rowId xmlns:a16="http://schemas.microsoft.com/office/drawing/2014/main" val="10007"/>
+                  </a:ext>
+                </a:extLst>
+              </a:tr>
+            </a:tbl>
+          </a:graphicData>
+        </a:graphic>
+      </p:graphicFrame>
+      <p:sp>
+        <p:nvSpPr>
+          <p:cNvPr id="10" name="ZoneTexte 9">
+            <a:extLst>
+              <a:ext uri="{FF2B5EF4-FFF2-40B4-BE49-F238E27FC236}">
+                <a16:creationId xmlns:a16="http://schemas.microsoft.com/office/drawing/2014/main" id="{B08D4C3C-8EAE-49D8-A58A-BE3C4E499318}"/>
+              </a:ext>
+            </a:extLst>
+          </p:cNvPr>
+          <p:cNvSpPr txBox="1"/>
+          <p:nvPr/>
+        </p:nvSpPr>
+        <p:spPr>
+          <a:xfrm>
+            <a:off x="5220072" y="260648"/>
+            <a:ext cx="2808312" cy="369332"/>
+          </a:xfrm>
+          <a:prstGeom prst="rect">
+            <a:avLst/>
+          </a:prstGeom>
+          <a:noFill/>
+        </p:spPr>
+        <p:txBody>
+          <a:bodyPr wrap="square" rtlCol="0">
+            <a:spAutoFit/>
+          </a:bodyPr>
+          <a:lstStyle/>
+          <a:p>
+            <a:r>
+              <a:rPr lang="fr-FR" dirty="0"/>
+              <a:t>Ecran accueil</a:t>
+            </a:r>
+          </a:p>
+        </p:txBody>
+      </p:sp>
+      <p:grpSp>
+        <p:nvGrpSpPr>
+          <p:cNvPr id="15" name="Groupe 14">
+            <a:extLst>
+              <a:ext uri="{FF2B5EF4-FFF2-40B4-BE49-F238E27FC236}">
+                <a16:creationId xmlns:a16="http://schemas.microsoft.com/office/drawing/2014/main" id="{9A65AC6B-EE23-4FA4-997F-3CD913CE2FD0}"/>
+              </a:ext>
+            </a:extLst>
+          </p:cNvPr>
+          <p:cNvGrpSpPr/>
+          <p:nvPr/>
+        </p:nvGrpSpPr>
+        <p:grpSpPr>
+          <a:xfrm>
+            <a:off x="755576" y="728700"/>
+            <a:ext cx="3960440" cy="5400600"/>
+            <a:chOff x="755576" y="728700"/>
+            <a:chExt cx="3960440" cy="5400600"/>
+          </a:xfrm>
+        </p:grpSpPr>
+        <p:grpSp>
+          <p:nvGrpSpPr>
+            <p:cNvPr id="5" name="Groupe 4">
+              <a:extLst>
+                <a:ext uri="{FF2B5EF4-FFF2-40B4-BE49-F238E27FC236}">
+                  <a16:creationId xmlns:a16="http://schemas.microsoft.com/office/drawing/2014/main" id="{52E4449B-6918-45D2-9AA4-7C3B1B5DFE50}"/>
+                </a:ext>
+              </a:extLst>
+            </p:cNvPr>
+            <p:cNvGrpSpPr/>
+            <p:nvPr/>
+          </p:nvGrpSpPr>
+          <p:grpSpPr>
+            <a:xfrm>
+              <a:off x="755576" y="728700"/>
+              <a:ext cx="3960440" cy="5400600"/>
+              <a:chOff x="755576" y="728700"/>
+              <a:chExt cx="3960440" cy="5400600"/>
+            </a:xfrm>
+          </p:grpSpPr>
+          <p:grpSp>
+            <p:nvGrpSpPr>
+              <p:cNvPr id="9" name="Groupe 8"/>
+              <p:cNvGrpSpPr/>
+              <p:nvPr/>
+            </p:nvGrpSpPr>
+            <p:grpSpPr>
+              <a:xfrm>
+                <a:off x="755576" y="728700"/>
+                <a:ext cx="3960440" cy="5400600"/>
+                <a:chOff x="755576" y="728700"/>
+                <a:chExt cx="3960440" cy="5400600"/>
+              </a:xfrm>
+            </p:grpSpPr>
+            <p:sp>
+              <p:nvSpPr>
+                <p:cNvPr id="4" name="Rectangle 3"/>
+                <p:cNvSpPr/>
+                <p:nvPr/>
+              </p:nvSpPr>
+              <p:spPr>
+                <a:xfrm>
+                  <a:off x="755576" y="728700"/>
+                  <a:ext cx="3960440" cy="5400600"/>
+                </a:xfrm>
+                <a:prstGeom prst="rect">
+                  <a:avLst/>
+                </a:prstGeom>
+                <a:ln>
+                  <a:solidFill>
+                    <a:schemeClr val="tx1"/>
+                  </a:solidFill>
+                </a:ln>
+              </p:spPr>
+              <p:style>
+                <a:lnRef idx="2">
+                  <a:schemeClr val="accent1">
+                    <a:shade val="50000"/>
+                  </a:schemeClr>
+                </a:lnRef>
+                <a:fillRef idx="1">
+                  <a:schemeClr val="accent1"/>
+                </a:fillRef>
+                <a:effectRef idx="0">
+                  <a:schemeClr val="accent1"/>
+                </a:effectRef>
+                <a:fontRef idx="minor">
+                  <a:schemeClr val="lt1"/>
+                </a:fontRef>
+              </p:style>
+              <p:txBody>
+                <a:bodyPr rtlCol="0" anchor="ctr"/>
+                <a:lstStyle/>
+                <a:p>
+                  <a:pPr algn="ctr"/>
+                  <a:endParaRPr lang="fr-FR"/>
+                </a:p>
+              </p:txBody>
+            </p:sp>
+            <p:sp>
+              <p:nvSpPr>
+                <p:cNvPr id="7" name="Rectangle 6"/>
+                <p:cNvSpPr/>
+                <p:nvPr/>
+              </p:nvSpPr>
+              <p:spPr>
+                <a:xfrm>
+                  <a:off x="755576" y="728700"/>
+                  <a:ext cx="3960440" cy="468052"/>
+                </a:xfrm>
+                <a:prstGeom prst="rect">
+                  <a:avLst/>
+                </a:prstGeom>
+                <a:solidFill>
+                  <a:schemeClr val="bg1"/>
+                </a:solidFill>
+                <a:ln>
+                  <a:solidFill>
+                    <a:schemeClr val="tx1"/>
+                  </a:solidFill>
+                </a:ln>
+              </p:spPr>
+              <p:style>
+                <a:lnRef idx="2">
+                  <a:schemeClr val="accent1">
+                    <a:shade val="50000"/>
+                  </a:schemeClr>
+                </a:lnRef>
+                <a:fillRef idx="1">
+                  <a:schemeClr val="accent1"/>
+                </a:fillRef>
+                <a:effectRef idx="0">
+                  <a:schemeClr val="accent1"/>
+                </a:effectRef>
+                <a:fontRef idx="minor">
+                  <a:schemeClr val="lt1"/>
+                </a:fontRef>
+              </p:style>
+              <p:txBody>
+                <a:bodyPr rtlCol="0" anchor="ctr"/>
+                <a:lstStyle/>
+                <a:p>
+                  <a:pPr algn="ctr"/>
+                  <a:endParaRPr lang="fr-FR"/>
+                </a:p>
+              </p:txBody>
+            </p:sp>
+            <p:sp>
+              <p:nvSpPr>
+                <p:cNvPr id="8" name="ZoneTexte 7"/>
+                <p:cNvSpPr txBox="1"/>
+                <p:nvPr/>
+              </p:nvSpPr>
+              <p:spPr>
+                <a:xfrm>
+                  <a:off x="755576" y="824226"/>
+                  <a:ext cx="936104" cy="276999"/>
+                </a:xfrm>
+                <a:prstGeom prst="rect">
+                  <a:avLst/>
+                </a:prstGeom>
+                <a:noFill/>
+              </p:spPr>
+              <p:txBody>
+                <a:bodyPr wrap="square" rtlCol="0">
+                  <a:spAutoFit/>
+                </a:bodyPr>
+                <a:lstStyle/>
+                <a:p>
+                  <a:pPr algn="ctr"/>
+                  <a:r>
+                    <a:rPr lang="fr-FR" sz="1200" dirty="0"/>
+                    <a:t>Accueil</a:t>
+                  </a:r>
+                </a:p>
+              </p:txBody>
+            </p:sp>
+          </p:grpSp>
+          <p:sp>
+            <p:nvSpPr>
+              <p:cNvPr id="2" name="Rectangle 1">
+                <a:extLst>
+                  <a:ext uri="{FF2B5EF4-FFF2-40B4-BE49-F238E27FC236}">
+                    <a16:creationId xmlns:a16="http://schemas.microsoft.com/office/drawing/2014/main" id="{8D0CE8A9-91AE-41BA-8A79-CAD11D04711F}"/>
+                  </a:ext>
+                </a:extLst>
+              </p:cNvPr>
+              <p:cNvSpPr/>
+              <p:nvPr/>
+            </p:nvSpPr>
+            <p:spPr>
+              <a:xfrm>
+                <a:off x="899592" y="1397000"/>
+                <a:ext cx="3672408" cy="4480272"/>
+              </a:xfrm>
+              <a:prstGeom prst="rect">
+                <a:avLst/>
+              </a:prstGeom>
+              <a:solidFill>
+                <a:schemeClr val="bg1"/>
+              </a:solidFill>
+              <a:ln>
+                <a:solidFill>
+                  <a:schemeClr val="tx1">
+                    <a:lumMod val="95000"/>
+                    <a:lumOff val="5000"/>
+                  </a:schemeClr>
+                </a:solidFill>
+              </a:ln>
+            </p:spPr>
+            <p:style>
+              <a:lnRef idx="2">
+                <a:schemeClr val="accent1">
+                  <a:shade val="50000"/>
+                </a:schemeClr>
+              </a:lnRef>
+              <a:fillRef idx="1">
+                <a:schemeClr val="accent1"/>
+              </a:fillRef>
+              <a:effectRef idx="0">
+                <a:schemeClr val="accent1"/>
+              </a:effectRef>
+              <a:fontRef idx="minor">
+                <a:schemeClr val="lt1"/>
+              </a:fontRef>
+            </p:style>
+            <p:txBody>
+              <a:bodyPr rtlCol="0" anchor="ctr"/>
+              <a:lstStyle/>
+              <a:p>
+                <a:pPr algn="ctr"/>
+                <a:r>
+                  <a:rPr lang="fr-FR" dirty="0"/>
+                  <a:t>+++++++++++++++++++++++</a:t>
+                </a:r>
+              </a:p>
+            </p:txBody>
+          </p:sp>
+        </p:grpSp>
+        <p:cxnSp>
+          <p:nvCxnSpPr>
+            <p:cNvPr id="13" name="Connecteur droit 12">
+              <a:extLst>
+                <a:ext uri="{FF2B5EF4-FFF2-40B4-BE49-F238E27FC236}">
+                  <a16:creationId xmlns:a16="http://schemas.microsoft.com/office/drawing/2014/main" id="{21394F91-921A-4BBF-B4EC-B63598DE040A}"/>
+                </a:ext>
+              </a:extLst>
+            </p:cNvPr>
+            <p:cNvCxnSpPr/>
+            <p:nvPr/>
+          </p:nvCxnSpPr>
+          <p:spPr>
+            <a:xfrm>
+              <a:off x="1115616" y="1988840"/>
+              <a:ext cx="3312368" cy="0"/>
+            </a:xfrm>
+            <a:prstGeom prst="line">
+              <a:avLst/>
+            </a:prstGeom>
+          </p:spPr>
+          <p:style>
+            <a:lnRef idx="1">
+              <a:schemeClr val="dk1"/>
+            </a:lnRef>
+            <a:fillRef idx="0">
+              <a:schemeClr val="dk1"/>
+            </a:fillRef>
+            <a:effectRef idx="0">
+              <a:schemeClr val="dk1"/>
+            </a:effectRef>
+            <a:fontRef idx="minor">
+              <a:schemeClr val="tx1"/>
+            </a:fontRef>
+          </p:style>
+        </p:cxnSp>
+        <p:sp>
+          <p:nvSpPr>
+            <p:cNvPr id="14" name="Rectangle : coins arrondis 13">
+              <a:extLst>
+                <a:ext uri="{FF2B5EF4-FFF2-40B4-BE49-F238E27FC236}">
+                  <a16:creationId xmlns:a16="http://schemas.microsoft.com/office/drawing/2014/main" id="{29329E08-603A-4562-9B04-3404D634631F}"/>
+                </a:ext>
+              </a:extLst>
+            </p:cNvPr>
+            <p:cNvSpPr/>
+            <p:nvPr/>
+          </p:nvSpPr>
+          <p:spPr>
+            <a:xfrm>
+              <a:off x="1619672" y="1484784"/>
+              <a:ext cx="2232248" cy="441340"/>
+            </a:xfrm>
+            <a:prstGeom prst="roundRect">
+              <a:avLst/>
+            </a:prstGeom>
+            <a:solidFill>
+              <a:schemeClr val="bg1">
+                <a:lumMod val="85000"/>
+              </a:schemeClr>
+            </a:solidFill>
+            <a:ln>
+              <a:noFill/>
+            </a:ln>
+            <a:effectLst/>
+          </p:spPr>
+          <p:style>
+            <a:lnRef idx="1">
+              <a:schemeClr val="dk1"/>
+            </a:lnRef>
+            <a:fillRef idx="2">
+              <a:schemeClr val="dk1"/>
+            </a:fillRef>
+            <a:effectRef idx="1">
+              <a:schemeClr val="dk1"/>
+            </a:effectRef>
+            <a:fontRef idx="minor">
+              <a:schemeClr val="dk1"/>
+            </a:fontRef>
+          </p:style>
+          <p:txBody>
+            <a:bodyPr rtlCol="0" anchor="ctr"/>
+            <a:lstStyle/>
+            <a:p>
+              <a:pPr algn="ctr"/>
+              <a:r>
+                <a:rPr lang="fr-FR" dirty="0" err="1"/>
+                <a:t>Elba</a:t>
+              </a:r>
+              <a:r>
+                <a:rPr lang="fr-FR" dirty="0"/>
+                <a:t> City</a:t>
+              </a:r>
+            </a:p>
+          </p:txBody>
+        </p:sp>
+      </p:grpSp>
+      <p:sp>
+        <p:nvSpPr>
+          <p:cNvPr id="18" name="ZoneTexte 17">
+            <a:extLst>
+              <a:ext uri="{FF2B5EF4-FFF2-40B4-BE49-F238E27FC236}">
+                <a16:creationId xmlns:a16="http://schemas.microsoft.com/office/drawing/2014/main" id="{7C1848A9-9566-4B63-B978-51ED9A95B97F}"/>
+              </a:ext>
+            </a:extLst>
+          </p:cNvPr>
+          <p:cNvSpPr txBox="1"/>
+          <p:nvPr/>
+        </p:nvSpPr>
+        <p:spPr>
+          <a:xfrm>
+            <a:off x="1344454" y="824225"/>
+            <a:ext cx="936104" cy="276999"/>
+          </a:xfrm>
+          <a:prstGeom prst="rect">
+            <a:avLst/>
+          </a:prstGeom>
+          <a:noFill/>
+        </p:spPr>
+        <p:txBody>
+          <a:bodyPr wrap="square" rtlCol="0">
+            <a:spAutoFit/>
+          </a:bodyPr>
+          <a:lstStyle/>
+          <a:p>
+            <a:pPr algn="ctr"/>
+            <a:r>
+              <a:rPr lang="fr-FR" sz="1200" dirty="0"/>
+              <a:t>Famille</a:t>
+            </a:r>
+          </a:p>
+        </p:txBody>
+      </p:sp>
+      <p:sp>
+        <p:nvSpPr>
+          <p:cNvPr id="16" name="ZoneTexte 15">
+            <a:extLst>
+              <a:ext uri="{FF2B5EF4-FFF2-40B4-BE49-F238E27FC236}">
+                <a16:creationId xmlns:a16="http://schemas.microsoft.com/office/drawing/2014/main" id="{136A64E8-6660-4C63-8D96-023C21BBEABF}"/>
+              </a:ext>
+            </a:extLst>
+          </p:cNvPr>
+          <p:cNvSpPr txBox="1"/>
+          <p:nvPr/>
+        </p:nvSpPr>
+        <p:spPr>
+          <a:xfrm>
+            <a:off x="881832" y="2176344"/>
+            <a:ext cx="3240360" cy="400110"/>
+          </a:xfrm>
+          <a:prstGeom prst="rect">
+            <a:avLst/>
+          </a:prstGeom>
+          <a:noFill/>
+        </p:spPr>
+        <p:txBody>
+          <a:bodyPr wrap="square" rtlCol="0">
+            <a:spAutoFit/>
+          </a:bodyPr>
+          <a:lstStyle/>
+          <a:p>
+            <a:r>
+              <a:rPr lang="fr-FR" sz="1000" dirty="0"/>
+              <a:t>Famille :</a:t>
+            </a:r>
+          </a:p>
+          <a:p>
+            <a:endParaRPr lang="fr-FR" sz="1000" dirty="0"/>
+          </a:p>
+        </p:txBody>
+      </p:sp>
+      <p:graphicFrame>
+        <p:nvGraphicFramePr>
+          <p:cNvPr id="3" name="Tableau 10">
+            <a:extLst>
+              <a:ext uri="{FF2B5EF4-FFF2-40B4-BE49-F238E27FC236}">
+                <a16:creationId xmlns:a16="http://schemas.microsoft.com/office/drawing/2014/main" id="{6252C87F-FC3B-4ECA-A117-9766FACB091C}"/>
+              </a:ext>
+            </a:extLst>
+          </p:cNvPr>
+          <p:cNvGraphicFramePr>
+            <a:graphicFrameLocks noGrp="1"/>
+          </p:cNvGraphicFramePr>
+          <p:nvPr>
+            <p:extLst>
+              <p:ext uri="{D42A27DB-BD31-4B8C-83A1-F6EECF244321}">
+                <p14:modId xmlns:p14="http://schemas.microsoft.com/office/powerpoint/2010/main" val="514486159"/>
+              </p:ext>
+            </p:extLst>
+          </p:nvPr>
+        </p:nvGraphicFramePr>
+        <p:xfrm>
+          <a:off x="1187624" y="2486829"/>
+          <a:ext cx="3060824" cy="1554480"/>
+        </p:xfrm>
+        <a:graphic>
+          <a:graphicData uri="http://schemas.openxmlformats.org/drawingml/2006/table">
+            <a:tbl>
+              <a:tblPr firstRow="1" bandRow="1">
+                <a:tableStyleId>{5940675A-B579-460E-94D1-54222C63F5DA}</a:tableStyleId>
+              </a:tblPr>
+              <a:tblGrid>
+                <a:gridCol w="1530412">
+                  <a:extLst>
+                    <a:ext uri="{9D8B030D-6E8A-4147-A177-3AD203B41FA5}">
+                      <a16:colId xmlns:a16="http://schemas.microsoft.com/office/drawing/2014/main" val="3586916827"/>
+                    </a:ext>
+                  </a:extLst>
+                </a:gridCol>
+                <a:gridCol w="1530412">
+                  <a:extLst>
+                    <a:ext uri="{9D8B030D-6E8A-4147-A177-3AD203B41FA5}">
+                      <a16:colId xmlns:a16="http://schemas.microsoft.com/office/drawing/2014/main" val="1066306485"/>
+                    </a:ext>
+                  </a:extLst>
+                </a:gridCol>
+              </a:tblGrid>
+              <a:tr h="155504">
+                <a:tc>
+                  <a:txBody>
+                    <a:bodyPr/>
+                    <a:lstStyle/>
+                    <a:p>
+                      <a:r>
+                        <a:rPr lang="fr-FR" sz="800" dirty="0"/>
+                        <a:t>Nom</a:t>
+                      </a:r>
+                    </a:p>
+                  </a:txBody>
+                  <a:tcPr/>
+                </a:tc>
+                <a:tc>
+                  <a:txBody>
+                    <a:bodyPr/>
+                    <a:lstStyle/>
+                    <a:p>
+                      <a:r>
+                        <a:rPr lang="fr-FR" sz="800" dirty="0"/>
+                        <a:t>{</a:t>
+                      </a:r>
+                      <a:r>
+                        <a:rPr lang="fr-FR" sz="800" dirty="0" err="1"/>
+                        <a:t>famille.nom</a:t>
+                      </a:r>
+                      <a:r>
+                        <a:rPr lang="fr-FR" sz="800" dirty="0"/>
+                        <a:t>}</a:t>
+                      </a:r>
+                    </a:p>
+                  </a:txBody>
+                  <a:tcPr/>
+                </a:tc>
+                <a:extLst>
+                  <a:ext uri="{0D108BD9-81ED-4DB2-BD59-A6C34878D82A}">
+                    <a16:rowId xmlns:a16="http://schemas.microsoft.com/office/drawing/2014/main" val="2540838935"/>
+                  </a:ext>
+                </a:extLst>
+              </a:tr>
+              <a:tr h="155504">
+                <a:tc>
+                  <a:txBody>
+                    <a:bodyPr/>
+                    <a:lstStyle/>
+                    <a:p>
+                      <a:r>
+                        <a:rPr lang="fr-FR" sz="800" dirty="0"/>
+                        <a:t>Classe</a:t>
+                      </a:r>
+                    </a:p>
+                  </a:txBody>
+                  <a:tcPr/>
+                </a:tc>
+                <a:tc>
+                  <a:txBody>
+                    <a:bodyPr/>
+                    <a:lstStyle/>
+                    <a:p>
+                      <a:r>
+                        <a:rPr lang="fr-FR" sz="800" dirty="0"/>
+                        <a:t>{vide}</a:t>
+                      </a:r>
+                    </a:p>
+                  </a:txBody>
+                  <a:tcPr/>
+                </a:tc>
+                <a:extLst>
+                  <a:ext uri="{0D108BD9-81ED-4DB2-BD59-A6C34878D82A}">
+                    <a16:rowId xmlns:a16="http://schemas.microsoft.com/office/drawing/2014/main" val="469124120"/>
+                  </a:ext>
+                </a:extLst>
+              </a:tr>
+              <a:tr h="155504">
+                <a:tc>
+                  <a:txBody>
+                    <a:bodyPr/>
+                    <a:lstStyle/>
+                    <a:p>
+                      <a:r>
+                        <a:rPr lang="fr-FR" sz="800" dirty="0"/>
+                        <a:t>Génération</a:t>
+                      </a:r>
+                    </a:p>
+                  </a:txBody>
+                  <a:tcPr/>
+                </a:tc>
+                <a:tc>
+                  <a:txBody>
+                    <a:bodyPr/>
+                    <a:lstStyle/>
+                    <a:p>
+                      <a:r>
+                        <a:rPr lang="fr-FR" sz="800" dirty="0"/>
+                        <a:t>{</a:t>
+                      </a:r>
+                      <a:r>
+                        <a:rPr lang="fr-FR" sz="800" dirty="0" err="1"/>
+                        <a:t>famille.generation</a:t>
+                      </a:r>
+                      <a:r>
+                        <a:rPr lang="fr-FR" sz="800" dirty="0"/>
+                        <a:t>}</a:t>
+                      </a:r>
+                    </a:p>
+                  </a:txBody>
+                  <a:tcPr/>
+                </a:tc>
+                <a:extLst>
+                  <a:ext uri="{0D108BD9-81ED-4DB2-BD59-A6C34878D82A}">
+                    <a16:rowId xmlns:a16="http://schemas.microsoft.com/office/drawing/2014/main" val="3282643880"/>
+                  </a:ext>
+                </a:extLst>
+              </a:tr>
+              <a:tr h="155504">
+                <a:tc>
+                  <a:txBody>
+                    <a:bodyPr/>
+                    <a:lstStyle/>
+                    <a:p>
+                      <a:r>
+                        <a:rPr lang="fr-FR" sz="800" dirty="0"/>
+                        <a:t>Chef de famille</a:t>
+                      </a:r>
+                    </a:p>
+                  </a:txBody>
+                  <a:tcPr/>
+                </a:tc>
+                <a:tc>
+                  <a:txBody>
+                    <a:bodyPr/>
+                    <a:lstStyle/>
+                    <a:p>
+                      <a:pPr marL="0" marR="0" lvl="0" indent="0" algn="l" defTabSz="914400" rtl="0" eaLnBrk="1" fontAlgn="auto" latinLnBrk="0" hangingPunct="1">
+                        <a:lnSpc>
+                          <a:spcPct val="100000"/>
+                        </a:lnSpc>
+                        <a:spcBef>
+                          <a:spcPts val="0"/>
+                        </a:spcBef>
+                        <a:spcAft>
+                          <a:spcPts val="0"/>
+                        </a:spcAft>
+                        <a:buClrTx/>
+                        <a:buSzTx/>
+                        <a:buFontTx/>
+                        <a:buNone/>
+                        <a:tabLst/>
+                        <a:defRPr/>
+                      </a:pPr>
+                      <a:r>
+                        <a:rPr lang="fr-FR" sz="800" dirty="0"/>
+                        <a:t>{</a:t>
+                      </a:r>
+                      <a:r>
+                        <a:rPr lang="fr-FR" sz="800" dirty="0" err="1"/>
+                        <a:t>famille.chef.prenom</a:t>
+                      </a:r>
+                      <a:r>
+                        <a:rPr lang="fr-FR" sz="800" dirty="0"/>
+                        <a:t>} {</a:t>
+                      </a:r>
+                      <a:r>
+                        <a:rPr lang="fr-FR" sz="800" dirty="0" err="1"/>
+                        <a:t>famille.chef.nom</a:t>
+                      </a:r>
+                      <a:r>
+                        <a:rPr lang="fr-FR" sz="800" dirty="0"/>
+                        <a:t>}</a:t>
+                      </a:r>
+                    </a:p>
+                  </a:txBody>
+                  <a:tcPr/>
+                </a:tc>
+                <a:extLst>
+                  <a:ext uri="{0D108BD9-81ED-4DB2-BD59-A6C34878D82A}">
+                    <a16:rowId xmlns:a16="http://schemas.microsoft.com/office/drawing/2014/main" val="2915539893"/>
+                  </a:ext>
+                </a:extLst>
+              </a:tr>
+              <a:tr h="191267">
+                <a:tc>
+                  <a:txBody>
+                    <a:bodyPr/>
+                    <a:lstStyle/>
+                    <a:p>
+                      <a:r>
+                        <a:rPr lang="fr-FR" sz="800" dirty="0"/>
+                        <a:t>Conjoint</a:t>
+                      </a:r>
+                    </a:p>
+                  </a:txBody>
+                  <a:tcPr/>
+                </a:tc>
+                <a:tc>
+                  <a:txBody>
+                    <a:bodyPr/>
+                    <a:lstStyle/>
+                    <a:p>
+                      <a:pPr marL="0" marR="0" lvl="0" indent="0" algn="l" defTabSz="914400" rtl="0" eaLnBrk="1" fontAlgn="auto" latinLnBrk="0" hangingPunct="1">
+                        <a:lnSpc>
+                          <a:spcPct val="100000"/>
+                        </a:lnSpc>
+                        <a:spcBef>
+                          <a:spcPts val="0"/>
+                        </a:spcBef>
+                        <a:spcAft>
+                          <a:spcPts val="0"/>
+                        </a:spcAft>
+                        <a:buClrTx/>
+                        <a:buSzTx/>
+                        <a:buFontTx/>
+                        <a:buNone/>
+                        <a:tabLst/>
+                        <a:defRPr/>
+                      </a:pPr>
+                      <a:r>
+                        <a:rPr lang="fr-FR" sz="800" dirty="0"/>
+                        <a:t>{</a:t>
+                      </a:r>
+                      <a:r>
+                        <a:rPr lang="fr-FR" sz="800" dirty="0" err="1"/>
+                        <a:t>famille.chef.couple.prenom</a:t>
+                      </a:r>
+                      <a:r>
+                        <a:rPr lang="fr-FR" sz="800" dirty="0"/>
+                        <a:t>} ({</a:t>
+                      </a:r>
+                      <a:r>
+                        <a:rPr lang="fr-FR" sz="800" dirty="0" err="1"/>
+                        <a:t>famille.chef.couple.familleOrigine.nom</a:t>
+                      </a:r>
+                      <a:r>
+                        <a:rPr lang="fr-FR" sz="800" dirty="0"/>
+                        <a:t>}</a:t>
+                      </a:r>
+                    </a:p>
+                    <a:p>
+                      <a:pPr marL="0" marR="0" lvl="0" indent="0" algn="l" defTabSz="914400" rtl="0" eaLnBrk="1" fontAlgn="auto" latinLnBrk="0" hangingPunct="1">
+                        <a:lnSpc>
+                          <a:spcPct val="100000"/>
+                        </a:lnSpc>
+                        <a:spcBef>
+                          <a:spcPts val="0"/>
+                        </a:spcBef>
+                        <a:spcAft>
+                          <a:spcPts val="0"/>
+                        </a:spcAft>
+                        <a:buClrTx/>
+                        <a:buSzTx/>
+                        <a:buFontTx/>
+                        <a:buNone/>
+                        <a:tabLst/>
+                        <a:defRPr/>
+                      </a:pPr>
+                      <a:r>
+                        <a:rPr lang="fr-FR" sz="800" dirty="0"/>
+                        <a:t>) {</a:t>
+                      </a:r>
+                      <a:r>
+                        <a:rPr lang="fr-FR" sz="800" dirty="0" err="1"/>
+                        <a:t>famille.chef.couple.nom</a:t>
+                      </a:r>
+                      <a:r>
+                        <a:rPr lang="fr-FR" sz="800" dirty="0"/>
+                        <a:t>}</a:t>
+                      </a:r>
+                    </a:p>
+                  </a:txBody>
+                  <a:tcPr/>
+                </a:tc>
+                <a:extLst>
+                  <a:ext uri="{0D108BD9-81ED-4DB2-BD59-A6C34878D82A}">
+                    <a16:rowId xmlns:a16="http://schemas.microsoft.com/office/drawing/2014/main" val="1317625190"/>
+                  </a:ext>
+                </a:extLst>
+              </a:tr>
+            </a:tbl>
+          </a:graphicData>
+        </a:graphic>
+      </p:graphicFrame>
+      <p:sp>
+        <p:nvSpPr>
+          <p:cNvPr id="20" name="ZoneTexte 19">
+            <a:extLst>
+              <a:ext uri="{FF2B5EF4-FFF2-40B4-BE49-F238E27FC236}">
+                <a16:creationId xmlns:a16="http://schemas.microsoft.com/office/drawing/2014/main" id="{CD42B19B-E8EC-420A-845B-B33A0312150B}"/>
+              </a:ext>
+            </a:extLst>
+          </p:cNvPr>
+          <p:cNvSpPr txBox="1"/>
+          <p:nvPr/>
+        </p:nvSpPr>
+        <p:spPr>
+          <a:xfrm>
+            <a:off x="881832" y="4161753"/>
+            <a:ext cx="3240360" cy="400110"/>
+          </a:xfrm>
+          <a:prstGeom prst="rect">
+            <a:avLst/>
+          </a:prstGeom>
+          <a:noFill/>
+        </p:spPr>
+        <p:txBody>
+          <a:bodyPr wrap="square" rtlCol="0">
+            <a:spAutoFit/>
+          </a:bodyPr>
+          <a:lstStyle/>
+          <a:p>
+            <a:r>
+              <a:rPr lang="fr-FR" sz="1000" dirty="0"/>
+              <a:t>Tour en cours :</a:t>
+            </a:r>
+          </a:p>
+          <a:p>
+            <a:endParaRPr lang="fr-FR" sz="1000" dirty="0"/>
+          </a:p>
+        </p:txBody>
+      </p:sp>
+      <p:graphicFrame>
+        <p:nvGraphicFramePr>
+          <p:cNvPr id="21" name="Tableau 10">
+            <a:extLst>
+              <a:ext uri="{FF2B5EF4-FFF2-40B4-BE49-F238E27FC236}">
+                <a16:creationId xmlns:a16="http://schemas.microsoft.com/office/drawing/2014/main" id="{323633FE-FAA5-4997-88B2-C9DF2C0F8AC4}"/>
+              </a:ext>
+            </a:extLst>
+          </p:cNvPr>
+          <p:cNvGraphicFramePr>
+            <a:graphicFrameLocks noGrp="1"/>
+          </p:cNvGraphicFramePr>
+          <p:nvPr>
+            <p:extLst>
+              <p:ext uri="{D42A27DB-BD31-4B8C-83A1-F6EECF244321}">
+                <p14:modId xmlns:p14="http://schemas.microsoft.com/office/powerpoint/2010/main" val="1978905883"/>
+              </p:ext>
+            </p:extLst>
+          </p:nvPr>
+        </p:nvGraphicFramePr>
+        <p:xfrm>
+          <a:off x="1187624" y="4385508"/>
+          <a:ext cx="3060824" cy="762000"/>
+        </p:xfrm>
+        <a:graphic>
+          <a:graphicData uri="http://schemas.openxmlformats.org/drawingml/2006/table">
+            <a:tbl>
+              <a:tblPr firstRow="1" bandRow="1">
+                <a:tableStyleId>{5940675A-B579-460E-94D1-54222C63F5DA}</a:tableStyleId>
+              </a:tblPr>
+              <a:tblGrid>
+                <a:gridCol w="1530412">
+                  <a:extLst>
+                    <a:ext uri="{9D8B030D-6E8A-4147-A177-3AD203B41FA5}">
+                      <a16:colId xmlns:a16="http://schemas.microsoft.com/office/drawing/2014/main" val="3586916827"/>
+                    </a:ext>
+                  </a:extLst>
+                </a:gridCol>
+                <a:gridCol w="1530412">
+                  <a:extLst>
+                    <a:ext uri="{9D8B030D-6E8A-4147-A177-3AD203B41FA5}">
+                      <a16:colId xmlns:a16="http://schemas.microsoft.com/office/drawing/2014/main" val="1066306485"/>
+                    </a:ext>
+                  </a:extLst>
+                </a:gridCol>
+              </a:tblGrid>
+              <a:tr h="155504">
+                <a:tc>
+                  <a:txBody>
+                    <a:bodyPr/>
+                    <a:lstStyle/>
+                    <a:p>
+                      <a:r>
+                        <a:rPr lang="fr-FR" sz="800" dirty="0"/>
+                        <a:t>Numéro</a:t>
+                      </a:r>
+                    </a:p>
+                  </a:txBody>
+                  <a:tcPr/>
+                </a:tc>
+                <a:tc>
+                  <a:txBody>
+                    <a:bodyPr/>
+                    <a:lstStyle/>
+                    <a:p>
+                      <a:r>
+                        <a:rPr lang="fr-FR" sz="800" dirty="0"/>
+                        <a:t>{</a:t>
+                      </a:r>
+                      <a:r>
+                        <a:rPr lang="fr-FR" sz="800" dirty="0" err="1"/>
+                        <a:t>tour.nb</a:t>
+                      </a:r>
+                      <a:r>
+                        <a:rPr lang="fr-FR" sz="800" dirty="0"/>
+                        <a:t>}</a:t>
+                      </a:r>
+                    </a:p>
+                  </a:txBody>
+                  <a:tcPr/>
+                </a:tc>
+                <a:extLst>
+                  <a:ext uri="{0D108BD9-81ED-4DB2-BD59-A6C34878D82A}">
+                    <a16:rowId xmlns:a16="http://schemas.microsoft.com/office/drawing/2014/main" val="2540838935"/>
+                  </a:ext>
+                </a:extLst>
+              </a:tr>
+              <a:tr h="155504">
+                <a:tc>
+                  <a:txBody>
+                    <a:bodyPr/>
+                    <a:lstStyle/>
+                    <a:p>
+                      <a:r>
+                        <a:rPr lang="fr-FR" sz="800" dirty="0"/>
+                        <a:t>Semaine</a:t>
+                      </a:r>
+                    </a:p>
+                  </a:txBody>
+                  <a:tcPr/>
+                </a:tc>
+                <a:tc>
+                  <a:txBody>
+                    <a:bodyPr/>
+                    <a:lstStyle/>
+                    <a:p>
+                      <a:r>
+                        <a:rPr lang="fr-FR" sz="800" dirty="0"/>
+                        <a:t>{</a:t>
+                      </a:r>
+                      <a:r>
+                        <a:rPr lang="fr-FR" sz="800" dirty="0" err="1"/>
+                        <a:t>tour.semaine</a:t>
+                      </a:r>
+                      <a:r>
+                        <a:rPr lang="fr-FR" sz="800" dirty="0"/>
+                        <a:t>}</a:t>
+                      </a:r>
+                    </a:p>
+                  </a:txBody>
+                  <a:tcPr/>
+                </a:tc>
+                <a:extLst>
+                  <a:ext uri="{0D108BD9-81ED-4DB2-BD59-A6C34878D82A}">
+                    <a16:rowId xmlns:a16="http://schemas.microsoft.com/office/drawing/2014/main" val="469124120"/>
+                  </a:ext>
+                </a:extLst>
+              </a:tr>
+              <a:tr h="155504">
+                <a:tc>
+                  <a:txBody>
+                    <a:bodyPr/>
+                    <a:lstStyle/>
+                    <a:p>
+                      <a:r>
+                        <a:rPr lang="fr-FR" sz="800" dirty="0"/>
+                        <a:t>Argent In Game en début de tour</a:t>
+                      </a:r>
+                    </a:p>
+                  </a:txBody>
+                  <a:tcPr/>
+                </a:tc>
+                <a:tc>
+                  <a:txBody>
+                    <a:bodyPr/>
+                    <a:lstStyle/>
+                    <a:p>
+                      <a:r>
+                        <a:rPr lang="fr-FR" sz="800" dirty="0"/>
+                        <a:t>{</a:t>
+                      </a:r>
+                      <a:r>
+                        <a:rPr lang="fr-FR" sz="800" dirty="0" err="1"/>
+                        <a:t>tour.argentIg</a:t>
+                      </a:r>
+                      <a:r>
+                        <a:rPr lang="fr-FR" sz="800" dirty="0"/>
+                        <a:t>}</a:t>
+                      </a:r>
+                    </a:p>
+                  </a:txBody>
+                  <a:tcPr/>
+                </a:tc>
+                <a:extLst>
+                  <a:ext uri="{0D108BD9-81ED-4DB2-BD59-A6C34878D82A}">
+                    <a16:rowId xmlns:a16="http://schemas.microsoft.com/office/drawing/2014/main" val="3282643880"/>
+                  </a:ext>
+                </a:extLst>
+              </a:tr>
+            </a:tbl>
+          </a:graphicData>
+        </a:graphic>
+      </p:graphicFrame>
+    </p:spTree>
+    <p:extLst>
+      <p:ext uri="{BB962C8B-B14F-4D97-AF65-F5344CB8AC3E}">
+        <p14:creationId xmlns:p14="http://schemas.microsoft.com/office/powerpoint/2010/main" val="3006996470"/>
+      </p:ext>
+    </p:extLst>
+  </p:cSld>
+  <p:clrMapOvr>
+    <a:masterClrMapping/>
+  </p:clrMapOvr>
+</p:sld>
+</file>
+
+<file path=ppt/slides/slide6.xml><?xml version="1.0" encoding="utf-8"?>
+<p:sld xmlns:a="http://schemas.openxmlformats.org/drawingml/2006/main" xmlns:r="http://schemas.openxmlformats.org/officeDocument/2006/relationships" xmlns:p="http://schemas.openxmlformats.org/presentationml/2006/main">
+  <p:cSld>
+    <p:spTree>
+      <p:nvGrpSpPr>
+        <p:cNvPr id="1" name=""/>
+        <p:cNvGrpSpPr/>
+        <p:nvPr/>
+      </p:nvGrpSpPr>
+      <p:grpSpPr>
+        <a:xfrm>
+          <a:off x="0" y="0"/>
+          <a:ext cx="0" cy="0"/>
+          <a:chOff x="0" y="0"/>
+          <a:chExt cx="0" cy="0"/>
+        </a:xfrm>
+      </p:grpSpPr>
+      <p:graphicFrame>
+        <p:nvGraphicFramePr>
+          <p:cNvPr id="6" name="Tableau 5"/>
+          <p:cNvGraphicFramePr>
+            <a:graphicFrameLocks noGrp="1"/>
+          </p:cNvGraphicFramePr>
+          <p:nvPr/>
         </p:nvGraphicFramePr>
         <p:xfrm>
           <a:off x="4932040" y="1397000"/>
@@ -6950,13 +8245,7 @@
           <p:cNvGraphicFramePr>
             <a:graphicFrameLocks noGrp="1"/>
           </p:cNvGraphicFramePr>
-          <p:nvPr>
-            <p:extLst>
-              <p:ext uri="{D42A27DB-BD31-4B8C-83A1-F6EECF244321}">
-                <p14:modId xmlns:p14="http://schemas.microsoft.com/office/powerpoint/2010/main" val="1629675580"/>
-              </p:ext>
-            </p:extLst>
-          </p:nvPr>
+          <p:nvPr/>
         </p:nvGraphicFramePr>
         <p:xfrm>
           <a:off x="1115616" y="2153335"/>
@@ -7100,7 +8389,7 @@
     </p:spTree>
     <p:extLst>
       <p:ext uri="{BB962C8B-B14F-4D97-AF65-F5344CB8AC3E}">
-        <p14:creationId xmlns:p14="http://schemas.microsoft.com/office/powerpoint/2010/main" val="3006996470"/>
+        <p14:creationId xmlns:p14="http://schemas.microsoft.com/office/powerpoint/2010/main" val="1088709728"/>
       </p:ext>
     </p:extLst>
   </p:cSld>

--- a/src/main/resources/mq.pptx
+++ b/src/main/resources/mq.pptx
@@ -307,7 +307,7 @@
           <a:p>
             <a:fld id="{1DDB72BE-B427-4A6F-AFFD-AFAC62060F46}" type="datetimeFigureOut">
               <a:rPr lang="fr-FR" smtClean="0"/>
-              <a:t>11/04/2020</a:t>
+              <a:t>19/05/2020</a:t>
             </a:fld>
             <a:endParaRPr lang="fr-FR"/>
           </a:p>
@@ -475,7 +475,7 @@
           <a:p>
             <a:fld id="{1DDB72BE-B427-4A6F-AFFD-AFAC62060F46}" type="datetimeFigureOut">
               <a:rPr lang="fr-FR" smtClean="0"/>
-              <a:t>11/04/2020</a:t>
+              <a:t>19/05/2020</a:t>
             </a:fld>
             <a:endParaRPr lang="fr-FR"/>
           </a:p>
@@ -653,7 +653,7 @@
           <a:p>
             <a:fld id="{1DDB72BE-B427-4A6F-AFFD-AFAC62060F46}" type="datetimeFigureOut">
               <a:rPr lang="fr-FR" smtClean="0"/>
-              <a:t>11/04/2020</a:t>
+              <a:t>19/05/2020</a:t>
             </a:fld>
             <a:endParaRPr lang="fr-FR"/>
           </a:p>
@@ -821,7 +821,7 @@
           <a:p>
             <a:fld id="{1DDB72BE-B427-4A6F-AFFD-AFAC62060F46}" type="datetimeFigureOut">
               <a:rPr lang="fr-FR" smtClean="0"/>
-              <a:t>11/04/2020</a:t>
+              <a:t>19/05/2020</a:t>
             </a:fld>
             <a:endParaRPr lang="fr-FR"/>
           </a:p>
@@ -1066,7 +1066,7 @@
           <a:p>
             <a:fld id="{1DDB72BE-B427-4A6F-AFFD-AFAC62060F46}" type="datetimeFigureOut">
               <a:rPr lang="fr-FR" smtClean="0"/>
-              <a:t>11/04/2020</a:t>
+              <a:t>19/05/2020</a:t>
             </a:fld>
             <a:endParaRPr lang="fr-FR"/>
           </a:p>
@@ -1351,7 +1351,7 @@
           <a:p>
             <a:fld id="{1DDB72BE-B427-4A6F-AFFD-AFAC62060F46}" type="datetimeFigureOut">
               <a:rPr lang="fr-FR" smtClean="0"/>
-              <a:t>11/04/2020</a:t>
+              <a:t>19/05/2020</a:t>
             </a:fld>
             <a:endParaRPr lang="fr-FR"/>
           </a:p>
@@ -1770,7 +1770,7 @@
           <a:p>
             <a:fld id="{1DDB72BE-B427-4A6F-AFFD-AFAC62060F46}" type="datetimeFigureOut">
               <a:rPr lang="fr-FR" smtClean="0"/>
-              <a:t>11/04/2020</a:t>
+              <a:t>19/05/2020</a:t>
             </a:fld>
             <a:endParaRPr lang="fr-FR"/>
           </a:p>
@@ -1887,7 +1887,7 @@
           <a:p>
             <a:fld id="{1DDB72BE-B427-4A6F-AFFD-AFAC62060F46}" type="datetimeFigureOut">
               <a:rPr lang="fr-FR" smtClean="0"/>
-              <a:t>11/04/2020</a:t>
+              <a:t>19/05/2020</a:t>
             </a:fld>
             <a:endParaRPr lang="fr-FR"/>
           </a:p>
@@ -1982,7 +1982,7 @@
           <a:p>
             <a:fld id="{1DDB72BE-B427-4A6F-AFFD-AFAC62060F46}" type="datetimeFigureOut">
               <a:rPr lang="fr-FR" smtClean="0"/>
-              <a:t>11/04/2020</a:t>
+              <a:t>19/05/2020</a:t>
             </a:fld>
             <a:endParaRPr lang="fr-FR"/>
           </a:p>
@@ -2257,7 +2257,7 @@
           <a:p>
             <a:fld id="{1DDB72BE-B427-4A6F-AFFD-AFAC62060F46}" type="datetimeFigureOut">
               <a:rPr lang="fr-FR" smtClean="0"/>
-              <a:t>11/04/2020</a:t>
+              <a:t>19/05/2020</a:t>
             </a:fld>
             <a:endParaRPr lang="fr-FR"/>
           </a:p>
@@ -2509,7 +2509,7 @@
           <a:p>
             <a:fld id="{1DDB72BE-B427-4A6F-AFFD-AFAC62060F46}" type="datetimeFigureOut">
               <a:rPr lang="fr-FR" smtClean="0"/>
-              <a:t>11/04/2020</a:t>
+              <a:t>19/05/2020</a:t>
             </a:fld>
             <a:endParaRPr lang="fr-FR"/>
           </a:p>
@@ -2720,7 +2720,7 @@
           <a:p>
             <a:fld id="{1DDB72BE-B427-4A6F-AFFD-AFAC62060F46}" type="datetimeFigureOut">
               <a:rPr lang="fr-FR" smtClean="0"/>
-              <a:t>11/04/2020</a:t>
+              <a:t>19/05/2020</a:t>
             </a:fld>
             <a:endParaRPr lang="fr-FR"/>
           </a:p>
@@ -6298,7 +6298,7 @@
           <p:nvPr>
             <p:extLst>
               <p:ext uri="{D42A27DB-BD31-4B8C-83A1-F6EECF244321}">
-                <p14:modId xmlns:p14="http://schemas.microsoft.com/office/powerpoint/2010/main" val="1411172186"/>
+                <p14:modId xmlns:p14="http://schemas.microsoft.com/office/powerpoint/2010/main" val="910547710"/>
               </p:ext>
             </p:extLst>
           </p:nvPr>
@@ -6388,17 +6388,23 @@
                     <a:bodyPr/>
                     <a:lstStyle/>
                     <a:p>
-                      <a:endParaRPr lang="fr-FR" sz="1200"/>
-                    </a:p>
-                  </a:txBody>
-                  <a:tcPr/>
-                </a:tc>
-                <a:tc>
-                  <a:txBody>
-                    <a:bodyPr/>
-                    <a:lstStyle/>
-                    <a:p>
-                      <a:endParaRPr lang="fr-FR" sz="1200"/>
+                      <a:r>
+                        <a:rPr lang="fr-FR" sz="1200" dirty="0"/>
+                        <a:t>V1.1</a:t>
+                      </a:r>
+                    </a:p>
+                  </a:txBody>
+                  <a:tcPr/>
+                </a:tc>
+                <a:tc>
+                  <a:txBody>
+                    <a:bodyPr/>
+                    <a:lstStyle/>
+                    <a:p>
+                      <a:r>
+                        <a:rPr lang="fr-FR" sz="1200" dirty="0"/>
+                        <a:t>T013 – Alimentation du champ classe</a:t>
+                      </a:r>
                     </a:p>
                   </a:txBody>
                   <a:tcPr/>
@@ -7035,7 +7041,7 @@
           <p:nvPr>
             <p:extLst>
               <p:ext uri="{D42A27DB-BD31-4B8C-83A1-F6EECF244321}">
-                <p14:modId xmlns:p14="http://schemas.microsoft.com/office/powerpoint/2010/main" val="514486159"/>
+                <p14:modId xmlns:p14="http://schemas.microsoft.com/office/powerpoint/2010/main" val="2014719976"/>
               </p:ext>
             </p:extLst>
           </p:nvPr>
@@ -7128,7 +7134,15 @@
                     <a:p>
                       <a:r>
                         <a:rPr lang="fr-FR" sz="800" dirty="0"/>
-                        <a:t>{vide}</a:t>
+                        <a:t>{</a:t>
+                      </a:r>
+                      <a:r>
+                        <a:rPr lang="fr-FR" sz="800" dirty="0" err="1"/>
+                        <a:t>famille.classe</a:t>
+                      </a:r>
+                      <a:r>
+                        <a:rPr lang="fr-FR" sz="800" dirty="0"/>
+                        <a:t>}</a:t>
                       </a:r>
                     </a:p>
                   </a:txBody>
@@ -7595,7 +7609,13 @@
           <p:cNvGraphicFramePr>
             <a:graphicFrameLocks noGrp="1"/>
           </p:cNvGraphicFramePr>
-          <p:nvPr/>
+          <p:nvPr>
+            <p:extLst>
+              <p:ext uri="{D42A27DB-BD31-4B8C-83A1-F6EECF244321}">
+                <p14:modId xmlns:p14="http://schemas.microsoft.com/office/powerpoint/2010/main" val="1841469757"/>
+              </p:ext>
+            </p:extLst>
+          </p:nvPr>
         </p:nvGraphicFramePr>
         <p:xfrm>
           <a:off x="4932040" y="1397000"/>
@@ -7682,17 +7702,23 @@
                     <a:bodyPr/>
                     <a:lstStyle/>
                     <a:p>
-                      <a:endParaRPr lang="fr-FR" sz="1200"/>
-                    </a:p>
-                  </a:txBody>
-                  <a:tcPr/>
-                </a:tc>
-                <a:tc>
-                  <a:txBody>
-                    <a:bodyPr/>
-                    <a:lstStyle/>
-                    <a:p>
-                      <a:endParaRPr lang="fr-FR" sz="1200"/>
+                      <a:r>
+                        <a:rPr lang="fr-FR" sz="1200" dirty="0"/>
+                        <a:t>V1.1</a:t>
+                      </a:r>
+                    </a:p>
+                  </a:txBody>
+                  <a:tcPr/>
+                </a:tc>
+                <a:tc>
+                  <a:txBody>
+                    <a:bodyPr/>
+                    <a:lstStyle/>
+                    <a:p>
+                      <a:r>
+                        <a:rPr lang="fr-FR" sz="1200" dirty="0"/>
+                        <a:t>T013 – Ajout de la colonne classe</a:t>
+                      </a:r>
                     </a:p>
                   </a:txBody>
                   <a:tcPr/>
@@ -8245,11 +8271,17 @@
           <p:cNvGraphicFramePr>
             <a:graphicFrameLocks noGrp="1"/>
           </p:cNvGraphicFramePr>
-          <p:nvPr/>
+          <p:nvPr>
+            <p:extLst>
+              <p:ext uri="{D42A27DB-BD31-4B8C-83A1-F6EECF244321}">
+                <p14:modId xmlns:p14="http://schemas.microsoft.com/office/powerpoint/2010/main" val="1670641809"/>
+              </p:ext>
+            </p:extLst>
+          </p:nvPr>
         </p:nvGraphicFramePr>
         <p:xfrm>
           <a:off x="1115616" y="2153335"/>
-          <a:ext cx="3312368" cy="213360"/>
+          <a:ext cx="3312370" cy="975360"/>
         </p:xfrm>
         <a:graphic>
           <a:graphicData uri="http://schemas.openxmlformats.org/drawingml/2006/table">
@@ -8258,28 +8290,35 @@
                 <a:tableStyleId>{5940675A-B579-460E-94D1-54222C63F5DA}</a:tableStyleId>
               </a:tblPr>
               <a:tblGrid>
-                <a:gridCol w="828092">
+                <a:gridCol w="662474">
                   <a:extLst>
                     <a:ext uri="{9D8B030D-6E8A-4147-A177-3AD203B41FA5}">
                       <a16:colId xmlns:a16="http://schemas.microsoft.com/office/drawing/2014/main" val="1107729764"/>
                     </a:ext>
                   </a:extLst>
                 </a:gridCol>
-                <a:gridCol w="828092">
+                <a:gridCol w="662474">
                   <a:extLst>
                     <a:ext uri="{9D8B030D-6E8A-4147-A177-3AD203B41FA5}">
                       <a16:colId xmlns:a16="http://schemas.microsoft.com/office/drawing/2014/main" val="1016315755"/>
                     </a:ext>
                   </a:extLst>
                 </a:gridCol>
-                <a:gridCol w="828092">
+                <a:gridCol w="662474">
                   <a:extLst>
                     <a:ext uri="{9D8B030D-6E8A-4147-A177-3AD203B41FA5}">
                       <a16:colId xmlns:a16="http://schemas.microsoft.com/office/drawing/2014/main" val="2123422907"/>
                     </a:ext>
                   </a:extLst>
                 </a:gridCol>
-                <a:gridCol w="828092">
+                <a:gridCol w="662474">
+                  <a:extLst>
+                    <a:ext uri="{9D8B030D-6E8A-4147-A177-3AD203B41FA5}">
+                      <a16:colId xmlns:a16="http://schemas.microsoft.com/office/drawing/2014/main" val="1356566472"/>
+                    </a:ext>
+                  </a:extLst>
+                </a:gridCol>
+                <a:gridCol w="662474">
                   <a:extLst>
                     <a:ext uri="{9D8B030D-6E8A-4147-A177-3AD203B41FA5}">
                       <a16:colId xmlns:a16="http://schemas.microsoft.com/office/drawing/2014/main" val="3886583170"/>
@@ -8334,6 +8373,19 @@
                     <a:p>
                       <a:r>
                         <a:rPr lang="fr-FR" sz="800" dirty="0"/>
+                        <a:t>Classe</a:t>
+                      </a:r>
+                    </a:p>
+                  </a:txBody>
+                  <a:tcPr/>
+                </a:tc>
+                <a:tc>
+                  <a:txBody>
+                    <a:bodyPr/>
+                    <a:lstStyle/>
+                    <a:p>
+                      <a:r>
+                        <a:rPr lang="fr-FR" sz="800" dirty="0"/>
                         <a:t>Chef de famille</a:t>
                       </a:r>
                     </a:p>
@@ -8343,6 +8395,177 @@
                 <a:extLst>
                   <a:ext uri="{0D108BD9-81ED-4DB2-BD59-A6C34878D82A}">
                     <a16:rowId xmlns:a16="http://schemas.microsoft.com/office/drawing/2014/main" val="1351064631"/>
+                  </a:ext>
+                </a:extLst>
+              </a:tr>
+              <a:tr h="193514">
+                <a:tc>
+                  <a:txBody>
+                    <a:bodyPr/>
+                    <a:lstStyle/>
+                    <a:p>
+                      <a:endParaRPr lang="fr-FR" sz="800" dirty="0"/>
+                    </a:p>
+                  </a:txBody>
+                  <a:tcPr/>
+                </a:tc>
+                <a:tc>
+                  <a:txBody>
+                    <a:bodyPr/>
+                    <a:lstStyle/>
+                    <a:p>
+                      <a:endParaRPr lang="fr-FR" sz="800" dirty="0"/>
+                    </a:p>
+                  </a:txBody>
+                  <a:tcPr/>
+                </a:tc>
+                <a:tc>
+                  <a:txBody>
+                    <a:bodyPr/>
+                    <a:lstStyle/>
+                    <a:p>
+                      <a:endParaRPr lang="fr-FR" sz="800" dirty="0"/>
+                    </a:p>
+                  </a:txBody>
+                  <a:tcPr/>
+                </a:tc>
+                <a:tc>
+                  <a:txBody>
+                    <a:bodyPr/>
+                    <a:lstStyle/>
+                    <a:p>
+                      <a:endParaRPr lang="fr-FR" sz="800" dirty="0"/>
+                    </a:p>
+                  </a:txBody>
+                  <a:tcPr/>
+                </a:tc>
+                <a:tc>
+                  <a:txBody>
+                    <a:bodyPr/>
+                    <a:lstStyle/>
+                    <a:p>
+                      <a:endParaRPr lang="fr-FR" sz="800" dirty="0"/>
+                    </a:p>
+                  </a:txBody>
+                  <a:tcPr/>
+                </a:tc>
+                <a:extLst>
+                  <a:ext uri="{0D108BD9-81ED-4DB2-BD59-A6C34878D82A}">
+                    <a16:rowId xmlns:a16="http://schemas.microsoft.com/office/drawing/2014/main" val="1525550748"/>
+                  </a:ext>
+                </a:extLst>
+              </a:tr>
+              <a:tr h="193514">
+                <a:tc>
+                  <a:txBody>
+                    <a:bodyPr/>
+                    <a:lstStyle/>
+                    <a:p>
+                      <a:endParaRPr lang="fr-FR" sz="800" dirty="0"/>
+                    </a:p>
+                  </a:txBody>
+                  <a:tcPr/>
+                </a:tc>
+                <a:tc>
+                  <a:txBody>
+                    <a:bodyPr/>
+                    <a:lstStyle/>
+                    <a:p>
+                      <a:endParaRPr lang="fr-FR" sz="800" dirty="0"/>
+                    </a:p>
+                  </a:txBody>
+                  <a:tcPr/>
+                </a:tc>
+                <a:tc>
+                  <a:txBody>
+                    <a:bodyPr/>
+                    <a:lstStyle/>
+                    <a:p>
+                      <a:endParaRPr lang="fr-FR" sz="800" dirty="0"/>
+                    </a:p>
+                  </a:txBody>
+                  <a:tcPr/>
+                </a:tc>
+                <a:tc>
+                  <a:txBody>
+                    <a:bodyPr/>
+                    <a:lstStyle/>
+                    <a:p>
+                      <a:endParaRPr lang="fr-FR" sz="800" dirty="0"/>
+                    </a:p>
+                  </a:txBody>
+                  <a:tcPr/>
+                </a:tc>
+                <a:tc>
+                  <a:txBody>
+                    <a:bodyPr/>
+                    <a:lstStyle/>
+                    <a:p>
+                      <a:endParaRPr lang="fr-FR" sz="800" dirty="0"/>
+                    </a:p>
+                  </a:txBody>
+                  <a:tcPr/>
+                </a:tc>
+                <a:extLst>
+                  <a:ext uri="{0D108BD9-81ED-4DB2-BD59-A6C34878D82A}">
+                    <a16:rowId xmlns:a16="http://schemas.microsoft.com/office/drawing/2014/main" val="995496648"/>
+                  </a:ext>
+                </a:extLst>
+              </a:tr>
+              <a:tr h="193514">
+                <a:tc>
+                  <a:txBody>
+                    <a:bodyPr/>
+                    <a:lstStyle/>
+                    <a:p>
+                      <a:endParaRPr lang="fr-FR" sz="800" dirty="0"/>
+                    </a:p>
+                  </a:txBody>
+                  <a:tcPr/>
+                </a:tc>
+                <a:tc>
+                  <a:txBody>
+                    <a:bodyPr/>
+                    <a:lstStyle/>
+                    <a:p>
+                      <a:endParaRPr lang="fr-FR" sz="800" dirty="0"/>
+                    </a:p>
+                  </a:txBody>
+                  <a:tcPr/>
+                </a:tc>
+                <a:tc>
+                  <a:txBody>
+                    <a:bodyPr/>
+                    <a:lstStyle/>
+                    <a:p>
+                      <a:endParaRPr lang="fr-FR" sz="800" dirty="0"/>
+                    </a:p>
+                  </a:txBody>
+                  <a:tcPr/>
+                </a:tc>
+                <a:tc>
+                  <a:txBody>
+                    <a:bodyPr/>
+                    <a:lstStyle/>
+                    <a:p>
+                      <a:endParaRPr lang="fr-FR" sz="800" dirty="0"/>
+                    </a:p>
+                  </a:txBody>
+                  <a:tcPr/>
+                </a:tc>
+                <a:tc>
+                  <a:txBody>
+                    <a:bodyPr/>
+                    <a:lstStyle/>
+                    <a:p>
+                      <a:endParaRPr lang="fr-FR" sz="800" dirty="0"/>
+                    </a:p>
+                  </a:txBody>
+                  <a:tcPr/>
+                </a:tc>
+                <a:extLst>
+                  <a:ext uri="{0D108BD9-81ED-4DB2-BD59-A6C34878D82A}">
+                    <a16:rowId xmlns:a16="http://schemas.microsoft.com/office/drawing/2014/main" val="1518828398"/>
                   </a:ext>
                 </a:extLst>
               </a:tr>

--- a/src/main/resources/mq.pptx
+++ b/src/main/resources/mq.pptx
@@ -4,6 +4,9 @@
   <p:sldMasterIdLst>
     <p:sldMasterId id="2147483648" r:id="rId1"/>
   </p:sldMasterIdLst>
+  <p:notesMasterIdLst>
+    <p:notesMasterId r:id="rId9"/>
+  </p:notesMasterIdLst>
   <p:sldIdLst>
     <p:sldId id="256" r:id="rId2"/>
     <p:sldId id="257" r:id="rId3"/>
@@ -11,6 +14,7 @@
     <p:sldId id="259" r:id="rId5"/>
     <p:sldId id="260" r:id="rId6"/>
     <p:sldId id="261" r:id="rId7"/>
+    <p:sldId id="262" r:id="rId8"/>
   </p:sldIdLst>
   <p:sldSz cx="9144000" cy="6858000" type="screen4x3"/>
   <p:notesSz cx="6858000" cy="9144000"/>
@@ -128,6 +132,523 @@
 </p:presentation>
 </file>
 
+<file path=ppt/notesMasters/notesMaster1.xml><?xml version="1.0" encoding="utf-8"?>
+<p:notesMaster xmlns:a="http://schemas.openxmlformats.org/drawingml/2006/main" xmlns:r="http://schemas.openxmlformats.org/officeDocument/2006/relationships" xmlns:p="http://schemas.openxmlformats.org/presentationml/2006/main">
+  <p:cSld>
+    <p:bg>
+      <p:bgRef idx="1001">
+        <a:schemeClr val="bg1"/>
+      </p:bgRef>
+    </p:bg>
+    <p:spTree>
+      <p:nvGrpSpPr>
+        <p:cNvPr id="1" name=""/>
+        <p:cNvGrpSpPr/>
+        <p:nvPr/>
+      </p:nvGrpSpPr>
+      <p:grpSpPr>
+        <a:xfrm>
+          <a:off x="0" y="0"/>
+          <a:ext cx="0" cy="0"/>
+          <a:chOff x="0" y="0"/>
+          <a:chExt cx="0" cy="0"/>
+        </a:xfrm>
+      </p:grpSpPr>
+      <p:sp>
+        <p:nvSpPr>
+          <p:cNvPr id="2" name="Espace réservé de l'en-tête 1"/>
+          <p:cNvSpPr>
+            <a:spLocks noGrp="1"/>
+          </p:cNvSpPr>
+          <p:nvPr>
+            <p:ph type="hdr" sz="quarter"/>
+          </p:nvPr>
+        </p:nvSpPr>
+        <p:spPr>
+          <a:xfrm>
+            <a:off x="0" y="0"/>
+            <a:ext cx="2971800" cy="458788"/>
+          </a:xfrm>
+          <a:prstGeom prst="rect">
+            <a:avLst/>
+          </a:prstGeom>
+        </p:spPr>
+        <p:txBody>
+          <a:bodyPr vert="horz" lIns="91440" tIns="45720" rIns="91440" bIns="45720" rtlCol="0"/>
+          <a:lstStyle>
+            <a:lvl1pPr algn="l">
+              <a:defRPr sz="1200"/>
+            </a:lvl1pPr>
+          </a:lstStyle>
+          <a:p>
+            <a:endParaRPr lang="fr-FR"/>
+          </a:p>
+        </p:txBody>
+      </p:sp>
+      <p:sp>
+        <p:nvSpPr>
+          <p:cNvPr id="3" name="Espace réservé de la date 2"/>
+          <p:cNvSpPr>
+            <a:spLocks noGrp="1"/>
+          </p:cNvSpPr>
+          <p:nvPr>
+            <p:ph type="dt" idx="1"/>
+          </p:nvPr>
+        </p:nvSpPr>
+        <p:spPr>
+          <a:xfrm>
+            <a:off x="3884613" y="0"/>
+            <a:ext cx="2971800" cy="458788"/>
+          </a:xfrm>
+          <a:prstGeom prst="rect">
+            <a:avLst/>
+          </a:prstGeom>
+        </p:spPr>
+        <p:txBody>
+          <a:bodyPr vert="horz" lIns="91440" tIns="45720" rIns="91440" bIns="45720" rtlCol="0"/>
+          <a:lstStyle>
+            <a:lvl1pPr algn="r">
+              <a:defRPr sz="1200"/>
+            </a:lvl1pPr>
+          </a:lstStyle>
+          <a:p>
+            <a:fld id="{40657B8F-07A6-4D4B-868F-1C308FFFDF43}" type="datetimeFigureOut">
+              <a:rPr lang="fr-FR" smtClean="0"/>
+              <a:t>29/07/2020</a:t>
+            </a:fld>
+            <a:endParaRPr lang="fr-FR"/>
+          </a:p>
+        </p:txBody>
+      </p:sp>
+      <p:sp>
+        <p:nvSpPr>
+          <p:cNvPr id="4" name="Espace réservé de l'image des diapositives 3"/>
+          <p:cNvSpPr>
+            <a:spLocks noGrp="1" noRot="1" noChangeAspect="1"/>
+          </p:cNvSpPr>
+          <p:nvPr>
+            <p:ph type="sldImg" idx="2"/>
+          </p:nvPr>
+        </p:nvSpPr>
+        <p:spPr>
+          <a:xfrm>
+            <a:off x="1371600" y="1143000"/>
+            <a:ext cx="4114800" cy="3086100"/>
+          </a:xfrm>
+          <a:prstGeom prst="rect">
+            <a:avLst/>
+          </a:prstGeom>
+          <a:noFill/>
+          <a:ln w="12700">
+            <a:solidFill>
+              <a:prstClr val="black"/>
+            </a:solidFill>
+          </a:ln>
+        </p:spPr>
+        <p:txBody>
+          <a:bodyPr vert="horz" lIns="91440" tIns="45720" rIns="91440" bIns="45720" rtlCol="0" anchor="ctr"/>
+          <a:lstStyle/>
+          <a:p>
+            <a:endParaRPr lang="fr-FR"/>
+          </a:p>
+        </p:txBody>
+      </p:sp>
+      <p:sp>
+        <p:nvSpPr>
+          <p:cNvPr id="5" name="Espace réservé des notes 4"/>
+          <p:cNvSpPr>
+            <a:spLocks noGrp="1"/>
+          </p:cNvSpPr>
+          <p:nvPr>
+            <p:ph type="body" sz="quarter" idx="3"/>
+          </p:nvPr>
+        </p:nvSpPr>
+        <p:spPr>
+          <a:xfrm>
+            <a:off x="685800" y="4400550"/>
+            <a:ext cx="5486400" cy="3600450"/>
+          </a:xfrm>
+          <a:prstGeom prst="rect">
+            <a:avLst/>
+          </a:prstGeom>
+        </p:spPr>
+        <p:txBody>
+          <a:bodyPr vert="horz" lIns="91440" tIns="45720" rIns="91440" bIns="45720" rtlCol="0"/>
+          <a:lstStyle/>
+          <a:p>
+            <a:pPr lvl="0"/>
+            <a:r>
+              <a:rPr lang="fr-FR"/>
+              <a:t>Cliquez pour modifier les styles du texte du masque</a:t>
+            </a:r>
+          </a:p>
+          <a:p>
+            <a:pPr lvl="1"/>
+            <a:r>
+              <a:rPr lang="fr-FR"/>
+              <a:t>Deuxième niveau</a:t>
+            </a:r>
+          </a:p>
+          <a:p>
+            <a:pPr lvl="2"/>
+            <a:r>
+              <a:rPr lang="fr-FR"/>
+              <a:t>Troisième niveau</a:t>
+            </a:r>
+          </a:p>
+          <a:p>
+            <a:pPr lvl="3"/>
+            <a:r>
+              <a:rPr lang="fr-FR"/>
+              <a:t>Quatrième niveau</a:t>
+            </a:r>
+          </a:p>
+          <a:p>
+            <a:pPr lvl="4"/>
+            <a:r>
+              <a:rPr lang="fr-FR"/>
+              <a:t>Cinquième niveau</a:t>
+            </a:r>
+          </a:p>
+        </p:txBody>
+      </p:sp>
+      <p:sp>
+        <p:nvSpPr>
+          <p:cNvPr id="6" name="Espace réservé du pied de page 5"/>
+          <p:cNvSpPr>
+            <a:spLocks noGrp="1"/>
+          </p:cNvSpPr>
+          <p:nvPr>
+            <p:ph type="ftr" sz="quarter" idx="4"/>
+          </p:nvPr>
+        </p:nvSpPr>
+        <p:spPr>
+          <a:xfrm>
+            <a:off x="0" y="8685213"/>
+            <a:ext cx="2971800" cy="458787"/>
+          </a:xfrm>
+          <a:prstGeom prst="rect">
+            <a:avLst/>
+          </a:prstGeom>
+        </p:spPr>
+        <p:txBody>
+          <a:bodyPr vert="horz" lIns="91440" tIns="45720" rIns="91440" bIns="45720" rtlCol="0" anchor="b"/>
+          <a:lstStyle>
+            <a:lvl1pPr algn="l">
+              <a:defRPr sz="1200"/>
+            </a:lvl1pPr>
+          </a:lstStyle>
+          <a:p>
+            <a:endParaRPr lang="fr-FR"/>
+          </a:p>
+        </p:txBody>
+      </p:sp>
+      <p:sp>
+        <p:nvSpPr>
+          <p:cNvPr id="7" name="Espace réservé du numéro de diapositive 6"/>
+          <p:cNvSpPr>
+            <a:spLocks noGrp="1"/>
+          </p:cNvSpPr>
+          <p:nvPr>
+            <p:ph type="sldNum" sz="quarter" idx="5"/>
+          </p:nvPr>
+        </p:nvSpPr>
+        <p:spPr>
+          <a:xfrm>
+            <a:off x="3884613" y="8685213"/>
+            <a:ext cx="2971800" cy="458787"/>
+          </a:xfrm>
+          <a:prstGeom prst="rect">
+            <a:avLst/>
+          </a:prstGeom>
+        </p:spPr>
+        <p:txBody>
+          <a:bodyPr vert="horz" lIns="91440" tIns="45720" rIns="91440" bIns="45720" rtlCol="0" anchor="b"/>
+          <a:lstStyle>
+            <a:lvl1pPr algn="r">
+              <a:defRPr sz="1200"/>
+            </a:lvl1pPr>
+          </a:lstStyle>
+          <a:p>
+            <a:fld id="{8381BA76-5A9D-4AA8-BD15-DB5CA65D0F53}" type="slidenum">
+              <a:rPr lang="fr-FR" smtClean="0"/>
+              <a:t>‹N°›</a:t>
+            </a:fld>
+            <a:endParaRPr lang="fr-FR"/>
+          </a:p>
+        </p:txBody>
+      </p:sp>
+    </p:spTree>
+    <p:extLst>
+      <p:ext uri="{BB962C8B-B14F-4D97-AF65-F5344CB8AC3E}">
+        <p14:creationId xmlns:p14="http://schemas.microsoft.com/office/powerpoint/2010/main" val="1707263342"/>
+      </p:ext>
+    </p:extLst>
+  </p:cSld>
+  <p:clrMap bg1="lt1" tx1="dk1" bg2="lt2" tx2="dk2" accent1="accent1" accent2="accent2" accent3="accent3" accent4="accent4" accent5="accent5" accent6="accent6" hlink="hlink" folHlink="folHlink"/>
+  <p:notesStyle>
+    <a:lvl1pPr marL="0" algn="l" defTabSz="914400" rtl="0" eaLnBrk="1" latinLnBrk="0" hangingPunct="1">
+      <a:defRPr sz="1200" kern="1200">
+        <a:solidFill>
+          <a:schemeClr val="tx1"/>
+        </a:solidFill>
+        <a:latin typeface="+mn-lt"/>
+        <a:ea typeface="+mn-ea"/>
+        <a:cs typeface="+mn-cs"/>
+      </a:defRPr>
+    </a:lvl1pPr>
+    <a:lvl2pPr marL="457200" algn="l" defTabSz="914400" rtl="0" eaLnBrk="1" latinLnBrk="0" hangingPunct="1">
+      <a:defRPr sz="1200" kern="1200">
+        <a:solidFill>
+          <a:schemeClr val="tx1"/>
+        </a:solidFill>
+        <a:latin typeface="+mn-lt"/>
+        <a:ea typeface="+mn-ea"/>
+        <a:cs typeface="+mn-cs"/>
+      </a:defRPr>
+    </a:lvl2pPr>
+    <a:lvl3pPr marL="914400" algn="l" defTabSz="914400" rtl="0" eaLnBrk="1" latinLnBrk="0" hangingPunct="1">
+      <a:defRPr sz="1200" kern="1200">
+        <a:solidFill>
+          <a:schemeClr val="tx1"/>
+        </a:solidFill>
+        <a:latin typeface="+mn-lt"/>
+        <a:ea typeface="+mn-ea"/>
+        <a:cs typeface="+mn-cs"/>
+      </a:defRPr>
+    </a:lvl3pPr>
+    <a:lvl4pPr marL="1371600" algn="l" defTabSz="914400" rtl="0" eaLnBrk="1" latinLnBrk="0" hangingPunct="1">
+      <a:defRPr sz="1200" kern="1200">
+        <a:solidFill>
+          <a:schemeClr val="tx1"/>
+        </a:solidFill>
+        <a:latin typeface="+mn-lt"/>
+        <a:ea typeface="+mn-ea"/>
+        <a:cs typeface="+mn-cs"/>
+      </a:defRPr>
+    </a:lvl4pPr>
+    <a:lvl5pPr marL="1828800" algn="l" defTabSz="914400" rtl="0" eaLnBrk="1" latinLnBrk="0" hangingPunct="1">
+      <a:defRPr sz="1200" kern="1200">
+        <a:solidFill>
+          <a:schemeClr val="tx1"/>
+        </a:solidFill>
+        <a:latin typeface="+mn-lt"/>
+        <a:ea typeface="+mn-ea"/>
+        <a:cs typeface="+mn-cs"/>
+      </a:defRPr>
+    </a:lvl5pPr>
+    <a:lvl6pPr marL="2286000" algn="l" defTabSz="914400" rtl="0" eaLnBrk="1" latinLnBrk="0" hangingPunct="1">
+      <a:defRPr sz="1200" kern="1200">
+        <a:solidFill>
+          <a:schemeClr val="tx1"/>
+        </a:solidFill>
+        <a:latin typeface="+mn-lt"/>
+        <a:ea typeface="+mn-ea"/>
+        <a:cs typeface="+mn-cs"/>
+      </a:defRPr>
+    </a:lvl6pPr>
+    <a:lvl7pPr marL="2743200" algn="l" defTabSz="914400" rtl="0" eaLnBrk="1" latinLnBrk="0" hangingPunct="1">
+      <a:defRPr sz="1200" kern="1200">
+        <a:solidFill>
+          <a:schemeClr val="tx1"/>
+        </a:solidFill>
+        <a:latin typeface="+mn-lt"/>
+        <a:ea typeface="+mn-ea"/>
+        <a:cs typeface="+mn-cs"/>
+      </a:defRPr>
+    </a:lvl7pPr>
+    <a:lvl8pPr marL="3200400" algn="l" defTabSz="914400" rtl="0" eaLnBrk="1" latinLnBrk="0" hangingPunct="1">
+      <a:defRPr sz="1200" kern="1200">
+        <a:solidFill>
+          <a:schemeClr val="tx1"/>
+        </a:solidFill>
+        <a:latin typeface="+mn-lt"/>
+        <a:ea typeface="+mn-ea"/>
+        <a:cs typeface="+mn-cs"/>
+      </a:defRPr>
+    </a:lvl8pPr>
+    <a:lvl9pPr marL="3657600" algn="l" defTabSz="914400" rtl="0" eaLnBrk="1" latinLnBrk="0" hangingPunct="1">
+      <a:defRPr sz="1200" kern="1200">
+        <a:solidFill>
+          <a:schemeClr val="tx1"/>
+        </a:solidFill>
+        <a:latin typeface="+mn-lt"/>
+        <a:ea typeface="+mn-ea"/>
+        <a:cs typeface="+mn-cs"/>
+      </a:defRPr>
+    </a:lvl9pPr>
+  </p:notesStyle>
+</p:notesMaster>
+</file>
+
+<file path=ppt/notesSlides/notesSlide1.xml><?xml version="1.0" encoding="utf-8"?>
+<p:notes xmlns:a="http://schemas.openxmlformats.org/drawingml/2006/main" xmlns:r="http://schemas.openxmlformats.org/officeDocument/2006/relationships" xmlns:p="http://schemas.openxmlformats.org/presentationml/2006/main">
+  <p:cSld>
+    <p:spTree>
+      <p:nvGrpSpPr>
+        <p:cNvPr id="1" name=""/>
+        <p:cNvGrpSpPr/>
+        <p:nvPr/>
+      </p:nvGrpSpPr>
+      <p:grpSpPr>
+        <a:xfrm>
+          <a:off x="0" y="0"/>
+          <a:ext cx="0" cy="0"/>
+          <a:chOff x="0" y="0"/>
+          <a:chExt cx="0" cy="0"/>
+        </a:xfrm>
+      </p:grpSpPr>
+      <p:sp>
+        <p:nvSpPr>
+          <p:cNvPr id="2" name="Espace réservé de l'image des diapositives 1"/>
+          <p:cNvSpPr>
+            <a:spLocks noGrp="1" noRot="1" noChangeAspect="1"/>
+          </p:cNvSpPr>
+          <p:nvPr>
+            <p:ph type="sldImg"/>
+          </p:nvPr>
+        </p:nvSpPr>
+        <p:spPr/>
+      </p:sp>
+      <p:sp>
+        <p:nvSpPr>
+          <p:cNvPr id="3" name="Espace réservé des notes 2"/>
+          <p:cNvSpPr>
+            <a:spLocks noGrp="1"/>
+          </p:cNvSpPr>
+          <p:nvPr>
+            <p:ph type="body" idx="1"/>
+          </p:nvPr>
+        </p:nvSpPr>
+        <p:spPr/>
+        <p:txBody>
+          <a:bodyPr/>
+          <a:lstStyle/>
+          <a:p>
+            <a:endParaRPr lang="fr-FR" dirty="0"/>
+          </a:p>
+        </p:txBody>
+      </p:sp>
+      <p:sp>
+        <p:nvSpPr>
+          <p:cNvPr id="4" name="Espace réservé du numéro de diapositive 3"/>
+          <p:cNvSpPr>
+            <a:spLocks noGrp="1"/>
+          </p:cNvSpPr>
+          <p:nvPr>
+            <p:ph type="sldNum" sz="quarter" idx="5"/>
+          </p:nvPr>
+        </p:nvSpPr>
+        <p:spPr/>
+        <p:txBody>
+          <a:bodyPr/>
+          <a:lstStyle/>
+          <a:p>
+            <a:fld id="{8381BA76-5A9D-4AA8-BD15-DB5CA65D0F53}" type="slidenum">
+              <a:rPr lang="fr-FR" smtClean="0"/>
+              <a:t>6</a:t>
+            </a:fld>
+            <a:endParaRPr lang="fr-FR"/>
+          </a:p>
+        </p:txBody>
+      </p:sp>
+    </p:spTree>
+    <p:extLst>
+      <p:ext uri="{BB962C8B-B14F-4D97-AF65-F5344CB8AC3E}">
+        <p14:creationId xmlns:p14="http://schemas.microsoft.com/office/powerpoint/2010/main" val="2094599182"/>
+      </p:ext>
+    </p:extLst>
+  </p:cSld>
+  <p:clrMapOvr>
+    <a:masterClrMapping/>
+  </p:clrMapOvr>
+</p:notes>
+</file>
+
+<file path=ppt/notesSlides/notesSlide2.xml><?xml version="1.0" encoding="utf-8"?>
+<p:notes xmlns:a="http://schemas.openxmlformats.org/drawingml/2006/main" xmlns:r="http://schemas.openxmlformats.org/officeDocument/2006/relationships" xmlns:p="http://schemas.openxmlformats.org/presentationml/2006/main">
+  <p:cSld>
+    <p:spTree>
+      <p:nvGrpSpPr>
+        <p:cNvPr id="1" name=""/>
+        <p:cNvGrpSpPr/>
+        <p:nvPr/>
+      </p:nvGrpSpPr>
+      <p:grpSpPr>
+        <a:xfrm>
+          <a:off x="0" y="0"/>
+          <a:ext cx="0" cy="0"/>
+          <a:chOff x="0" y="0"/>
+          <a:chExt cx="0" cy="0"/>
+        </a:xfrm>
+      </p:grpSpPr>
+      <p:sp>
+        <p:nvSpPr>
+          <p:cNvPr id="2" name="Espace réservé de l'image des diapositives 1"/>
+          <p:cNvSpPr>
+            <a:spLocks noGrp="1" noRot="1" noChangeAspect="1"/>
+          </p:cNvSpPr>
+          <p:nvPr>
+            <p:ph type="sldImg"/>
+          </p:nvPr>
+        </p:nvSpPr>
+        <p:spPr/>
+      </p:sp>
+      <p:sp>
+        <p:nvSpPr>
+          <p:cNvPr id="3" name="Espace réservé des notes 2"/>
+          <p:cNvSpPr>
+            <a:spLocks noGrp="1"/>
+          </p:cNvSpPr>
+          <p:nvPr>
+            <p:ph type="body" idx="1"/>
+          </p:nvPr>
+        </p:nvSpPr>
+        <p:spPr/>
+        <p:txBody>
+          <a:bodyPr/>
+          <a:lstStyle/>
+          <a:p>
+            <a:endParaRPr lang="fr-FR" dirty="0"/>
+          </a:p>
+        </p:txBody>
+      </p:sp>
+      <p:sp>
+        <p:nvSpPr>
+          <p:cNvPr id="4" name="Espace réservé du numéro de diapositive 3"/>
+          <p:cNvSpPr>
+            <a:spLocks noGrp="1"/>
+          </p:cNvSpPr>
+          <p:nvPr>
+            <p:ph type="sldNum" sz="quarter" idx="5"/>
+          </p:nvPr>
+        </p:nvSpPr>
+        <p:spPr/>
+        <p:txBody>
+          <a:bodyPr/>
+          <a:lstStyle/>
+          <a:p>
+            <a:fld id="{8381BA76-5A9D-4AA8-BD15-DB5CA65D0F53}" type="slidenum">
+              <a:rPr lang="fr-FR" smtClean="0"/>
+              <a:t>7</a:t>
+            </a:fld>
+            <a:endParaRPr lang="fr-FR"/>
+          </a:p>
+        </p:txBody>
+      </p:sp>
+    </p:spTree>
+    <p:extLst>
+      <p:ext uri="{BB962C8B-B14F-4D97-AF65-F5344CB8AC3E}">
+        <p14:creationId xmlns:p14="http://schemas.microsoft.com/office/powerpoint/2010/main" val="585218822"/>
+      </p:ext>
+    </p:extLst>
+  </p:cSld>
+  <p:clrMapOvr>
+    <a:masterClrMapping/>
+  </p:clrMapOvr>
+</p:notes>
+</file>
+
 <file path=ppt/slideLayouts/slideLayout1.xml><?xml version="1.0" encoding="utf-8"?>
 <p:sldLayout xmlns:a="http://schemas.openxmlformats.org/drawingml/2006/main" xmlns:r="http://schemas.openxmlformats.org/officeDocument/2006/relationships" xmlns:p="http://schemas.openxmlformats.org/presentationml/2006/main" type="title" preserve="1">
   <p:cSld name="Diapositive de titre">
@@ -307,7 +828,7 @@
           <a:p>
             <a:fld id="{1DDB72BE-B427-4A6F-AFFD-AFAC62060F46}" type="datetimeFigureOut">
               <a:rPr lang="fr-FR" smtClean="0"/>
-              <a:t>19/05/2020</a:t>
+              <a:t>29/07/2020</a:t>
             </a:fld>
             <a:endParaRPr lang="fr-FR"/>
           </a:p>
@@ -475,7 +996,7 @@
           <a:p>
             <a:fld id="{1DDB72BE-B427-4A6F-AFFD-AFAC62060F46}" type="datetimeFigureOut">
               <a:rPr lang="fr-FR" smtClean="0"/>
-              <a:t>19/05/2020</a:t>
+              <a:t>29/07/2020</a:t>
             </a:fld>
             <a:endParaRPr lang="fr-FR"/>
           </a:p>
@@ -653,7 +1174,7 @@
           <a:p>
             <a:fld id="{1DDB72BE-B427-4A6F-AFFD-AFAC62060F46}" type="datetimeFigureOut">
               <a:rPr lang="fr-FR" smtClean="0"/>
-              <a:t>19/05/2020</a:t>
+              <a:t>29/07/2020</a:t>
             </a:fld>
             <a:endParaRPr lang="fr-FR"/>
           </a:p>
@@ -821,7 +1342,7 @@
           <a:p>
             <a:fld id="{1DDB72BE-B427-4A6F-AFFD-AFAC62060F46}" type="datetimeFigureOut">
               <a:rPr lang="fr-FR" smtClean="0"/>
-              <a:t>19/05/2020</a:t>
+              <a:t>29/07/2020</a:t>
             </a:fld>
             <a:endParaRPr lang="fr-FR"/>
           </a:p>
@@ -1066,7 +1587,7 @@
           <a:p>
             <a:fld id="{1DDB72BE-B427-4A6F-AFFD-AFAC62060F46}" type="datetimeFigureOut">
               <a:rPr lang="fr-FR" smtClean="0"/>
-              <a:t>19/05/2020</a:t>
+              <a:t>29/07/2020</a:t>
             </a:fld>
             <a:endParaRPr lang="fr-FR"/>
           </a:p>
@@ -1351,7 +1872,7 @@
           <a:p>
             <a:fld id="{1DDB72BE-B427-4A6F-AFFD-AFAC62060F46}" type="datetimeFigureOut">
               <a:rPr lang="fr-FR" smtClean="0"/>
-              <a:t>19/05/2020</a:t>
+              <a:t>29/07/2020</a:t>
             </a:fld>
             <a:endParaRPr lang="fr-FR"/>
           </a:p>
@@ -1770,7 +2291,7 @@
           <a:p>
             <a:fld id="{1DDB72BE-B427-4A6F-AFFD-AFAC62060F46}" type="datetimeFigureOut">
               <a:rPr lang="fr-FR" smtClean="0"/>
-              <a:t>19/05/2020</a:t>
+              <a:t>29/07/2020</a:t>
             </a:fld>
             <a:endParaRPr lang="fr-FR"/>
           </a:p>
@@ -1887,7 +2408,7 @@
           <a:p>
             <a:fld id="{1DDB72BE-B427-4A6F-AFFD-AFAC62060F46}" type="datetimeFigureOut">
               <a:rPr lang="fr-FR" smtClean="0"/>
-              <a:t>19/05/2020</a:t>
+              <a:t>29/07/2020</a:t>
             </a:fld>
             <a:endParaRPr lang="fr-FR"/>
           </a:p>
@@ -1982,7 +2503,7 @@
           <a:p>
             <a:fld id="{1DDB72BE-B427-4A6F-AFFD-AFAC62060F46}" type="datetimeFigureOut">
               <a:rPr lang="fr-FR" smtClean="0"/>
-              <a:t>19/05/2020</a:t>
+              <a:t>29/07/2020</a:t>
             </a:fld>
             <a:endParaRPr lang="fr-FR"/>
           </a:p>
@@ -2257,7 +2778,7 @@
           <a:p>
             <a:fld id="{1DDB72BE-B427-4A6F-AFFD-AFAC62060F46}" type="datetimeFigureOut">
               <a:rPr lang="fr-FR" smtClean="0"/>
-              <a:t>19/05/2020</a:t>
+              <a:t>29/07/2020</a:t>
             </a:fld>
             <a:endParaRPr lang="fr-FR"/>
           </a:p>
@@ -2509,7 +3030,7 @@
           <a:p>
             <a:fld id="{1DDB72BE-B427-4A6F-AFFD-AFAC62060F46}" type="datetimeFigureOut">
               <a:rPr lang="fr-FR" smtClean="0"/>
-              <a:t>19/05/2020</a:t>
+              <a:t>29/07/2020</a:t>
             </a:fld>
             <a:endParaRPr lang="fr-FR"/>
           </a:p>
@@ -2720,7 +3241,7 @@
           <a:p>
             <a:fld id="{1DDB72BE-B427-4A6F-AFFD-AFAC62060F46}" type="datetimeFigureOut">
               <a:rPr lang="fr-FR" smtClean="0"/>
-              <a:t>19/05/2020</a:t>
+              <a:t>29/07/2020</a:t>
             </a:fld>
             <a:endParaRPr lang="fr-FR"/>
           </a:p>
@@ -6289,6 +6810,485 @@
           <a:chExt cx="0" cy="0"/>
         </a:xfrm>
       </p:grpSpPr>
+      <p:grpSp>
+        <p:nvGrpSpPr>
+          <p:cNvPr id="12" name="Groupe 11">
+            <a:extLst>
+              <a:ext uri="{FF2B5EF4-FFF2-40B4-BE49-F238E27FC236}">
+                <a16:creationId xmlns:a16="http://schemas.microsoft.com/office/drawing/2014/main" id="{1A03F36A-8206-430A-9F86-ABD4A2F85824}"/>
+              </a:ext>
+            </a:extLst>
+          </p:cNvPr>
+          <p:cNvGrpSpPr/>
+          <p:nvPr/>
+        </p:nvGrpSpPr>
+        <p:grpSpPr>
+          <a:xfrm>
+            <a:off x="755576" y="728700"/>
+            <a:ext cx="3960440" cy="5400600"/>
+            <a:chOff x="755576" y="728700"/>
+            <a:chExt cx="3960440" cy="5400600"/>
+          </a:xfrm>
+        </p:grpSpPr>
+        <p:grpSp>
+          <p:nvGrpSpPr>
+            <p:cNvPr id="15" name="Groupe 14">
+              <a:extLst>
+                <a:ext uri="{FF2B5EF4-FFF2-40B4-BE49-F238E27FC236}">
+                  <a16:creationId xmlns:a16="http://schemas.microsoft.com/office/drawing/2014/main" id="{9A65AC6B-EE23-4FA4-997F-3CD913CE2FD0}"/>
+                </a:ext>
+              </a:extLst>
+            </p:cNvPr>
+            <p:cNvGrpSpPr/>
+            <p:nvPr/>
+          </p:nvGrpSpPr>
+          <p:grpSpPr>
+            <a:xfrm>
+              <a:off x="755576" y="728700"/>
+              <a:ext cx="3960440" cy="5400600"/>
+              <a:chOff x="755576" y="728700"/>
+              <a:chExt cx="3960440" cy="5400600"/>
+            </a:xfrm>
+          </p:grpSpPr>
+          <p:grpSp>
+            <p:nvGrpSpPr>
+              <p:cNvPr id="5" name="Groupe 4">
+                <a:extLst>
+                  <a:ext uri="{FF2B5EF4-FFF2-40B4-BE49-F238E27FC236}">
+                    <a16:creationId xmlns:a16="http://schemas.microsoft.com/office/drawing/2014/main" id="{52E4449B-6918-45D2-9AA4-7C3B1B5DFE50}"/>
+                  </a:ext>
+                </a:extLst>
+              </p:cNvPr>
+              <p:cNvGrpSpPr/>
+              <p:nvPr/>
+            </p:nvGrpSpPr>
+            <p:grpSpPr>
+              <a:xfrm>
+                <a:off x="755576" y="728700"/>
+                <a:ext cx="3960440" cy="5400600"/>
+                <a:chOff x="755576" y="728700"/>
+                <a:chExt cx="3960440" cy="5400600"/>
+              </a:xfrm>
+            </p:grpSpPr>
+            <p:grpSp>
+              <p:nvGrpSpPr>
+                <p:cNvPr id="9" name="Groupe 8"/>
+                <p:cNvGrpSpPr/>
+                <p:nvPr/>
+              </p:nvGrpSpPr>
+              <p:grpSpPr>
+                <a:xfrm>
+                  <a:off x="755576" y="728700"/>
+                  <a:ext cx="3960440" cy="5400600"/>
+                  <a:chOff x="755576" y="728700"/>
+                  <a:chExt cx="3960440" cy="5400600"/>
+                </a:xfrm>
+              </p:grpSpPr>
+              <p:sp>
+                <p:nvSpPr>
+                  <p:cNvPr id="4" name="Rectangle 3"/>
+                  <p:cNvSpPr/>
+                  <p:nvPr/>
+                </p:nvSpPr>
+                <p:spPr>
+                  <a:xfrm>
+                    <a:off x="755576" y="728700"/>
+                    <a:ext cx="3960440" cy="5400600"/>
+                  </a:xfrm>
+                  <a:prstGeom prst="rect">
+                    <a:avLst/>
+                  </a:prstGeom>
+                  <a:ln>
+                    <a:solidFill>
+                      <a:schemeClr val="tx1"/>
+                    </a:solidFill>
+                  </a:ln>
+                </p:spPr>
+                <p:style>
+                  <a:lnRef idx="2">
+                    <a:schemeClr val="accent1">
+                      <a:shade val="50000"/>
+                    </a:schemeClr>
+                  </a:lnRef>
+                  <a:fillRef idx="1">
+                    <a:schemeClr val="accent1"/>
+                  </a:fillRef>
+                  <a:effectRef idx="0">
+                    <a:schemeClr val="accent1"/>
+                  </a:effectRef>
+                  <a:fontRef idx="minor">
+                    <a:schemeClr val="lt1"/>
+                  </a:fontRef>
+                </p:style>
+                <p:txBody>
+                  <a:bodyPr rtlCol="0" anchor="ctr"/>
+                  <a:lstStyle/>
+                  <a:p>
+                    <a:pPr algn="ctr"/>
+                    <a:endParaRPr lang="fr-FR"/>
+                  </a:p>
+                </p:txBody>
+              </p:sp>
+              <p:sp>
+                <p:nvSpPr>
+                  <p:cNvPr id="7" name="Rectangle 6"/>
+                  <p:cNvSpPr/>
+                  <p:nvPr/>
+                </p:nvSpPr>
+                <p:spPr>
+                  <a:xfrm>
+                    <a:off x="755576" y="728700"/>
+                    <a:ext cx="3960440" cy="468052"/>
+                  </a:xfrm>
+                  <a:prstGeom prst="rect">
+                    <a:avLst/>
+                  </a:prstGeom>
+                  <a:solidFill>
+                    <a:schemeClr val="bg1"/>
+                  </a:solidFill>
+                  <a:ln>
+                    <a:solidFill>
+                      <a:schemeClr val="tx1"/>
+                    </a:solidFill>
+                  </a:ln>
+                </p:spPr>
+                <p:style>
+                  <a:lnRef idx="2">
+                    <a:schemeClr val="accent1">
+                      <a:shade val="50000"/>
+                    </a:schemeClr>
+                  </a:lnRef>
+                  <a:fillRef idx="1">
+                    <a:schemeClr val="accent1"/>
+                  </a:fillRef>
+                  <a:effectRef idx="0">
+                    <a:schemeClr val="accent1"/>
+                  </a:effectRef>
+                  <a:fontRef idx="minor">
+                    <a:schemeClr val="lt1"/>
+                  </a:fontRef>
+                </p:style>
+                <p:txBody>
+                  <a:bodyPr rtlCol="0" anchor="ctr"/>
+                  <a:lstStyle/>
+                  <a:p>
+                    <a:pPr algn="ctr"/>
+                    <a:endParaRPr lang="fr-FR"/>
+                  </a:p>
+                </p:txBody>
+              </p:sp>
+              <p:sp>
+                <p:nvSpPr>
+                  <p:cNvPr id="8" name="ZoneTexte 7"/>
+                  <p:cNvSpPr txBox="1"/>
+                  <p:nvPr/>
+                </p:nvSpPr>
+                <p:spPr>
+                  <a:xfrm>
+                    <a:off x="755576" y="824226"/>
+                    <a:ext cx="936104" cy="276999"/>
+                  </a:xfrm>
+                  <a:prstGeom prst="rect">
+                    <a:avLst/>
+                  </a:prstGeom>
+                  <a:noFill/>
+                </p:spPr>
+                <p:txBody>
+                  <a:bodyPr wrap="square" rtlCol="0">
+                    <a:spAutoFit/>
+                  </a:bodyPr>
+                  <a:lstStyle/>
+                  <a:p>
+                    <a:pPr algn="ctr"/>
+                    <a:r>
+                      <a:rPr lang="fr-FR" sz="1200" dirty="0"/>
+                      <a:t>Accueil</a:t>
+                    </a:r>
+                  </a:p>
+                </p:txBody>
+              </p:sp>
+            </p:grpSp>
+            <p:sp>
+              <p:nvSpPr>
+                <p:cNvPr id="2" name="Rectangle 1">
+                  <a:extLst>
+                    <a:ext uri="{FF2B5EF4-FFF2-40B4-BE49-F238E27FC236}">
+                      <a16:creationId xmlns:a16="http://schemas.microsoft.com/office/drawing/2014/main" id="{8D0CE8A9-91AE-41BA-8A79-CAD11D04711F}"/>
+                    </a:ext>
+                  </a:extLst>
+                </p:cNvPr>
+                <p:cNvSpPr/>
+                <p:nvPr/>
+              </p:nvSpPr>
+              <p:spPr>
+                <a:xfrm>
+                  <a:off x="899592" y="1397000"/>
+                  <a:ext cx="3672408" cy="4480272"/>
+                </a:xfrm>
+                <a:prstGeom prst="rect">
+                  <a:avLst/>
+                </a:prstGeom>
+                <a:solidFill>
+                  <a:schemeClr val="bg1"/>
+                </a:solidFill>
+                <a:ln>
+                  <a:solidFill>
+                    <a:schemeClr val="tx1">
+                      <a:lumMod val="95000"/>
+                      <a:lumOff val="5000"/>
+                    </a:schemeClr>
+                  </a:solidFill>
+                </a:ln>
+              </p:spPr>
+              <p:style>
+                <a:lnRef idx="2">
+                  <a:schemeClr val="accent1">
+                    <a:shade val="50000"/>
+                  </a:schemeClr>
+                </a:lnRef>
+                <a:fillRef idx="1">
+                  <a:schemeClr val="accent1"/>
+                </a:fillRef>
+                <a:effectRef idx="0">
+                  <a:schemeClr val="accent1"/>
+                </a:effectRef>
+                <a:fontRef idx="minor">
+                  <a:schemeClr val="lt1"/>
+                </a:fontRef>
+              </p:style>
+              <p:txBody>
+                <a:bodyPr rtlCol="0" anchor="ctr"/>
+                <a:lstStyle/>
+                <a:p>
+                  <a:pPr algn="ctr"/>
+                  <a:r>
+                    <a:rPr lang="fr-FR" dirty="0"/>
+                    <a:t>+++++++++++++++++++++++</a:t>
+                  </a:r>
+                </a:p>
+              </p:txBody>
+            </p:sp>
+          </p:grpSp>
+          <p:cxnSp>
+            <p:nvCxnSpPr>
+              <p:cNvPr id="13" name="Connecteur droit 12">
+                <a:extLst>
+                  <a:ext uri="{FF2B5EF4-FFF2-40B4-BE49-F238E27FC236}">
+                    <a16:creationId xmlns:a16="http://schemas.microsoft.com/office/drawing/2014/main" id="{21394F91-921A-4BBF-B4EC-B63598DE040A}"/>
+                  </a:ext>
+                </a:extLst>
+              </p:cNvPr>
+              <p:cNvCxnSpPr/>
+              <p:nvPr/>
+            </p:nvCxnSpPr>
+            <p:spPr>
+              <a:xfrm>
+                <a:off x="1115616" y="1988840"/>
+                <a:ext cx="3312368" cy="0"/>
+              </a:xfrm>
+              <a:prstGeom prst="line">
+                <a:avLst/>
+              </a:prstGeom>
+            </p:spPr>
+            <p:style>
+              <a:lnRef idx="1">
+                <a:schemeClr val="dk1"/>
+              </a:lnRef>
+              <a:fillRef idx="0">
+                <a:schemeClr val="dk1"/>
+              </a:fillRef>
+              <a:effectRef idx="0">
+                <a:schemeClr val="dk1"/>
+              </a:effectRef>
+              <a:fontRef idx="minor">
+                <a:schemeClr val="tx1"/>
+              </a:fontRef>
+            </p:style>
+          </p:cxnSp>
+          <p:sp>
+            <p:nvSpPr>
+              <p:cNvPr id="14" name="Rectangle : coins arrondis 13">
+                <a:extLst>
+                  <a:ext uri="{FF2B5EF4-FFF2-40B4-BE49-F238E27FC236}">
+                    <a16:creationId xmlns:a16="http://schemas.microsoft.com/office/drawing/2014/main" id="{29329E08-603A-4562-9B04-3404D634631F}"/>
+                  </a:ext>
+                </a:extLst>
+              </p:cNvPr>
+              <p:cNvSpPr/>
+              <p:nvPr/>
+            </p:nvSpPr>
+            <p:spPr>
+              <a:xfrm>
+                <a:off x="1619672" y="1484784"/>
+                <a:ext cx="2232248" cy="441340"/>
+              </a:xfrm>
+              <a:prstGeom prst="roundRect">
+                <a:avLst/>
+              </a:prstGeom>
+              <a:solidFill>
+                <a:schemeClr val="bg1">
+                  <a:lumMod val="85000"/>
+                </a:schemeClr>
+              </a:solidFill>
+              <a:ln>
+                <a:noFill/>
+              </a:ln>
+              <a:effectLst/>
+            </p:spPr>
+            <p:style>
+              <a:lnRef idx="1">
+                <a:schemeClr val="dk1"/>
+              </a:lnRef>
+              <a:fillRef idx="2">
+                <a:schemeClr val="dk1"/>
+              </a:fillRef>
+              <a:effectRef idx="1">
+                <a:schemeClr val="dk1"/>
+              </a:effectRef>
+              <a:fontRef idx="minor">
+                <a:schemeClr val="dk1"/>
+              </a:fontRef>
+            </p:style>
+            <p:txBody>
+              <a:bodyPr rtlCol="0" anchor="ctr"/>
+              <a:lstStyle/>
+              <a:p>
+                <a:pPr algn="ctr"/>
+                <a:r>
+                  <a:rPr lang="fr-FR" dirty="0" err="1"/>
+                  <a:t>Elba</a:t>
+                </a:r>
+                <a:r>
+                  <a:rPr lang="fr-FR" dirty="0"/>
+                  <a:t> City</a:t>
+                </a:r>
+              </a:p>
+            </p:txBody>
+          </p:sp>
+        </p:grpSp>
+        <p:sp>
+          <p:nvSpPr>
+            <p:cNvPr id="11" name="Rectangle : coins arrondis 10">
+              <a:extLst>
+                <a:ext uri="{FF2B5EF4-FFF2-40B4-BE49-F238E27FC236}">
+                  <a16:creationId xmlns:a16="http://schemas.microsoft.com/office/drawing/2014/main" id="{25C1A5FA-4E3C-4A6F-905A-5F1A4C9904FB}"/>
+                </a:ext>
+              </a:extLst>
+            </p:cNvPr>
+            <p:cNvSpPr/>
+            <p:nvPr/>
+          </p:nvSpPr>
+          <p:spPr>
+            <a:xfrm>
+              <a:off x="1187624" y="5301208"/>
+              <a:ext cx="720080" cy="159792"/>
+            </a:xfrm>
+            <a:prstGeom prst="roundRect">
+              <a:avLst/>
+            </a:prstGeom>
+            <a:solidFill>
+              <a:schemeClr val="bg1">
+                <a:lumMod val="85000"/>
+              </a:schemeClr>
+            </a:solidFill>
+            <a:ln>
+              <a:noFill/>
+            </a:ln>
+          </p:spPr>
+          <p:style>
+            <a:lnRef idx="2">
+              <a:schemeClr val="accent1">
+                <a:shade val="50000"/>
+              </a:schemeClr>
+            </a:lnRef>
+            <a:fillRef idx="1">
+              <a:schemeClr val="accent1"/>
+            </a:fillRef>
+            <a:effectRef idx="0">
+              <a:schemeClr val="accent1"/>
+            </a:effectRef>
+            <a:fontRef idx="minor">
+              <a:schemeClr val="lt1"/>
+            </a:fontRef>
+          </p:style>
+          <p:txBody>
+            <a:bodyPr rtlCol="0" anchor="ctr"/>
+            <a:lstStyle/>
+            <a:p>
+              <a:pPr algn="ctr"/>
+              <a:r>
+                <a:rPr lang="fr-FR" sz="800" dirty="0">
+                  <a:solidFill>
+                    <a:schemeClr val="tx1"/>
+                  </a:solidFill>
+                </a:rPr>
+                <a:t>Finir le tour</a:t>
+              </a:r>
+            </a:p>
+          </p:txBody>
+        </p:sp>
+        <p:sp>
+          <p:nvSpPr>
+            <p:cNvPr id="22" name="Rectangle : coins arrondis 21">
+              <a:extLst>
+                <a:ext uri="{FF2B5EF4-FFF2-40B4-BE49-F238E27FC236}">
+                  <a16:creationId xmlns:a16="http://schemas.microsoft.com/office/drawing/2014/main" id="{C921A876-AF94-4AE2-AEBB-121F27893368}"/>
+                </a:ext>
+              </a:extLst>
+            </p:cNvPr>
+            <p:cNvSpPr/>
+            <p:nvPr/>
+          </p:nvSpPr>
+          <p:spPr>
+            <a:xfrm>
+              <a:off x="1974372" y="5301208"/>
+              <a:ext cx="941444" cy="159792"/>
+            </a:xfrm>
+            <a:prstGeom prst="roundRect">
+              <a:avLst/>
+            </a:prstGeom>
+            <a:solidFill>
+              <a:schemeClr val="bg1">
+                <a:lumMod val="85000"/>
+              </a:schemeClr>
+            </a:solidFill>
+            <a:ln>
+              <a:noFill/>
+            </a:ln>
+          </p:spPr>
+          <p:style>
+            <a:lnRef idx="2">
+              <a:schemeClr val="accent1">
+                <a:shade val="50000"/>
+              </a:schemeClr>
+            </a:lnRef>
+            <a:fillRef idx="1">
+              <a:schemeClr val="accent1"/>
+            </a:fillRef>
+            <a:effectRef idx="0">
+              <a:schemeClr val="accent1"/>
+            </a:effectRef>
+            <a:fontRef idx="minor">
+              <a:schemeClr val="lt1"/>
+            </a:fontRef>
+          </p:style>
+          <p:txBody>
+            <a:bodyPr rtlCol="0" anchor="ctr"/>
+            <a:lstStyle/>
+            <a:p>
+              <a:pPr algn="ctr"/>
+              <a:r>
+                <a:rPr lang="fr-FR" sz="800" dirty="0">
+                  <a:solidFill>
+                    <a:schemeClr val="tx1"/>
+                  </a:solidFill>
+                </a:rPr>
+                <a:t>Gérer les finances</a:t>
+              </a:r>
+            </a:p>
+          </p:txBody>
+        </p:sp>
+      </p:grpSp>
       <p:graphicFrame>
         <p:nvGraphicFramePr>
           <p:cNvPr id="6" name="Tableau 5"/>
@@ -6298,7 +7298,7 @@
           <p:nvPr>
             <p:extLst>
               <p:ext uri="{D42A27DB-BD31-4B8C-83A1-F6EECF244321}">
-                <p14:modId xmlns:p14="http://schemas.microsoft.com/office/powerpoint/2010/main" val="910547710"/>
+                <p14:modId xmlns:p14="http://schemas.microsoft.com/office/powerpoint/2010/main" val="2184590956"/>
               </p:ext>
             </p:extLst>
           </p:nvPr>
@@ -6421,17 +7421,23 @@
                     <a:bodyPr/>
                     <a:lstStyle/>
                     <a:p>
-                      <a:endParaRPr lang="fr-FR" sz="1200"/>
-                    </a:p>
-                  </a:txBody>
-                  <a:tcPr/>
-                </a:tc>
-                <a:tc>
-                  <a:txBody>
-                    <a:bodyPr/>
-                    <a:lstStyle/>
-                    <a:p>
-                      <a:endParaRPr lang="fr-FR" sz="1200" dirty="0"/>
+                      <a:r>
+                        <a:rPr lang="fr-FR" sz="1200" dirty="0"/>
+                        <a:t>V1.2</a:t>
+                      </a:r>
+                    </a:p>
+                  </a:txBody>
+                  <a:tcPr/>
+                </a:tc>
+                <a:tc>
+                  <a:txBody>
+                    <a:bodyPr/>
+                    <a:lstStyle/>
+                    <a:p>
+                      <a:r>
+                        <a:rPr lang="fr-FR" sz="1200" dirty="0"/>
+                        <a:t>T015 – Ajout du lien fin du tour</a:t>
+                      </a:r>
                     </a:p>
                   </a:txBody>
                   <a:tcPr/>
@@ -6448,17 +7454,23 @@
                     <a:bodyPr/>
                     <a:lstStyle/>
                     <a:p>
-                      <a:endParaRPr lang="fr-FR" sz="1200"/>
-                    </a:p>
-                  </a:txBody>
-                  <a:tcPr/>
-                </a:tc>
-                <a:tc>
-                  <a:txBody>
-                    <a:bodyPr/>
-                    <a:lstStyle/>
-                    <a:p>
-                      <a:endParaRPr lang="fr-FR" sz="1200"/>
+                      <a:r>
+                        <a:rPr lang="fr-FR" sz="1200" dirty="0"/>
+                        <a:t>V1.3</a:t>
+                      </a:r>
+                    </a:p>
+                  </a:txBody>
+                  <a:tcPr/>
+                </a:tc>
+                <a:tc>
+                  <a:txBody>
+                    <a:bodyPr/>
+                    <a:lstStyle/>
+                    <a:p>
+                      <a:r>
+                        <a:rPr lang="fr-FR" sz="1200" dirty="0"/>
+                        <a:t>T016 – Lien vers les finances</a:t>
+                      </a:r>
                     </a:p>
                   </a:txBody>
                   <a:tcPr/>
@@ -6616,342 +7628,6 @@
           </a:p>
         </p:txBody>
       </p:sp>
-      <p:grpSp>
-        <p:nvGrpSpPr>
-          <p:cNvPr id="15" name="Groupe 14">
-            <a:extLst>
-              <a:ext uri="{FF2B5EF4-FFF2-40B4-BE49-F238E27FC236}">
-                <a16:creationId xmlns:a16="http://schemas.microsoft.com/office/drawing/2014/main" id="{9A65AC6B-EE23-4FA4-997F-3CD913CE2FD0}"/>
-              </a:ext>
-            </a:extLst>
-          </p:cNvPr>
-          <p:cNvGrpSpPr/>
-          <p:nvPr/>
-        </p:nvGrpSpPr>
-        <p:grpSpPr>
-          <a:xfrm>
-            <a:off x="755576" y="728700"/>
-            <a:ext cx="3960440" cy="5400600"/>
-            <a:chOff x="755576" y="728700"/>
-            <a:chExt cx="3960440" cy="5400600"/>
-          </a:xfrm>
-        </p:grpSpPr>
-        <p:grpSp>
-          <p:nvGrpSpPr>
-            <p:cNvPr id="5" name="Groupe 4">
-              <a:extLst>
-                <a:ext uri="{FF2B5EF4-FFF2-40B4-BE49-F238E27FC236}">
-                  <a16:creationId xmlns:a16="http://schemas.microsoft.com/office/drawing/2014/main" id="{52E4449B-6918-45D2-9AA4-7C3B1B5DFE50}"/>
-                </a:ext>
-              </a:extLst>
-            </p:cNvPr>
-            <p:cNvGrpSpPr/>
-            <p:nvPr/>
-          </p:nvGrpSpPr>
-          <p:grpSpPr>
-            <a:xfrm>
-              <a:off x="755576" y="728700"/>
-              <a:ext cx="3960440" cy="5400600"/>
-              <a:chOff x="755576" y="728700"/>
-              <a:chExt cx="3960440" cy="5400600"/>
-            </a:xfrm>
-          </p:grpSpPr>
-          <p:grpSp>
-            <p:nvGrpSpPr>
-              <p:cNvPr id="9" name="Groupe 8"/>
-              <p:cNvGrpSpPr/>
-              <p:nvPr/>
-            </p:nvGrpSpPr>
-            <p:grpSpPr>
-              <a:xfrm>
-                <a:off x="755576" y="728700"/>
-                <a:ext cx="3960440" cy="5400600"/>
-                <a:chOff x="755576" y="728700"/>
-                <a:chExt cx="3960440" cy="5400600"/>
-              </a:xfrm>
-            </p:grpSpPr>
-            <p:sp>
-              <p:nvSpPr>
-                <p:cNvPr id="4" name="Rectangle 3"/>
-                <p:cNvSpPr/>
-                <p:nvPr/>
-              </p:nvSpPr>
-              <p:spPr>
-                <a:xfrm>
-                  <a:off x="755576" y="728700"/>
-                  <a:ext cx="3960440" cy="5400600"/>
-                </a:xfrm>
-                <a:prstGeom prst="rect">
-                  <a:avLst/>
-                </a:prstGeom>
-                <a:ln>
-                  <a:solidFill>
-                    <a:schemeClr val="tx1"/>
-                  </a:solidFill>
-                </a:ln>
-              </p:spPr>
-              <p:style>
-                <a:lnRef idx="2">
-                  <a:schemeClr val="accent1">
-                    <a:shade val="50000"/>
-                  </a:schemeClr>
-                </a:lnRef>
-                <a:fillRef idx="1">
-                  <a:schemeClr val="accent1"/>
-                </a:fillRef>
-                <a:effectRef idx="0">
-                  <a:schemeClr val="accent1"/>
-                </a:effectRef>
-                <a:fontRef idx="minor">
-                  <a:schemeClr val="lt1"/>
-                </a:fontRef>
-              </p:style>
-              <p:txBody>
-                <a:bodyPr rtlCol="0" anchor="ctr"/>
-                <a:lstStyle/>
-                <a:p>
-                  <a:pPr algn="ctr"/>
-                  <a:endParaRPr lang="fr-FR"/>
-                </a:p>
-              </p:txBody>
-            </p:sp>
-            <p:sp>
-              <p:nvSpPr>
-                <p:cNvPr id="7" name="Rectangle 6"/>
-                <p:cNvSpPr/>
-                <p:nvPr/>
-              </p:nvSpPr>
-              <p:spPr>
-                <a:xfrm>
-                  <a:off x="755576" y="728700"/>
-                  <a:ext cx="3960440" cy="468052"/>
-                </a:xfrm>
-                <a:prstGeom prst="rect">
-                  <a:avLst/>
-                </a:prstGeom>
-                <a:solidFill>
-                  <a:schemeClr val="bg1"/>
-                </a:solidFill>
-                <a:ln>
-                  <a:solidFill>
-                    <a:schemeClr val="tx1"/>
-                  </a:solidFill>
-                </a:ln>
-              </p:spPr>
-              <p:style>
-                <a:lnRef idx="2">
-                  <a:schemeClr val="accent1">
-                    <a:shade val="50000"/>
-                  </a:schemeClr>
-                </a:lnRef>
-                <a:fillRef idx="1">
-                  <a:schemeClr val="accent1"/>
-                </a:fillRef>
-                <a:effectRef idx="0">
-                  <a:schemeClr val="accent1"/>
-                </a:effectRef>
-                <a:fontRef idx="minor">
-                  <a:schemeClr val="lt1"/>
-                </a:fontRef>
-              </p:style>
-              <p:txBody>
-                <a:bodyPr rtlCol="0" anchor="ctr"/>
-                <a:lstStyle/>
-                <a:p>
-                  <a:pPr algn="ctr"/>
-                  <a:endParaRPr lang="fr-FR"/>
-                </a:p>
-              </p:txBody>
-            </p:sp>
-            <p:sp>
-              <p:nvSpPr>
-                <p:cNvPr id="8" name="ZoneTexte 7"/>
-                <p:cNvSpPr txBox="1"/>
-                <p:nvPr/>
-              </p:nvSpPr>
-              <p:spPr>
-                <a:xfrm>
-                  <a:off x="755576" y="824226"/>
-                  <a:ext cx="936104" cy="276999"/>
-                </a:xfrm>
-                <a:prstGeom prst="rect">
-                  <a:avLst/>
-                </a:prstGeom>
-                <a:noFill/>
-              </p:spPr>
-              <p:txBody>
-                <a:bodyPr wrap="square" rtlCol="0">
-                  <a:spAutoFit/>
-                </a:bodyPr>
-                <a:lstStyle/>
-                <a:p>
-                  <a:pPr algn="ctr"/>
-                  <a:r>
-                    <a:rPr lang="fr-FR" sz="1200" dirty="0"/>
-                    <a:t>Accueil</a:t>
-                  </a:r>
-                </a:p>
-              </p:txBody>
-            </p:sp>
-          </p:grpSp>
-          <p:sp>
-            <p:nvSpPr>
-              <p:cNvPr id="2" name="Rectangle 1">
-                <a:extLst>
-                  <a:ext uri="{FF2B5EF4-FFF2-40B4-BE49-F238E27FC236}">
-                    <a16:creationId xmlns:a16="http://schemas.microsoft.com/office/drawing/2014/main" id="{8D0CE8A9-91AE-41BA-8A79-CAD11D04711F}"/>
-                  </a:ext>
-                </a:extLst>
-              </p:cNvPr>
-              <p:cNvSpPr/>
-              <p:nvPr/>
-            </p:nvSpPr>
-            <p:spPr>
-              <a:xfrm>
-                <a:off x="899592" y="1397000"/>
-                <a:ext cx="3672408" cy="4480272"/>
-              </a:xfrm>
-              <a:prstGeom prst="rect">
-                <a:avLst/>
-              </a:prstGeom>
-              <a:solidFill>
-                <a:schemeClr val="bg1"/>
-              </a:solidFill>
-              <a:ln>
-                <a:solidFill>
-                  <a:schemeClr val="tx1">
-                    <a:lumMod val="95000"/>
-                    <a:lumOff val="5000"/>
-                  </a:schemeClr>
-                </a:solidFill>
-              </a:ln>
-            </p:spPr>
-            <p:style>
-              <a:lnRef idx="2">
-                <a:schemeClr val="accent1">
-                  <a:shade val="50000"/>
-                </a:schemeClr>
-              </a:lnRef>
-              <a:fillRef idx="1">
-                <a:schemeClr val="accent1"/>
-              </a:fillRef>
-              <a:effectRef idx="0">
-                <a:schemeClr val="accent1"/>
-              </a:effectRef>
-              <a:fontRef idx="minor">
-                <a:schemeClr val="lt1"/>
-              </a:fontRef>
-            </p:style>
-            <p:txBody>
-              <a:bodyPr rtlCol="0" anchor="ctr"/>
-              <a:lstStyle/>
-              <a:p>
-                <a:pPr algn="ctr"/>
-                <a:r>
-                  <a:rPr lang="fr-FR" dirty="0"/>
-                  <a:t>+++++++++++++++++++++++</a:t>
-                </a:r>
-              </a:p>
-            </p:txBody>
-          </p:sp>
-        </p:grpSp>
-        <p:cxnSp>
-          <p:nvCxnSpPr>
-            <p:cNvPr id="13" name="Connecteur droit 12">
-              <a:extLst>
-                <a:ext uri="{FF2B5EF4-FFF2-40B4-BE49-F238E27FC236}">
-                  <a16:creationId xmlns:a16="http://schemas.microsoft.com/office/drawing/2014/main" id="{21394F91-921A-4BBF-B4EC-B63598DE040A}"/>
-                </a:ext>
-              </a:extLst>
-            </p:cNvPr>
-            <p:cNvCxnSpPr/>
-            <p:nvPr/>
-          </p:nvCxnSpPr>
-          <p:spPr>
-            <a:xfrm>
-              <a:off x="1115616" y="1988840"/>
-              <a:ext cx="3312368" cy="0"/>
-            </a:xfrm>
-            <a:prstGeom prst="line">
-              <a:avLst/>
-            </a:prstGeom>
-          </p:spPr>
-          <p:style>
-            <a:lnRef idx="1">
-              <a:schemeClr val="dk1"/>
-            </a:lnRef>
-            <a:fillRef idx="0">
-              <a:schemeClr val="dk1"/>
-            </a:fillRef>
-            <a:effectRef idx="0">
-              <a:schemeClr val="dk1"/>
-            </a:effectRef>
-            <a:fontRef idx="minor">
-              <a:schemeClr val="tx1"/>
-            </a:fontRef>
-          </p:style>
-        </p:cxnSp>
-        <p:sp>
-          <p:nvSpPr>
-            <p:cNvPr id="14" name="Rectangle : coins arrondis 13">
-              <a:extLst>
-                <a:ext uri="{FF2B5EF4-FFF2-40B4-BE49-F238E27FC236}">
-                  <a16:creationId xmlns:a16="http://schemas.microsoft.com/office/drawing/2014/main" id="{29329E08-603A-4562-9B04-3404D634631F}"/>
-                </a:ext>
-              </a:extLst>
-            </p:cNvPr>
-            <p:cNvSpPr/>
-            <p:nvPr/>
-          </p:nvSpPr>
-          <p:spPr>
-            <a:xfrm>
-              <a:off x="1619672" y="1484784"/>
-              <a:ext cx="2232248" cy="441340"/>
-            </a:xfrm>
-            <a:prstGeom prst="roundRect">
-              <a:avLst/>
-            </a:prstGeom>
-            <a:solidFill>
-              <a:schemeClr val="bg1">
-                <a:lumMod val="85000"/>
-              </a:schemeClr>
-            </a:solidFill>
-            <a:ln>
-              <a:noFill/>
-            </a:ln>
-            <a:effectLst/>
-          </p:spPr>
-          <p:style>
-            <a:lnRef idx="1">
-              <a:schemeClr val="dk1"/>
-            </a:lnRef>
-            <a:fillRef idx="2">
-              <a:schemeClr val="dk1"/>
-            </a:fillRef>
-            <a:effectRef idx="1">
-              <a:schemeClr val="dk1"/>
-            </a:effectRef>
-            <a:fontRef idx="minor">
-              <a:schemeClr val="dk1"/>
-            </a:fontRef>
-          </p:style>
-          <p:txBody>
-            <a:bodyPr rtlCol="0" anchor="ctr"/>
-            <a:lstStyle/>
-            <a:p>
-              <a:pPr algn="ctr"/>
-              <a:r>
-                <a:rPr lang="fr-FR" dirty="0" err="1"/>
-                <a:t>Elba</a:t>
-              </a:r>
-              <a:r>
-                <a:rPr lang="fr-FR" dirty="0"/>
-                <a:t> City</a:t>
-              </a:r>
-            </a:p>
-          </p:txBody>
-        </p:sp>
-      </p:grpSp>
       <p:sp>
         <p:nvSpPr>
           <p:cNvPr id="18" name="ZoneTexte 17">
@@ -8622,6 +9298,2550 @@
 </p:sld>
 </file>
 
+<file path=ppt/slides/slide7.xml><?xml version="1.0" encoding="utf-8"?>
+<p:sld xmlns:a="http://schemas.openxmlformats.org/drawingml/2006/main" xmlns:r="http://schemas.openxmlformats.org/officeDocument/2006/relationships" xmlns:p="http://schemas.openxmlformats.org/presentationml/2006/main">
+  <p:cSld>
+    <p:spTree>
+      <p:nvGrpSpPr>
+        <p:cNvPr id="1" name=""/>
+        <p:cNvGrpSpPr/>
+        <p:nvPr/>
+      </p:nvGrpSpPr>
+      <p:grpSpPr>
+        <a:xfrm>
+          <a:off x="0" y="0"/>
+          <a:ext cx="0" cy="0"/>
+          <a:chOff x="0" y="0"/>
+          <a:chExt cx="0" cy="0"/>
+        </a:xfrm>
+      </p:grpSpPr>
+      <p:graphicFrame>
+        <p:nvGraphicFramePr>
+          <p:cNvPr id="6" name="Tableau 5"/>
+          <p:cNvGraphicFramePr>
+            <a:graphicFrameLocks noGrp="1"/>
+          </p:cNvGraphicFramePr>
+          <p:nvPr>
+            <p:extLst>
+              <p:ext uri="{D42A27DB-BD31-4B8C-83A1-F6EECF244321}">
+                <p14:modId xmlns:p14="http://schemas.microsoft.com/office/powerpoint/2010/main" val="2114451718"/>
+              </p:ext>
+            </p:extLst>
+          </p:nvPr>
+        </p:nvGraphicFramePr>
+        <p:xfrm>
+          <a:off x="4932040" y="1397000"/>
+          <a:ext cx="3960440" cy="3053080"/>
+        </p:xfrm>
+        <a:graphic>
+          <a:graphicData uri="http://schemas.openxmlformats.org/drawingml/2006/table">
+            <a:tbl>
+              <a:tblPr firstRow="1" bandRow="1">
+                <a:tableStyleId>{5940675A-B579-460E-94D1-54222C63F5DA}</a:tableStyleId>
+              </a:tblPr>
+              <a:tblGrid>
+                <a:gridCol w="720080">
+                  <a:extLst>
+                    <a:ext uri="{9D8B030D-6E8A-4147-A177-3AD203B41FA5}">
+                      <a16:colId xmlns:a16="http://schemas.microsoft.com/office/drawing/2014/main" val="20000"/>
+                    </a:ext>
+                  </a:extLst>
+                </a:gridCol>
+                <a:gridCol w="3240360">
+                  <a:extLst>
+                    <a:ext uri="{9D8B030D-6E8A-4147-A177-3AD203B41FA5}">
+                      <a16:colId xmlns:a16="http://schemas.microsoft.com/office/drawing/2014/main" val="20001"/>
+                    </a:ext>
+                  </a:extLst>
+                </a:gridCol>
+              </a:tblGrid>
+              <a:tr h="370840">
+                <a:tc>
+                  <a:txBody>
+                    <a:bodyPr/>
+                    <a:lstStyle/>
+                    <a:p>
+                      <a:r>
+                        <a:rPr lang="fr-FR" sz="1200" dirty="0"/>
+                        <a:t>V1.0</a:t>
+                      </a:r>
+                    </a:p>
+                  </a:txBody>
+                  <a:tcPr/>
+                </a:tc>
+                <a:tc>
+                  <a:txBody>
+                    <a:bodyPr/>
+                    <a:lstStyle/>
+                    <a:p>
+                      <a:pPr marL="0" marR="0" indent="0" algn="l" defTabSz="914400" rtl="0" eaLnBrk="1" fontAlgn="auto" latinLnBrk="0" hangingPunct="1">
+                        <a:lnSpc>
+                          <a:spcPct val="100000"/>
+                        </a:lnSpc>
+                        <a:spcBef>
+                          <a:spcPts val="0"/>
+                        </a:spcBef>
+                        <a:spcAft>
+                          <a:spcPts val="0"/>
+                        </a:spcAft>
+                        <a:buClrTx/>
+                        <a:buSzTx/>
+                        <a:buFontTx/>
+                        <a:buNone/>
+                        <a:tabLst/>
+                        <a:defRPr/>
+                      </a:pPr>
+                      <a:r>
+                        <a:rPr lang="fr-FR" sz="1200" dirty="0"/>
+                        <a:t>T016 – Gestion des finances</a:t>
+                      </a:r>
+                    </a:p>
+                    <a:p>
+                      <a:endParaRPr lang="fr-FR" sz="1200" dirty="0"/>
+                    </a:p>
+                  </a:txBody>
+                  <a:tcPr/>
+                </a:tc>
+                <a:extLst>
+                  <a:ext uri="{0D108BD9-81ED-4DB2-BD59-A6C34878D82A}">
+                    <a16:rowId xmlns:a16="http://schemas.microsoft.com/office/drawing/2014/main" val="10000"/>
+                  </a:ext>
+                </a:extLst>
+              </a:tr>
+              <a:tr h="370840">
+                <a:tc>
+                  <a:txBody>
+                    <a:bodyPr/>
+                    <a:lstStyle/>
+                    <a:p>
+                      <a:endParaRPr lang="fr-FR" sz="1200" dirty="0"/>
+                    </a:p>
+                  </a:txBody>
+                  <a:tcPr/>
+                </a:tc>
+                <a:tc>
+                  <a:txBody>
+                    <a:bodyPr/>
+                    <a:lstStyle/>
+                    <a:p>
+                      <a:endParaRPr lang="fr-FR" sz="1200" dirty="0"/>
+                    </a:p>
+                  </a:txBody>
+                  <a:tcPr/>
+                </a:tc>
+                <a:extLst>
+                  <a:ext uri="{0D108BD9-81ED-4DB2-BD59-A6C34878D82A}">
+                    <a16:rowId xmlns:a16="http://schemas.microsoft.com/office/drawing/2014/main" val="10001"/>
+                  </a:ext>
+                </a:extLst>
+              </a:tr>
+              <a:tr h="370840">
+                <a:tc>
+                  <a:txBody>
+                    <a:bodyPr/>
+                    <a:lstStyle/>
+                    <a:p>
+                      <a:endParaRPr lang="fr-FR" sz="1200"/>
+                    </a:p>
+                  </a:txBody>
+                  <a:tcPr/>
+                </a:tc>
+                <a:tc>
+                  <a:txBody>
+                    <a:bodyPr/>
+                    <a:lstStyle/>
+                    <a:p>
+                      <a:endParaRPr lang="fr-FR" sz="1200"/>
+                    </a:p>
+                  </a:txBody>
+                  <a:tcPr/>
+                </a:tc>
+                <a:extLst>
+                  <a:ext uri="{0D108BD9-81ED-4DB2-BD59-A6C34878D82A}">
+                    <a16:rowId xmlns:a16="http://schemas.microsoft.com/office/drawing/2014/main" val="10002"/>
+                  </a:ext>
+                </a:extLst>
+              </a:tr>
+              <a:tr h="370840">
+                <a:tc>
+                  <a:txBody>
+                    <a:bodyPr/>
+                    <a:lstStyle/>
+                    <a:p>
+                      <a:endParaRPr lang="fr-FR" sz="1200"/>
+                    </a:p>
+                  </a:txBody>
+                  <a:tcPr/>
+                </a:tc>
+                <a:tc>
+                  <a:txBody>
+                    <a:bodyPr/>
+                    <a:lstStyle/>
+                    <a:p>
+                      <a:endParaRPr lang="fr-FR" sz="1200"/>
+                    </a:p>
+                  </a:txBody>
+                  <a:tcPr/>
+                </a:tc>
+                <a:extLst>
+                  <a:ext uri="{0D108BD9-81ED-4DB2-BD59-A6C34878D82A}">
+                    <a16:rowId xmlns:a16="http://schemas.microsoft.com/office/drawing/2014/main" val="10003"/>
+                  </a:ext>
+                </a:extLst>
+              </a:tr>
+              <a:tr h="370840">
+                <a:tc>
+                  <a:txBody>
+                    <a:bodyPr/>
+                    <a:lstStyle/>
+                    <a:p>
+                      <a:endParaRPr lang="fr-FR" sz="1200"/>
+                    </a:p>
+                  </a:txBody>
+                  <a:tcPr/>
+                </a:tc>
+                <a:tc>
+                  <a:txBody>
+                    <a:bodyPr/>
+                    <a:lstStyle/>
+                    <a:p>
+                      <a:endParaRPr lang="fr-FR" sz="1200"/>
+                    </a:p>
+                  </a:txBody>
+                  <a:tcPr/>
+                </a:tc>
+                <a:extLst>
+                  <a:ext uri="{0D108BD9-81ED-4DB2-BD59-A6C34878D82A}">
+                    <a16:rowId xmlns:a16="http://schemas.microsoft.com/office/drawing/2014/main" val="10004"/>
+                  </a:ext>
+                </a:extLst>
+              </a:tr>
+              <a:tr h="370840">
+                <a:tc>
+                  <a:txBody>
+                    <a:bodyPr/>
+                    <a:lstStyle/>
+                    <a:p>
+                      <a:endParaRPr lang="fr-FR" sz="1200"/>
+                    </a:p>
+                  </a:txBody>
+                  <a:tcPr/>
+                </a:tc>
+                <a:tc>
+                  <a:txBody>
+                    <a:bodyPr/>
+                    <a:lstStyle/>
+                    <a:p>
+                      <a:endParaRPr lang="fr-FR" sz="1200"/>
+                    </a:p>
+                  </a:txBody>
+                  <a:tcPr/>
+                </a:tc>
+                <a:extLst>
+                  <a:ext uri="{0D108BD9-81ED-4DB2-BD59-A6C34878D82A}">
+                    <a16:rowId xmlns:a16="http://schemas.microsoft.com/office/drawing/2014/main" val="10005"/>
+                  </a:ext>
+                </a:extLst>
+              </a:tr>
+              <a:tr h="370840">
+                <a:tc>
+                  <a:txBody>
+                    <a:bodyPr/>
+                    <a:lstStyle/>
+                    <a:p>
+                      <a:endParaRPr lang="fr-FR" sz="1200"/>
+                    </a:p>
+                  </a:txBody>
+                  <a:tcPr/>
+                </a:tc>
+                <a:tc>
+                  <a:txBody>
+                    <a:bodyPr/>
+                    <a:lstStyle/>
+                    <a:p>
+                      <a:endParaRPr lang="fr-FR" sz="1200" dirty="0"/>
+                    </a:p>
+                  </a:txBody>
+                  <a:tcPr/>
+                </a:tc>
+                <a:extLst>
+                  <a:ext uri="{0D108BD9-81ED-4DB2-BD59-A6C34878D82A}">
+                    <a16:rowId xmlns:a16="http://schemas.microsoft.com/office/drawing/2014/main" val="10006"/>
+                  </a:ext>
+                </a:extLst>
+              </a:tr>
+              <a:tr h="370840">
+                <a:tc>
+                  <a:txBody>
+                    <a:bodyPr/>
+                    <a:lstStyle/>
+                    <a:p>
+                      <a:endParaRPr lang="fr-FR" sz="1200"/>
+                    </a:p>
+                  </a:txBody>
+                  <a:tcPr/>
+                </a:tc>
+                <a:tc>
+                  <a:txBody>
+                    <a:bodyPr/>
+                    <a:lstStyle/>
+                    <a:p>
+                      <a:endParaRPr lang="fr-FR" sz="1200" dirty="0"/>
+                    </a:p>
+                  </a:txBody>
+                  <a:tcPr/>
+                </a:tc>
+                <a:extLst>
+                  <a:ext uri="{0D108BD9-81ED-4DB2-BD59-A6C34878D82A}">
+                    <a16:rowId xmlns:a16="http://schemas.microsoft.com/office/drawing/2014/main" val="10007"/>
+                  </a:ext>
+                </a:extLst>
+              </a:tr>
+            </a:tbl>
+          </a:graphicData>
+        </a:graphic>
+      </p:graphicFrame>
+      <p:sp>
+        <p:nvSpPr>
+          <p:cNvPr id="10" name="ZoneTexte 9">
+            <a:extLst>
+              <a:ext uri="{FF2B5EF4-FFF2-40B4-BE49-F238E27FC236}">
+                <a16:creationId xmlns:a16="http://schemas.microsoft.com/office/drawing/2014/main" id="{B08D4C3C-8EAE-49D8-A58A-BE3C4E499318}"/>
+              </a:ext>
+            </a:extLst>
+          </p:cNvPr>
+          <p:cNvSpPr txBox="1"/>
+          <p:nvPr/>
+        </p:nvSpPr>
+        <p:spPr>
+          <a:xfrm>
+            <a:off x="5220072" y="260648"/>
+            <a:ext cx="2808312" cy="369332"/>
+          </a:xfrm>
+          <a:prstGeom prst="rect">
+            <a:avLst/>
+          </a:prstGeom>
+          <a:noFill/>
+        </p:spPr>
+        <p:txBody>
+          <a:bodyPr wrap="square" rtlCol="0">
+            <a:spAutoFit/>
+          </a:bodyPr>
+          <a:lstStyle/>
+          <a:p>
+            <a:r>
+              <a:rPr lang="fr-FR" dirty="0"/>
+              <a:t>Ecran gestion des finances</a:t>
+            </a:r>
+          </a:p>
+        </p:txBody>
+      </p:sp>
+      <p:grpSp>
+        <p:nvGrpSpPr>
+          <p:cNvPr id="15" name="Groupe 14">
+            <a:extLst>
+              <a:ext uri="{FF2B5EF4-FFF2-40B4-BE49-F238E27FC236}">
+                <a16:creationId xmlns:a16="http://schemas.microsoft.com/office/drawing/2014/main" id="{9A65AC6B-EE23-4FA4-997F-3CD913CE2FD0}"/>
+              </a:ext>
+            </a:extLst>
+          </p:cNvPr>
+          <p:cNvGrpSpPr/>
+          <p:nvPr/>
+        </p:nvGrpSpPr>
+        <p:grpSpPr>
+          <a:xfrm>
+            <a:off x="755576" y="728700"/>
+            <a:ext cx="3960440" cy="5400600"/>
+            <a:chOff x="755576" y="728700"/>
+            <a:chExt cx="3960440" cy="5400600"/>
+          </a:xfrm>
+        </p:grpSpPr>
+        <p:grpSp>
+          <p:nvGrpSpPr>
+            <p:cNvPr id="5" name="Groupe 4">
+              <a:extLst>
+                <a:ext uri="{FF2B5EF4-FFF2-40B4-BE49-F238E27FC236}">
+                  <a16:creationId xmlns:a16="http://schemas.microsoft.com/office/drawing/2014/main" id="{52E4449B-6918-45D2-9AA4-7C3B1B5DFE50}"/>
+                </a:ext>
+              </a:extLst>
+            </p:cNvPr>
+            <p:cNvGrpSpPr/>
+            <p:nvPr/>
+          </p:nvGrpSpPr>
+          <p:grpSpPr>
+            <a:xfrm>
+              <a:off x="755576" y="728700"/>
+              <a:ext cx="3960440" cy="5400600"/>
+              <a:chOff x="755576" y="728700"/>
+              <a:chExt cx="3960440" cy="5400600"/>
+            </a:xfrm>
+          </p:grpSpPr>
+          <p:grpSp>
+            <p:nvGrpSpPr>
+              <p:cNvPr id="9" name="Groupe 8"/>
+              <p:cNvGrpSpPr/>
+              <p:nvPr/>
+            </p:nvGrpSpPr>
+            <p:grpSpPr>
+              <a:xfrm>
+                <a:off x="755576" y="728700"/>
+                <a:ext cx="3960440" cy="5400600"/>
+                <a:chOff x="755576" y="728700"/>
+                <a:chExt cx="3960440" cy="5400600"/>
+              </a:xfrm>
+            </p:grpSpPr>
+            <p:sp>
+              <p:nvSpPr>
+                <p:cNvPr id="4" name="Rectangle 3"/>
+                <p:cNvSpPr/>
+                <p:nvPr/>
+              </p:nvSpPr>
+              <p:spPr>
+                <a:xfrm>
+                  <a:off x="755576" y="728700"/>
+                  <a:ext cx="3960440" cy="5400600"/>
+                </a:xfrm>
+                <a:prstGeom prst="rect">
+                  <a:avLst/>
+                </a:prstGeom>
+                <a:ln>
+                  <a:solidFill>
+                    <a:schemeClr val="tx1"/>
+                  </a:solidFill>
+                </a:ln>
+              </p:spPr>
+              <p:style>
+                <a:lnRef idx="2">
+                  <a:schemeClr val="accent1">
+                    <a:shade val="50000"/>
+                  </a:schemeClr>
+                </a:lnRef>
+                <a:fillRef idx="1">
+                  <a:schemeClr val="accent1"/>
+                </a:fillRef>
+                <a:effectRef idx="0">
+                  <a:schemeClr val="accent1"/>
+                </a:effectRef>
+                <a:fontRef idx="minor">
+                  <a:schemeClr val="lt1"/>
+                </a:fontRef>
+              </p:style>
+              <p:txBody>
+                <a:bodyPr rtlCol="0" anchor="ctr"/>
+                <a:lstStyle/>
+                <a:p>
+                  <a:pPr algn="ctr"/>
+                  <a:endParaRPr lang="fr-FR"/>
+                </a:p>
+              </p:txBody>
+            </p:sp>
+            <p:sp>
+              <p:nvSpPr>
+                <p:cNvPr id="7" name="Rectangle 6"/>
+                <p:cNvSpPr/>
+                <p:nvPr/>
+              </p:nvSpPr>
+              <p:spPr>
+                <a:xfrm>
+                  <a:off x="755576" y="728700"/>
+                  <a:ext cx="3960440" cy="468052"/>
+                </a:xfrm>
+                <a:prstGeom prst="rect">
+                  <a:avLst/>
+                </a:prstGeom>
+                <a:solidFill>
+                  <a:schemeClr val="bg1"/>
+                </a:solidFill>
+                <a:ln>
+                  <a:solidFill>
+                    <a:schemeClr val="tx1"/>
+                  </a:solidFill>
+                </a:ln>
+              </p:spPr>
+              <p:style>
+                <a:lnRef idx="2">
+                  <a:schemeClr val="accent1">
+                    <a:shade val="50000"/>
+                  </a:schemeClr>
+                </a:lnRef>
+                <a:fillRef idx="1">
+                  <a:schemeClr val="accent1"/>
+                </a:fillRef>
+                <a:effectRef idx="0">
+                  <a:schemeClr val="accent1"/>
+                </a:effectRef>
+                <a:fontRef idx="minor">
+                  <a:schemeClr val="lt1"/>
+                </a:fontRef>
+              </p:style>
+              <p:txBody>
+                <a:bodyPr rtlCol="0" anchor="ctr"/>
+                <a:lstStyle/>
+                <a:p>
+                  <a:pPr algn="ctr"/>
+                  <a:endParaRPr lang="fr-FR"/>
+                </a:p>
+              </p:txBody>
+            </p:sp>
+            <p:sp>
+              <p:nvSpPr>
+                <p:cNvPr id="8" name="ZoneTexte 7"/>
+                <p:cNvSpPr txBox="1"/>
+                <p:nvPr/>
+              </p:nvSpPr>
+              <p:spPr>
+                <a:xfrm>
+                  <a:off x="755576" y="824226"/>
+                  <a:ext cx="936104" cy="276999"/>
+                </a:xfrm>
+                <a:prstGeom prst="rect">
+                  <a:avLst/>
+                </a:prstGeom>
+                <a:noFill/>
+              </p:spPr>
+              <p:txBody>
+                <a:bodyPr wrap="square" rtlCol="0">
+                  <a:spAutoFit/>
+                </a:bodyPr>
+                <a:lstStyle/>
+                <a:p>
+                  <a:pPr algn="ctr"/>
+                  <a:r>
+                    <a:rPr lang="fr-FR" sz="1200" dirty="0"/>
+                    <a:t>Accueil</a:t>
+                  </a:r>
+                </a:p>
+              </p:txBody>
+            </p:sp>
+          </p:grpSp>
+          <p:sp>
+            <p:nvSpPr>
+              <p:cNvPr id="2" name="Rectangle 1">
+                <a:extLst>
+                  <a:ext uri="{FF2B5EF4-FFF2-40B4-BE49-F238E27FC236}">
+                    <a16:creationId xmlns:a16="http://schemas.microsoft.com/office/drawing/2014/main" id="{8D0CE8A9-91AE-41BA-8A79-CAD11D04711F}"/>
+                  </a:ext>
+                </a:extLst>
+              </p:cNvPr>
+              <p:cNvSpPr/>
+              <p:nvPr/>
+            </p:nvSpPr>
+            <p:spPr>
+              <a:xfrm>
+                <a:off x="899592" y="1397000"/>
+                <a:ext cx="3672408" cy="4480272"/>
+              </a:xfrm>
+              <a:prstGeom prst="rect">
+                <a:avLst/>
+              </a:prstGeom>
+              <a:solidFill>
+                <a:schemeClr val="bg1"/>
+              </a:solidFill>
+              <a:ln>
+                <a:solidFill>
+                  <a:schemeClr val="tx1">
+                    <a:lumMod val="95000"/>
+                    <a:lumOff val="5000"/>
+                  </a:schemeClr>
+                </a:solidFill>
+              </a:ln>
+            </p:spPr>
+            <p:style>
+              <a:lnRef idx="2">
+                <a:schemeClr val="accent1">
+                  <a:shade val="50000"/>
+                </a:schemeClr>
+              </a:lnRef>
+              <a:fillRef idx="1">
+                <a:schemeClr val="accent1"/>
+              </a:fillRef>
+              <a:effectRef idx="0">
+                <a:schemeClr val="accent1"/>
+              </a:effectRef>
+              <a:fontRef idx="minor">
+                <a:schemeClr val="lt1"/>
+              </a:fontRef>
+            </p:style>
+            <p:txBody>
+              <a:bodyPr rtlCol="0" anchor="ctr"/>
+              <a:lstStyle/>
+              <a:p>
+                <a:pPr algn="ctr"/>
+                <a:endParaRPr lang="fr-FR"/>
+              </a:p>
+            </p:txBody>
+          </p:sp>
+        </p:grpSp>
+        <p:cxnSp>
+          <p:nvCxnSpPr>
+            <p:cNvPr id="13" name="Connecteur droit 12">
+              <a:extLst>
+                <a:ext uri="{FF2B5EF4-FFF2-40B4-BE49-F238E27FC236}">
+                  <a16:creationId xmlns:a16="http://schemas.microsoft.com/office/drawing/2014/main" id="{21394F91-921A-4BBF-B4EC-B63598DE040A}"/>
+                </a:ext>
+              </a:extLst>
+            </p:cNvPr>
+            <p:cNvCxnSpPr/>
+            <p:nvPr/>
+          </p:nvCxnSpPr>
+          <p:spPr>
+            <a:xfrm>
+              <a:off x="1115616" y="1988840"/>
+              <a:ext cx="3312368" cy="0"/>
+            </a:xfrm>
+            <a:prstGeom prst="line">
+              <a:avLst/>
+            </a:prstGeom>
+          </p:spPr>
+          <p:style>
+            <a:lnRef idx="1">
+              <a:schemeClr val="dk1"/>
+            </a:lnRef>
+            <a:fillRef idx="0">
+              <a:schemeClr val="dk1"/>
+            </a:fillRef>
+            <a:effectRef idx="0">
+              <a:schemeClr val="dk1"/>
+            </a:effectRef>
+            <a:fontRef idx="minor">
+              <a:schemeClr val="tx1"/>
+            </a:fontRef>
+          </p:style>
+        </p:cxnSp>
+        <p:sp>
+          <p:nvSpPr>
+            <p:cNvPr id="14" name="Rectangle : coins arrondis 13">
+              <a:extLst>
+                <a:ext uri="{FF2B5EF4-FFF2-40B4-BE49-F238E27FC236}">
+                  <a16:creationId xmlns:a16="http://schemas.microsoft.com/office/drawing/2014/main" id="{29329E08-603A-4562-9B04-3404D634631F}"/>
+                </a:ext>
+              </a:extLst>
+            </p:cNvPr>
+            <p:cNvSpPr/>
+            <p:nvPr/>
+          </p:nvSpPr>
+          <p:spPr>
+            <a:xfrm>
+              <a:off x="1619672" y="1484784"/>
+              <a:ext cx="2232248" cy="441340"/>
+            </a:xfrm>
+            <a:prstGeom prst="roundRect">
+              <a:avLst/>
+            </a:prstGeom>
+            <a:solidFill>
+              <a:schemeClr val="bg1">
+                <a:lumMod val="85000"/>
+              </a:schemeClr>
+            </a:solidFill>
+            <a:ln>
+              <a:noFill/>
+            </a:ln>
+            <a:effectLst/>
+          </p:spPr>
+          <p:style>
+            <a:lnRef idx="1">
+              <a:schemeClr val="dk1"/>
+            </a:lnRef>
+            <a:fillRef idx="2">
+              <a:schemeClr val="dk1"/>
+            </a:fillRef>
+            <a:effectRef idx="1">
+              <a:schemeClr val="dk1"/>
+            </a:effectRef>
+            <a:fontRef idx="minor">
+              <a:schemeClr val="dk1"/>
+            </a:fontRef>
+          </p:style>
+          <p:txBody>
+            <a:bodyPr rtlCol="0" anchor="ctr"/>
+            <a:lstStyle/>
+            <a:p>
+              <a:pPr algn="ctr"/>
+              <a:r>
+                <a:rPr lang="fr-FR" dirty="0"/>
+                <a:t>Gestion des finances</a:t>
+              </a:r>
+            </a:p>
+          </p:txBody>
+        </p:sp>
+      </p:grpSp>
+      <p:graphicFrame>
+        <p:nvGraphicFramePr>
+          <p:cNvPr id="17" name="Tableau 11">
+            <a:extLst>
+              <a:ext uri="{FF2B5EF4-FFF2-40B4-BE49-F238E27FC236}">
+                <a16:creationId xmlns:a16="http://schemas.microsoft.com/office/drawing/2014/main" id="{A9D9493C-F037-4480-8E4A-70225C2F5D45}"/>
+              </a:ext>
+            </a:extLst>
+          </p:cNvPr>
+          <p:cNvGraphicFramePr>
+            <a:graphicFrameLocks noGrp="1"/>
+          </p:cNvGraphicFramePr>
+          <p:nvPr>
+            <p:extLst>
+              <p:ext uri="{D42A27DB-BD31-4B8C-83A1-F6EECF244321}">
+                <p14:modId xmlns:p14="http://schemas.microsoft.com/office/powerpoint/2010/main" val="912362238"/>
+              </p:ext>
+            </p:extLst>
+          </p:nvPr>
+        </p:nvGraphicFramePr>
+        <p:xfrm>
+          <a:off x="1079611" y="2779198"/>
+          <a:ext cx="3443925" cy="853440"/>
+        </p:xfrm>
+        <a:graphic>
+          <a:graphicData uri="http://schemas.openxmlformats.org/drawingml/2006/table">
+            <a:tbl>
+              <a:tblPr firstRow="1" bandRow="1">
+                <a:tableStyleId>{5940675A-B579-460E-94D1-54222C63F5DA}</a:tableStyleId>
+              </a:tblPr>
+              <a:tblGrid>
+                <a:gridCol w="284480">
+                  <a:extLst>
+                    <a:ext uri="{9D8B030D-6E8A-4147-A177-3AD203B41FA5}">
+                      <a16:colId xmlns:a16="http://schemas.microsoft.com/office/drawing/2014/main" val="1107729764"/>
+                    </a:ext>
+                  </a:extLst>
+                </a:gridCol>
+                <a:gridCol w="517843">
+                  <a:extLst>
+                    <a:ext uri="{9D8B030D-6E8A-4147-A177-3AD203B41FA5}">
+                      <a16:colId xmlns:a16="http://schemas.microsoft.com/office/drawing/2014/main" val="1016315755"/>
+                    </a:ext>
+                  </a:extLst>
+                </a:gridCol>
+                <a:gridCol w="401955">
+                  <a:extLst>
+                    <a:ext uri="{9D8B030D-6E8A-4147-A177-3AD203B41FA5}">
+                      <a16:colId xmlns:a16="http://schemas.microsoft.com/office/drawing/2014/main" val="2123422907"/>
+                    </a:ext>
+                  </a:extLst>
+                </a:gridCol>
+                <a:gridCol w="527368">
+                  <a:extLst>
+                    <a:ext uri="{9D8B030D-6E8A-4147-A177-3AD203B41FA5}">
+                      <a16:colId xmlns:a16="http://schemas.microsoft.com/office/drawing/2014/main" val="1356566472"/>
+                    </a:ext>
+                  </a:extLst>
+                </a:gridCol>
+                <a:gridCol w="521018">
+                  <a:extLst>
+                    <a:ext uri="{9D8B030D-6E8A-4147-A177-3AD203B41FA5}">
+                      <a16:colId xmlns:a16="http://schemas.microsoft.com/office/drawing/2014/main" val="3886583170"/>
+                    </a:ext>
+                  </a:extLst>
+                </a:gridCol>
+                <a:gridCol w="679768">
+                  <a:extLst>
+                    <a:ext uri="{9D8B030D-6E8A-4147-A177-3AD203B41FA5}">
+                      <a16:colId xmlns:a16="http://schemas.microsoft.com/office/drawing/2014/main" val="3708860719"/>
+                    </a:ext>
+                  </a:extLst>
+                </a:gridCol>
+                <a:gridCol w="511493">
+                  <a:extLst>
+                    <a:ext uri="{9D8B030D-6E8A-4147-A177-3AD203B41FA5}">
+                      <a16:colId xmlns:a16="http://schemas.microsoft.com/office/drawing/2014/main" val="2883552379"/>
+                    </a:ext>
+                  </a:extLst>
+                </a:gridCol>
+              </a:tblGrid>
+              <a:tr h="193514">
+                <a:tc>
+                  <a:txBody>
+                    <a:bodyPr/>
+                    <a:lstStyle/>
+                    <a:p>
+                      <a:r>
+                        <a:rPr lang="fr-FR" sz="800" dirty="0"/>
+                        <a:t>Id</a:t>
+                      </a:r>
+                    </a:p>
+                  </a:txBody>
+                  <a:tcPr/>
+                </a:tc>
+                <a:tc>
+                  <a:txBody>
+                    <a:bodyPr/>
+                    <a:lstStyle/>
+                    <a:p>
+                      <a:r>
+                        <a:rPr lang="fr-FR" sz="800" dirty="0"/>
+                        <a:t>Somme</a:t>
+                      </a:r>
+                    </a:p>
+                  </a:txBody>
+                  <a:tcPr/>
+                </a:tc>
+                <a:tc>
+                  <a:txBody>
+                    <a:bodyPr/>
+                    <a:lstStyle/>
+                    <a:p>
+                      <a:r>
+                        <a:rPr lang="fr-FR" sz="800" dirty="0"/>
+                        <a:t>Taux</a:t>
+                      </a:r>
+                    </a:p>
+                  </a:txBody>
+                  <a:tcPr/>
+                </a:tc>
+                <a:tc>
+                  <a:txBody>
+                    <a:bodyPr/>
+                    <a:lstStyle/>
+                    <a:p>
+                      <a:r>
+                        <a:rPr lang="fr-FR" sz="800" dirty="0"/>
+                        <a:t>Intérêts</a:t>
+                      </a:r>
+                    </a:p>
+                  </a:txBody>
+                  <a:tcPr/>
+                </a:tc>
+                <a:tc>
+                  <a:txBody>
+                    <a:bodyPr/>
+                    <a:lstStyle/>
+                    <a:p>
+                      <a:r>
+                        <a:rPr lang="fr-FR" sz="800" dirty="0"/>
+                        <a:t>Restant</a:t>
+                      </a:r>
+                    </a:p>
+                  </a:txBody>
+                  <a:tcPr/>
+                </a:tc>
+                <a:tc>
+                  <a:txBody>
+                    <a:bodyPr/>
+                    <a:lstStyle/>
+                    <a:p>
+                      <a:r>
+                        <a:rPr lang="fr-FR" sz="800" dirty="0"/>
+                        <a:t>Remboursé</a:t>
+                      </a:r>
+                    </a:p>
+                  </a:txBody>
+                  <a:tcPr/>
+                </a:tc>
+                <a:tc>
+                  <a:txBody>
+                    <a:bodyPr/>
+                    <a:lstStyle/>
+                    <a:p>
+                      <a:r>
+                        <a:rPr lang="fr-FR" sz="800" dirty="0"/>
+                        <a:t>Actions</a:t>
+                      </a:r>
+                    </a:p>
+                  </a:txBody>
+                  <a:tcPr/>
+                </a:tc>
+                <a:extLst>
+                  <a:ext uri="{0D108BD9-81ED-4DB2-BD59-A6C34878D82A}">
+                    <a16:rowId xmlns:a16="http://schemas.microsoft.com/office/drawing/2014/main" val="1351064631"/>
+                  </a:ext>
+                </a:extLst>
+              </a:tr>
+              <a:tr h="193514">
+                <a:tc>
+                  <a:txBody>
+                    <a:bodyPr/>
+                    <a:lstStyle/>
+                    <a:p>
+                      <a:endParaRPr lang="fr-FR" sz="800" dirty="0"/>
+                    </a:p>
+                  </a:txBody>
+                  <a:tcPr/>
+                </a:tc>
+                <a:tc>
+                  <a:txBody>
+                    <a:bodyPr/>
+                    <a:lstStyle/>
+                    <a:p>
+                      <a:endParaRPr lang="fr-FR" sz="800" dirty="0"/>
+                    </a:p>
+                  </a:txBody>
+                  <a:tcPr/>
+                </a:tc>
+                <a:tc>
+                  <a:txBody>
+                    <a:bodyPr/>
+                    <a:lstStyle/>
+                    <a:p>
+                      <a:endParaRPr lang="fr-FR" sz="800" dirty="0"/>
+                    </a:p>
+                  </a:txBody>
+                  <a:tcPr/>
+                </a:tc>
+                <a:tc>
+                  <a:txBody>
+                    <a:bodyPr/>
+                    <a:lstStyle/>
+                    <a:p>
+                      <a:endParaRPr lang="fr-FR" sz="800" dirty="0"/>
+                    </a:p>
+                  </a:txBody>
+                  <a:tcPr/>
+                </a:tc>
+                <a:tc>
+                  <a:txBody>
+                    <a:bodyPr/>
+                    <a:lstStyle/>
+                    <a:p>
+                      <a:endParaRPr lang="fr-FR" sz="800" dirty="0"/>
+                    </a:p>
+                  </a:txBody>
+                  <a:tcPr/>
+                </a:tc>
+                <a:tc>
+                  <a:txBody>
+                    <a:bodyPr/>
+                    <a:lstStyle/>
+                    <a:p>
+                      <a:endParaRPr lang="fr-FR" sz="800" dirty="0"/>
+                    </a:p>
+                  </a:txBody>
+                  <a:tcPr/>
+                </a:tc>
+                <a:tc>
+                  <a:txBody>
+                    <a:bodyPr/>
+                    <a:lstStyle/>
+                    <a:p>
+                      <a:endParaRPr lang="fr-FR" sz="800" dirty="0"/>
+                    </a:p>
+                  </a:txBody>
+                  <a:tcPr/>
+                </a:tc>
+                <a:extLst>
+                  <a:ext uri="{0D108BD9-81ED-4DB2-BD59-A6C34878D82A}">
+                    <a16:rowId xmlns:a16="http://schemas.microsoft.com/office/drawing/2014/main" val="1525550748"/>
+                  </a:ext>
+                </a:extLst>
+              </a:tr>
+              <a:tr h="193514">
+                <a:tc>
+                  <a:txBody>
+                    <a:bodyPr/>
+                    <a:lstStyle/>
+                    <a:p>
+                      <a:endParaRPr lang="fr-FR" sz="800" dirty="0"/>
+                    </a:p>
+                  </a:txBody>
+                  <a:tcPr/>
+                </a:tc>
+                <a:tc>
+                  <a:txBody>
+                    <a:bodyPr/>
+                    <a:lstStyle/>
+                    <a:p>
+                      <a:endParaRPr lang="fr-FR" sz="800" dirty="0"/>
+                    </a:p>
+                  </a:txBody>
+                  <a:tcPr/>
+                </a:tc>
+                <a:tc>
+                  <a:txBody>
+                    <a:bodyPr/>
+                    <a:lstStyle/>
+                    <a:p>
+                      <a:endParaRPr lang="fr-FR" sz="800" dirty="0"/>
+                    </a:p>
+                  </a:txBody>
+                  <a:tcPr/>
+                </a:tc>
+                <a:tc>
+                  <a:txBody>
+                    <a:bodyPr/>
+                    <a:lstStyle/>
+                    <a:p>
+                      <a:endParaRPr lang="fr-FR" sz="800" dirty="0"/>
+                    </a:p>
+                  </a:txBody>
+                  <a:tcPr/>
+                </a:tc>
+                <a:tc>
+                  <a:txBody>
+                    <a:bodyPr/>
+                    <a:lstStyle/>
+                    <a:p>
+                      <a:endParaRPr lang="fr-FR" sz="800" dirty="0"/>
+                    </a:p>
+                  </a:txBody>
+                  <a:tcPr/>
+                </a:tc>
+                <a:tc>
+                  <a:txBody>
+                    <a:bodyPr/>
+                    <a:lstStyle/>
+                    <a:p>
+                      <a:endParaRPr lang="fr-FR" sz="800" dirty="0"/>
+                    </a:p>
+                  </a:txBody>
+                  <a:tcPr/>
+                </a:tc>
+                <a:tc>
+                  <a:txBody>
+                    <a:bodyPr/>
+                    <a:lstStyle/>
+                    <a:p>
+                      <a:endParaRPr lang="fr-FR" sz="800" dirty="0"/>
+                    </a:p>
+                  </a:txBody>
+                  <a:tcPr/>
+                </a:tc>
+                <a:extLst>
+                  <a:ext uri="{0D108BD9-81ED-4DB2-BD59-A6C34878D82A}">
+                    <a16:rowId xmlns:a16="http://schemas.microsoft.com/office/drawing/2014/main" val="995496648"/>
+                  </a:ext>
+                </a:extLst>
+              </a:tr>
+              <a:tr h="193514">
+                <a:tc>
+                  <a:txBody>
+                    <a:bodyPr/>
+                    <a:lstStyle/>
+                    <a:p>
+                      <a:endParaRPr lang="fr-FR" sz="800" dirty="0"/>
+                    </a:p>
+                  </a:txBody>
+                  <a:tcPr/>
+                </a:tc>
+                <a:tc>
+                  <a:txBody>
+                    <a:bodyPr/>
+                    <a:lstStyle/>
+                    <a:p>
+                      <a:endParaRPr lang="fr-FR" sz="800" dirty="0"/>
+                    </a:p>
+                  </a:txBody>
+                  <a:tcPr/>
+                </a:tc>
+                <a:tc>
+                  <a:txBody>
+                    <a:bodyPr/>
+                    <a:lstStyle/>
+                    <a:p>
+                      <a:endParaRPr lang="fr-FR" sz="800" dirty="0"/>
+                    </a:p>
+                  </a:txBody>
+                  <a:tcPr/>
+                </a:tc>
+                <a:tc>
+                  <a:txBody>
+                    <a:bodyPr/>
+                    <a:lstStyle/>
+                    <a:p>
+                      <a:endParaRPr lang="fr-FR" sz="800" dirty="0"/>
+                    </a:p>
+                  </a:txBody>
+                  <a:tcPr/>
+                </a:tc>
+                <a:tc>
+                  <a:txBody>
+                    <a:bodyPr/>
+                    <a:lstStyle/>
+                    <a:p>
+                      <a:endParaRPr lang="fr-FR" sz="800" dirty="0"/>
+                    </a:p>
+                  </a:txBody>
+                  <a:tcPr/>
+                </a:tc>
+                <a:tc>
+                  <a:txBody>
+                    <a:bodyPr/>
+                    <a:lstStyle/>
+                    <a:p>
+                      <a:endParaRPr lang="fr-FR" sz="800" dirty="0"/>
+                    </a:p>
+                  </a:txBody>
+                  <a:tcPr/>
+                </a:tc>
+                <a:tc>
+                  <a:txBody>
+                    <a:bodyPr/>
+                    <a:lstStyle/>
+                    <a:p>
+                      <a:endParaRPr lang="fr-FR" sz="800" dirty="0"/>
+                    </a:p>
+                  </a:txBody>
+                  <a:tcPr/>
+                </a:tc>
+                <a:extLst>
+                  <a:ext uri="{0D108BD9-81ED-4DB2-BD59-A6C34878D82A}">
+                    <a16:rowId xmlns:a16="http://schemas.microsoft.com/office/drawing/2014/main" val="1518828398"/>
+                  </a:ext>
+                </a:extLst>
+              </a:tr>
+            </a:tbl>
+          </a:graphicData>
+        </a:graphic>
+      </p:graphicFrame>
+      <p:sp>
+        <p:nvSpPr>
+          <p:cNvPr id="18" name="ZoneTexte 17">
+            <a:extLst>
+              <a:ext uri="{FF2B5EF4-FFF2-40B4-BE49-F238E27FC236}">
+                <a16:creationId xmlns:a16="http://schemas.microsoft.com/office/drawing/2014/main" id="{7C1848A9-9566-4B63-B978-51ED9A95B97F}"/>
+              </a:ext>
+            </a:extLst>
+          </p:cNvPr>
+          <p:cNvSpPr txBox="1"/>
+          <p:nvPr/>
+        </p:nvSpPr>
+        <p:spPr>
+          <a:xfrm>
+            <a:off x="1344454" y="824225"/>
+            <a:ext cx="936104" cy="276999"/>
+          </a:xfrm>
+          <a:prstGeom prst="rect">
+            <a:avLst/>
+          </a:prstGeom>
+          <a:noFill/>
+        </p:spPr>
+        <p:txBody>
+          <a:bodyPr wrap="square" rtlCol="0">
+            <a:spAutoFit/>
+          </a:bodyPr>
+          <a:lstStyle/>
+          <a:p>
+            <a:pPr algn="ctr"/>
+            <a:r>
+              <a:rPr lang="fr-FR" sz="1200" dirty="0"/>
+              <a:t>Famille</a:t>
+            </a:r>
+          </a:p>
+        </p:txBody>
+      </p:sp>
+      <p:sp>
+        <p:nvSpPr>
+          <p:cNvPr id="16" name="ZoneTexte 15">
+            <a:extLst>
+              <a:ext uri="{FF2B5EF4-FFF2-40B4-BE49-F238E27FC236}">
+                <a16:creationId xmlns:a16="http://schemas.microsoft.com/office/drawing/2014/main" id="{1984F42B-BA9F-418B-A0FF-B453C6D07360}"/>
+              </a:ext>
+            </a:extLst>
+          </p:cNvPr>
+          <p:cNvSpPr txBox="1"/>
+          <p:nvPr/>
+        </p:nvSpPr>
+        <p:spPr>
+          <a:xfrm>
+            <a:off x="881832" y="2176344"/>
+            <a:ext cx="3240360" cy="400110"/>
+          </a:xfrm>
+          <a:prstGeom prst="rect">
+            <a:avLst/>
+          </a:prstGeom>
+          <a:noFill/>
+        </p:spPr>
+        <p:txBody>
+          <a:bodyPr wrap="square" rtlCol="0">
+            <a:spAutoFit/>
+          </a:bodyPr>
+          <a:lstStyle/>
+          <a:p>
+            <a:r>
+              <a:rPr lang="fr-FR" sz="1000" dirty="0"/>
+              <a:t>Famille : {</a:t>
+            </a:r>
+            <a:r>
+              <a:rPr lang="fr-FR" sz="1000" dirty="0" err="1"/>
+              <a:t>famille.nom</a:t>
+            </a:r>
+            <a:r>
+              <a:rPr lang="fr-FR" sz="1000" dirty="0"/>
+              <a:t>}</a:t>
+            </a:r>
+          </a:p>
+          <a:p>
+            <a:endParaRPr lang="fr-FR" sz="1000" dirty="0"/>
+          </a:p>
+        </p:txBody>
+      </p:sp>
+      <p:sp>
+        <p:nvSpPr>
+          <p:cNvPr id="19" name="ZoneTexte 18">
+            <a:extLst>
+              <a:ext uri="{FF2B5EF4-FFF2-40B4-BE49-F238E27FC236}">
+                <a16:creationId xmlns:a16="http://schemas.microsoft.com/office/drawing/2014/main" id="{E1A766BD-852E-499D-9B48-C6ED0F87F420}"/>
+              </a:ext>
+            </a:extLst>
+          </p:cNvPr>
+          <p:cNvSpPr txBox="1"/>
+          <p:nvPr/>
+        </p:nvSpPr>
+        <p:spPr>
+          <a:xfrm>
+            <a:off x="881832" y="2477537"/>
+            <a:ext cx="3240360" cy="246221"/>
+          </a:xfrm>
+          <a:prstGeom prst="rect">
+            <a:avLst/>
+          </a:prstGeom>
+          <a:noFill/>
+        </p:spPr>
+        <p:txBody>
+          <a:bodyPr wrap="square" rtlCol="0">
+            <a:spAutoFit/>
+          </a:bodyPr>
+          <a:lstStyle/>
+          <a:p>
+            <a:r>
+              <a:rPr lang="fr-FR" sz="1000" dirty="0"/>
+              <a:t>Prêts : </a:t>
+            </a:r>
+          </a:p>
+        </p:txBody>
+      </p:sp>
+      <p:graphicFrame>
+        <p:nvGraphicFramePr>
+          <p:cNvPr id="20" name="Tableau 11">
+            <a:extLst>
+              <a:ext uri="{FF2B5EF4-FFF2-40B4-BE49-F238E27FC236}">
+                <a16:creationId xmlns:a16="http://schemas.microsoft.com/office/drawing/2014/main" id="{E0A898DA-6C39-4500-8DBE-4313EFF09360}"/>
+              </a:ext>
+            </a:extLst>
+          </p:cNvPr>
+          <p:cNvGraphicFramePr>
+            <a:graphicFrameLocks noGrp="1"/>
+          </p:cNvGraphicFramePr>
+          <p:nvPr>
+            <p:extLst>
+              <p:ext uri="{D42A27DB-BD31-4B8C-83A1-F6EECF244321}">
+                <p14:modId xmlns:p14="http://schemas.microsoft.com/office/powerpoint/2010/main" val="1360126288"/>
+              </p:ext>
+            </p:extLst>
+          </p:nvPr>
+        </p:nvGraphicFramePr>
+        <p:xfrm>
+          <a:off x="1079611" y="4027528"/>
+          <a:ext cx="3312372" cy="853440"/>
+        </p:xfrm>
+        <a:graphic>
+          <a:graphicData uri="http://schemas.openxmlformats.org/drawingml/2006/table">
+            <a:tbl>
+              <a:tblPr firstRow="1" bandRow="1">
+                <a:tableStyleId>{5940675A-B579-460E-94D1-54222C63F5DA}</a:tableStyleId>
+              </a:tblPr>
+              <a:tblGrid>
+                <a:gridCol w="552062">
+                  <a:extLst>
+                    <a:ext uri="{9D8B030D-6E8A-4147-A177-3AD203B41FA5}">
+                      <a16:colId xmlns:a16="http://schemas.microsoft.com/office/drawing/2014/main" val="1107729764"/>
+                    </a:ext>
+                  </a:extLst>
+                </a:gridCol>
+                <a:gridCol w="552062">
+                  <a:extLst>
+                    <a:ext uri="{9D8B030D-6E8A-4147-A177-3AD203B41FA5}">
+                      <a16:colId xmlns:a16="http://schemas.microsoft.com/office/drawing/2014/main" val="1016315755"/>
+                    </a:ext>
+                  </a:extLst>
+                </a:gridCol>
+                <a:gridCol w="444049">
+                  <a:extLst>
+                    <a:ext uri="{9D8B030D-6E8A-4147-A177-3AD203B41FA5}">
+                      <a16:colId xmlns:a16="http://schemas.microsoft.com/office/drawing/2014/main" val="2123422907"/>
+                    </a:ext>
+                  </a:extLst>
+                </a:gridCol>
+                <a:gridCol w="576064">
+                  <a:extLst>
+                    <a:ext uri="{9D8B030D-6E8A-4147-A177-3AD203B41FA5}">
+                      <a16:colId xmlns:a16="http://schemas.microsoft.com/office/drawing/2014/main" val="1356566472"/>
+                    </a:ext>
+                  </a:extLst>
+                </a:gridCol>
+                <a:gridCol w="504056">
+                  <a:extLst>
+                    <a:ext uri="{9D8B030D-6E8A-4147-A177-3AD203B41FA5}">
+                      <a16:colId xmlns:a16="http://schemas.microsoft.com/office/drawing/2014/main" val="3886583170"/>
+                    </a:ext>
+                  </a:extLst>
+                </a:gridCol>
+                <a:gridCol w="684079">
+                  <a:extLst>
+                    <a:ext uri="{9D8B030D-6E8A-4147-A177-3AD203B41FA5}">
+                      <a16:colId xmlns:a16="http://schemas.microsoft.com/office/drawing/2014/main" val="3708860719"/>
+                    </a:ext>
+                  </a:extLst>
+                </a:gridCol>
+              </a:tblGrid>
+              <a:tr h="193514">
+                <a:tc>
+                  <a:txBody>
+                    <a:bodyPr/>
+                    <a:lstStyle/>
+                    <a:p>
+                      <a:r>
+                        <a:rPr lang="fr-FR" sz="800" dirty="0"/>
+                        <a:t>Id</a:t>
+                      </a:r>
+                    </a:p>
+                  </a:txBody>
+                  <a:tcPr/>
+                </a:tc>
+                <a:tc>
+                  <a:txBody>
+                    <a:bodyPr/>
+                    <a:lstStyle/>
+                    <a:p>
+                      <a:r>
+                        <a:rPr lang="fr-FR" sz="800" dirty="0"/>
+                        <a:t>Montant</a:t>
+                      </a:r>
+                    </a:p>
+                  </a:txBody>
+                  <a:tcPr/>
+                </a:tc>
+                <a:tc>
+                  <a:txBody>
+                    <a:bodyPr/>
+                    <a:lstStyle/>
+                    <a:p>
+                      <a:r>
+                        <a:rPr lang="fr-FR" sz="800" dirty="0"/>
+                        <a:t>Taux</a:t>
+                      </a:r>
+                    </a:p>
+                  </a:txBody>
+                  <a:tcPr/>
+                </a:tc>
+                <a:tc>
+                  <a:txBody>
+                    <a:bodyPr/>
+                    <a:lstStyle/>
+                    <a:p>
+                      <a:r>
+                        <a:rPr lang="fr-FR" sz="800" dirty="0"/>
+                        <a:t>Retrait</a:t>
+                      </a:r>
+                    </a:p>
+                  </a:txBody>
+                  <a:tcPr/>
+                </a:tc>
+                <a:tc>
+                  <a:txBody>
+                    <a:bodyPr/>
+                    <a:lstStyle/>
+                    <a:p>
+                      <a:r>
+                        <a:rPr lang="fr-FR" sz="800" dirty="0"/>
+                        <a:t>Dépôt</a:t>
+                      </a:r>
+                    </a:p>
+                  </a:txBody>
+                  <a:tcPr/>
+                </a:tc>
+                <a:tc>
+                  <a:txBody>
+                    <a:bodyPr/>
+                    <a:lstStyle/>
+                    <a:p>
+                      <a:r>
+                        <a:rPr lang="fr-FR" sz="800" dirty="0"/>
+                        <a:t>Actions</a:t>
+                      </a:r>
+                    </a:p>
+                  </a:txBody>
+                  <a:tcPr/>
+                </a:tc>
+                <a:extLst>
+                  <a:ext uri="{0D108BD9-81ED-4DB2-BD59-A6C34878D82A}">
+                    <a16:rowId xmlns:a16="http://schemas.microsoft.com/office/drawing/2014/main" val="1351064631"/>
+                  </a:ext>
+                </a:extLst>
+              </a:tr>
+              <a:tr h="193514">
+                <a:tc>
+                  <a:txBody>
+                    <a:bodyPr/>
+                    <a:lstStyle/>
+                    <a:p>
+                      <a:endParaRPr lang="fr-FR" sz="800" dirty="0"/>
+                    </a:p>
+                  </a:txBody>
+                  <a:tcPr/>
+                </a:tc>
+                <a:tc>
+                  <a:txBody>
+                    <a:bodyPr/>
+                    <a:lstStyle/>
+                    <a:p>
+                      <a:endParaRPr lang="fr-FR" sz="800" dirty="0"/>
+                    </a:p>
+                  </a:txBody>
+                  <a:tcPr/>
+                </a:tc>
+                <a:tc>
+                  <a:txBody>
+                    <a:bodyPr/>
+                    <a:lstStyle/>
+                    <a:p>
+                      <a:endParaRPr lang="fr-FR" sz="800" dirty="0"/>
+                    </a:p>
+                  </a:txBody>
+                  <a:tcPr/>
+                </a:tc>
+                <a:tc>
+                  <a:txBody>
+                    <a:bodyPr/>
+                    <a:lstStyle/>
+                    <a:p>
+                      <a:endParaRPr lang="fr-FR" sz="800" dirty="0"/>
+                    </a:p>
+                  </a:txBody>
+                  <a:tcPr/>
+                </a:tc>
+                <a:tc>
+                  <a:txBody>
+                    <a:bodyPr/>
+                    <a:lstStyle/>
+                    <a:p>
+                      <a:endParaRPr lang="fr-FR" sz="800" dirty="0"/>
+                    </a:p>
+                  </a:txBody>
+                  <a:tcPr/>
+                </a:tc>
+                <a:tc>
+                  <a:txBody>
+                    <a:bodyPr/>
+                    <a:lstStyle/>
+                    <a:p>
+                      <a:endParaRPr lang="fr-FR" sz="800" dirty="0"/>
+                    </a:p>
+                  </a:txBody>
+                  <a:tcPr/>
+                </a:tc>
+                <a:extLst>
+                  <a:ext uri="{0D108BD9-81ED-4DB2-BD59-A6C34878D82A}">
+                    <a16:rowId xmlns:a16="http://schemas.microsoft.com/office/drawing/2014/main" val="1525550748"/>
+                  </a:ext>
+                </a:extLst>
+              </a:tr>
+              <a:tr h="193514">
+                <a:tc>
+                  <a:txBody>
+                    <a:bodyPr/>
+                    <a:lstStyle/>
+                    <a:p>
+                      <a:endParaRPr lang="fr-FR" sz="800" dirty="0"/>
+                    </a:p>
+                  </a:txBody>
+                  <a:tcPr/>
+                </a:tc>
+                <a:tc>
+                  <a:txBody>
+                    <a:bodyPr/>
+                    <a:lstStyle/>
+                    <a:p>
+                      <a:endParaRPr lang="fr-FR" sz="800" dirty="0"/>
+                    </a:p>
+                  </a:txBody>
+                  <a:tcPr/>
+                </a:tc>
+                <a:tc>
+                  <a:txBody>
+                    <a:bodyPr/>
+                    <a:lstStyle/>
+                    <a:p>
+                      <a:endParaRPr lang="fr-FR" sz="800" dirty="0"/>
+                    </a:p>
+                  </a:txBody>
+                  <a:tcPr/>
+                </a:tc>
+                <a:tc>
+                  <a:txBody>
+                    <a:bodyPr/>
+                    <a:lstStyle/>
+                    <a:p>
+                      <a:endParaRPr lang="fr-FR" sz="800" dirty="0"/>
+                    </a:p>
+                  </a:txBody>
+                  <a:tcPr/>
+                </a:tc>
+                <a:tc>
+                  <a:txBody>
+                    <a:bodyPr/>
+                    <a:lstStyle/>
+                    <a:p>
+                      <a:endParaRPr lang="fr-FR" sz="800" dirty="0"/>
+                    </a:p>
+                  </a:txBody>
+                  <a:tcPr/>
+                </a:tc>
+                <a:tc>
+                  <a:txBody>
+                    <a:bodyPr/>
+                    <a:lstStyle/>
+                    <a:p>
+                      <a:endParaRPr lang="fr-FR" sz="800" dirty="0"/>
+                    </a:p>
+                  </a:txBody>
+                  <a:tcPr/>
+                </a:tc>
+                <a:extLst>
+                  <a:ext uri="{0D108BD9-81ED-4DB2-BD59-A6C34878D82A}">
+                    <a16:rowId xmlns:a16="http://schemas.microsoft.com/office/drawing/2014/main" val="995496648"/>
+                  </a:ext>
+                </a:extLst>
+              </a:tr>
+              <a:tr h="193514">
+                <a:tc>
+                  <a:txBody>
+                    <a:bodyPr/>
+                    <a:lstStyle/>
+                    <a:p>
+                      <a:endParaRPr lang="fr-FR" sz="800" dirty="0"/>
+                    </a:p>
+                  </a:txBody>
+                  <a:tcPr/>
+                </a:tc>
+                <a:tc>
+                  <a:txBody>
+                    <a:bodyPr/>
+                    <a:lstStyle/>
+                    <a:p>
+                      <a:endParaRPr lang="fr-FR" sz="800" dirty="0"/>
+                    </a:p>
+                  </a:txBody>
+                  <a:tcPr/>
+                </a:tc>
+                <a:tc>
+                  <a:txBody>
+                    <a:bodyPr/>
+                    <a:lstStyle/>
+                    <a:p>
+                      <a:endParaRPr lang="fr-FR" sz="800" dirty="0"/>
+                    </a:p>
+                  </a:txBody>
+                  <a:tcPr/>
+                </a:tc>
+                <a:tc>
+                  <a:txBody>
+                    <a:bodyPr/>
+                    <a:lstStyle/>
+                    <a:p>
+                      <a:endParaRPr lang="fr-FR" sz="800" dirty="0"/>
+                    </a:p>
+                  </a:txBody>
+                  <a:tcPr/>
+                </a:tc>
+                <a:tc>
+                  <a:txBody>
+                    <a:bodyPr/>
+                    <a:lstStyle/>
+                    <a:p>
+                      <a:endParaRPr lang="fr-FR" sz="800" dirty="0"/>
+                    </a:p>
+                  </a:txBody>
+                  <a:tcPr/>
+                </a:tc>
+                <a:tc>
+                  <a:txBody>
+                    <a:bodyPr/>
+                    <a:lstStyle/>
+                    <a:p>
+                      <a:endParaRPr lang="fr-FR" sz="800" dirty="0"/>
+                    </a:p>
+                  </a:txBody>
+                  <a:tcPr/>
+                </a:tc>
+                <a:extLst>
+                  <a:ext uri="{0D108BD9-81ED-4DB2-BD59-A6C34878D82A}">
+                    <a16:rowId xmlns:a16="http://schemas.microsoft.com/office/drawing/2014/main" val="1518828398"/>
+                  </a:ext>
+                </a:extLst>
+              </a:tr>
+            </a:tbl>
+          </a:graphicData>
+        </a:graphic>
+      </p:graphicFrame>
+      <p:sp>
+        <p:nvSpPr>
+          <p:cNvPr id="21" name="ZoneTexte 20">
+            <a:extLst>
+              <a:ext uri="{FF2B5EF4-FFF2-40B4-BE49-F238E27FC236}">
+                <a16:creationId xmlns:a16="http://schemas.microsoft.com/office/drawing/2014/main" id="{210404B5-2A63-4733-A3D6-5855976A6F6E}"/>
+              </a:ext>
+            </a:extLst>
+          </p:cNvPr>
+          <p:cNvSpPr txBox="1"/>
+          <p:nvPr/>
+        </p:nvSpPr>
+        <p:spPr>
+          <a:xfrm>
+            <a:off x="881832" y="3725867"/>
+            <a:ext cx="3240360" cy="246221"/>
+          </a:xfrm>
+          <a:prstGeom prst="rect">
+            <a:avLst/>
+          </a:prstGeom>
+          <a:noFill/>
+        </p:spPr>
+        <p:txBody>
+          <a:bodyPr wrap="square" rtlCol="0">
+            <a:spAutoFit/>
+          </a:bodyPr>
+          <a:lstStyle/>
+          <a:p>
+            <a:r>
+              <a:rPr lang="fr-FR" sz="1000" dirty="0"/>
+              <a:t>Comptes : </a:t>
+            </a:r>
+          </a:p>
+        </p:txBody>
+      </p:sp>
+      <p:grpSp>
+        <p:nvGrpSpPr>
+          <p:cNvPr id="25" name="Groupe 24">
+            <a:extLst>
+              <a:ext uri="{FF2B5EF4-FFF2-40B4-BE49-F238E27FC236}">
+                <a16:creationId xmlns:a16="http://schemas.microsoft.com/office/drawing/2014/main" id="{0040A23E-905D-498A-9342-48C1725145A9}"/>
+              </a:ext>
+            </a:extLst>
+          </p:cNvPr>
+          <p:cNvGrpSpPr/>
+          <p:nvPr/>
+        </p:nvGrpSpPr>
+        <p:grpSpPr>
+          <a:xfrm>
+            <a:off x="2750056" y="2975764"/>
+            <a:ext cx="1372136" cy="656874"/>
+            <a:chOff x="2750056" y="2975764"/>
+            <a:chExt cx="1372136" cy="656874"/>
+          </a:xfrm>
+        </p:grpSpPr>
+        <p:sp>
+          <p:nvSpPr>
+            <p:cNvPr id="3" name="Rectangle 2">
+              <a:extLst>
+                <a:ext uri="{FF2B5EF4-FFF2-40B4-BE49-F238E27FC236}">
+                  <a16:creationId xmlns:a16="http://schemas.microsoft.com/office/drawing/2014/main" id="{07EF6A9D-4613-4919-8C5E-CA22A2C03962}"/>
+                </a:ext>
+              </a:extLst>
+            </p:cNvPr>
+            <p:cNvSpPr/>
+            <p:nvPr/>
+          </p:nvSpPr>
+          <p:spPr>
+            <a:xfrm>
+              <a:off x="2750056" y="2975764"/>
+              <a:ext cx="1101864" cy="656874"/>
+            </a:xfrm>
+            <a:prstGeom prst="rect">
+              <a:avLst/>
+            </a:prstGeom>
+            <a:solidFill>
+              <a:schemeClr val="bg1"/>
+            </a:solidFill>
+            <a:ln w="3175">
+              <a:solidFill>
+                <a:schemeClr val="tx1"/>
+              </a:solidFill>
+            </a:ln>
+          </p:spPr>
+          <p:style>
+            <a:lnRef idx="2">
+              <a:schemeClr val="accent1">
+                <a:shade val="50000"/>
+              </a:schemeClr>
+            </a:lnRef>
+            <a:fillRef idx="1">
+              <a:schemeClr val="accent1"/>
+            </a:fillRef>
+            <a:effectRef idx="0">
+              <a:schemeClr val="accent1"/>
+            </a:effectRef>
+            <a:fontRef idx="minor">
+              <a:schemeClr val="lt1"/>
+            </a:fontRef>
+          </p:style>
+          <p:txBody>
+            <a:bodyPr rtlCol="0" anchor="ctr"/>
+            <a:lstStyle/>
+            <a:p>
+              <a:pPr algn="ctr"/>
+              <a:endParaRPr lang="fr-FR"/>
+            </a:p>
+          </p:txBody>
+        </p:sp>
+        <p:cxnSp>
+          <p:nvCxnSpPr>
+            <p:cNvPr id="12" name="Connecteur droit avec flèche 11">
+              <a:extLst>
+                <a:ext uri="{FF2B5EF4-FFF2-40B4-BE49-F238E27FC236}">
+                  <a16:creationId xmlns:a16="http://schemas.microsoft.com/office/drawing/2014/main" id="{615239F4-C6B7-430D-87DE-851988F68B78}"/>
+                </a:ext>
+              </a:extLst>
+            </p:cNvPr>
+            <p:cNvCxnSpPr/>
+            <p:nvPr/>
+          </p:nvCxnSpPr>
+          <p:spPr>
+            <a:xfrm flipV="1">
+              <a:off x="3851920" y="3145934"/>
+              <a:ext cx="270272" cy="159693"/>
+            </a:xfrm>
+            <a:prstGeom prst="straightConnector1">
+              <a:avLst/>
+            </a:prstGeom>
+            <a:ln>
+              <a:tailEnd type="triangle"/>
+            </a:ln>
+          </p:spPr>
+          <p:style>
+            <a:lnRef idx="1">
+              <a:schemeClr val="accent1"/>
+            </a:lnRef>
+            <a:fillRef idx="0">
+              <a:schemeClr val="accent1"/>
+            </a:fillRef>
+            <a:effectRef idx="0">
+              <a:schemeClr val="accent1"/>
+            </a:effectRef>
+            <a:fontRef idx="minor">
+              <a:schemeClr val="tx1"/>
+            </a:fontRef>
+          </p:style>
+        </p:cxnSp>
+        <p:sp>
+          <p:nvSpPr>
+            <p:cNvPr id="23" name="Rectangle 22">
+              <a:extLst>
+                <a:ext uri="{FF2B5EF4-FFF2-40B4-BE49-F238E27FC236}">
+                  <a16:creationId xmlns:a16="http://schemas.microsoft.com/office/drawing/2014/main" id="{6EBB4446-733E-4A58-8BA3-224F85EFA91D}"/>
+                </a:ext>
+              </a:extLst>
+            </p:cNvPr>
+            <p:cNvSpPr/>
+            <p:nvPr/>
+          </p:nvSpPr>
+          <p:spPr>
+            <a:xfrm>
+              <a:off x="2843808" y="3057203"/>
+              <a:ext cx="423382" cy="185452"/>
+            </a:xfrm>
+            <a:prstGeom prst="rect">
+              <a:avLst/>
+            </a:prstGeom>
+            <a:solidFill>
+              <a:schemeClr val="bg1"/>
+            </a:solidFill>
+            <a:ln w="3175">
+              <a:solidFill>
+                <a:schemeClr val="tx1"/>
+              </a:solidFill>
+            </a:ln>
+          </p:spPr>
+          <p:style>
+            <a:lnRef idx="2">
+              <a:schemeClr val="accent1">
+                <a:shade val="50000"/>
+              </a:schemeClr>
+            </a:lnRef>
+            <a:fillRef idx="1">
+              <a:schemeClr val="accent1"/>
+            </a:fillRef>
+            <a:effectRef idx="0">
+              <a:schemeClr val="accent1"/>
+            </a:effectRef>
+            <a:fontRef idx="minor">
+              <a:schemeClr val="lt1"/>
+            </a:fontRef>
+          </p:style>
+          <p:txBody>
+            <a:bodyPr rtlCol="0" anchor="ctr"/>
+            <a:lstStyle/>
+            <a:p>
+              <a:pPr algn="ctr"/>
+              <a:endParaRPr lang="fr-FR"/>
+            </a:p>
+          </p:txBody>
+        </p:sp>
+        <p:sp>
+          <p:nvSpPr>
+            <p:cNvPr id="22" name="Rectangle : coins arrondis 21">
+              <a:extLst>
+                <a:ext uri="{FF2B5EF4-FFF2-40B4-BE49-F238E27FC236}">
+                  <a16:creationId xmlns:a16="http://schemas.microsoft.com/office/drawing/2014/main" id="{3BC911A3-E505-45A0-AE12-660990E09EE9}"/>
+                </a:ext>
+              </a:extLst>
+            </p:cNvPr>
+            <p:cNvSpPr/>
+            <p:nvPr/>
+          </p:nvSpPr>
+          <p:spPr>
+            <a:xfrm>
+              <a:off x="3307527" y="3057203"/>
+              <a:ext cx="504056" cy="185453"/>
+            </a:xfrm>
+            <a:prstGeom prst="roundRect">
+              <a:avLst/>
+            </a:prstGeom>
+            <a:solidFill>
+              <a:schemeClr val="bg1">
+                <a:lumMod val="85000"/>
+              </a:schemeClr>
+            </a:solidFill>
+            <a:ln>
+              <a:noFill/>
+            </a:ln>
+          </p:spPr>
+          <p:style>
+            <a:lnRef idx="2">
+              <a:schemeClr val="accent1">
+                <a:shade val="50000"/>
+              </a:schemeClr>
+            </a:lnRef>
+            <a:fillRef idx="1">
+              <a:schemeClr val="accent1"/>
+            </a:fillRef>
+            <a:effectRef idx="0">
+              <a:schemeClr val="accent1"/>
+            </a:effectRef>
+            <a:fontRef idx="minor">
+              <a:schemeClr val="lt1"/>
+            </a:fontRef>
+          </p:style>
+          <p:txBody>
+            <a:bodyPr rtlCol="0" anchor="ctr"/>
+            <a:lstStyle/>
+            <a:p>
+              <a:pPr algn="ctr"/>
+              <a:r>
+                <a:rPr lang="fr-FR" sz="800" dirty="0">
+                  <a:solidFill>
+                    <a:schemeClr val="tx1"/>
+                  </a:solidFill>
+                </a:rPr>
+                <a:t>Verser</a:t>
+              </a:r>
+            </a:p>
+          </p:txBody>
+        </p:sp>
+        <p:sp>
+          <p:nvSpPr>
+            <p:cNvPr id="24" name="Rectangle : coins arrondis 23">
+              <a:extLst>
+                <a:ext uri="{FF2B5EF4-FFF2-40B4-BE49-F238E27FC236}">
+                  <a16:creationId xmlns:a16="http://schemas.microsoft.com/office/drawing/2014/main" id="{B63C7D71-9FD8-48B9-857A-B1A22ECD7C4A}"/>
+                </a:ext>
+              </a:extLst>
+            </p:cNvPr>
+            <p:cNvSpPr/>
+            <p:nvPr/>
+          </p:nvSpPr>
+          <p:spPr>
+            <a:xfrm>
+              <a:off x="2948274" y="3361744"/>
+              <a:ext cx="705428" cy="185453"/>
+            </a:xfrm>
+            <a:prstGeom prst="roundRect">
+              <a:avLst/>
+            </a:prstGeom>
+            <a:solidFill>
+              <a:schemeClr val="bg1">
+                <a:lumMod val="85000"/>
+              </a:schemeClr>
+            </a:solidFill>
+            <a:ln>
+              <a:noFill/>
+            </a:ln>
+          </p:spPr>
+          <p:style>
+            <a:lnRef idx="2">
+              <a:schemeClr val="accent1">
+                <a:shade val="50000"/>
+              </a:schemeClr>
+            </a:lnRef>
+            <a:fillRef idx="1">
+              <a:schemeClr val="accent1"/>
+            </a:fillRef>
+            <a:effectRef idx="0">
+              <a:schemeClr val="accent1"/>
+            </a:effectRef>
+            <a:fontRef idx="minor">
+              <a:schemeClr val="lt1"/>
+            </a:fontRef>
+          </p:style>
+          <p:txBody>
+            <a:bodyPr rtlCol="0" anchor="ctr"/>
+            <a:lstStyle/>
+            <a:p>
+              <a:pPr algn="ctr"/>
+              <a:r>
+                <a:rPr lang="fr-FR" sz="800" dirty="0">
+                  <a:solidFill>
+                    <a:schemeClr val="tx1"/>
+                  </a:solidFill>
+                </a:rPr>
+                <a:t>Clôturer</a:t>
+              </a:r>
+            </a:p>
+          </p:txBody>
+        </p:sp>
+      </p:grpSp>
+      <p:grpSp>
+        <p:nvGrpSpPr>
+          <p:cNvPr id="26" name="Groupe 25">
+            <a:extLst>
+              <a:ext uri="{FF2B5EF4-FFF2-40B4-BE49-F238E27FC236}">
+                <a16:creationId xmlns:a16="http://schemas.microsoft.com/office/drawing/2014/main" id="{937BA1F4-A351-468C-88B8-09C24FEDCA6E}"/>
+              </a:ext>
+            </a:extLst>
+          </p:cNvPr>
+          <p:cNvGrpSpPr/>
+          <p:nvPr/>
+        </p:nvGrpSpPr>
+        <p:grpSpPr>
+          <a:xfrm>
+            <a:off x="2502012" y="4220869"/>
+            <a:ext cx="1372136" cy="860348"/>
+            <a:chOff x="2750056" y="2975764"/>
+            <a:chExt cx="1372136" cy="860348"/>
+          </a:xfrm>
+        </p:grpSpPr>
+        <p:sp>
+          <p:nvSpPr>
+            <p:cNvPr id="27" name="Rectangle 26">
+              <a:extLst>
+                <a:ext uri="{FF2B5EF4-FFF2-40B4-BE49-F238E27FC236}">
+                  <a16:creationId xmlns:a16="http://schemas.microsoft.com/office/drawing/2014/main" id="{90A380B0-13A3-484E-B35D-A105CA211B80}"/>
+                </a:ext>
+              </a:extLst>
+            </p:cNvPr>
+            <p:cNvSpPr/>
+            <p:nvPr/>
+          </p:nvSpPr>
+          <p:spPr>
+            <a:xfrm>
+              <a:off x="2750056" y="2975764"/>
+              <a:ext cx="1101864" cy="860348"/>
+            </a:xfrm>
+            <a:prstGeom prst="rect">
+              <a:avLst/>
+            </a:prstGeom>
+            <a:solidFill>
+              <a:schemeClr val="bg1"/>
+            </a:solidFill>
+            <a:ln w="3175">
+              <a:solidFill>
+                <a:schemeClr val="tx1"/>
+              </a:solidFill>
+            </a:ln>
+          </p:spPr>
+          <p:style>
+            <a:lnRef idx="2">
+              <a:schemeClr val="accent1">
+                <a:shade val="50000"/>
+              </a:schemeClr>
+            </a:lnRef>
+            <a:fillRef idx="1">
+              <a:schemeClr val="accent1"/>
+            </a:fillRef>
+            <a:effectRef idx="0">
+              <a:schemeClr val="accent1"/>
+            </a:effectRef>
+            <a:fontRef idx="minor">
+              <a:schemeClr val="lt1"/>
+            </a:fontRef>
+          </p:style>
+          <p:txBody>
+            <a:bodyPr rtlCol="0" anchor="ctr"/>
+            <a:lstStyle/>
+            <a:p>
+              <a:pPr algn="ctr"/>
+              <a:endParaRPr lang="fr-FR"/>
+            </a:p>
+          </p:txBody>
+        </p:sp>
+        <p:cxnSp>
+          <p:nvCxnSpPr>
+            <p:cNvPr id="28" name="Connecteur droit avec flèche 27">
+              <a:extLst>
+                <a:ext uri="{FF2B5EF4-FFF2-40B4-BE49-F238E27FC236}">
+                  <a16:creationId xmlns:a16="http://schemas.microsoft.com/office/drawing/2014/main" id="{3CF00CE5-C2C7-4926-BAF7-963141AEBECD}"/>
+                </a:ext>
+              </a:extLst>
+            </p:cNvPr>
+            <p:cNvCxnSpPr/>
+            <p:nvPr/>
+          </p:nvCxnSpPr>
+          <p:spPr>
+            <a:xfrm flipV="1">
+              <a:off x="3851920" y="3145934"/>
+              <a:ext cx="270272" cy="159693"/>
+            </a:xfrm>
+            <a:prstGeom prst="straightConnector1">
+              <a:avLst/>
+            </a:prstGeom>
+            <a:ln>
+              <a:tailEnd type="triangle"/>
+            </a:ln>
+          </p:spPr>
+          <p:style>
+            <a:lnRef idx="1">
+              <a:schemeClr val="accent1"/>
+            </a:lnRef>
+            <a:fillRef idx="0">
+              <a:schemeClr val="accent1"/>
+            </a:fillRef>
+            <a:effectRef idx="0">
+              <a:schemeClr val="accent1"/>
+            </a:effectRef>
+            <a:fontRef idx="minor">
+              <a:schemeClr val="tx1"/>
+            </a:fontRef>
+          </p:style>
+        </p:cxnSp>
+        <p:sp>
+          <p:nvSpPr>
+            <p:cNvPr id="29" name="Rectangle 28">
+              <a:extLst>
+                <a:ext uri="{FF2B5EF4-FFF2-40B4-BE49-F238E27FC236}">
+                  <a16:creationId xmlns:a16="http://schemas.microsoft.com/office/drawing/2014/main" id="{DC245DB2-907E-47E7-8789-D40E0EDABA13}"/>
+                </a:ext>
+              </a:extLst>
+            </p:cNvPr>
+            <p:cNvSpPr/>
+            <p:nvPr/>
+          </p:nvSpPr>
+          <p:spPr>
+            <a:xfrm>
+              <a:off x="2843808" y="3057203"/>
+              <a:ext cx="423382" cy="185452"/>
+            </a:xfrm>
+            <a:prstGeom prst="rect">
+              <a:avLst/>
+            </a:prstGeom>
+            <a:solidFill>
+              <a:schemeClr val="bg1"/>
+            </a:solidFill>
+            <a:ln w="3175">
+              <a:solidFill>
+                <a:schemeClr val="tx1"/>
+              </a:solidFill>
+            </a:ln>
+          </p:spPr>
+          <p:style>
+            <a:lnRef idx="2">
+              <a:schemeClr val="accent1">
+                <a:shade val="50000"/>
+              </a:schemeClr>
+            </a:lnRef>
+            <a:fillRef idx="1">
+              <a:schemeClr val="accent1"/>
+            </a:fillRef>
+            <a:effectRef idx="0">
+              <a:schemeClr val="accent1"/>
+            </a:effectRef>
+            <a:fontRef idx="minor">
+              <a:schemeClr val="lt1"/>
+            </a:fontRef>
+          </p:style>
+          <p:txBody>
+            <a:bodyPr rtlCol="0" anchor="ctr"/>
+            <a:lstStyle/>
+            <a:p>
+              <a:pPr algn="ctr"/>
+              <a:r>
+                <a:rPr lang="fr-FR" dirty="0"/>
+                <a:t>&lt;&lt;</a:t>
+              </a:r>
+            </a:p>
+          </p:txBody>
+        </p:sp>
+        <p:sp>
+          <p:nvSpPr>
+            <p:cNvPr id="30" name="Rectangle : coins arrondis 29">
+              <a:extLst>
+                <a:ext uri="{FF2B5EF4-FFF2-40B4-BE49-F238E27FC236}">
+                  <a16:creationId xmlns:a16="http://schemas.microsoft.com/office/drawing/2014/main" id="{2AF45C4E-76E6-4615-A943-020F469B299A}"/>
+                </a:ext>
+              </a:extLst>
+            </p:cNvPr>
+            <p:cNvSpPr/>
+            <p:nvPr/>
+          </p:nvSpPr>
+          <p:spPr>
+            <a:xfrm>
+              <a:off x="3307527" y="3057203"/>
+              <a:ext cx="504056" cy="185453"/>
+            </a:xfrm>
+            <a:prstGeom prst="roundRect">
+              <a:avLst/>
+            </a:prstGeom>
+            <a:solidFill>
+              <a:schemeClr val="bg1">
+                <a:lumMod val="85000"/>
+              </a:schemeClr>
+            </a:solidFill>
+            <a:ln>
+              <a:noFill/>
+            </a:ln>
+          </p:spPr>
+          <p:style>
+            <a:lnRef idx="2">
+              <a:schemeClr val="accent1">
+                <a:shade val="50000"/>
+              </a:schemeClr>
+            </a:lnRef>
+            <a:fillRef idx="1">
+              <a:schemeClr val="accent1"/>
+            </a:fillRef>
+            <a:effectRef idx="0">
+              <a:schemeClr val="accent1"/>
+            </a:effectRef>
+            <a:fontRef idx="minor">
+              <a:schemeClr val="lt1"/>
+            </a:fontRef>
+          </p:style>
+          <p:txBody>
+            <a:bodyPr rtlCol="0" anchor="ctr"/>
+            <a:lstStyle/>
+            <a:p>
+              <a:pPr algn="ctr"/>
+              <a:r>
+                <a:rPr lang="fr-FR" sz="800" dirty="0">
+                  <a:solidFill>
+                    <a:schemeClr val="tx1"/>
+                  </a:solidFill>
+                </a:rPr>
+                <a:t>Verser</a:t>
+              </a:r>
+            </a:p>
+          </p:txBody>
+        </p:sp>
+        <p:sp>
+          <p:nvSpPr>
+            <p:cNvPr id="31" name="Rectangle : coins arrondis 30">
+              <a:extLst>
+                <a:ext uri="{FF2B5EF4-FFF2-40B4-BE49-F238E27FC236}">
+                  <a16:creationId xmlns:a16="http://schemas.microsoft.com/office/drawing/2014/main" id="{F04B5FBA-94C5-4EE2-A5C2-0C13551D2880}"/>
+                </a:ext>
+              </a:extLst>
+            </p:cNvPr>
+            <p:cNvSpPr/>
+            <p:nvPr/>
+          </p:nvSpPr>
+          <p:spPr>
+            <a:xfrm>
+              <a:off x="2954813" y="3584278"/>
+              <a:ext cx="705428" cy="185453"/>
+            </a:xfrm>
+            <a:prstGeom prst="roundRect">
+              <a:avLst/>
+            </a:prstGeom>
+            <a:solidFill>
+              <a:schemeClr val="bg1">
+                <a:lumMod val="85000"/>
+              </a:schemeClr>
+            </a:solidFill>
+            <a:ln>
+              <a:noFill/>
+            </a:ln>
+          </p:spPr>
+          <p:style>
+            <a:lnRef idx="2">
+              <a:schemeClr val="accent1">
+                <a:shade val="50000"/>
+              </a:schemeClr>
+            </a:lnRef>
+            <a:fillRef idx="1">
+              <a:schemeClr val="accent1"/>
+            </a:fillRef>
+            <a:effectRef idx="0">
+              <a:schemeClr val="accent1"/>
+            </a:effectRef>
+            <a:fontRef idx="minor">
+              <a:schemeClr val="lt1"/>
+            </a:fontRef>
+          </p:style>
+          <p:txBody>
+            <a:bodyPr rtlCol="0" anchor="ctr"/>
+            <a:lstStyle/>
+            <a:p>
+              <a:pPr algn="ctr"/>
+              <a:r>
+                <a:rPr lang="fr-FR" sz="800" dirty="0">
+                  <a:solidFill>
+                    <a:schemeClr val="tx1"/>
+                  </a:solidFill>
+                </a:rPr>
+                <a:t>Clôturer</a:t>
+              </a:r>
+            </a:p>
+          </p:txBody>
+        </p:sp>
+        <p:sp>
+          <p:nvSpPr>
+            <p:cNvPr id="32" name="Rectangle 31">
+              <a:extLst>
+                <a:ext uri="{FF2B5EF4-FFF2-40B4-BE49-F238E27FC236}">
+                  <a16:creationId xmlns:a16="http://schemas.microsoft.com/office/drawing/2014/main" id="{F3A2FA8E-6B4A-4DB5-9A21-FEDA8F2EF451}"/>
+                </a:ext>
+              </a:extLst>
+            </p:cNvPr>
+            <p:cNvSpPr/>
+            <p:nvPr/>
+          </p:nvSpPr>
+          <p:spPr>
+            <a:xfrm>
+              <a:off x="2843808" y="3304201"/>
+              <a:ext cx="423382" cy="185452"/>
+            </a:xfrm>
+            <a:prstGeom prst="rect">
+              <a:avLst/>
+            </a:prstGeom>
+            <a:solidFill>
+              <a:schemeClr val="bg1"/>
+            </a:solidFill>
+            <a:ln w="3175">
+              <a:solidFill>
+                <a:schemeClr val="tx1"/>
+              </a:solidFill>
+            </a:ln>
+          </p:spPr>
+          <p:style>
+            <a:lnRef idx="2">
+              <a:schemeClr val="accent1">
+                <a:shade val="50000"/>
+              </a:schemeClr>
+            </a:lnRef>
+            <a:fillRef idx="1">
+              <a:schemeClr val="accent1"/>
+            </a:fillRef>
+            <a:effectRef idx="0">
+              <a:schemeClr val="accent1"/>
+            </a:effectRef>
+            <a:fontRef idx="minor">
+              <a:schemeClr val="lt1"/>
+            </a:fontRef>
+          </p:style>
+          <p:txBody>
+            <a:bodyPr rtlCol="0" anchor="ctr"/>
+            <a:lstStyle/>
+            <a:p>
+              <a:pPr algn="ctr"/>
+              <a:endParaRPr lang="fr-FR"/>
+            </a:p>
+          </p:txBody>
+        </p:sp>
+        <p:sp>
+          <p:nvSpPr>
+            <p:cNvPr id="33" name="Rectangle : coins arrondis 32">
+              <a:extLst>
+                <a:ext uri="{FF2B5EF4-FFF2-40B4-BE49-F238E27FC236}">
+                  <a16:creationId xmlns:a16="http://schemas.microsoft.com/office/drawing/2014/main" id="{742B3722-591C-4751-B834-BEE3AF9F9528}"/>
+                </a:ext>
+              </a:extLst>
+            </p:cNvPr>
+            <p:cNvSpPr/>
+            <p:nvPr/>
+          </p:nvSpPr>
+          <p:spPr>
+            <a:xfrm>
+              <a:off x="3307527" y="3304201"/>
+              <a:ext cx="504056" cy="185453"/>
+            </a:xfrm>
+            <a:prstGeom prst="roundRect">
+              <a:avLst/>
+            </a:prstGeom>
+            <a:solidFill>
+              <a:schemeClr val="bg1">
+                <a:lumMod val="85000"/>
+              </a:schemeClr>
+            </a:solidFill>
+            <a:ln>
+              <a:noFill/>
+            </a:ln>
+          </p:spPr>
+          <p:style>
+            <a:lnRef idx="2">
+              <a:schemeClr val="accent1">
+                <a:shade val="50000"/>
+              </a:schemeClr>
+            </a:lnRef>
+            <a:fillRef idx="1">
+              <a:schemeClr val="accent1"/>
+            </a:fillRef>
+            <a:effectRef idx="0">
+              <a:schemeClr val="accent1"/>
+            </a:effectRef>
+            <a:fontRef idx="minor">
+              <a:schemeClr val="lt1"/>
+            </a:fontRef>
+          </p:style>
+          <p:txBody>
+            <a:bodyPr rtlCol="0" anchor="ctr"/>
+            <a:lstStyle/>
+            <a:p>
+              <a:pPr algn="ctr"/>
+              <a:r>
+                <a:rPr lang="fr-FR" sz="800" dirty="0">
+                  <a:solidFill>
+                    <a:schemeClr val="tx1"/>
+                  </a:solidFill>
+                </a:rPr>
+                <a:t>Retirer</a:t>
+              </a:r>
+            </a:p>
+          </p:txBody>
+        </p:sp>
+      </p:grpSp>
+      <p:sp>
+        <p:nvSpPr>
+          <p:cNvPr id="34" name="Rectangle 33">
+            <a:extLst>
+              <a:ext uri="{FF2B5EF4-FFF2-40B4-BE49-F238E27FC236}">
+                <a16:creationId xmlns:a16="http://schemas.microsoft.com/office/drawing/2014/main" id="{BCD2B09B-F503-4B56-8F43-751E99385FC6}"/>
+              </a:ext>
+            </a:extLst>
+          </p:cNvPr>
+          <p:cNvSpPr/>
+          <p:nvPr/>
+        </p:nvSpPr>
+        <p:spPr>
+          <a:xfrm>
+            <a:off x="1115616" y="5267507"/>
+            <a:ext cx="423382" cy="185452"/>
+          </a:xfrm>
+          <a:prstGeom prst="rect">
+            <a:avLst/>
+          </a:prstGeom>
+          <a:solidFill>
+            <a:schemeClr val="bg1"/>
+          </a:solidFill>
+          <a:ln w="3175">
+            <a:solidFill>
+              <a:schemeClr val="tx1"/>
+            </a:solidFill>
+          </a:ln>
+        </p:spPr>
+        <p:style>
+          <a:lnRef idx="2">
+            <a:schemeClr val="accent1">
+              <a:shade val="50000"/>
+            </a:schemeClr>
+          </a:lnRef>
+          <a:fillRef idx="1">
+            <a:schemeClr val="accent1"/>
+          </a:fillRef>
+          <a:effectRef idx="0">
+            <a:schemeClr val="accent1"/>
+          </a:effectRef>
+          <a:fontRef idx="minor">
+            <a:schemeClr val="lt1"/>
+          </a:fontRef>
+        </p:style>
+        <p:txBody>
+          <a:bodyPr rtlCol="0" anchor="ctr"/>
+          <a:lstStyle/>
+          <a:p>
+            <a:pPr algn="ctr"/>
+            <a:r>
+              <a:rPr lang="fr-FR" dirty="0"/>
+              <a:t>&lt;&lt;</a:t>
+            </a:r>
+          </a:p>
+        </p:txBody>
+      </p:sp>
+      <p:sp>
+        <p:nvSpPr>
+          <p:cNvPr id="35" name="Rectangle : coins arrondis 34">
+            <a:extLst>
+              <a:ext uri="{FF2B5EF4-FFF2-40B4-BE49-F238E27FC236}">
+                <a16:creationId xmlns:a16="http://schemas.microsoft.com/office/drawing/2014/main" id="{5658CB3B-7274-4105-8D80-A5F821DE2378}"/>
+              </a:ext>
+            </a:extLst>
+          </p:cNvPr>
+          <p:cNvSpPr/>
+          <p:nvPr/>
+        </p:nvSpPr>
+        <p:spPr>
+          <a:xfrm>
+            <a:off x="1579334" y="5267507"/>
+            <a:ext cx="922677" cy="185453"/>
+          </a:xfrm>
+          <a:prstGeom prst="roundRect">
+            <a:avLst/>
+          </a:prstGeom>
+          <a:solidFill>
+            <a:schemeClr val="bg1">
+              <a:lumMod val="85000"/>
+            </a:schemeClr>
+          </a:solidFill>
+          <a:ln>
+            <a:noFill/>
+          </a:ln>
+        </p:spPr>
+        <p:style>
+          <a:lnRef idx="2">
+            <a:schemeClr val="accent1">
+              <a:shade val="50000"/>
+            </a:schemeClr>
+          </a:lnRef>
+          <a:fillRef idx="1">
+            <a:schemeClr val="accent1"/>
+          </a:fillRef>
+          <a:effectRef idx="0">
+            <a:schemeClr val="accent1"/>
+          </a:effectRef>
+          <a:fontRef idx="minor">
+            <a:schemeClr val="lt1"/>
+          </a:fontRef>
+        </p:style>
+        <p:txBody>
+          <a:bodyPr rtlCol="0" anchor="ctr"/>
+          <a:lstStyle/>
+          <a:p>
+            <a:pPr algn="ctr"/>
+            <a:r>
+              <a:rPr lang="fr-FR" sz="800" dirty="0">
+                <a:solidFill>
+                  <a:schemeClr val="tx1"/>
+                </a:solidFill>
+              </a:rPr>
+              <a:t>Ouvrir un prêt</a:t>
+            </a:r>
+          </a:p>
+        </p:txBody>
+      </p:sp>
+      <p:sp>
+        <p:nvSpPr>
+          <p:cNvPr id="36" name="Rectangle 35">
+            <a:extLst>
+              <a:ext uri="{FF2B5EF4-FFF2-40B4-BE49-F238E27FC236}">
+                <a16:creationId xmlns:a16="http://schemas.microsoft.com/office/drawing/2014/main" id="{F7DACE52-E35B-4BB5-B577-C8C2D3B1DCF4}"/>
+              </a:ext>
+            </a:extLst>
+          </p:cNvPr>
+          <p:cNvSpPr/>
+          <p:nvPr/>
+        </p:nvSpPr>
+        <p:spPr>
+          <a:xfrm>
+            <a:off x="2632117" y="5267507"/>
+            <a:ext cx="423382" cy="185452"/>
+          </a:xfrm>
+          <a:prstGeom prst="rect">
+            <a:avLst/>
+          </a:prstGeom>
+          <a:solidFill>
+            <a:schemeClr val="bg1"/>
+          </a:solidFill>
+          <a:ln w="3175">
+            <a:solidFill>
+              <a:schemeClr val="tx1"/>
+            </a:solidFill>
+          </a:ln>
+        </p:spPr>
+        <p:style>
+          <a:lnRef idx="2">
+            <a:schemeClr val="accent1">
+              <a:shade val="50000"/>
+            </a:schemeClr>
+          </a:lnRef>
+          <a:fillRef idx="1">
+            <a:schemeClr val="accent1"/>
+          </a:fillRef>
+          <a:effectRef idx="0">
+            <a:schemeClr val="accent1"/>
+          </a:effectRef>
+          <a:fontRef idx="minor">
+            <a:schemeClr val="lt1"/>
+          </a:fontRef>
+        </p:style>
+        <p:txBody>
+          <a:bodyPr rtlCol="0" anchor="ctr"/>
+          <a:lstStyle/>
+          <a:p>
+            <a:pPr algn="ctr"/>
+            <a:r>
+              <a:rPr lang="fr-FR" dirty="0"/>
+              <a:t>&lt;&lt;</a:t>
+            </a:r>
+          </a:p>
+        </p:txBody>
+      </p:sp>
+      <p:sp>
+        <p:nvSpPr>
+          <p:cNvPr id="37" name="Rectangle : coins arrondis 36">
+            <a:extLst>
+              <a:ext uri="{FF2B5EF4-FFF2-40B4-BE49-F238E27FC236}">
+                <a16:creationId xmlns:a16="http://schemas.microsoft.com/office/drawing/2014/main" id="{D098B420-70A4-4911-8F27-58EA09399FD2}"/>
+              </a:ext>
+            </a:extLst>
+          </p:cNvPr>
+          <p:cNvSpPr/>
+          <p:nvPr/>
+        </p:nvSpPr>
+        <p:spPr>
+          <a:xfrm>
+            <a:off x="3095835" y="5267507"/>
+            <a:ext cx="1026357" cy="185453"/>
+          </a:xfrm>
+          <a:prstGeom prst="roundRect">
+            <a:avLst/>
+          </a:prstGeom>
+          <a:solidFill>
+            <a:schemeClr val="bg1">
+              <a:lumMod val="85000"/>
+            </a:schemeClr>
+          </a:solidFill>
+          <a:ln>
+            <a:noFill/>
+          </a:ln>
+        </p:spPr>
+        <p:style>
+          <a:lnRef idx="2">
+            <a:schemeClr val="accent1">
+              <a:shade val="50000"/>
+            </a:schemeClr>
+          </a:lnRef>
+          <a:fillRef idx="1">
+            <a:schemeClr val="accent1"/>
+          </a:fillRef>
+          <a:effectRef idx="0">
+            <a:schemeClr val="accent1"/>
+          </a:effectRef>
+          <a:fontRef idx="minor">
+            <a:schemeClr val="lt1"/>
+          </a:fontRef>
+        </p:style>
+        <p:txBody>
+          <a:bodyPr rtlCol="0" anchor="ctr"/>
+          <a:lstStyle/>
+          <a:p>
+            <a:pPr algn="ctr"/>
+            <a:r>
+              <a:rPr lang="fr-FR" sz="800" dirty="0">
+                <a:solidFill>
+                  <a:schemeClr val="tx1"/>
+                </a:solidFill>
+              </a:rPr>
+              <a:t>Ouvrir un compte</a:t>
+            </a:r>
+          </a:p>
+        </p:txBody>
+      </p:sp>
+    </p:spTree>
+    <p:extLst>
+      <p:ext uri="{BB962C8B-B14F-4D97-AF65-F5344CB8AC3E}">
+        <p14:creationId xmlns:p14="http://schemas.microsoft.com/office/powerpoint/2010/main" val="988451188"/>
+      </p:ext>
+    </p:extLst>
+  </p:cSld>
+  <p:clrMapOvr>
+    <a:masterClrMapping/>
+  </p:clrMapOvr>
+</p:sld>
+</file>
+
 <file path=ppt/theme/theme1.xml><?xml version="1.0" encoding="utf-8"?>
 <a:theme xmlns:a="http://schemas.openxmlformats.org/drawingml/2006/main" name="Thème Office">
   <a:themeElements>
@@ -8905,4 +12125,299 @@
   <a:objectDefaults/>
   <a:extraClrSchemeLst/>
 </a:theme>
+</file>
+
+<file path=ppt/theme/theme2.xml><?xml version="1.0" encoding="utf-8"?>
+<a:theme xmlns:a="http://schemas.openxmlformats.org/drawingml/2006/main" name="Thème Office">
+  <a:themeElements>
+    <a:clrScheme name="Office">
+      <a:dk1>
+        <a:sysClr val="windowText" lastClr="000000"/>
+      </a:dk1>
+      <a:lt1>
+        <a:sysClr val="window" lastClr="FFFFFF"/>
+      </a:lt1>
+      <a:dk2>
+        <a:srgbClr val="44546A"/>
+      </a:dk2>
+      <a:lt2>
+        <a:srgbClr val="E7E6E6"/>
+      </a:lt2>
+      <a:accent1>
+        <a:srgbClr val="4472C4"/>
+      </a:accent1>
+      <a:accent2>
+        <a:srgbClr val="ED7D31"/>
+      </a:accent2>
+      <a:accent3>
+        <a:srgbClr val="A5A5A5"/>
+      </a:accent3>
+      <a:accent4>
+        <a:srgbClr val="FFC000"/>
+      </a:accent4>
+      <a:accent5>
+        <a:srgbClr val="5B9BD5"/>
+      </a:accent5>
+      <a:accent6>
+        <a:srgbClr val="70AD47"/>
+      </a:accent6>
+      <a:hlink>
+        <a:srgbClr val="0563C1"/>
+      </a:hlink>
+      <a:folHlink>
+        <a:srgbClr val="954F72"/>
+      </a:folHlink>
+    </a:clrScheme>
+    <a:fontScheme name="Office">
+      <a:majorFont>
+        <a:latin typeface="Calibri Light" panose="020F0302020204030204"/>
+        <a:ea typeface=""/>
+        <a:cs typeface=""/>
+        <a:font script="Jpan" typeface="游ゴシック Light"/>
+        <a:font script="Hang" typeface="맑은 고딕"/>
+        <a:font script="Hans" typeface="等线 Light"/>
+        <a:font script="Hant" typeface="新細明體"/>
+        <a:font script="Arab" typeface="Times New Roman"/>
+        <a:font script="Hebr" typeface="Times New Roman"/>
+        <a:font script="Thai" typeface="Angsana New"/>
+        <a:font script="Ethi" typeface="Nyala"/>
+        <a:font script="Beng" typeface="Vrinda"/>
+        <a:font script="Gujr" typeface="Shruti"/>
+        <a:font script="Khmr" typeface="MoolBoran"/>
+        <a:font script="Knda" typeface="Tunga"/>
+        <a:font script="Guru" typeface="Raavi"/>
+        <a:font script="Cans" typeface="Euphemia"/>
+        <a:font script="Cher" typeface="Plantagenet Cherokee"/>
+        <a:font script="Yiii" typeface="Microsoft Yi Baiti"/>
+        <a:font script="Tibt" typeface="Microsoft Himalaya"/>
+        <a:font script="Thaa" typeface="MV Boli"/>
+        <a:font script="Deva" typeface="Mangal"/>
+        <a:font script="Telu" typeface="Gautami"/>
+        <a:font script="Taml" typeface="Latha"/>
+        <a:font script="Syrc" typeface="Estrangelo Edessa"/>
+        <a:font script="Orya" typeface="Kalinga"/>
+        <a:font script="Mlym" typeface="Kartika"/>
+        <a:font script="Laoo" typeface="DokChampa"/>
+        <a:font script="Sinh" typeface="Iskoola Pota"/>
+        <a:font script="Mong" typeface="Mongolian Baiti"/>
+        <a:font script="Viet" typeface="Times New Roman"/>
+        <a:font script="Uigh" typeface="Microsoft Uighur"/>
+        <a:font script="Geor" typeface="Sylfaen"/>
+        <a:font script="Armn" typeface="Arial"/>
+        <a:font script="Bugi" typeface="Leelawadee UI"/>
+        <a:font script="Bopo" typeface="Microsoft JhengHei"/>
+        <a:font script="Java" typeface="Javanese Text"/>
+        <a:font script="Lisu" typeface="Segoe UI"/>
+        <a:font script="Mymr" typeface="Myanmar Text"/>
+        <a:font script="Nkoo" typeface="Ebrima"/>
+        <a:font script="Olck" typeface="Nirmala UI"/>
+        <a:font script="Osma" typeface="Ebrima"/>
+        <a:font script="Phag" typeface="Phagspa"/>
+        <a:font script="Syrn" typeface="Estrangelo Edessa"/>
+        <a:font script="Syrj" typeface="Estrangelo Edessa"/>
+        <a:font script="Syre" typeface="Estrangelo Edessa"/>
+        <a:font script="Sora" typeface="Nirmala UI"/>
+        <a:font script="Tale" typeface="Microsoft Tai Le"/>
+        <a:font script="Talu" typeface="Microsoft New Tai Lue"/>
+        <a:font script="Tfng" typeface="Ebrima"/>
+      </a:majorFont>
+      <a:minorFont>
+        <a:latin typeface="Calibri" panose="020F0502020204030204"/>
+        <a:ea typeface=""/>
+        <a:cs typeface=""/>
+        <a:font script="Jpan" typeface="游ゴシック"/>
+        <a:font script="Hang" typeface="맑은 고딕"/>
+        <a:font script="Hans" typeface="等线"/>
+        <a:font script="Hant" typeface="新細明體"/>
+        <a:font script="Arab" typeface="Arial"/>
+        <a:font script="Hebr" typeface="Arial"/>
+        <a:font script="Thai" typeface="Cordia New"/>
+        <a:font script="Ethi" typeface="Nyala"/>
+        <a:font script="Beng" typeface="Vrinda"/>
+        <a:font script="Gujr" typeface="Shruti"/>
+        <a:font script="Khmr" typeface="DaunPenh"/>
+        <a:font script="Knda" typeface="Tunga"/>
+        <a:font script="Guru" typeface="Raavi"/>
+        <a:font script="Cans" typeface="Euphemia"/>
+        <a:font script="Cher" typeface="Plantagenet Cherokee"/>
+        <a:font script="Yiii" typeface="Microsoft Yi Baiti"/>
+        <a:font script="Tibt" typeface="Microsoft Himalaya"/>
+        <a:font script="Thaa" typeface="MV Boli"/>
+        <a:font script="Deva" typeface="Mangal"/>
+        <a:font script="Telu" typeface="Gautami"/>
+        <a:font script="Taml" typeface="Latha"/>
+        <a:font script="Syrc" typeface="Estrangelo Edessa"/>
+        <a:font script="Orya" typeface="Kalinga"/>
+        <a:font script="Mlym" typeface="Kartika"/>
+        <a:font script="Laoo" typeface="DokChampa"/>
+        <a:font script="Sinh" typeface="Iskoola Pota"/>
+        <a:font script="Mong" typeface="Mongolian Baiti"/>
+        <a:font script="Viet" typeface="Arial"/>
+        <a:font script="Uigh" typeface="Microsoft Uighur"/>
+        <a:font script="Geor" typeface="Sylfaen"/>
+        <a:font script="Armn" typeface="Arial"/>
+        <a:font script="Bugi" typeface="Leelawadee UI"/>
+        <a:font script="Bopo" typeface="Microsoft JhengHei"/>
+        <a:font script="Java" typeface="Javanese Text"/>
+        <a:font script="Lisu" typeface="Segoe UI"/>
+        <a:font script="Mymr" typeface="Myanmar Text"/>
+        <a:font script="Nkoo" typeface="Ebrima"/>
+        <a:font script="Olck" typeface="Nirmala UI"/>
+        <a:font script="Osma" typeface="Ebrima"/>
+        <a:font script="Phag" typeface="Phagspa"/>
+        <a:font script="Syrn" typeface="Estrangelo Edessa"/>
+        <a:font script="Syrj" typeface="Estrangelo Edessa"/>
+        <a:font script="Syre" typeface="Estrangelo Edessa"/>
+        <a:font script="Sora" typeface="Nirmala UI"/>
+        <a:font script="Tale" typeface="Microsoft Tai Le"/>
+        <a:font script="Talu" typeface="Microsoft New Tai Lue"/>
+        <a:font script="Tfng" typeface="Ebrima"/>
+      </a:minorFont>
+    </a:fontScheme>
+    <a:fmtScheme name="Office">
+      <a:fillStyleLst>
+        <a:solidFill>
+          <a:schemeClr val="phClr"/>
+        </a:solidFill>
+        <a:gradFill rotWithShape="1">
+          <a:gsLst>
+            <a:gs pos="0">
+              <a:schemeClr val="phClr">
+                <a:lumMod val="110000"/>
+                <a:satMod val="105000"/>
+                <a:tint val="67000"/>
+              </a:schemeClr>
+            </a:gs>
+            <a:gs pos="50000">
+              <a:schemeClr val="phClr">
+                <a:lumMod val="105000"/>
+                <a:satMod val="103000"/>
+                <a:tint val="73000"/>
+              </a:schemeClr>
+            </a:gs>
+            <a:gs pos="100000">
+              <a:schemeClr val="phClr">
+                <a:lumMod val="105000"/>
+                <a:satMod val="109000"/>
+                <a:tint val="81000"/>
+              </a:schemeClr>
+            </a:gs>
+          </a:gsLst>
+          <a:lin ang="5400000" scaled="0"/>
+        </a:gradFill>
+        <a:gradFill rotWithShape="1">
+          <a:gsLst>
+            <a:gs pos="0">
+              <a:schemeClr val="phClr">
+                <a:satMod val="103000"/>
+                <a:lumMod val="102000"/>
+                <a:tint val="94000"/>
+              </a:schemeClr>
+            </a:gs>
+            <a:gs pos="50000">
+              <a:schemeClr val="phClr">
+                <a:satMod val="110000"/>
+                <a:lumMod val="100000"/>
+                <a:shade val="100000"/>
+              </a:schemeClr>
+            </a:gs>
+            <a:gs pos="100000">
+              <a:schemeClr val="phClr">
+                <a:lumMod val="99000"/>
+                <a:satMod val="120000"/>
+                <a:shade val="78000"/>
+              </a:schemeClr>
+            </a:gs>
+          </a:gsLst>
+          <a:lin ang="5400000" scaled="0"/>
+        </a:gradFill>
+      </a:fillStyleLst>
+      <a:lnStyleLst>
+        <a:ln w="6350" cap="flat" cmpd="sng" algn="ctr">
+          <a:solidFill>
+            <a:schemeClr val="phClr"/>
+          </a:solidFill>
+          <a:prstDash val="solid"/>
+          <a:miter lim="800000"/>
+        </a:ln>
+        <a:ln w="12700" cap="flat" cmpd="sng" algn="ctr">
+          <a:solidFill>
+            <a:schemeClr val="phClr"/>
+          </a:solidFill>
+          <a:prstDash val="solid"/>
+          <a:miter lim="800000"/>
+        </a:ln>
+        <a:ln w="19050" cap="flat" cmpd="sng" algn="ctr">
+          <a:solidFill>
+            <a:schemeClr val="phClr"/>
+          </a:solidFill>
+          <a:prstDash val="solid"/>
+          <a:miter lim="800000"/>
+        </a:ln>
+      </a:lnStyleLst>
+      <a:effectStyleLst>
+        <a:effectStyle>
+          <a:effectLst/>
+        </a:effectStyle>
+        <a:effectStyle>
+          <a:effectLst/>
+        </a:effectStyle>
+        <a:effectStyle>
+          <a:effectLst>
+            <a:outerShdw blurRad="57150" dist="19050" dir="5400000" algn="ctr" rotWithShape="0">
+              <a:srgbClr val="000000">
+                <a:alpha val="63000"/>
+              </a:srgbClr>
+            </a:outerShdw>
+          </a:effectLst>
+        </a:effectStyle>
+      </a:effectStyleLst>
+      <a:bgFillStyleLst>
+        <a:solidFill>
+          <a:schemeClr val="phClr"/>
+        </a:solidFill>
+        <a:solidFill>
+          <a:schemeClr val="phClr">
+            <a:tint val="95000"/>
+            <a:satMod val="170000"/>
+          </a:schemeClr>
+        </a:solidFill>
+        <a:gradFill rotWithShape="1">
+          <a:gsLst>
+            <a:gs pos="0">
+              <a:schemeClr val="phClr">
+                <a:tint val="93000"/>
+                <a:satMod val="150000"/>
+                <a:shade val="98000"/>
+                <a:lumMod val="102000"/>
+              </a:schemeClr>
+            </a:gs>
+            <a:gs pos="50000">
+              <a:schemeClr val="phClr">
+                <a:tint val="98000"/>
+                <a:satMod val="130000"/>
+                <a:shade val="90000"/>
+                <a:lumMod val="103000"/>
+              </a:schemeClr>
+            </a:gs>
+            <a:gs pos="100000">
+              <a:schemeClr val="phClr">
+                <a:shade val="63000"/>
+                <a:satMod val="120000"/>
+              </a:schemeClr>
+            </a:gs>
+          </a:gsLst>
+          <a:lin ang="5400000" scaled="0"/>
+        </a:gradFill>
+      </a:bgFillStyleLst>
+    </a:fmtScheme>
+  </a:themeElements>
+  <a:objectDefaults/>
+  <a:extraClrSchemeLst/>
+  <a:extLst>
+    <a:ext uri="{05A4C25C-085E-4340-85A3-A5531E510DB2}">
+      <thm15:themeFamily xmlns:thm15="http://schemas.microsoft.com/office/thememl/2012/main" name="Office Theme" id="{62F939B6-93AF-4DB8-9C6B-D6C7DFDC589F}" vid="{4A3C46E8-61CC-4603-A589-7422A47A8E4A}"/>
+    </a:ext>
+  </a:extLst>
+</a:theme>
 </file>